--- a/Documentation/presentation.pptx
+++ b/Documentation/presentation.pptx
@@ -5,20 +5,25 @@
     <p:sldMasterId id="2147483684" r:id="rId1"/>
   </p:sldMasterIdLst>
   <p:notesMasterIdLst>
-    <p:notesMasterId r:id="rId13"/>
+    <p:notesMasterId r:id="rId18"/>
   </p:notesMasterIdLst>
   <p:sldIdLst>
     <p:sldId id="256" r:id="rId2"/>
     <p:sldId id="265" r:id="rId3"/>
     <p:sldId id="258" r:id="rId4"/>
     <p:sldId id="257" r:id="rId5"/>
-    <p:sldId id="259" r:id="rId6"/>
-    <p:sldId id="260" r:id="rId7"/>
-    <p:sldId id="261" r:id="rId8"/>
-    <p:sldId id="262" r:id="rId9"/>
-    <p:sldId id="263" r:id="rId10"/>
-    <p:sldId id="264" r:id="rId11"/>
-    <p:sldId id="267" r:id="rId12"/>
+    <p:sldId id="268" r:id="rId6"/>
+    <p:sldId id="270" r:id="rId7"/>
+    <p:sldId id="271" r:id="rId8"/>
+    <p:sldId id="272" r:id="rId9"/>
+    <p:sldId id="259" r:id="rId10"/>
+    <p:sldId id="260" r:id="rId11"/>
+    <p:sldId id="261" r:id="rId12"/>
+    <p:sldId id="262" r:id="rId13"/>
+    <p:sldId id="269" r:id="rId14"/>
+    <p:sldId id="263" r:id="rId15"/>
+    <p:sldId id="264" r:id="rId16"/>
+    <p:sldId id="267" r:id="rId17"/>
   </p:sldIdLst>
   <p:sldSz cx="9144000" cy="6858000" type="screen4x3"/>
   <p:notesSz cx="6858000" cy="9144000"/>
@@ -120,6 +125,3341 @@
 </p:presentation>
 </file>
 
+<file path=ppt/diagrams/colors1.xml><?xml version="1.0" encoding="utf-8"?>
+<dgm:colorsDef xmlns:dgm="http://schemas.openxmlformats.org/drawingml/2006/diagram" xmlns:a="http://schemas.openxmlformats.org/drawingml/2006/main" uniqueId="urn:microsoft.com/office/officeart/2005/8/colors/accent1_2">
+  <dgm:title val=""/>
+  <dgm:desc val=""/>
+  <dgm:catLst>
+    <dgm:cat type="accent1" pri="11200"/>
+  </dgm:catLst>
+  <dgm:styleLbl name="node0">
+    <dgm:fillClrLst meth="repeat">
+      <a:schemeClr val="accent1"/>
+    </dgm:fillClrLst>
+    <dgm:linClrLst meth="repeat">
+      <a:schemeClr val="lt1"/>
+    </dgm:linClrLst>
+    <dgm:effectClrLst/>
+    <dgm:txLinClrLst/>
+    <dgm:txFillClrLst/>
+    <dgm:txEffectClrLst/>
+  </dgm:styleLbl>
+  <dgm:styleLbl name="alignNode1">
+    <dgm:fillClrLst meth="repeat">
+      <a:schemeClr val="accent1"/>
+    </dgm:fillClrLst>
+    <dgm:linClrLst meth="repeat">
+      <a:schemeClr val="accent1"/>
+    </dgm:linClrLst>
+    <dgm:effectClrLst/>
+    <dgm:txLinClrLst/>
+    <dgm:txFillClrLst/>
+    <dgm:txEffectClrLst/>
+  </dgm:styleLbl>
+  <dgm:styleLbl name="node1">
+    <dgm:fillClrLst meth="repeat">
+      <a:schemeClr val="accent1"/>
+    </dgm:fillClrLst>
+    <dgm:linClrLst meth="repeat">
+      <a:schemeClr val="lt1"/>
+    </dgm:linClrLst>
+    <dgm:effectClrLst/>
+    <dgm:txLinClrLst/>
+    <dgm:txFillClrLst/>
+    <dgm:txEffectClrLst/>
+  </dgm:styleLbl>
+  <dgm:styleLbl name="lnNode1">
+    <dgm:fillClrLst meth="repeat">
+      <a:schemeClr val="accent1"/>
+    </dgm:fillClrLst>
+    <dgm:linClrLst meth="repeat">
+      <a:schemeClr val="lt1"/>
+    </dgm:linClrLst>
+    <dgm:effectClrLst/>
+    <dgm:txLinClrLst/>
+    <dgm:txFillClrLst/>
+    <dgm:txEffectClrLst/>
+  </dgm:styleLbl>
+  <dgm:styleLbl name="vennNode1">
+    <dgm:fillClrLst meth="repeat">
+      <a:schemeClr val="accent1">
+        <a:alpha val="50000"/>
+      </a:schemeClr>
+    </dgm:fillClrLst>
+    <dgm:linClrLst meth="repeat">
+      <a:schemeClr val="lt1"/>
+    </dgm:linClrLst>
+    <dgm:effectClrLst/>
+    <dgm:txLinClrLst/>
+    <dgm:txFillClrLst/>
+    <dgm:txEffectClrLst/>
+  </dgm:styleLbl>
+  <dgm:styleLbl name="node2">
+    <dgm:fillClrLst meth="repeat">
+      <a:schemeClr val="accent1"/>
+    </dgm:fillClrLst>
+    <dgm:linClrLst meth="repeat">
+      <a:schemeClr val="lt1"/>
+    </dgm:linClrLst>
+    <dgm:effectClrLst/>
+    <dgm:txLinClrLst/>
+    <dgm:txFillClrLst/>
+    <dgm:txEffectClrLst/>
+  </dgm:styleLbl>
+  <dgm:styleLbl name="node3">
+    <dgm:fillClrLst meth="repeat">
+      <a:schemeClr val="accent1"/>
+    </dgm:fillClrLst>
+    <dgm:linClrLst meth="repeat">
+      <a:schemeClr val="lt1"/>
+    </dgm:linClrLst>
+    <dgm:effectClrLst/>
+    <dgm:txLinClrLst/>
+    <dgm:txFillClrLst/>
+    <dgm:txEffectClrLst/>
+  </dgm:styleLbl>
+  <dgm:styleLbl name="node4">
+    <dgm:fillClrLst meth="repeat">
+      <a:schemeClr val="accent1"/>
+    </dgm:fillClrLst>
+    <dgm:linClrLst meth="repeat">
+      <a:schemeClr val="lt1"/>
+    </dgm:linClrLst>
+    <dgm:effectClrLst/>
+    <dgm:txLinClrLst/>
+    <dgm:txFillClrLst/>
+    <dgm:txEffectClrLst/>
+  </dgm:styleLbl>
+  <dgm:styleLbl name="fgImgPlace1">
+    <dgm:fillClrLst meth="repeat">
+      <a:schemeClr val="accent1">
+        <a:tint val="50000"/>
+      </a:schemeClr>
+    </dgm:fillClrLst>
+    <dgm:linClrLst meth="repeat">
+      <a:schemeClr val="lt1"/>
+    </dgm:linClrLst>
+    <dgm:effectClrLst/>
+    <dgm:txLinClrLst/>
+    <dgm:txFillClrLst meth="repeat">
+      <a:schemeClr val="lt1"/>
+    </dgm:txFillClrLst>
+    <dgm:txEffectClrLst/>
+  </dgm:styleLbl>
+  <dgm:styleLbl name="alignImgPlace1">
+    <dgm:fillClrLst meth="repeat">
+      <a:schemeClr val="accent1">
+        <a:tint val="50000"/>
+      </a:schemeClr>
+    </dgm:fillClrLst>
+    <dgm:linClrLst meth="repeat">
+      <a:schemeClr val="lt1"/>
+    </dgm:linClrLst>
+    <dgm:effectClrLst/>
+    <dgm:txLinClrLst/>
+    <dgm:txFillClrLst meth="repeat">
+      <a:schemeClr val="lt1"/>
+    </dgm:txFillClrLst>
+    <dgm:txEffectClrLst/>
+  </dgm:styleLbl>
+  <dgm:styleLbl name="bgImgPlace1">
+    <dgm:fillClrLst meth="repeat">
+      <a:schemeClr val="accent1">
+        <a:tint val="50000"/>
+      </a:schemeClr>
+    </dgm:fillClrLst>
+    <dgm:linClrLst meth="repeat">
+      <a:schemeClr val="lt1"/>
+    </dgm:linClrLst>
+    <dgm:effectClrLst/>
+    <dgm:txLinClrLst/>
+    <dgm:txFillClrLst meth="repeat">
+      <a:schemeClr val="lt1"/>
+    </dgm:txFillClrLst>
+    <dgm:txEffectClrLst/>
+  </dgm:styleLbl>
+  <dgm:styleLbl name="sibTrans2D1">
+    <dgm:fillClrLst meth="repeat">
+      <a:schemeClr val="accent1">
+        <a:tint val="60000"/>
+      </a:schemeClr>
+    </dgm:fillClrLst>
+    <dgm:linClrLst meth="repeat">
+      <a:schemeClr val="accent1">
+        <a:tint val="60000"/>
+      </a:schemeClr>
+    </dgm:linClrLst>
+    <dgm:effectClrLst/>
+    <dgm:txLinClrLst/>
+    <dgm:txFillClrLst/>
+    <dgm:txEffectClrLst/>
+  </dgm:styleLbl>
+  <dgm:styleLbl name="fgSibTrans2D1">
+    <dgm:fillClrLst meth="repeat">
+      <a:schemeClr val="accent1">
+        <a:tint val="60000"/>
+      </a:schemeClr>
+    </dgm:fillClrLst>
+    <dgm:linClrLst meth="repeat">
+      <a:schemeClr val="accent1">
+        <a:tint val="60000"/>
+      </a:schemeClr>
+    </dgm:linClrLst>
+    <dgm:effectClrLst/>
+    <dgm:txLinClrLst/>
+    <dgm:txFillClrLst/>
+    <dgm:txEffectClrLst/>
+  </dgm:styleLbl>
+  <dgm:styleLbl name="bgSibTrans2D1">
+    <dgm:fillClrLst meth="repeat">
+      <a:schemeClr val="accent1">
+        <a:tint val="60000"/>
+      </a:schemeClr>
+    </dgm:fillClrLst>
+    <dgm:linClrLst meth="repeat">
+      <a:schemeClr val="accent1">
+        <a:tint val="60000"/>
+      </a:schemeClr>
+    </dgm:linClrLst>
+    <dgm:effectClrLst/>
+    <dgm:txLinClrLst/>
+    <dgm:txFillClrLst/>
+    <dgm:txEffectClrLst/>
+  </dgm:styleLbl>
+  <dgm:styleLbl name="sibTrans1D1">
+    <dgm:fillClrLst meth="repeat">
+      <a:schemeClr val="accent1"/>
+    </dgm:fillClrLst>
+    <dgm:linClrLst meth="repeat">
+      <a:schemeClr val="accent1"/>
+    </dgm:linClrLst>
+    <dgm:effectClrLst/>
+    <dgm:txLinClrLst/>
+    <dgm:txFillClrLst meth="repeat">
+      <a:schemeClr val="tx1"/>
+    </dgm:txFillClrLst>
+    <dgm:txEffectClrLst/>
+  </dgm:styleLbl>
+  <dgm:styleLbl name="callout">
+    <dgm:fillClrLst meth="repeat">
+      <a:schemeClr val="accent1"/>
+    </dgm:fillClrLst>
+    <dgm:linClrLst meth="repeat">
+      <a:schemeClr val="accent1">
+        <a:tint val="50000"/>
+      </a:schemeClr>
+    </dgm:linClrLst>
+    <dgm:effectClrLst/>
+    <dgm:txLinClrLst/>
+    <dgm:txFillClrLst meth="repeat">
+      <a:schemeClr val="tx1"/>
+    </dgm:txFillClrLst>
+    <dgm:txEffectClrLst/>
+  </dgm:styleLbl>
+  <dgm:styleLbl name="asst0">
+    <dgm:fillClrLst meth="repeat">
+      <a:schemeClr val="accent1"/>
+    </dgm:fillClrLst>
+    <dgm:linClrLst meth="repeat">
+      <a:schemeClr val="lt1"/>
+    </dgm:linClrLst>
+    <dgm:effectClrLst/>
+    <dgm:txLinClrLst/>
+    <dgm:txFillClrLst/>
+    <dgm:txEffectClrLst/>
+  </dgm:styleLbl>
+  <dgm:styleLbl name="asst1">
+    <dgm:fillClrLst meth="repeat">
+      <a:schemeClr val="accent1"/>
+    </dgm:fillClrLst>
+    <dgm:linClrLst meth="repeat">
+      <a:schemeClr val="lt1"/>
+    </dgm:linClrLst>
+    <dgm:effectClrLst/>
+    <dgm:txLinClrLst/>
+    <dgm:txFillClrLst/>
+    <dgm:txEffectClrLst/>
+  </dgm:styleLbl>
+  <dgm:styleLbl name="asst2">
+    <dgm:fillClrLst meth="repeat">
+      <a:schemeClr val="accent1"/>
+    </dgm:fillClrLst>
+    <dgm:linClrLst meth="repeat">
+      <a:schemeClr val="lt1"/>
+    </dgm:linClrLst>
+    <dgm:effectClrLst/>
+    <dgm:txLinClrLst/>
+    <dgm:txFillClrLst/>
+    <dgm:txEffectClrLst/>
+  </dgm:styleLbl>
+  <dgm:styleLbl name="asst3">
+    <dgm:fillClrLst meth="repeat">
+      <a:schemeClr val="accent1"/>
+    </dgm:fillClrLst>
+    <dgm:linClrLst meth="repeat">
+      <a:schemeClr val="lt1"/>
+    </dgm:linClrLst>
+    <dgm:effectClrLst/>
+    <dgm:txLinClrLst/>
+    <dgm:txFillClrLst/>
+    <dgm:txEffectClrLst/>
+  </dgm:styleLbl>
+  <dgm:styleLbl name="asst4">
+    <dgm:fillClrLst meth="repeat">
+      <a:schemeClr val="accent1"/>
+    </dgm:fillClrLst>
+    <dgm:linClrLst meth="repeat">
+      <a:schemeClr val="lt1"/>
+    </dgm:linClrLst>
+    <dgm:effectClrLst/>
+    <dgm:txLinClrLst/>
+    <dgm:txFillClrLst/>
+    <dgm:txEffectClrLst/>
+  </dgm:styleLbl>
+  <dgm:styleLbl name="parChTrans2D1">
+    <dgm:fillClrLst meth="repeat">
+      <a:schemeClr val="accent1">
+        <a:tint val="60000"/>
+      </a:schemeClr>
+    </dgm:fillClrLst>
+    <dgm:linClrLst meth="repeat">
+      <a:schemeClr val="accent1">
+        <a:tint val="60000"/>
+      </a:schemeClr>
+    </dgm:linClrLst>
+    <dgm:effectClrLst/>
+    <dgm:txLinClrLst/>
+    <dgm:txFillClrLst meth="repeat">
+      <a:schemeClr val="lt1"/>
+    </dgm:txFillClrLst>
+    <dgm:txEffectClrLst/>
+  </dgm:styleLbl>
+  <dgm:styleLbl name="parChTrans2D2">
+    <dgm:fillClrLst meth="repeat">
+      <a:schemeClr val="accent1"/>
+    </dgm:fillClrLst>
+    <dgm:linClrLst meth="repeat">
+      <a:schemeClr val="accent1"/>
+    </dgm:linClrLst>
+    <dgm:effectClrLst/>
+    <dgm:txLinClrLst/>
+    <dgm:txFillClrLst meth="repeat">
+      <a:schemeClr val="lt1"/>
+    </dgm:txFillClrLst>
+    <dgm:txEffectClrLst/>
+  </dgm:styleLbl>
+  <dgm:styleLbl name="parChTrans2D3">
+    <dgm:fillClrLst meth="repeat">
+      <a:schemeClr val="accent1"/>
+    </dgm:fillClrLst>
+    <dgm:linClrLst meth="repeat">
+      <a:schemeClr val="accent1"/>
+    </dgm:linClrLst>
+    <dgm:effectClrLst/>
+    <dgm:txLinClrLst/>
+    <dgm:txFillClrLst meth="repeat">
+      <a:schemeClr val="lt1"/>
+    </dgm:txFillClrLst>
+    <dgm:txEffectClrLst/>
+  </dgm:styleLbl>
+  <dgm:styleLbl name="parChTrans2D4">
+    <dgm:fillClrLst meth="repeat">
+      <a:schemeClr val="accent1"/>
+    </dgm:fillClrLst>
+    <dgm:linClrLst meth="repeat">
+      <a:schemeClr val="accent1"/>
+    </dgm:linClrLst>
+    <dgm:effectClrLst/>
+    <dgm:txLinClrLst/>
+    <dgm:txFillClrLst meth="repeat">
+      <a:schemeClr val="lt1"/>
+    </dgm:txFillClrLst>
+    <dgm:txEffectClrLst/>
+  </dgm:styleLbl>
+  <dgm:styleLbl name="parChTrans1D1">
+    <dgm:fillClrLst meth="repeat">
+      <a:schemeClr val="accent1"/>
+    </dgm:fillClrLst>
+    <dgm:linClrLst meth="repeat">
+      <a:schemeClr val="accent1">
+        <a:shade val="60000"/>
+      </a:schemeClr>
+    </dgm:linClrLst>
+    <dgm:effectClrLst/>
+    <dgm:txLinClrLst/>
+    <dgm:txFillClrLst meth="repeat">
+      <a:schemeClr val="tx1"/>
+    </dgm:txFillClrLst>
+    <dgm:txEffectClrLst/>
+  </dgm:styleLbl>
+  <dgm:styleLbl name="parChTrans1D2">
+    <dgm:fillClrLst meth="repeat">
+      <a:schemeClr val="accent1"/>
+    </dgm:fillClrLst>
+    <dgm:linClrLst meth="repeat">
+      <a:schemeClr val="accent1">
+        <a:shade val="60000"/>
+      </a:schemeClr>
+    </dgm:linClrLst>
+    <dgm:effectClrLst/>
+    <dgm:txLinClrLst/>
+    <dgm:txFillClrLst meth="repeat">
+      <a:schemeClr val="tx1"/>
+    </dgm:txFillClrLst>
+    <dgm:txEffectClrLst/>
+  </dgm:styleLbl>
+  <dgm:styleLbl name="parChTrans1D3">
+    <dgm:fillClrLst meth="repeat">
+      <a:schemeClr val="accent1"/>
+    </dgm:fillClrLst>
+    <dgm:linClrLst meth="repeat">
+      <a:schemeClr val="accent1">
+        <a:shade val="80000"/>
+      </a:schemeClr>
+    </dgm:linClrLst>
+    <dgm:effectClrLst/>
+    <dgm:txLinClrLst/>
+    <dgm:txFillClrLst meth="repeat">
+      <a:schemeClr val="tx1"/>
+    </dgm:txFillClrLst>
+    <dgm:txEffectClrLst/>
+  </dgm:styleLbl>
+  <dgm:styleLbl name="parChTrans1D4">
+    <dgm:fillClrLst meth="repeat">
+      <a:schemeClr val="accent1"/>
+    </dgm:fillClrLst>
+    <dgm:linClrLst meth="repeat">
+      <a:schemeClr val="accent1">
+        <a:shade val="80000"/>
+      </a:schemeClr>
+    </dgm:linClrLst>
+    <dgm:effectClrLst/>
+    <dgm:txLinClrLst/>
+    <dgm:txFillClrLst meth="repeat">
+      <a:schemeClr val="tx1"/>
+    </dgm:txFillClrLst>
+    <dgm:txEffectClrLst/>
+  </dgm:styleLbl>
+  <dgm:styleLbl name="fgAcc1">
+    <dgm:fillClrLst meth="repeat">
+      <a:schemeClr val="lt1">
+        <a:alpha val="90000"/>
+      </a:schemeClr>
+    </dgm:fillClrLst>
+    <dgm:linClrLst meth="repeat">
+      <a:schemeClr val="accent1"/>
+    </dgm:linClrLst>
+    <dgm:effectClrLst/>
+    <dgm:txLinClrLst/>
+    <dgm:txFillClrLst meth="repeat">
+      <a:schemeClr val="dk1"/>
+    </dgm:txFillClrLst>
+    <dgm:txEffectClrLst/>
+  </dgm:styleLbl>
+  <dgm:styleLbl name="conFgAcc1">
+    <dgm:fillClrLst meth="repeat">
+      <a:schemeClr val="lt1">
+        <a:alpha val="90000"/>
+      </a:schemeClr>
+    </dgm:fillClrLst>
+    <dgm:linClrLst meth="repeat">
+      <a:schemeClr val="accent1"/>
+    </dgm:linClrLst>
+    <dgm:effectClrLst/>
+    <dgm:txLinClrLst/>
+    <dgm:txFillClrLst meth="repeat">
+      <a:schemeClr val="dk1"/>
+    </dgm:txFillClrLst>
+    <dgm:txEffectClrLst/>
+  </dgm:styleLbl>
+  <dgm:styleLbl name="alignAcc1">
+    <dgm:fillClrLst meth="repeat">
+      <a:schemeClr val="lt1">
+        <a:alpha val="90000"/>
+      </a:schemeClr>
+    </dgm:fillClrLst>
+    <dgm:linClrLst meth="repeat">
+      <a:schemeClr val="accent1"/>
+    </dgm:linClrLst>
+    <dgm:effectClrLst/>
+    <dgm:txLinClrLst/>
+    <dgm:txFillClrLst meth="repeat">
+      <a:schemeClr val="dk1"/>
+    </dgm:txFillClrLst>
+    <dgm:txEffectClrLst/>
+  </dgm:styleLbl>
+  <dgm:styleLbl name="trAlignAcc1">
+    <dgm:fillClrLst meth="repeat">
+      <a:schemeClr val="lt1">
+        <a:alpha val="40000"/>
+      </a:schemeClr>
+    </dgm:fillClrLst>
+    <dgm:linClrLst meth="repeat">
+      <a:schemeClr val="accent1"/>
+    </dgm:linClrLst>
+    <dgm:effectClrLst/>
+    <dgm:txLinClrLst/>
+    <dgm:txFillClrLst meth="repeat">
+      <a:schemeClr val="dk1"/>
+    </dgm:txFillClrLst>
+    <dgm:txEffectClrLst/>
+  </dgm:styleLbl>
+  <dgm:styleLbl name="bgAcc1">
+    <dgm:fillClrLst meth="repeat">
+      <a:schemeClr val="lt1">
+        <a:alpha val="90000"/>
+      </a:schemeClr>
+    </dgm:fillClrLst>
+    <dgm:linClrLst meth="repeat">
+      <a:schemeClr val="accent1"/>
+    </dgm:linClrLst>
+    <dgm:effectClrLst/>
+    <dgm:txLinClrLst/>
+    <dgm:txFillClrLst meth="repeat">
+      <a:schemeClr val="dk1"/>
+    </dgm:txFillClrLst>
+    <dgm:txEffectClrLst/>
+  </dgm:styleLbl>
+  <dgm:styleLbl name="solidFgAcc1">
+    <dgm:fillClrLst meth="repeat">
+      <a:schemeClr val="lt1"/>
+    </dgm:fillClrLst>
+    <dgm:linClrLst meth="repeat">
+      <a:schemeClr val="accent1"/>
+    </dgm:linClrLst>
+    <dgm:effectClrLst/>
+    <dgm:txLinClrLst/>
+    <dgm:txFillClrLst meth="repeat">
+      <a:schemeClr val="dk1"/>
+    </dgm:txFillClrLst>
+    <dgm:txEffectClrLst/>
+  </dgm:styleLbl>
+  <dgm:styleLbl name="solidAlignAcc1">
+    <dgm:fillClrLst meth="repeat">
+      <a:schemeClr val="lt1"/>
+    </dgm:fillClrLst>
+    <dgm:linClrLst meth="repeat">
+      <a:schemeClr val="accent1"/>
+    </dgm:linClrLst>
+    <dgm:effectClrLst/>
+    <dgm:txLinClrLst/>
+    <dgm:txFillClrLst meth="repeat">
+      <a:schemeClr val="dk1"/>
+    </dgm:txFillClrLst>
+    <dgm:txEffectClrLst/>
+  </dgm:styleLbl>
+  <dgm:styleLbl name="solidBgAcc1">
+    <dgm:fillClrLst meth="repeat">
+      <a:schemeClr val="lt1"/>
+    </dgm:fillClrLst>
+    <dgm:linClrLst meth="repeat">
+      <a:schemeClr val="accent1"/>
+    </dgm:linClrLst>
+    <dgm:effectClrLst/>
+    <dgm:txLinClrLst/>
+    <dgm:txFillClrLst meth="repeat">
+      <a:schemeClr val="dk1"/>
+    </dgm:txFillClrLst>
+    <dgm:txEffectClrLst/>
+  </dgm:styleLbl>
+  <dgm:styleLbl name="fgAccFollowNode1">
+    <dgm:fillClrLst meth="repeat">
+      <a:schemeClr val="accent1">
+        <a:alpha val="90000"/>
+        <a:tint val="40000"/>
+      </a:schemeClr>
+    </dgm:fillClrLst>
+    <dgm:linClrLst meth="repeat">
+      <a:schemeClr val="accent1">
+        <a:alpha val="90000"/>
+        <a:tint val="40000"/>
+      </a:schemeClr>
+    </dgm:linClrLst>
+    <dgm:effectClrLst/>
+    <dgm:txLinClrLst/>
+    <dgm:txFillClrLst meth="repeat">
+      <a:schemeClr val="dk1"/>
+    </dgm:txFillClrLst>
+    <dgm:txEffectClrLst/>
+  </dgm:styleLbl>
+  <dgm:styleLbl name="alignAccFollowNode1">
+    <dgm:fillClrLst meth="repeat">
+      <a:schemeClr val="accent1">
+        <a:alpha val="90000"/>
+        <a:tint val="40000"/>
+      </a:schemeClr>
+    </dgm:fillClrLst>
+    <dgm:linClrLst meth="repeat">
+      <a:schemeClr val="accent1">
+        <a:alpha val="90000"/>
+        <a:tint val="40000"/>
+      </a:schemeClr>
+    </dgm:linClrLst>
+    <dgm:effectClrLst/>
+    <dgm:txLinClrLst/>
+    <dgm:txFillClrLst meth="repeat">
+      <a:schemeClr val="dk1"/>
+    </dgm:txFillClrLst>
+    <dgm:txEffectClrLst/>
+  </dgm:styleLbl>
+  <dgm:styleLbl name="bgAccFollowNode1">
+    <dgm:fillClrLst meth="repeat">
+      <a:schemeClr val="accent1">
+        <a:alpha val="90000"/>
+        <a:tint val="40000"/>
+      </a:schemeClr>
+    </dgm:fillClrLst>
+    <dgm:linClrLst meth="repeat">
+      <a:schemeClr val="accent1">
+        <a:alpha val="90000"/>
+        <a:tint val="40000"/>
+      </a:schemeClr>
+    </dgm:linClrLst>
+    <dgm:effectClrLst/>
+    <dgm:txLinClrLst/>
+    <dgm:txFillClrLst meth="repeat">
+      <a:schemeClr val="dk1"/>
+    </dgm:txFillClrLst>
+    <dgm:txEffectClrLst/>
+  </dgm:styleLbl>
+  <dgm:styleLbl name="fgAcc0">
+    <dgm:fillClrLst meth="repeat">
+      <a:schemeClr val="lt1">
+        <a:alpha val="90000"/>
+      </a:schemeClr>
+    </dgm:fillClrLst>
+    <dgm:linClrLst meth="repeat">
+      <a:schemeClr val="accent1"/>
+    </dgm:linClrLst>
+    <dgm:effectClrLst/>
+    <dgm:txLinClrLst/>
+    <dgm:txFillClrLst meth="repeat">
+      <a:schemeClr val="dk1"/>
+    </dgm:txFillClrLst>
+    <dgm:txEffectClrLst/>
+  </dgm:styleLbl>
+  <dgm:styleLbl name="fgAcc2">
+    <dgm:fillClrLst meth="repeat">
+      <a:schemeClr val="lt1">
+        <a:alpha val="90000"/>
+      </a:schemeClr>
+    </dgm:fillClrLst>
+    <dgm:linClrLst meth="repeat">
+      <a:schemeClr val="accent1"/>
+    </dgm:linClrLst>
+    <dgm:effectClrLst/>
+    <dgm:txLinClrLst/>
+    <dgm:txFillClrLst meth="repeat">
+      <a:schemeClr val="dk1"/>
+    </dgm:txFillClrLst>
+    <dgm:txEffectClrLst/>
+  </dgm:styleLbl>
+  <dgm:styleLbl name="fgAcc3">
+    <dgm:fillClrLst meth="repeat">
+      <a:schemeClr val="lt1">
+        <a:alpha val="90000"/>
+      </a:schemeClr>
+    </dgm:fillClrLst>
+    <dgm:linClrLst meth="repeat">
+      <a:schemeClr val="accent1"/>
+    </dgm:linClrLst>
+    <dgm:effectClrLst/>
+    <dgm:txLinClrLst/>
+    <dgm:txFillClrLst meth="repeat">
+      <a:schemeClr val="dk1"/>
+    </dgm:txFillClrLst>
+    <dgm:txEffectClrLst/>
+  </dgm:styleLbl>
+  <dgm:styleLbl name="fgAcc4">
+    <dgm:fillClrLst meth="repeat">
+      <a:schemeClr val="lt1">
+        <a:alpha val="90000"/>
+      </a:schemeClr>
+    </dgm:fillClrLst>
+    <dgm:linClrLst meth="repeat">
+      <a:schemeClr val="accent1"/>
+    </dgm:linClrLst>
+    <dgm:effectClrLst/>
+    <dgm:txLinClrLst/>
+    <dgm:txFillClrLst meth="repeat">
+      <a:schemeClr val="dk1"/>
+    </dgm:txFillClrLst>
+    <dgm:txEffectClrLst/>
+  </dgm:styleLbl>
+  <dgm:styleLbl name="bgShp">
+    <dgm:fillClrLst meth="repeat">
+      <a:schemeClr val="accent1">
+        <a:tint val="40000"/>
+      </a:schemeClr>
+    </dgm:fillClrLst>
+    <dgm:linClrLst meth="repeat">
+      <a:schemeClr val="accent1"/>
+    </dgm:linClrLst>
+    <dgm:effectClrLst/>
+    <dgm:txLinClrLst/>
+    <dgm:txFillClrLst meth="repeat">
+      <a:schemeClr val="dk1"/>
+    </dgm:txFillClrLst>
+    <dgm:txEffectClrLst/>
+  </dgm:styleLbl>
+  <dgm:styleLbl name="dkBgShp">
+    <dgm:fillClrLst meth="repeat">
+      <a:schemeClr val="accent1">
+        <a:shade val="80000"/>
+      </a:schemeClr>
+    </dgm:fillClrLst>
+    <dgm:linClrLst meth="repeat">
+      <a:schemeClr val="accent1"/>
+    </dgm:linClrLst>
+    <dgm:effectClrLst/>
+    <dgm:txLinClrLst/>
+    <dgm:txFillClrLst meth="repeat">
+      <a:schemeClr val="lt1"/>
+    </dgm:txFillClrLst>
+    <dgm:txEffectClrLst/>
+  </dgm:styleLbl>
+  <dgm:styleLbl name="trBgShp">
+    <dgm:fillClrLst meth="repeat">
+      <a:schemeClr val="accent1">
+        <a:tint val="50000"/>
+        <a:alpha val="40000"/>
+      </a:schemeClr>
+    </dgm:fillClrLst>
+    <dgm:linClrLst meth="repeat">
+      <a:schemeClr val="accent1"/>
+    </dgm:linClrLst>
+    <dgm:effectClrLst/>
+    <dgm:txLinClrLst/>
+    <dgm:txFillClrLst meth="repeat">
+      <a:schemeClr val="lt1"/>
+    </dgm:txFillClrLst>
+    <dgm:txEffectClrLst/>
+  </dgm:styleLbl>
+  <dgm:styleLbl name="fgShp">
+    <dgm:fillClrLst meth="repeat">
+      <a:schemeClr val="accent1">
+        <a:tint val="60000"/>
+      </a:schemeClr>
+    </dgm:fillClrLst>
+    <dgm:linClrLst meth="repeat">
+      <a:schemeClr val="lt1"/>
+    </dgm:linClrLst>
+    <dgm:effectClrLst/>
+    <dgm:txLinClrLst/>
+    <dgm:txFillClrLst meth="repeat">
+      <a:schemeClr val="dk1"/>
+    </dgm:txFillClrLst>
+    <dgm:txEffectClrLst/>
+  </dgm:styleLbl>
+  <dgm:styleLbl name="revTx">
+    <dgm:fillClrLst meth="repeat">
+      <a:schemeClr val="lt1">
+        <a:alpha val="0"/>
+      </a:schemeClr>
+    </dgm:fillClrLst>
+    <dgm:linClrLst meth="repeat">
+      <a:schemeClr val="dk1">
+        <a:alpha val="0"/>
+      </a:schemeClr>
+    </dgm:linClrLst>
+    <dgm:effectClrLst/>
+    <dgm:txLinClrLst/>
+    <dgm:txFillClrLst meth="repeat">
+      <a:schemeClr val="tx1"/>
+    </dgm:txFillClrLst>
+    <dgm:txEffectClrLst/>
+  </dgm:styleLbl>
+</dgm:colorsDef>
+</file>
+
+<file path=ppt/diagrams/data1.xml><?xml version="1.0" encoding="utf-8"?>
+<dgm:dataModel xmlns:dgm="http://schemas.openxmlformats.org/drawingml/2006/diagram" xmlns:a="http://schemas.openxmlformats.org/drawingml/2006/main">
+  <dgm:ptLst>
+    <dgm:pt modelId="{839D4151-3CAC-4D33-AF74-EC5CEF2737D7}" type="doc">
+      <dgm:prSet loTypeId="urn:microsoft.com/office/officeart/2005/8/layout/radial5" loCatId="cycle" qsTypeId="urn:microsoft.com/office/officeart/2005/8/quickstyle/3d1" qsCatId="3D" csTypeId="urn:microsoft.com/office/officeart/2005/8/colors/accent1_2" csCatId="accent1" phldr="1"/>
+      <dgm:spPr/>
+      <dgm:t>
+        <a:bodyPr/>
+        <a:lstStyle/>
+        <a:p>
+          <a:endParaRPr lang="fr-FR"/>
+        </a:p>
+      </dgm:t>
+    </dgm:pt>
+    <dgm:pt modelId="{D4EAD752-1D8E-4C96-ABC7-4F6275FD7C79}">
+      <dgm:prSet phldrT="[Texte]"/>
+      <dgm:spPr/>
+      <dgm:t>
+        <a:bodyPr/>
+        <a:lstStyle/>
+        <a:p>
+          <a:r>
+            <a:rPr lang="fr-FR" dirty="0" smtClean="0"/>
+            <a:t>Connexion</a:t>
+          </a:r>
+          <a:endParaRPr lang="fr-FR" dirty="0"/>
+        </a:p>
+      </dgm:t>
+    </dgm:pt>
+    <dgm:pt modelId="{26A4D7BD-E85F-431C-A8C3-9E19EDFEC252}" type="parTrans" cxnId="{9F7E08D5-E64A-4DCC-936B-87BB1FFBC99D}">
+      <dgm:prSet/>
+      <dgm:spPr/>
+      <dgm:t>
+        <a:bodyPr/>
+        <a:lstStyle/>
+        <a:p>
+          <a:endParaRPr lang="fr-FR"/>
+        </a:p>
+      </dgm:t>
+    </dgm:pt>
+    <dgm:pt modelId="{CCEB7BA8-D46D-47A3-A2F8-14EBACF1AE9B}" type="sibTrans" cxnId="{9F7E08D5-E64A-4DCC-936B-87BB1FFBC99D}">
+      <dgm:prSet/>
+      <dgm:spPr/>
+      <dgm:t>
+        <a:bodyPr/>
+        <a:lstStyle/>
+        <a:p>
+          <a:endParaRPr lang="fr-FR"/>
+        </a:p>
+      </dgm:t>
+    </dgm:pt>
+    <dgm:pt modelId="{AFD13B52-3A5E-40FE-A5AD-97AF32826DCB}">
+      <dgm:prSet phldrT="[Texte]"/>
+      <dgm:spPr/>
+      <dgm:t>
+        <a:bodyPr/>
+        <a:lstStyle/>
+        <a:p>
+          <a:r>
+            <a:rPr lang="fr-FR" dirty="0" smtClean="0"/>
+            <a:t>Interface</a:t>
+          </a:r>
+        </a:p>
+        <a:p>
+          <a:r>
+            <a:rPr lang="fr-FR" dirty="0" smtClean="0"/>
+            <a:t>Employé Cuisson</a:t>
+          </a:r>
+          <a:endParaRPr lang="fr-FR" dirty="0"/>
+        </a:p>
+      </dgm:t>
+    </dgm:pt>
+    <dgm:pt modelId="{0288C3B8-F1B1-46A6-B34B-87CECE09E05D}" type="parTrans" cxnId="{712FEBA5-EFBD-42A2-8088-42A26EC06731}">
+      <dgm:prSet/>
+      <dgm:spPr/>
+      <dgm:t>
+        <a:bodyPr/>
+        <a:lstStyle/>
+        <a:p>
+          <a:endParaRPr lang="fr-FR"/>
+        </a:p>
+      </dgm:t>
+    </dgm:pt>
+    <dgm:pt modelId="{E7EBEAA6-00B5-43C9-8381-4998B5F40B3E}" type="sibTrans" cxnId="{712FEBA5-EFBD-42A2-8088-42A26EC06731}">
+      <dgm:prSet/>
+      <dgm:spPr/>
+      <dgm:t>
+        <a:bodyPr/>
+        <a:lstStyle/>
+        <a:p>
+          <a:endParaRPr lang="fr-FR"/>
+        </a:p>
+      </dgm:t>
+    </dgm:pt>
+    <dgm:pt modelId="{52014102-FD08-4E89-8596-867C1B41538B}">
+      <dgm:prSet phldrT="[Texte]"/>
+      <dgm:spPr/>
+      <dgm:t>
+        <a:bodyPr/>
+        <a:lstStyle/>
+        <a:p>
+          <a:r>
+            <a:rPr lang="fr-FR" dirty="0" smtClean="0"/>
+            <a:t>Interface</a:t>
+          </a:r>
+        </a:p>
+        <a:p>
+          <a:r>
+            <a:rPr lang="fr-FR" dirty="0" smtClean="0"/>
+            <a:t>Vendeur</a:t>
+          </a:r>
+          <a:endParaRPr lang="fr-FR" dirty="0"/>
+        </a:p>
+      </dgm:t>
+    </dgm:pt>
+    <dgm:pt modelId="{E6750AD8-AAA2-407E-B813-F4A4003931F6}" type="parTrans" cxnId="{258FCC2C-211C-4FC4-886C-0C084830930A}">
+      <dgm:prSet/>
+      <dgm:spPr/>
+      <dgm:t>
+        <a:bodyPr/>
+        <a:lstStyle/>
+        <a:p>
+          <a:endParaRPr lang="fr-FR"/>
+        </a:p>
+      </dgm:t>
+    </dgm:pt>
+    <dgm:pt modelId="{18C87229-F4B4-4A7F-BB6F-086672756A24}" type="sibTrans" cxnId="{258FCC2C-211C-4FC4-886C-0C084830930A}">
+      <dgm:prSet/>
+      <dgm:spPr/>
+      <dgm:t>
+        <a:bodyPr/>
+        <a:lstStyle/>
+        <a:p>
+          <a:endParaRPr lang="fr-FR"/>
+        </a:p>
+      </dgm:t>
+    </dgm:pt>
+    <dgm:pt modelId="{F1EF77ED-F987-483B-B337-8BBDD97057A5}">
+      <dgm:prSet phldrT="[Texte]"/>
+      <dgm:spPr/>
+      <dgm:t>
+        <a:bodyPr/>
+        <a:lstStyle/>
+        <a:p>
+          <a:r>
+            <a:rPr lang="fr-FR" dirty="0" smtClean="0"/>
+            <a:t>Interface</a:t>
+          </a:r>
+        </a:p>
+        <a:p>
+          <a:r>
+            <a:rPr lang="fr-FR" dirty="0" smtClean="0"/>
+            <a:t>Manager</a:t>
+          </a:r>
+          <a:endParaRPr lang="fr-FR" dirty="0"/>
+        </a:p>
+      </dgm:t>
+    </dgm:pt>
+    <dgm:pt modelId="{84B772E5-1E13-49F0-86F4-28C79826DCCE}" type="parTrans" cxnId="{C555D50F-E4C2-4AA8-8D37-54A670D579E9}">
+      <dgm:prSet/>
+      <dgm:spPr/>
+      <dgm:t>
+        <a:bodyPr/>
+        <a:lstStyle/>
+        <a:p>
+          <a:endParaRPr lang="fr-FR"/>
+        </a:p>
+      </dgm:t>
+    </dgm:pt>
+    <dgm:pt modelId="{A2D70817-E99A-4900-9F76-1BFB439AA9FD}" type="sibTrans" cxnId="{C555D50F-E4C2-4AA8-8D37-54A670D579E9}">
+      <dgm:prSet/>
+      <dgm:spPr/>
+      <dgm:t>
+        <a:bodyPr/>
+        <a:lstStyle/>
+        <a:p>
+          <a:endParaRPr lang="fr-FR"/>
+        </a:p>
+      </dgm:t>
+    </dgm:pt>
+    <dgm:pt modelId="{F68B6B17-EECD-4279-A3D5-933A7D365472}">
+      <dgm:prSet phldrT="[Texte]"/>
+      <dgm:spPr/>
+      <dgm:t>
+        <a:bodyPr/>
+        <a:lstStyle/>
+        <a:p>
+          <a:endParaRPr lang="fr-FR" dirty="0"/>
+        </a:p>
+      </dgm:t>
+    </dgm:pt>
+    <dgm:pt modelId="{6C1ED32F-884B-49D8-BCB2-47A93128F120}" type="parTrans" cxnId="{5A763161-AB67-444B-8B8C-603B0C3EA81F}">
+      <dgm:prSet/>
+      <dgm:spPr/>
+      <dgm:t>
+        <a:bodyPr/>
+        <a:lstStyle/>
+        <a:p>
+          <a:endParaRPr lang="fr-FR"/>
+        </a:p>
+      </dgm:t>
+    </dgm:pt>
+    <dgm:pt modelId="{609BF8BB-E9BF-4466-8040-0E0B6191BD3C}" type="sibTrans" cxnId="{5A763161-AB67-444B-8B8C-603B0C3EA81F}">
+      <dgm:prSet/>
+      <dgm:spPr/>
+      <dgm:t>
+        <a:bodyPr/>
+        <a:lstStyle/>
+        <a:p>
+          <a:endParaRPr lang="fr-FR"/>
+        </a:p>
+      </dgm:t>
+    </dgm:pt>
+    <dgm:pt modelId="{53FD9E45-BF67-40AD-894A-82AD1F822023}" type="pres">
+      <dgm:prSet presAssocID="{839D4151-3CAC-4D33-AF74-EC5CEF2737D7}" presName="Name0" presStyleCnt="0">
+        <dgm:presLayoutVars>
+          <dgm:chMax val="1"/>
+          <dgm:dir/>
+          <dgm:animLvl val="ctr"/>
+          <dgm:resizeHandles val="exact"/>
+        </dgm:presLayoutVars>
+      </dgm:prSet>
+      <dgm:spPr/>
+      <dgm:t>
+        <a:bodyPr/>
+        <a:lstStyle/>
+        <a:p>
+          <a:endParaRPr lang="fr-FR"/>
+        </a:p>
+      </dgm:t>
+    </dgm:pt>
+    <dgm:pt modelId="{C63F3835-F676-4F19-8D88-5C2DBD2894E8}" type="pres">
+      <dgm:prSet presAssocID="{D4EAD752-1D8E-4C96-ABC7-4F6275FD7C79}" presName="centerShape" presStyleLbl="node0" presStyleIdx="0" presStyleCnt="1" custLinFactNeighborX="0" custLinFactNeighborY="-47580"/>
+      <dgm:spPr/>
+      <dgm:t>
+        <a:bodyPr/>
+        <a:lstStyle/>
+        <a:p>
+          <a:endParaRPr lang="fr-FR"/>
+        </a:p>
+      </dgm:t>
+    </dgm:pt>
+    <dgm:pt modelId="{AD0EC586-A65D-4B6A-9348-323D56AB3369}" type="pres">
+      <dgm:prSet presAssocID="{0288C3B8-F1B1-46A6-B34B-87CECE09E05D}" presName="parTrans" presStyleLbl="sibTrans2D1" presStyleIdx="0" presStyleCnt="3"/>
+      <dgm:spPr/>
+      <dgm:t>
+        <a:bodyPr/>
+        <a:lstStyle/>
+        <a:p>
+          <a:endParaRPr lang="fr-FR"/>
+        </a:p>
+      </dgm:t>
+    </dgm:pt>
+    <dgm:pt modelId="{C8082BCB-5F13-456B-ADF3-EE0862E7EE1F}" type="pres">
+      <dgm:prSet presAssocID="{0288C3B8-F1B1-46A6-B34B-87CECE09E05D}" presName="connectorText" presStyleLbl="sibTrans2D1" presStyleIdx="0" presStyleCnt="3"/>
+      <dgm:spPr/>
+      <dgm:t>
+        <a:bodyPr/>
+        <a:lstStyle/>
+        <a:p>
+          <a:endParaRPr lang="fr-FR"/>
+        </a:p>
+      </dgm:t>
+    </dgm:pt>
+    <dgm:pt modelId="{B3CE87FB-AEAD-4B73-92A9-46F64AB26F24}" type="pres">
+      <dgm:prSet presAssocID="{AFD13B52-3A5E-40FE-A5AD-97AF32826DCB}" presName="node" presStyleLbl="node1" presStyleIdx="0" presStyleCnt="3" custRadScaleRad="19786" custRadScaleInc="297555">
+        <dgm:presLayoutVars>
+          <dgm:bulletEnabled val="1"/>
+        </dgm:presLayoutVars>
+      </dgm:prSet>
+      <dgm:spPr/>
+      <dgm:t>
+        <a:bodyPr/>
+        <a:lstStyle/>
+        <a:p>
+          <a:endParaRPr lang="fr-FR"/>
+        </a:p>
+      </dgm:t>
+    </dgm:pt>
+    <dgm:pt modelId="{AC4FEF96-363B-412D-94A3-35E4742FF863}" type="pres">
+      <dgm:prSet presAssocID="{E6750AD8-AAA2-407E-B813-F4A4003931F6}" presName="parTrans" presStyleLbl="sibTrans2D1" presStyleIdx="1" presStyleCnt="3"/>
+      <dgm:spPr/>
+      <dgm:t>
+        <a:bodyPr/>
+        <a:lstStyle/>
+        <a:p>
+          <a:endParaRPr lang="fr-FR"/>
+        </a:p>
+      </dgm:t>
+    </dgm:pt>
+    <dgm:pt modelId="{3D7CAAE0-12C1-4B01-BF4A-DDA8EA443CF1}" type="pres">
+      <dgm:prSet presAssocID="{E6750AD8-AAA2-407E-B813-F4A4003931F6}" presName="connectorText" presStyleLbl="sibTrans2D1" presStyleIdx="1" presStyleCnt="3"/>
+      <dgm:spPr/>
+      <dgm:t>
+        <a:bodyPr/>
+        <a:lstStyle/>
+        <a:p>
+          <a:endParaRPr lang="fr-FR"/>
+        </a:p>
+      </dgm:t>
+    </dgm:pt>
+    <dgm:pt modelId="{2863A892-1681-4532-9131-C653477CF71B}" type="pres">
+      <dgm:prSet presAssocID="{52014102-FD08-4E89-8596-867C1B41538B}" presName="node" presStyleLbl="node1" presStyleIdx="1" presStyleCnt="3" custRadScaleRad="138903" custRadScaleInc="-36365">
+        <dgm:presLayoutVars>
+          <dgm:bulletEnabled val="1"/>
+        </dgm:presLayoutVars>
+      </dgm:prSet>
+      <dgm:spPr/>
+      <dgm:t>
+        <a:bodyPr/>
+        <a:lstStyle/>
+        <a:p>
+          <a:endParaRPr lang="fr-FR"/>
+        </a:p>
+      </dgm:t>
+    </dgm:pt>
+    <dgm:pt modelId="{C3D4C4E5-1716-49ED-B5AE-76667461F76C}" type="pres">
+      <dgm:prSet presAssocID="{84B772E5-1E13-49F0-86F4-28C79826DCCE}" presName="parTrans" presStyleLbl="sibTrans2D1" presStyleIdx="2" presStyleCnt="3"/>
+      <dgm:spPr>
+        <a:prstGeom prst="rightArrow">
+          <a:avLst/>
+        </a:prstGeom>
+      </dgm:spPr>
+      <dgm:t>
+        <a:bodyPr/>
+        <a:lstStyle/>
+        <a:p>
+          <a:endParaRPr lang="fr-FR"/>
+        </a:p>
+      </dgm:t>
+    </dgm:pt>
+    <dgm:pt modelId="{DB9C696F-A1C3-42D5-B309-2428CD2A639B}" type="pres">
+      <dgm:prSet presAssocID="{84B772E5-1E13-49F0-86F4-28C79826DCCE}" presName="connectorText" presStyleLbl="sibTrans2D1" presStyleIdx="2" presStyleCnt="3"/>
+      <dgm:spPr/>
+      <dgm:t>
+        <a:bodyPr/>
+        <a:lstStyle/>
+        <a:p>
+          <a:endParaRPr lang="fr-FR"/>
+        </a:p>
+      </dgm:t>
+    </dgm:pt>
+    <dgm:pt modelId="{FAF4B0F5-14BA-44A4-A45F-092C794D9B07}" type="pres">
+      <dgm:prSet presAssocID="{F1EF77ED-F987-483B-B337-8BBDD97057A5}" presName="node" presStyleLbl="node1" presStyleIdx="2" presStyleCnt="3" custRadScaleRad="138401" custRadScaleInc="36315">
+        <dgm:presLayoutVars>
+          <dgm:bulletEnabled val="1"/>
+        </dgm:presLayoutVars>
+      </dgm:prSet>
+      <dgm:spPr/>
+      <dgm:t>
+        <a:bodyPr/>
+        <a:lstStyle/>
+        <a:p>
+          <a:endParaRPr lang="fr-FR"/>
+        </a:p>
+      </dgm:t>
+    </dgm:pt>
+  </dgm:ptLst>
+  <dgm:cxnLst>
+    <dgm:cxn modelId="{0B8EBE75-B9F0-4729-B144-FEEA6E34A337}" type="presOf" srcId="{84B772E5-1E13-49F0-86F4-28C79826DCCE}" destId="{C3D4C4E5-1716-49ED-B5AE-76667461F76C}" srcOrd="0" destOrd="0" presId="urn:microsoft.com/office/officeart/2005/8/layout/radial5"/>
+    <dgm:cxn modelId="{395C761F-0843-40E7-B7A5-94306438337D}" type="presOf" srcId="{D4EAD752-1D8E-4C96-ABC7-4F6275FD7C79}" destId="{C63F3835-F676-4F19-8D88-5C2DBD2894E8}" srcOrd="0" destOrd="0" presId="urn:microsoft.com/office/officeart/2005/8/layout/radial5"/>
+    <dgm:cxn modelId="{5A763161-AB67-444B-8B8C-603B0C3EA81F}" srcId="{839D4151-3CAC-4D33-AF74-EC5CEF2737D7}" destId="{F68B6B17-EECD-4279-A3D5-933A7D365472}" srcOrd="1" destOrd="0" parTransId="{6C1ED32F-884B-49D8-BCB2-47A93128F120}" sibTransId="{609BF8BB-E9BF-4466-8040-0E0B6191BD3C}"/>
+    <dgm:cxn modelId="{971AF893-3854-4C2B-9473-2647DB692497}" type="presOf" srcId="{F1EF77ED-F987-483B-B337-8BBDD97057A5}" destId="{FAF4B0F5-14BA-44A4-A45F-092C794D9B07}" srcOrd="0" destOrd="0" presId="urn:microsoft.com/office/officeart/2005/8/layout/radial5"/>
+    <dgm:cxn modelId="{712FEBA5-EFBD-42A2-8088-42A26EC06731}" srcId="{D4EAD752-1D8E-4C96-ABC7-4F6275FD7C79}" destId="{AFD13B52-3A5E-40FE-A5AD-97AF32826DCB}" srcOrd="0" destOrd="0" parTransId="{0288C3B8-F1B1-46A6-B34B-87CECE09E05D}" sibTransId="{E7EBEAA6-00B5-43C9-8381-4998B5F40B3E}"/>
+    <dgm:cxn modelId="{D2145BFA-5FC3-4170-9CD7-3753759BA06B}" type="presOf" srcId="{0288C3B8-F1B1-46A6-B34B-87CECE09E05D}" destId="{AD0EC586-A65D-4B6A-9348-323D56AB3369}" srcOrd="0" destOrd="0" presId="urn:microsoft.com/office/officeart/2005/8/layout/radial5"/>
+    <dgm:cxn modelId="{FB8801EB-37AA-4647-A4E1-68779F192958}" type="presOf" srcId="{AFD13B52-3A5E-40FE-A5AD-97AF32826DCB}" destId="{B3CE87FB-AEAD-4B73-92A9-46F64AB26F24}" srcOrd="0" destOrd="0" presId="urn:microsoft.com/office/officeart/2005/8/layout/radial5"/>
+    <dgm:cxn modelId="{8C8E5716-9FCE-43BA-AD82-A0D374830255}" type="presOf" srcId="{52014102-FD08-4E89-8596-867C1B41538B}" destId="{2863A892-1681-4532-9131-C653477CF71B}" srcOrd="0" destOrd="0" presId="urn:microsoft.com/office/officeart/2005/8/layout/radial5"/>
+    <dgm:cxn modelId="{C5DB0A11-5F08-44CD-8875-6C825887F261}" type="presOf" srcId="{0288C3B8-F1B1-46A6-B34B-87CECE09E05D}" destId="{C8082BCB-5F13-456B-ADF3-EE0862E7EE1F}" srcOrd="1" destOrd="0" presId="urn:microsoft.com/office/officeart/2005/8/layout/radial5"/>
+    <dgm:cxn modelId="{38D44DD5-CB43-4DD4-9136-E40DAEA8720E}" type="presOf" srcId="{E6750AD8-AAA2-407E-B813-F4A4003931F6}" destId="{3D7CAAE0-12C1-4B01-BF4A-DDA8EA443CF1}" srcOrd="1" destOrd="0" presId="urn:microsoft.com/office/officeart/2005/8/layout/radial5"/>
+    <dgm:cxn modelId="{56278E73-19DD-46F5-A747-1D466F81B872}" type="presOf" srcId="{E6750AD8-AAA2-407E-B813-F4A4003931F6}" destId="{AC4FEF96-363B-412D-94A3-35E4742FF863}" srcOrd="0" destOrd="0" presId="urn:microsoft.com/office/officeart/2005/8/layout/radial5"/>
+    <dgm:cxn modelId="{C555D50F-E4C2-4AA8-8D37-54A670D579E9}" srcId="{D4EAD752-1D8E-4C96-ABC7-4F6275FD7C79}" destId="{F1EF77ED-F987-483B-B337-8BBDD97057A5}" srcOrd="2" destOrd="0" parTransId="{84B772E5-1E13-49F0-86F4-28C79826DCCE}" sibTransId="{A2D70817-E99A-4900-9F76-1BFB439AA9FD}"/>
+    <dgm:cxn modelId="{0B7BF49E-C102-4B6E-824B-887D2C854AF0}" type="presOf" srcId="{839D4151-3CAC-4D33-AF74-EC5CEF2737D7}" destId="{53FD9E45-BF67-40AD-894A-82AD1F822023}" srcOrd="0" destOrd="0" presId="urn:microsoft.com/office/officeart/2005/8/layout/radial5"/>
+    <dgm:cxn modelId="{9F7E08D5-E64A-4DCC-936B-87BB1FFBC99D}" srcId="{839D4151-3CAC-4D33-AF74-EC5CEF2737D7}" destId="{D4EAD752-1D8E-4C96-ABC7-4F6275FD7C79}" srcOrd="0" destOrd="0" parTransId="{26A4D7BD-E85F-431C-A8C3-9E19EDFEC252}" sibTransId="{CCEB7BA8-D46D-47A3-A2F8-14EBACF1AE9B}"/>
+    <dgm:cxn modelId="{258FCC2C-211C-4FC4-886C-0C084830930A}" srcId="{D4EAD752-1D8E-4C96-ABC7-4F6275FD7C79}" destId="{52014102-FD08-4E89-8596-867C1B41538B}" srcOrd="1" destOrd="0" parTransId="{E6750AD8-AAA2-407E-B813-F4A4003931F6}" sibTransId="{18C87229-F4B4-4A7F-BB6F-086672756A24}"/>
+    <dgm:cxn modelId="{5C7FA6D7-75A4-4877-AE48-84EF9FFB3566}" type="presOf" srcId="{84B772E5-1E13-49F0-86F4-28C79826DCCE}" destId="{DB9C696F-A1C3-42D5-B309-2428CD2A639B}" srcOrd="1" destOrd="0" presId="urn:microsoft.com/office/officeart/2005/8/layout/radial5"/>
+    <dgm:cxn modelId="{4BBA6D2F-C3CA-4DA0-B7FA-8210DC397B2E}" type="presParOf" srcId="{53FD9E45-BF67-40AD-894A-82AD1F822023}" destId="{C63F3835-F676-4F19-8D88-5C2DBD2894E8}" srcOrd="0" destOrd="0" presId="urn:microsoft.com/office/officeart/2005/8/layout/radial5"/>
+    <dgm:cxn modelId="{F1BAEFD4-3FDA-4151-A4F4-0FBCCFA7E114}" type="presParOf" srcId="{53FD9E45-BF67-40AD-894A-82AD1F822023}" destId="{AD0EC586-A65D-4B6A-9348-323D56AB3369}" srcOrd="1" destOrd="0" presId="urn:microsoft.com/office/officeart/2005/8/layout/radial5"/>
+    <dgm:cxn modelId="{20761EB5-4DD9-462F-B969-B34DA0C267B8}" type="presParOf" srcId="{AD0EC586-A65D-4B6A-9348-323D56AB3369}" destId="{C8082BCB-5F13-456B-ADF3-EE0862E7EE1F}" srcOrd="0" destOrd="0" presId="urn:microsoft.com/office/officeart/2005/8/layout/radial5"/>
+    <dgm:cxn modelId="{569FFA1F-B291-4D57-BECB-46FC17D28C9B}" type="presParOf" srcId="{53FD9E45-BF67-40AD-894A-82AD1F822023}" destId="{B3CE87FB-AEAD-4B73-92A9-46F64AB26F24}" srcOrd="2" destOrd="0" presId="urn:microsoft.com/office/officeart/2005/8/layout/radial5"/>
+    <dgm:cxn modelId="{BB242609-9551-4EA9-92F1-41DF85A16801}" type="presParOf" srcId="{53FD9E45-BF67-40AD-894A-82AD1F822023}" destId="{AC4FEF96-363B-412D-94A3-35E4742FF863}" srcOrd="3" destOrd="0" presId="urn:microsoft.com/office/officeart/2005/8/layout/radial5"/>
+    <dgm:cxn modelId="{ACEC07DC-3E7F-4951-A866-5BC97249EFB1}" type="presParOf" srcId="{AC4FEF96-363B-412D-94A3-35E4742FF863}" destId="{3D7CAAE0-12C1-4B01-BF4A-DDA8EA443CF1}" srcOrd="0" destOrd="0" presId="urn:microsoft.com/office/officeart/2005/8/layout/radial5"/>
+    <dgm:cxn modelId="{16DBA77B-D5C0-4A77-8F8B-B640BEC2B050}" type="presParOf" srcId="{53FD9E45-BF67-40AD-894A-82AD1F822023}" destId="{2863A892-1681-4532-9131-C653477CF71B}" srcOrd="4" destOrd="0" presId="urn:microsoft.com/office/officeart/2005/8/layout/radial5"/>
+    <dgm:cxn modelId="{D59912BF-8D81-4FCA-BA60-60454898E676}" type="presParOf" srcId="{53FD9E45-BF67-40AD-894A-82AD1F822023}" destId="{C3D4C4E5-1716-49ED-B5AE-76667461F76C}" srcOrd="5" destOrd="0" presId="urn:microsoft.com/office/officeart/2005/8/layout/radial5"/>
+    <dgm:cxn modelId="{104F8B9D-BFA9-47B7-A873-DBE94E1888C2}" type="presParOf" srcId="{C3D4C4E5-1716-49ED-B5AE-76667461F76C}" destId="{DB9C696F-A1C3-42D5-B309-2428CD2A639B}" srcOrd="0" destOrd="0" presId="urn:microsoft.com/office/officeart/2005/8/layout/radial5"/>
+    <dgm:cxn modelId="{9BC293E4-D246-49F8-8C9A-45488F6054C2}" type="presParOf" srcId="{53FD9E45-BF67-40AD-894A-82AD1F822023}" destId="{FAF4B0F5-14BA-44A4-A45F-092C794D9B07}" srcOrd="6" destOrd="0" presId="urn:microsoft.com/office/officeart/2005/8/layout/radial5"/>
+  </dgm:cxnLst>
+  <dgm:bg/>
+  <dgm:whole/>
+  <dgm:extLst>
+    <a:ext uri="http://schemas.microsoft.com/office/drawing/2008/diagram">
+      <dsp:dataModelExt xmlns:dsp="http://schemas.microsoft.com/office/drawing/2008/diagram" relId="rId7" minVer="http://schemas.openxmlformats.org/drawingml/2006/diagram"/>
+    </a:ext>
+  </dgm:extLst>
+</dgm:dataModel>
+</file>
+
+<file path=ppt/diagrams/drawing1.xml><?xml version="1.0" encoding="utf-8"?>
+<dsp:drawing xmlns:dgm="http://schemas.openxmlformats.org/drawingml/2006/diagram" xmlns:dsp="http://schemas.microsoft.com/office/drawing/2008/diagram" xmlns:a="http://schemas.openxmlformats.org/drawingml/2006/main">
+  <dsp:spTree>
+    <dsp:nvGrpSpPr>
+      <dsp:cNvPr id="0" name=""/>
+      <dsp:cNvGrpSpPr/>
+    </dsp:nvGrpSpPr>
+    <dsp:grpSpPr/>
+    <dsp:sp modelId="{C63F3835-F676-4F19-8D88-5C2DBD2894E8}">
+      <dsp:nvSpPr>
+        <dsp:cNvPr id="0" name=""/>
+        <dsp:cNvSpPr/>
+      </dsp:nvSpPr>
+      <dsp:spPr>
+        <a:xfrm>
+          <a:off x="3385467" y="100623"/>
+          <a:ext cx="1458664" cy="1458664"/>
+        </a:xfrm>
+        <a:prstGeom prst="ellipse">
+          <a:avLst/>
+        </a:prstGeom>
+        <a:gradFill rotWithShape="0">
+          <a:gsLst>
+            <a:gs pos="0">
+              <a:schemeClr val="accent1">
+                <a:hueOff val="0"/>
+                <a:satOff val="0"/>
+                <a:lumOff val="0"/>
+                <a:alphaOff val="0"/>
+                <a:shade val="51000"/>
+                <a:satMod val="130000"/>
+              </a:schemeClr>
+            </a:gs>
+            <a:gs pos="80000">
+              <a:schemeClr val="accent1">
+                <a:hueOff val="0"/>
+                <a:satOff val="0"/>
+                <a:lumOff val="0"/>
+                <a:alphaOff val="0"/>
+                <a:shade val="93000"/>
+                <a:satMod val="130000"/>
+              </a:schemeClr>
+            </a:gs>
+            <a:gs pos="100000">
+              <a:schemeClr val="accent1">
+                <a:hueOff val="0"/>
+                <a:satOff val="0"/>
+                <a:lumOff val="0"/>
+                <a:alphaOff val="0"/>
+                <a:shade val="94000"/>
+                <a:satMod val="135000"/>
+              </a:schemeClr>
+            </a:gs>
+          </a:gsLst>
+          <a:lin ang="16200000" scaled="0"/>
+        </a:gradFill>
+        <a:ln>
+          <a:noFill/>
+        </a:ln>
+        <a:effectLst>
+          <a:outerShdw blurRad="40000" dist="23000" dir="5400000" rotWithShape="0">
+            <a:srgbClr val="000000">
+              <a:alpha val="35000"/>
+            </a:srgbClr>
+          </a:outerShdw>
+        </a:effectLst>
+        <a:scene3d>
+          <a:camera prst="orthographicFront"/>
+          <a:lightRig rig="flat" dir="t"/>
+        </a:scene3d>
+        <a:sp3d prstMaterial="plastic">
+          <a:bevelT w="120900" h="88900"/>
+          <a:bevelB w="88900" h="31750" prst="angle"/>
+        </a:sp3d>
+      </dsp:spPr>
+      <dsp:style>
+        <a:lnRef idx="0">
+          <a:scrgbClr r="0" g="0" b="0"/>
+        </a:lnRef>
+        <a:fillRef idx="3">
+          <a:scrgbClr r="0" g="0" b="0"/>
+        </a:fillRef>
+        <a:effectRef idx="2">
+          <a:scrgbClr r="0" g="0" b="0"/>
+        </a:effectRef>
+        <a:fontRef idx="minor">
+          <a:schemeClr val="lt1"/>
+        </a:fontRef>
+      </dsp:style>
+      <dsp:txBody>
+        <a:bodyPr spcFirstLastPara="0" vert="horz" wrap="square" lIns="22860" tIns="22860" rIns="22860" bIns="22860" numCol="1" spcCol="1270" anchor="ctr" anchorCtr="0">
+          <a:noAutofit/>
+        </a:bodyPr>
+        <a:lstStyle/>
+        <a:p>
+          <a:pPr lvl="0" algn="ctr" defTabSz="800100">
+            <a:lnSpc>
+              <a:spcPct val="90000"/>
+            </a:lnSpc>
+            <a:spcBef>
+              <a:spcPct val="0"/>
+            </a:spcBef>
+            <a:spcAft>
+              <a:spcPct val="35000"/>
+            </a:spcAft>
+          </a:pPr>
+          <a:r>
+            <a:rPr lang="fr-FR" sz="1800" kern="1200" dirty="0" smtClean="0"/>
+            <a:t>Connexion</a:t>
+          </a:r>
+          <a:endParaRPr lang="fr-FR" sz="1800" kern="1200" dirty="0"/>
+        </a:p>
+      </dsp:txBody>
+      <dsp:txXfrm>
+        <a:off x="3599083" y="314239"/>
+        <a:ext cx="1031432" cy="1031432"/>
+      </dsp:txXfrm>
+    </dsp:sp>
+    <dsp:sp modelId="{AD0EC586-A65D-4B6A-9348-323D56AB3369}">
+      <dsp:nvSpPr>
+        <dsp:cNvPr id="0" name=""/>
+        <dsp:cNvSpPr/>
+      </dsp:nvSpPr>
+      <dsp:spPr>
+        <a:xfrm rot="5384850">
+          <a:off x="3884326" y="1742473"/>
+          <a:ext cx="471175" cy="495945"/>
+        </a:xfrm>
+        <a:prstGeom prst="rightArrow">
+          <a:avLst>
+            <a:gd name="adj1" fmla="val 60000"/>
+            <a:gd name="adj2" fmla="val 50000"/>
+          </a:avLst>
+        </a:prstGeom>
+        <a:gradFill rotWithShape="0">
+          <a:gsLst>
+            <a:gs pos="0">
+              <a:schemeClr val="accent1">
+                <a:tint val="60000"/>
+                <a:hueOff val="0"/>
+                <a:satOff val="0"/>
+                <a:lumOff val="0"/>
+                <a:alphaOff val="0"/>
+                <a:shade val="51000"/>
+                <a:satMod val="130000"/>
+              </a:schemeClr>
+            </a:gs>
+            <a:gs pos="80000">
+              <a:schemeClr val="accent1">
+                <a:tint val="60000"/>
+                <a:hueOff val="0"/>
+                <a:satOff val="0"/>
+                <a:lumOff val="0"/>
+                <a:alphaOff val="0"/>
+                <a:shade val="93000"/>
+                <a:satMod val="130000"/>
+              </a:schemeClr>
+            </a:gs>
+            <a:gs pos="100000">
+              <a:schemeClr val="accent1">
+                <a:tint val="60000"/>
+                <a:hueOff val="0"/>
+                <a:satOff val="0"/>
+                <a:lumOff val="0"/>
+                <a:alphaOff val="0"/>
+                <a:shade val="94000"/>
+                <a:satMod val="135000"/>
+              </a:schemeClr>
+            </a:gs>
+          </a:gsLst>
+          <a:lin ang="16200000" scaled="0"/>
+        </a:gradFill>
+        <a:ln>
+          <a:noFill/>
+        </a:ln>
+        <a:effectLst>
+          <a:outerShdw blurRad="40000" dist="23000" dir="5400000" rotWithShape="0">
+            <a:srgbClr val="000000">
+              <a:alpha val="35000"/>
+            </a:srgbClr>
+          </a:outerShdw>
+        </a:effectLst>
+        <a:scene3d>
+          <a:camera prst="orthographicFront"/>
+          <a:lightRig rig="flat" dir="t"/>
+        </a:scene3d>
+        <a:sp3d z="-80000" prstMaterial="plastic">
+          <a:bevelT w="50800" h="50800"/>
+          <a:bevelB w="25400" h="25400" prst="angle"/>
+        </a:sp3d>
+      </dsp:spPr>
+      <dsp:style>
+        <a:lnRef idx="0">
+          <a:scrgbClr r="0" g="0" b="0"/>
+        </a:lnRef>
+        <a:fillRef idx="3">
+          <a:scrgbClr r="0" g="0" b="0"/>
+        </a:fillRef>
+        <a:effectRef idx="2">
+          <a:scrgbClr r="0" g="0" b="0"/>
+        </a:effectRef>
+        <a:fontRef idx="minor">
+          <a:schemeClr val="lt1"/>
+        </a:fontRef>
+      </dsp:style>
+      <dsp:txBody>
+        <a:bodyPr spcFirstLastPara="0" vert="horz" wrap="square" lIns="0" tIns="0" rIns="0" bIns="0" numCol="1" spcCol="1270" anchor="ctr" anchorCtr="0">
+          <a:noAutofit/>
+        </a:bodyPr>
+        <a:lstStyle/>
+        <a:p>
+          <a:pPr lvl="0" algn="ctr" defTabSz="666750">
+            <a:lnSpc>
+              <a:spcPct val="90000"/>
+            </a:lnSpc>
+            <a:spcBef>
+              <a:spcPct val="0"/>
+            </a:spcBef>
+            <a:spcAft>
+              <a:spcPct val="35000"/>
+            </a:spcAft>
+          </a:pPr>
+          <a:endParaRPr lang="fr-FR" sz="1500" kern="1200"/>
+        </a:p>
+      </dsp:txBody>
+      <dsp:txXfrm>
+        <a:off x="3954691" y="1770987"/>
+        <a:ext cx="329823" cy="297567"/>
+      </dsp:txXfrm>
+    </dsp:sp>
+    <dsp:sp modelId="{B3CE87FB-AEAD-4B73-92A9-46F64AB26F24}">
+      <dsp:nvSpPr>
+        <dsp:cNvPr id="0" name=""/>
+        <dsp:cNvSpPr/>
+      </dsp:nvSpPr>
+      <dsp:spPr>
+        <a:xfrm>
+          <a:off x="3395814" y="2448275"/>
+          <a:ext cx="1458664" cy="1458664"/>
+        </a:xfrm>
+        <a:prstGeom prst="ellipse">
+          <a:avLst/>
+        </a:prstGeom>
+        <a:gradFill rotWithShape="0">
+          <a:gsLst>
+            <a:gs pos="0">
+              <a:schemeClr val="accent1">
+                <a:hueOff val="0"/>
+                <a:satOff val="0"/>
+                <a:lumOff val="0"/>
+                <a:alphaOff val="0"/>
+                <a:shade val="51000"/>
+                <a:satMod val="130000"/>
+              </a:schemeClr>
+            </a:gs>
+            <a:gs pos="80000">
+              <a:schemeClr val="accent1">
+                <a:hueOff val="0"/>
+                <a:satOff val="0"/>
+                <a:lumOff val="0"/>
+                <a:alphaOff val="0"/>
+                <a:shade val="93000"/>
+                <a:satMod val="130000"/>
+              </a:schemeClr>
+            </a:gs>
+            <a:gs pos="100000">
+              <a:schemeClr val="accent1">
+                <a:hueOff val="0"/>
+                <a:satOff val="0"/>
+                <a:lumOff val="0"/>
+                <a:alphaOff val="0"/>
+                <a:shade val="94000"/>
+                <a:satMod val="135000"/>
+              </a:schemeClr>
+            </a:gs>
+          </a:gsLst>
+          <a:lin ang="16200000" scaled="0"/>
+        </a:gradFill>
+        <a:ln>
+          <a:noFill/>
+        </a:ln>
+        <a:effectLst>
+          <a:outerShdw blurRad="40000" dist="23000" dir="5400000" rotWithShape="0">
+            <a:srgbClr val="000000">
+              <a:alpha val="35000"/>
+            </a:srgbClr>
+          </a:outerShdw>
+        </a:effectLst>
+        <a:scene3d>
+          <a:camera prst="orthographicFront"/>
+          <a:lightRig rig="flat" dir="t"/>
+        </a:scene3d>
+        <a:sp3d prstMaterial="plastic">
+          <a:bevelT w="120900" h="88900"/>
+          <a:bevelB w="88900" h="31750" prst="angle"/>
+        </a:sp3d>
+      </dsp:spPr>
+      <dsp:style>
+        <a:lnRef idx="0">
+          <a:scrgbClr r="0" g="0" b="0"/>
+        </a:lnRef>
+        <a:fillRef idx="3">
+          <a:scrgbClr r="0" g="0" b="0"/>
+        </a:fillRef>
+        <a:effectRef idx="2">
+          <a:scrgbClr r="0" g="0" b="0"/>
+        </a:effectRef>
+        <a:fontRef idx="minor">
+          <a:schemeClr val="lt1"/>
+        </a:fontRef>
+      </dsp:style>
+      <dsp:txBody>
+        <a:bodyPr spcFirstLastPara="0" vert="horz" wrap="square" lIns="22860" tIns="22860" rIns="22860" bIns="22860" numCol="1" spcCol="1270" anchor="ctr" anchorCtr="0">
+          <a:noAutofit/>
+        </a:bodyPr>
+        <a:lstStyle/>
+        <a:p>
+          <a:pPr lvl="0" algn="ctr" defTabSz="800100">
+            <a:lnSpc>
+              <a:spcPct val="90000"/>
+            </a:lnSpc>
+            <a:spcBef>
+              <a:spcPct val="0"/>
+            </a:spcBef>
+            <a:spcAft>
+              <a:spcPct val="35000"/>
+            </a:spcAft>
+          </a:pPr>
+          <a:r>
+            <a:rPr lang="fr-FR" sz="1800" kern="1200" dirty="0" smtClean="0"/>
+            <a:t>Interface</a:t>
+          </a:r>
+        </a:p>
+        <a:p>
+          <a:pPr lvl="0" algn="ctr" defTabSz="800100">
+            <a:lnSpc>
+              <a:spcPct val="90000"/>
+            </a:lnSpc>
+            <a:spcBef>
+              <a:spcPct val="0"/>
+            </a:spcBef>
+            <a:spcAft>
+              <a:spcPct val="35000"/>
+            </a:spcAft>
+          </a:pPr>
+          <a:r>
+            <a:rPr lang="fr-FR" sz="1800" kern="1200" dirty="0" smtClean="0"/>
+            <a:t>Employé Cuisson</a:t>
+          </a:r>
+          <a:endParaRPr lang="fr-FR" sz="1800" kern="1200" dirty="0"/>
+        </a:p>
+      </dsp:txBody>
+      <dsp:txXfrm>
+        <a:off x="3609430" y="2661891"/>
+        <a:ext cx="1031432" cy="1031432"/>
+      </dsp:txXfrm>
+    </dsp:sp>
+    <dsp:sp modelId="{AC4FEF96-363B-412D-94A3-35E4742FF863}">
+      <dsp:nvSpPr>
+        <dsp:cNvPr id="0" name=""/>
+        <dsp:cNvSpPr/>
+      </dsp:nvSpPr>
+      <dsp:spPr>
+        <a:xfrm rot="2393514">
+          <a:off x="4910200" y="1734492"/>
+          <a:ext cx="1166763" cy="495945"/>
+        </a:xfrm>
+        <a:prstGeom prst="rightArrow">
+          <a:avLst>
+            <a:gd name="adj1" fmla="val 60000"/>
+            <a:gd name="adj2" fmla="val 50000"/>
+          </a:avLst>
+        </a:prstGeom>
+        <a:gradFill rotWithShape="0">
+          <a:gsLst>
+            <a:gs pos="0">
+              <a:schemeClr val="accent1">
+                <a:tint val="60000"/>
+                <a:hueOff val="0"/>
+                <a:satOff val="0"/>
+                <a:lumOff val="0"/>
+                <a:alphaOff val="0"/>
+                <a:shade val="51000"/>
+                <a:satMod val="130000"/>
+              </a:schemeClr>
+            </a:gs>
+            <a:gs pos="80000">
+              <a:schemeClr val="accent1">
+                <a:tint val="60000"/>
+                <a:hueOff val="0"/>
+                <a:satOff val="0"/>
+                <a:lumOff val="0"/>
+                <a:alphaOff val="0"/>
+                <a:shade val="93000"/>
+                <a:satMod val="130000"/>
+              </a:schemeClr>
+            </a:gs>
+            <a:gs pos="100000">
+              <a:schemeClr val="accent1">
+                <a:tint val="60000"/>
+                <a:hueOff val="0"/>
+                <a:satOff val="0"/>
+                <a:lumOff val="0"/>
+                <a:alphaOff val="0"/>
+                <a:shade val="94000"/>
+                <a:satMod val="135000"/>
+              </a:schemeClr>
+            </a:gs>
+          </a:gsLst>
+          <a:lin ang="16200000" scaled="0"/>
+        </a:gradFill>
+        <a:ln>
+          <a:noFill/>
+        </a:ln>
+        <a:effectLst>
+          <a:outerShdw blurRad="40000" dist="23000" dir="5400000" rotWithShape="0">
+            <a:srgbClr val="000000">
+              <a:alpha val="35000"/>
+            </a:srgbClr>
+          </a:outerShdw>
+        </a:effectLst>
+        <a:scene3d>
+          <a:camera prst="orthographicFront"/>
+          <a:lightRig rig="flat" dir="t"/>
+        </a:scene3d>
+        <a:sp3d z="-80000" prstMaterial="plastic">
+          <a:bevelT w="50800" h="50800"/>
+          <a:bevelB w="25400" h="25400" prst="angle"/>
+        </a:sp3d>
+      </dsp:spPr>
+      <dsp:style>
+        <a:lnRef idx="0">
+          <a:scrgbClr r="0" g="0" b="0"/>
+        </a:lnRef>
+        <a:fillRef idx="3">
+          <a:scrgbClr r="0" g="0" b="0"/>
+        </a:fillRef>
+        <a:effectRef idx="2">
+          <a:scrgbClr r="0" g="0" b="0"/>
+        </a:effectRef>
+        <a:fontRef idx="minor">
+          <a:schemeClr val="lt1"/>
+        </a:fontRef>
+      </dsp:style>
+      <dsp:txBody>
+        <a:bodyPr spcFirstLastPara="0" vert="horz" wrap="square" lIns="0" tIns="0" rIns="0" bIns="0" numCol="1" spcCol="1270" anchor="ctr" anchorCtr="0">
+          <a:noAutofit/>
+        </a:bodyPr>
+        <a:lstStyle/>
+        <a:p>
+          <a:pPr lvl="0" algn="ctr" defTabSz="666750">
+            <a:lnSpc>
+              <a:spcPct val="90000"/>
+            </a:lnSpc>
+            <a:spcBef>
+              <a:spcPct val="0"/>
+            </a:spcBef>
+            <a:spcAft>
+              <a:spcPct val="35000"/>
+            </a:spcAft>
+          </a:pPr>
+          <a:endParaRPr lang="fr-FR" sz="1500" kern="1200"/>
+        </a:p>
+      </dsp:txBody>
+      <dsp:txXfrm>
+        <a:off x="4927514" y="1785971"/>
+        <a:ext cx="1017980" cy="297567"/>
+      </dsp:txXfrm>
+    </dsp:sp>
+    <dsp:sp modelId="{2863A892-1681-4532-9131-C653477CF71B}">
+      <dsp:nvSpPr>
+        <dsp:cNvPr id="0" name=""/>
+        <dsp:cNvSpPr/>
+      </dsp:nvSpPr>
+      <dsp:spPr>
+        <a:xfrm>
+          <a:off x="6193704" y="2447999"/>
+          <a:ext cx="1458664" cy="1458664"/>
+        </a:xfrm>
+        <a:prstGeom prst="ellipse">
+          <a:avLst/>
+        </a:prstGeom>
+        <a:gradFill rotWithShape="0">
+          <a:gsLst>
+            <a:gs pos="0">
+              <a:schemeClr val="accent1">
+                <a:hueOff val="0"/>
+                <a:satOff val="0"/>
+                <a:lumOff val="0"/>
+                <a:alphaOff val="0"/>
+                <a:shade val="51000"/>
+                <a:satMod val="130000"/>
+              </a:schemeClr>
+            </a:gs>
+            <a:gs pos="80000">
+              <a:schemeClr val="accent1">
+                <a:hueOff val="0"/>
+                <a:satOff val="0"/>
+                <a:lumOff val="0"/>
+                <a:alphaOff val="0"/>
+                <a:shade val="93000"/>
+                <a:satMod val="130000"/>
+              </a:schemeClr>
+            </a:gs>
+            <a:gs pos="100000">
+              <a:schemeClr val="accent1">
+                <a:hueOff val="0"/>
+                <a:satOff val="0"/>
+                <a:lumOff val="0"/>
+                <a:alphaOff val="0"/>
+                <a:shade val="94000"/>
+                <a:satMod val="135000"/>
+              </a:schemeClr>
+            </a:gs>
+          </a:gsLst>
+          <a:lin ang="16200000" scaled="0"/>
+        </a:gradFill>
+        <a:ln>
+          <a:noFill/>
+        </a:ln>
+        <a:effectLst>
+          <a:outerShdw blurRad="40000" dist="23000" dir="5400000" rotWithShape="0">
+            <a:srgbClr val="000000">
+              <a:alpha val="35000"/>
+            </a:srgbClr>
+          </a:outerShdw>
+        </a:effectLst>
+        <a:scene3d>
+          <a:camera prst="orthographicFront"/>
+          <a:lightRig rig="flat" dir="t"/>
+        </a:scene3d>
+        <a:sp3d prstMaterial="plastic">
+          <a:bevelT w="120900" h="88900"/>
+          <a:bevelB w="88900" h="31750" prst="angle"/>
+        </a:sp3d>
+      </dsp:spPr>
+      <dsp:style>
+        <a:lnRef idx="0">
+          <a:scrgbClr r="0" g="0" b="0"/>
+        </a:lnRef>
+        <a:fillRef idx="3">
+          <a:scrgbClr r="0" g="0" b="0"/>
+        </a:fillRef>
+        <a:effectRef idx="2">
+          <a:scrgbClr r="0" g="0" b="0"/>
+        </a:effectRef>
+        <a:fontRef idx="minor">
+          <a:schemeClr val="lt1"/>
+        </a:fontRef>
+      </dsp:style>
+      <dsp:txBody>
+        <a:bodyPr spcFirstLastPara="0" vert="horz" wrap="square" lIns="22860" tIns="22860" rIns="22860" bIns="22860" numCol="1" spcCol="1270" anchor="ctr" anchorCtr="0">
+          <a:noAutofit/>
+        </a:bodyPr>
+        <a:lstStyle/>
+        <a:p>
+          <a:pPr lvl="0" algn="ctr" defTabSz="800100">
+            <a:lnSpc>
+              <a:spcPct val="90000"/>
+            </a:lnSpc>
+            <a:spcBef>
+              <a:spcPct val="0"/>
+            </a:spcBef>
+            <a:spcAft>
+              <a:spcPct val="35000"/>
+            </a:spcAft>
+          </a:pPr>
+          <a:r>
+            <a:rPr lang="fr-FR" sz="1800" kern="1200" dirty="0" smtClean="0"/>
+            <a:t>Interface</a:t>
+          </a:r>
+        </a:p>
+        <a:p>
+          <a:pPr lvl="0" algn="ctr" defTabSz="800100">
+            <a:lnSpc>
+              <a:spcPct val="90000"/>
+            </a:lnSpc>
+            <a:spcBef>
+              <a:spcPct val="0"/>
+            </a:spcBef>
+            <a:spcAft>
+              <a:spcPct val="35000"/>
+            </a:spcAft>
+          </a:pPr>
+          <a:r>
+            <a:rPr lang="fr-FR" sz="1800" kern="1200" dirty="0" smtClean="0"/>
+            <a:t>Vendeur</a:t>
+          </a:r>
+          <a:endParaRPr lang="fr-FR" sz="1800" kern="1200" dirty="0"/>
+        </a:p>
+      </dsp:txBody>
+      <dsp:txXfrm>
+        <a:off x="6407320" y="2661615"/>
+        <a:ext cx="1031432" cy="1031432"/>
+      </dsp:txXfrm>
+    </dsp:sp>
+    <dsp:sp modelId="{C3D4C4E5-1716-49ED-B5AE-76667461F76C}">
+      <dsp:nvSpPr>
+        <dsp:cNvPr id="0" name=""/>
+        <dsp:cNvSpPr/>
+      </dsp:nvSpPr>
+      <dsp:spPr>
+        <a:xfrm rot="8400228">
+          <a:off x="2159790" y="1734526"/>
+          <a:ext cx="1162555" cy="495945"/>
+        </a:xfrm>
+        <a:prstGeom prst="rightArrow">
+          <a:avLst/>
+        </a:prstGeom>
+        <a:gradFill rotWithShape="0">
+          <a:gsLst>
+            <a:gs pos="0">
+              <a:schemeClr val="accent1">
+                <a:tint val="60000"/>
+                <a:hueOff val="0"/>
+                <a:satOff val="0"/>
+                <a:lumOff val="0"/>
+                <a:alphaOff val="0"/>
+                <a:shade val="51000"/>
+                <a:satMod val="130000"/>
+              </a:schemeClr>
+            </a:gs>
+            <a:gs pos="80000">
+              <a:schemeClr val="accent1">
+                <a:tint val="60000"/>
+                <a:hueOff val="0"/>
+                <a:satOff val="0"/>
+                <a:lumOff val="0"/>
+                <a:alphaOff val="0"/>
+                <a:shade val="93000"/>
+                <a:satMod val="130000"/>
+              </a:schemeClr>
+            </a:gs>
+            <a:gs pos="100000">
+              <a:schemeClr val="accent1">
+                <a:tint val="60000"/>
+                <a:hueOff val="0"/>
+                <a:satOff val="0"/>
+                <a:lumOff val="0"/>
+                <a:alphaOff val="0"/>
+                <a:shade val="94000"/>
+                <a:satMod val="135000"/>
+              </a:schemeClr>
+            </a:gs>
+          </a:gsLst>
+          <a:lin ang="16200000" scaled="0"/>
+        </a:gradFill>
+        <a:ln>
+          <a:noFill/>
+        </a:ln>
+        <a:effectLst>
+          <a:outerShdw blurRad="40000" dist="23000" dir="5400000" rotWithShape="0">
+            <a:srgbClr val="000000">
+              <a:alpha val="35000"/>
+            </a:srgbClr>
+          </a:outerShdw>
+        </a:effectLst>
+        <a:scene3d>
+          <a:camera prst="orthographicFront"/>
+          <a:lightRig rig="flat" dir="t"/>
+        </a:scene3d>
+        <a:sp3d z="-80000" prstMaterial="plastic">
+          <a:bevelT w="50800" h="50800"/>
+          <a:bevelB w="25400" h="25400" prst="angle"/>
+        </a:sp3d>
+      </dsp:spPr>
+      <dsp:style>
+        <a:lnRef idx="0">
+          <a:scrgbClr r="0" g="0" b="0"/>
+        </a:lnRef>
+        <a:fillRef idx="3">
+          <a:scrgbClr r="0" g="0" b="0"/>
+        </a:fillRef>
+        <a:effectRef idx="2">
+          <a:scrgbClr r="0" g="0" b="0"/>
+        </a:effectRef>
+        <a:fontRef idx="minor">
+          <a:schemeClr val="lt1"/>
+        </a:fontRef>
+      </dsp:style>
+      <dsp:txBody>
+        <a:bodyPr spcFirstLastPara="0" vert="horz" wrap="square" lIns="0" tIns="0" rIns="0" bIns="0" numCol="1" spcCol="1270" anchor="ctr" anchorCtr="0">
+          <a:noAutofit/>
+        </a:bodyPr>
+        <a:lstStyle/>
+        <a:p>
+          <a:pPr lvl="0" algn="ctr" defTabSz="666750">
+            <a:lnSpc>
+              <a:spcPct val="90000"/>
+            </a:lnSpc>
+            <a:spcBef>
+              <a:spcPct val="0"/>
+            </a:spcBef>
+            <a:spcAft>
+              <a:spcPct val="35000"/>
+            </a:spcAft>
+          </a:pPr>
+          <a:endParaRPr lang="fr-FR" sz="1500" kern="1200"/>
+        </a:p>
+      </dsp:txBody>
+      <dsp:txXfrm rot="10800000">
+        <a:off x="2291172" y="1785901"/>
+        <a:ext cx="1013772" cy="297567"/>
+      </dsp:txXfrm>
+    </dsp:sp>
+    <dsp:sp modelId="{FAF4B0F5-14BA-44A4-A45F-092C794D9B07}">
+      <dsp:nvSpPr>
+        <dsp:cNvPr id="0" name=""/>
+        <dsp:cNvSpPr/>
+      </dsp:nvSpPr>
+      <dsp:spPr>
+        <a:xfrm>
+          <a:off x="587591" y="2448005"/>
+          <a:ext cx="1458664" cy="1458664"/>
+        </a:xfrm>
+        <a:prstGeom prst="ellipse">
+          <a:avLst/>
+        </a:prstGeom>
+        <a:gradFill rotWithShape="0">
+          <a:gsLst>
+            <a:gs pos="0">
+              <a:schemeClr val="accent1">
+                <a:hueOff val="0"/>
+                <a:satOff val="0"/>
+                <a:lumOff val="0"/>
+                <a:alphaOff val="0"/>
+                <a:shade val="51000"/>
+                <a:satMod val="130000"/>
+              </a:schemeClr>
+            </a:gs>
+            <a:gs pos="80000">
+              <a:schemeClr val="accent1">
+                <a:hueOff val="0"/>
+                <a:satOff val="0"/>
+                <a:lumOff val="0"/>
+                <a:alphaOff val="0"/>
+                <a:shade val="93000"/>
+                <a:satMod val="130000"/>
+              </a:schemeClr>
+            </a:gs>
+            <a:gs pos="100000">
+              <a:schemeClr val="accent1">
+                <a:hueOff val="0"/>
+                <a:satOff val="0"/>
+                <a:lumOff val="0"/>
+                <a:alphaOff val="0"/>
+                <a:shade val="94000"/>
+                <a:satMod val="135000"/>
+              </a:schemeClr>
+            </a:gs>
+          </a:gsLst>
+          <a:lin ang="16200000" scaled="0"/>
+        </a:gradFill>
+        <a:ln>
+          <a:noFill/>
+        </a:ln>
+        <a:effectLst>
+          <a:outerShdw blurRad="40000" dist="23000" dir="5400000" rotWithShape="0">
+            <a:srgbClr val="000000">
+              <a:alpha val="35000"/>
+            </a:srgbClr>
+          </a:outerShdw>
+        </a:effectLst>
+        <a:scene3d>
+          <a:camera prst="orthographicFront"/>
+          <a:lightRig rig="flat" dir="t"/>
+        </a:scene3d>
+        <a:sp3d prstMaterial="plastic">
+          <a:bevelT w="120900" h="88900"/>
+          <a:bevelB w="88900" h="31750" prst="angle"/>
+        </a:sp3d>
+      </dsp:spPr>
+      <dsp:style>
+        <a:lnRef idx="0">
+          <a:scrgbClr r="0" g="0" b="0"/>
+        </a:lnRef>
+        <a:fillRef idx="3">
+          <a:scrgbClr r="0" g="0" b="0"/>
+        </a:fillRef>
+        <a:effectRef idx="2">
+          <a:scrgbClr r="0" g="0" b="0"/>
+        </a:effectRef>
+        <a:fontRef idx="minor">
+          <a:schemeClr val="lt1"/>
+        </a:fontRef>
+      </dsp:style>
+      <dsp:txBody>
+        <a:bodyPr spcFirstLastPara="0" vert="horz" wrap="square" lIns="22860" tIns="22860" rIns="22860" bIns="22860" numCol="1" spcCol="1270" anchor="ctr" anchorCtr="0">
+          <a:noAutofit/>
+        </a:bodyPr>
+        <a:lstStyle/>
+        <a:p>
+          <a:pPr lvl="0" algn="ctr" defTabSz="800100">
+            <a:lnSpc>
+              <a:spcPct val="90000"/>
+            </a:lnSpc>
+            <a:spcBef>
+              <a:spcPct val="0"/>
+            </a:spcBef>
+            <a:spcAft>
+              <a:spcPct val="35000"/>
+            </a:spcAft>
+          </a:pPr>
+          <a:r>
+            <a:rPr lang="fr-FR" sz="1800" kern="1200" dirty="0" smtClean="0"/>
+            <a:t>Interface</a:t>
+          </a:r>
+        </a:p>
+        <a:p>
+          <a:pPr lvl="0" algn="ctr" defTabSz="800100">
+            <a:lnSpc>
+              <a:spcPct val="90000"/>
+            </a:lnSpc>
+            <a:spcBef>
+              <a:spcPct val="0"/>
+            </a:spcBef>
+            <a:spcAft>
+              <a:spcPct val="35000"/>
+            </a:spcAft>
+          </a:pPr>
+          <a:r>
+            <a:rPr lang="fr-FR" sz="1800" kern="1200" dirty="0" smtClean="0"/>
+            <a:t>Manager</a:t>
+          </a:r>
+          <a:endParaRPr lang="fr-FR" sz="1800" kern="1200" dirty="0"/>
+        </a:p>
+      </dsp:txBody>
+      <dsp:txXfrm>
+        <a:off x="801207" y="2661621"/>
+        <a:ext cx="1031432" cy="1031432"/>
+      </dsp:txXfrm>
+    </dsp:sp>
+  </dsp:spTree>
+</dsp:drawing>
+</file>
+
+<file path=ppt/diagrams/layout1.xml><?xml version="1.0" encoding="utf-8"?>
+<dgm:layoutDef xmlns:dgm="http://schemas.openxmlformats.org/drawingml/2006/diagram" xmlns:a="http://schemas.openxmlformats.org/drawingml/2006/main" uniqueId="urn:microsoft.com/office/officeart/2005/8/layout/radial5">
+  <dgm:title val=""/>
+  <dgm:desc val=""/>
+  <dgm:catLst>
+    <dgm:cat type="relationship" pri="23000"/>
+    <dgm:cat type="cycle" pri="11000"/>
+  </dgm:catLst>
+  <dgm:sampData>
+    <dgm:dataModel>
+      <dgm:ptLst>
+        <dgm:pt modelId="0" type="doc"/>
+        <dgm:pt modelId="1">
+          <dgm:prSet phldr="1"/>
+        </dgm:pt>
+        <dgm:pt modelId="11">
+          <dgm:prSet phldr="1"/>
+        </dgm:pt>
+        <dgm:pt modelId="12">
+          <dgm:prSet phldr="1"/>
+        </dgm:pt>
+        <dgm:pt modelId="13">
+          <dgm:prSet phldr="1"/>
+        </dgm:pt>
+        <dgm:pt modelId="14">
+          <dgm:prSet phldr="1"/>
+        </dgm:pt>
+      </dgm:ptLst>
+      <dgm:cxnLst>
+        <dgm:cxn modelId="2" srcId="0" destId="1" srcOrd="0" destOrd="0"/>
+        <dgm:cxn modelId="3" srcId="1" destId="11" srcOrd="0" destOrd="0"/>
+        <dgm:cxn modelId="4" srcId="1" destId="12" srcOrd="1" destOrd="0"/>
+        <dgm:cxn modelId="5" srcId="1" destId="13" srcOrd="2" destOrd="0"/>
+        <dgm:cxn modelId="6" srcId="1" destId="14" srcOrd="3" destOrd="0"/>
+      </dgm:cxnLst>
+      <dgm:bg/>
+      <dgm:whole/>
+    </dgm:dataModel>
+  </dgm:sampData>
+  <dgm:styleData>
+    <dgm:dataModel>
+      <dgm:ptLst>
+        <dgm:pt modelId="0" type="doc"/>
+        <dgm:pt modelId="1"/>
+        <dgm:pt modelId="11"/>
+        <dgm:pt modelId="12"/>
+        <dgm:pt modelId="13"/>
+      </dgm:ptLst>
+      <dgm:cxnLst>
+        <dgm:cxn modelId="2" srcId="0" destId="1" srcOrd="0" destOrd="0"/>
+        <dgm:cxn modelId="15" srcId="1" destId="11" srcOrd="0" destOrd="0"/>
+        <dgm:cxn modelId="16" srcId="1" destId="12" srcOrd="1" destOrd="0"/>
+        <dgm:cxn modelId="17" srcId="1" destId="13" srcOrd="2" destOrd="0"/>
+      </dgm:cxnLst>
+      <dgm:bg/>
+      <dgm:whole/>
+    </dgm:dataModel>
+  </dgm:styleData>
+  <dgm:clrData>
+    <dgm:dataModel>
+      <dgm:ptLst>
+        <dgm:pt modelId="0" type="doc"/>
+        <dgm:pt modelId="1"/>
+        <dgm:pt modelId="11"/>
+        <dgm:pt modelId="12"/>
+        <dgm:pt modelId="13"/>
+        <dgm:pt modelId="14"/>
+        <dgm:pt modelId="15"/>
+        <dgm:pt modelId="16"/>
+      </dgm:ptLst>
+      <dgm:cxnLst>
+        <dgm:cxn modelId="2" srcId="0" destId="1" srcOrd="0" destOrd="0"/>
+        <dgm:cxn modelId="16" srcId="1" destId="11" srcOrd="0" destOrd="0"/>
+        <dgm:cxn modelId="17" srcId="1" destId="12" srcOrd="1" destOrd="0"/>
+        <dgm:cxn modelId="18" srcId="1" destId="13" srcOrd="2" destOrd="0"/>
+        <dgm:cxn modelId="19" srcId="1" destId="14" srcOrd="3" destOrd="0"/>
+        <dgm:cxn modelId="20" srcId="1" destId="15" srcOrd="4" destOrd="0"/>
+        <dgm:cxn modelId="21" srcId="1" destId="16" srcOrd="5" destOrd="0"/>
+      </dgm:cxnLst>
+      <dgm:bg/>
+      <dgm:whole/>
+    </dgm:dataModel>
+  </dgm:clrData>
+  <dgm:layoutNode name="Name0">
+    <dgm:varLst>
+      <dgm:chMax val="1"/>
+      <dgm:dir/>
+      <dgm:animLvl val="ctr"/>
+      <dgm:resizeHandles val="exact"/>
+    </dgm:varLst>
+    <dgm:choose name="Name1">
+      <dgm:if name="Name2" func="var" arg="dir" op="equ" val="norm">
+        <dgm:alg type="cycle">
+          <dgm:param type="stAng" val="0"/>
+          <dgm:param type="spanAng" val="360"/>
+          <dgm:param type="ctrShpMap" val="fNode"/>
+        </dgm:alg>
+      </dgm:if>
+      <dgm:else name="Name3">
+        <dgm:alg type="cycle">
+          <dgm:param type="stAng" val="0"/>
+          <dgm:param type="spanAng" val="-360"/>
+          <dgm:param type="ctrShpMap" val="fNode"/>
+        </dgm:alg>
+      </dgm:else>
+    </dgm:choose>
+    <dgm:shape xmlns:r="http://schemas.openxmlformats.org/officeDocument/2006/relationships" r:blip="">
+      <dgm:adjLst/>
+    </dgm:shape>
+    <dgm:presOf/>
+    <dgm:constrLst>
+      <dgm:constr type="w" for="ch" forName="centerShape" refType="w"/>
+      <dgm:constr type="w" for="ch" forName="parTrans" refType="w" refFor="ch" refForName="centerShape" fact="0.4"/>
+      <dgm:constr type="w" for="ch" forName="node" refType="w" refFor="ch" refForName="centerShape" op="equ" fact="1.25"/>
+      <dgm:constr type="sp" refType="w" refFor="ch" refForName="centerShape" op="equ" fact="0.4"/>
+      <dgm:constr type="sibSp" refType="w" refFor="ch" refForName="node" fact="0.3"/>
+      <dgm:constr type="primFontSz" for="ch" forName="centerShape" val="65"/>
+      <dgm:constr type="primFontSz" for="des" forName="node" op="equ" val="65"/>
+      <dgm:constr type="primFontSz" for="des" forName="node" refType="primFontSz" refFor="ch" refForName="centerShape" op="lte"/>
+      <dgm:constr type="primFontSz" for="des" forName="connectorText" op="equ" val="55"/>
+      <dgm:constr type="primFontSz" for="des" forName="connectorText" refType="primFontSz" refFor="ch" refForName="centerShape" op="lte" fact="0.8"/>
+      <dgm:constr type="primFontSz" for="des" forName="connectorText" refType="primFontSz" refFor="des" refForName="node" op="lte"/>
+    </dgm:constrLst>
+    <dgm:choose name="Name4">
+      <dgm:if name="Name5" axis="ch ch" ptType="node node" st="1 1" cnt="1 0" func="cnt" op="lte" val="6">
+        <dgm:ruleLst>
+          <dgm:rule type="w" for="ch" forName="node" val="NaN" fact="1" max="NaN"/>
+        </dgm:ruleLst>
+      </dgm:if>
+      <dgm:if name="Name6" axis="ch ch" ptType="node node" st="1 1" cnt="1 0" func="cnt" op="lte" val="8">
+        <dgm:ruleLst>
+          <dgm:rule type="w" for="ch" forName="node" val="NaN" fact="0.9" max="NaN"/>
+        </dgm:ruleLst>
+      </dgm:if>
+      <dgm:if name="Name7" axis="ch ch" ptType="node node" st="1 1" cnt="1 0" func="cnt" op="lte" val="10">
+        <dgm:ruleLst>
+          <dgm:rule type="w" for="ch" forName="node" val="NaN" fact="0.8" max="NaN"/>
+        </dgm:ruleLst>
+      </dgm:if>
+      <dgm:if name="Name8" axis="ch ch" ptType="node node" st="1 1" cnt="1 0" func="cnt" op="lte" val="12">
+        <dgm:ruleLst>
+          <dgm:rule type="w" for="ch" forName="node" val="NaN" fact="0.7" max="NaN"/>
+        </dgm:ruleLst>
+      </dgm:if>
+      <dgm:if name="Name9" axis="ch ch" ptType="node node" st="1 1" cnt="1 0" func="cnt" op="lte" val="14">
+        <dgm:ruleLst>
+          <dgm:rule type="w" for="ch" forName="node" val="NaN" fact="0.6" max="NaN"/>
+        </dgm:ruleLst>
+      </dgm:if>
+      <dgm:else name="Name10">
+        <dgm:ruleLst>
+          <dgm:rule type="w" for="ch" forName="node" val="NaN" fact="0.5" max="NaN"/>
+        </dgm:ruleLst>
+      </dgm:else>
+    </dgm:choose>
+    <dgm:forEach name="Name11" axis="ch" ptType="node" cnt="1">
+      <dgm:layoutNode name="centerShape" styleLbl="node0">
+        <dgm:alg type="tx"/>
+        <dgm:shape xmlns:r="http://schemas.openxmlformats.org/officeDocument/2006/relationships" type="ellipse" r:blip="">
+          <dgm:adjLst/>
+        </dgm:shape>
+        <dgm:presOf axis="self"/>
+        <dgm:constrLst>
+          <dgm:constr type="h" refType="w"/>
+          <dgm:constr type="tMarg" refType="primFontSz" fact="0.1"/>
+          <dgm:constr type="bMarg" refType="primFontSz" fact="0.1"/>
+          <dgm:constr type="lMarg" refType="primFontSz" fact="0.1"/>
+          <dgm:constr type="rMarg" refType="primFontSz" fact="0.1"/>
+        </dgm:constrLst>
+        <dgm:ruleLst>
+          <dgm:rule type="primFontSz" val="5" fact="NaN" max="NaN"/>
+        </dgm:ruleLst>
+      </dgm:layoutNode>
+      <dgm:forEach name="Name12" axis="ch">
+        <dgm:forEach name="Name13" axis="self" ptType="parTrans">
+          <dgm:layoutNode name="parTrans" styleLbl="sibTrans2D1">
+            <dgm:alg type="conn">
+              <dgm:param type="begPts" val="auto"/>
+              <dgm:param type="endPts" val="auto"/>
+            </dgm:alg>
+            <dgm:shape xmlns:r="http://schemas.openxmlformats.org/officeDocument/2006/relationships" type="conn" r:blip="">
+              <dgm:adjLst/>
+            </dgm:shape>
+            <dgm:presOf axis="self"/>
+            <dgm:constrLst>
+              <dgm:constr type="h" refType="w" fact="0.85"/>
+            </dgm:constrLst>
+            <dgm:ruleLst/>
+            <dgm:layoutNode name="connectorText">
+              <dgm:alg type="tx">
+                <dgm:param type="autoTxRot" val="grav"/>
+              </dgm:alg>
+              <dgm:shape xmlns:r="http://schemas.openxmlformats.org/officeDocument/2006/relationships" type="conn" r:blip="" hideGeom="1">
+                <dgm:adjLst/>
+              </dgm:shape>
+              <dgm:presOf axis="self"/>
+              <dgm:constrLst>
+                <dgm:constr type="lMarg"/>
+                <dgm:constr type="rMarg"/>
+                <dgm:constr type="tMarg"/>
+                <dgm:constr type="bMarg"/>
+              </dgm:constrLst>
+              <dgm:ruleLst>
+                <dgm:rule type="primFontSz" val="5" fact="NaN" max="NaN"/>
+              </dgm:ruleLst>
+            </dgm:layoutNode>
+          </dgm:layoutNode>
+        </dgm:forEach>
+        <dgm:forEach name="Name14" axis="self" ptType="node">
+          <dgm:layoutNode name="node" styleLbl="node1">
+            <dgm:varLst>
+              <dgm:bulletEnabled val="1"/>
+            </dgm:varLst>
+            <dgm:alg type="tx">
+              <dgm:param type="txAnchorVertCh" val="mid"/>
+            </dgm:alg>
+            <dgm:shape xmlns:r="http://schemas.openxmlformats.org/officeDocument/2006/relationships" type="ellipse" r:blip="">
+              <dgm:adjLst/>
+            </dgm:shape>
+            <dgm:presOf axis="desOrSelf" ptType="node"/>
+            <dgm:constrLst>
+              <dgm:constr type="h" refType="w"/>
+              <dgm:constr type="tMarg" refType="primFontSz" fact="0.1"/>
+              <dgm:constr type="bMarg" refType="primFontSz" fact="0.1"/>
+              <dgm:constr type="lMarg" refType="primFontSz" fact="0.1"/>
+              <dgm:constr type="rMarg" refType="primFontSz" fact="0.1"/>
+            </dgm:constrLst>
+            <dgm:ruleLst>
+              <dgm:rule type="w" val="INF" fact="NaN" max="NaN"/>
+              <dgm:rule type="primFontSz" val="5" fact="NaN" max="NaN"/>
+            </dgm:ruleLst>
+          </dgm:layoutNode>
+        </dgm:forEach>
+      </dgm:forEach>
+    </dgm:forEach>
+  </dgm:layoutNode>
+</dgm:layoutDef>
+</file>
+
+<file path=ppt/diagrams/quickStyle1.xml><?xml version="1.0" encoding="utf-8"?>
+<dgm:styleDef xmlns:dgm="http://schemas.openxmlformats.org/drawingml/2006/diagram" xmlns:a="http://schemas.openxmlformats.org/drawingml/2006/main" uniqueId="urn:microsoft.com/office/officeart/2005/8/quickstyle/3d1">
+  <dgm:title val=""/>
+  <dgm:desc val=""/>
+  <dgm:catLst>
+    <dgm:cat type="3D" pri="11100"/>
+  </dgm:catLst>
+  <dgm:scene3d>
+    <a:camera prst="orthographicFront"/>
+    <a:lightRig rig="threePt" dir="t"/>
+  </dgm:scene3d>
+  <dgm:styleLbl name="node0">
+    <dgm:scene3d>
+      <a:camera prst="orthographicFront"/>
+      <a:lightRig rig="flat" dir="t"/>
+    </dgm:scene3d>
+    <dgm:sp3d prstMaterial="plastic">
+      <a:bevelT w="120900" h="88900"/>
+      <a:bevelB w="88900" h="31750" prst="angle"/>
+    </dgm:sp3d>
+    <dgm:txPr/>
+    <dgm:style>
+      <a:lnRef idx="0">
+        <a:scrgbClr r="0" g="0" b="0"/>
+      </a:lnRef>
+      <a:fillRef idx="3">
+        <a:scrgbClr r="0" g="0" b="0"/>
+      </a:fillRef>
+      <a:effectRef idx="2">
+        <a:scrgbClr r="0" g="0" b="0"/>
+      </a:effectRef>
+      <a:fontRef idx="minor">
+        <a:schemeClr val="lt1"/>
+      </a:fontRef>
+    </dgm:style>
+  </dgm:styleLbl>
+  <dgm:styleLbl name="lnNode1">
+    <dgm:scene3d>
+      <a:camera prst="orthographicFront"/>
+      <a:lightRig rig="flat" dir="t"/>
+    </dgm:scene3d>
+    <dgm:sp3d prstMaterial="plastic">
+      <a:bevelT w="120900" h="88900"/>
+      <a:bevelB w="88900" h="31750" prst="angle"/>
+    </dgm:sp3d>
+    <dgm:txPr/>
+    <dgm:style>
+      <a:lnRef idx="0">
+        <a:scrgbClr r="0" g="0" b="0"/>
+      </a:lnRef>
+      <a:fillRef idx="3">
+        <a:scrgbClr r="0" g="0" b="0"/>
+      </a:fillRef>
+      <a:effectRef idx="1">
+        <a:scrgbClr r="0" g="0" b="0"/>
+      </a:effectRef>
+      <a:fontRef idx="minor">
+        <a:schemeClr val="lt1"/>
+      </a:fontRef>
+    </dgm:style>
+  </dgm:styleLbl>
+  <dgm:styleLbl name="vennNode1">
+    <dgm:scene3d>
+      <a:camera prst="orthographicFront"/>
+      <a:lightRig rig="flat" dir="t"/>
+    </dgm:scene3d>
+    <dgm:sp3d prstMaterial="plastic">
+      <a:bevelT w="120900" h="88900"/>
+      <a:bevelB w="88900" h="31750" prst="angle"/>
+    </dgm:sp3d>
+    <dgm:txPr/>
+    <dgm:style>
+      <a:lnRef idx="0">
+        <a:scrgbClr r="0" g="0" b="0"/>
+      </a:lnRef>
+      <a:fillRef idx="1">
+        <a:scrgbClr r="0" g="0" b="0"/>
+      </a:fillRef>
+      <a:effectRef idx="1">
+        <a:scrgbClr r="0" g="0" b="0"/>
+      </a:effectRef>
+      <a:fontRef idx="minor">
+        <a:schemeClr val="tx1"/>
+      </a:fontRef>
+    </dgm:style>
+  </dgm:styleLbl>
+  <dgm:styleLbl name="alignNode1">
+    <dgm:scene3d>
+      <a:camera prst="orthographicFront"/>
+      <a:lightRig rig="flat" dir="t"/>
+    </dgm:scene3d>
+    <dgm:sp3d prstMaterial="plastic">
+      <a:bevelT w="120900" h="88900"/>
+      <a:bevelB w="88900" h="31750" prst="angle"/>
+    </dgm:sp3d>
+    <dgm:txPr/>
+    <dgm:style>
+      <a:lnRef idx="1">
+        <a:scrgbClr r="0" g="0" b="0"/>
+      </a:lnRef>
+      <a:fillRef idx="3">
+        <a:scrgbClr r="0" g="0" b="0"/>
+      </a:fillRef>
+      <a:effectRef idx="2">
+        <a:scrgbClr r="0" g="0" b="0"/>
+      </a:effectRef>
+      <a:fontRef idx="minor">
+        <a:schemeClr val="lt1"/>
+      </a:fontRef>
+    </dgm:style>
+  </dgm:styleLbl>
+  <dgm:styleLbl name="node1">
+    <dgm:scene3d>
+      <a:camera prst="orthographicFront"/>
+      <a:lightRig rig="flat" dir="t"/>
+    </dgm:scene3d>
+    <dgm:sp3d prstMaterial="plastic">
+      <a:bevelT w="120900" h="88900"/>
+      <a:bevelB w="88900" h="31750" prst="angle"/>
+    </dgm:sp3d>
+    <dgm:txPr/>
+    <dgm:style>
+      <a:lnRef idx="0">
+        <a:scrgbClr r="0" g="0" b="0"/>
+      </a:lnRef>
+      <a:fillRef idx="3">
+        <a:scrgbClr r="0" g="0" b="0"/>
+      </a:fillRef>
+      <a:effectRef idx="2">
+        <a:scrgbClr r="0" g="0" b="0"/>
+      </a:effectRef>
+      <a:fontRef idx="minor">
+        <a:schemeClr val="lt1"/>
+      </a:fontRef>
+    </dgm:style>
+  </dgm:styleLbl>
+  <dgm:styleLbl name="node2">
+    <dgm:scene3d>
+      <a:camera prst="orthographicFront"/>
+      <a:lightRig rig="flat" dir="t"/>
+    </dgm:scene3d>
+    <dgm:sp3d prstMaterial="plastic">
+      <a:bevelT w="120900" h="88900"/>
+      <a:bevelB w="88900" h="31750" prst="angle"/>
+    </dgm:sp3d>
+    <dgm:txPr/>
+    <dgm:style>
+      <a:lnRef idx="0">
+        <a:scrgbClr r="0" g="0" b="0"/>
+      </a:lnRef>
+      <a:fillRef idx="3">
+        <a:scrgbClr r="0" g="0" b="0"/>
+      </a:fillRef>
+      <a:effectRef idx="1">
+        <a:scrgbClr r="0" g="0" b="0"/>
+      </a:effectRef>
+      <a:fontRef idx="minor">
+        <a:schemeClr val="lt1"/>
+      </a:fontRef>
+    </dgm:style>
+  </dgm:styleLbl>
+  <dgm:styleLbl name="node3">
+    <dgm:scene3d>
+      <a:camera prst="orthographicFront"/>
+      <a:lightRig rig="flat" dir="t"/>
+    </dgm:scene3d>
+    <dgm:sp3d prstMaterial="plastic">
+      <a:bevelT w="120900" h="88900"/>
+      <a:bevelB w="88900" h="31750" prst="angle"/>
+    </dgm:sp3d>
+    <dgm:txPr/>
+    <dgm:style>
+      <a:lnRef idx="0">
+        <a:scrgbClr r="0" g="0" b="0"/>
+      </a:lnRef>
+      <a:fillRef idx="3">
+        <a:scrgbClr r="0" g="0" b="0"/>
+      </a:fillRef>
+      <a:effectRef idx="1">
+        <a:scrgbClr r="0" g="0" b="0"/>
+      </a:effectRef>
+      <a:fontRef idx="minor">
+        <a:schemeClr val="lt1"/>
+      </a:fontRef>
+    </dgm:style>
+  </dgm:styleLbl>
+  <dgm:styleLbl name="node4">
+    <dgm:scene3d>
+      <a:camera prst="orthographicFront"/>
+      <a:lightRig rig="flat" dir="t"/>
+    </dgm:scene3d>
+    <dgm:sp3d prstMaterial="plastic">
+      <a:bevelT w="120900" h="88900"/>
+      <a:bevelB w="88900" h="31750" prst="angle"/>
+    </dgm:sp3d>
+    <dgm:txPr/>
+    <dgm:style>
+      <a:lnRef idx="0">
+        <a:scrgbClr r="0" g="0" b="0"/>
+      </a:lnRef>
+      <a:fillRef idx="3">
+        <a:scrgbClr r="0" g="0" b="0"/>
+      </a:fillRef>
+      <a:effectRef idx="1">
+        <a:scrgbClr r="0" g="0" b="0"/>
+      </a:effectRef>
+      <a:fontRef idx="minor">
+        <a:schemeClr val="lt1"/>
+      </a:fontRef>
+    </dgm:style>
+  </dgm:styleLbl>
+  <dgm:styleLbl name="fgImgPlace1">
+    <dgm:scene3d>
+      <a:camera prst="orthographicFront"/>
+      <a:lightRig rig="flat" dir="t"/>
+    </dgm:scene3d>
+    <dgm:sp3d z="127000" prstMaterial="plastic">
+      <a:bevelT w="88900" h="88900"/>
+      <a:bevelB w="88900" h="31750" prst="angle"/>
+    </dgm:sp3d>
+    <dgm:txPr/>
+    <dgm:style>
+      <a:lnRef idx="0">
+        <a:scrgbClr r="0" g="0" b="0"/>
+      </a:lnRef>
+      <a:fillRef idx="3">
+        <a:scrgbClr r="0" g="0" b="0"/>
+      </a:fillRef>
+      <a:effectRef idx="2">
+        <a:scrgbClr r="0" g="0" b="0"/>
+      </a:effectRef>
+      <a:fontRef idx="minor"/>
+    </dgm:style>
+  </dgm:styleLbl>
+  <dgm:styleLbl name="alignImgPlace1">
+    <dgm:scene3d>
+      <a:camera prst="orthographicFront"/>
+      <a:lightRig rig="flat" dir="t"/>
+    </dgm:scene3d>
+    <dgm:sp3d prstMaterial="plastic">
+      <a:bevelT w="88900" h="88900"/>
+      <a:bevelB w="88900" h="31750" prst="angle"/>
+    </dgm:sp3d>
+    <dgm:txPr/>
+    <dgm:style>
+      <a:lnRef idx="0">
+        <a:scrgbClr r="0" g="0" b="0"/>
+      </a:lnRef>
+      <a:fillRef idx="3">
+        <a:scrgbClr r="0" g="0" b="0"/>
+      </a:fillRef>
+      <a:effectRef idx="2">
+        <a:scrgbClr r="0" g="0" b="0"/>
+      </a:effectRef>
+      <a:fontRef idx="minor"/>
+    </dgm:style>
+  </dgm:styleLbl>
+  <dgm:styleLbl name="bgImgPlace1">
+    <dgm:scene3d>
+      <a:camera prst="orthographicFront"/>
+      <a:lightRig rig="flat" dir="t"/>
+    </dgm:scene3d>
+    <dgm:sp3d z="-190500" prstMaterial="plastic">
+      <a:bevelT w="88900" h="88900"/>
+      <a:bevelB w="88900" h="31750" prst="angle"/>
+    </dgm:sp3d>
+    <dgm:txPr/>
+    <dgm:style>
+      <a:lnRef idx="0">
+        <a:scrgbClr r="0" g="0" b="0"/>
+      </a:lnRef>
+      <a:fillRef idx="3">
+        <a:scrgbClr r="0" g="0" b="0"/>
+      </a:fillRef>
+      <a:effectRef idx="2">
+        <a:scrgbClr r="0" g="0" b="0"/>
+      </a:effectRef>
+      <a:fontRef idx="minor"/>
+    </dgm:style>
+  </dgm:styleLbl>
+  <dgm:styleLbl name="sibTrans2D1">
+    <dgm:scene3d>
+      <a:camera prst="orthographicFront"/>
+      <a:lightRig rig="flat" dir="t"/>
+    </dgm:scene3d>
+    <dgm:sp3d z="-80000" prstMaterial="plastic">
+      <a:bevelT w="50800" h="50800"/>
+      <a:bevelB w="25400" h="25400" prst="angle"/>
+    </dgm:sp3d>
+    <dgm:txPr/>
+    <dgm:style>
+      <a:lnRef idx="0">
+        <a:scrgbClr r="0" g="0" b="0"/>
+      </a:lnRef>
+      <a:fillRef idx="3">
+        <a:scrgbClr r="0" g="0" b="0"/>
+      </a:fillRef>
+      <a:effectRef idx="2">
+        <a:scrgbClr r="0" g="0" b="0"/>
+      </a:effectRef>
+      <a:fontRef idx="minor">
+        <a:schemeClr val="lt1"/>
+      </a:fontRef>
+    </dgm:style>
+  </dgm:styleLbl>
+  <dgm:styleLbl name="fgSibTrans2D1">
+    <dgm:scene3d>
+      <a:camera prst="orthographicFront"/>
+      <a:lightRig rig="flat" dir="t"/>
+    </dgm:scene3d>
+    <dgm:sp3d z="127000" prstMaterial="plastic">
+      <a:bevelT w="50800" h="50800"/>
+      <a:bevelB w="25400" h="25400" prst="angle"/>
+    </dgm:sp3d>
+    <dgm:txPr/>
+    <dgm:style>
+      <a:lnRef idx="0">
+        <a:scrgbClr r="0" g="0" b="0"/>
+      </a:lnRef>
+      <a:fillRef idx="3">
+        <a:scrgbClr r="0" g="0" b="0"/>
+      </a:fillRef>
+      <a:effectRef idx="2">
+        <a:scrgbClr r="0" g="0" b="0"/>
+      </a:effectRef>
+      <a:fontRef idx="minor">
+        <a:schemeClr val="lt1"/>
+      </a:fontRef>
+    </dgm:style>
+  </dgm:styleLbl>
+  <dgm:styleLbl name="bgSibTrans2D1">
+    <dgm:scene3d>
+      <a:camera prst="orthographicFront"/>
+      <a:lightRig rig="flat" dir="t"/>
+    </dgm:scene3d>
+    <dgm:sp3d z="-190500" prstMaterial="plastic">
+      <a:bevelT w="50800" h="50800"/>
+      <a:bevelB w="25400" h="25400" prst="angle"/>
+    </dgm:sp3d>
+    <dgm:txPr/>
+    <dgm:style>
+      <a:lnRef idx="0">
+        <a:scrgbClr r="0" g="0" b="0"/>
+      </a:lnRef>
+      <a:fillRef idx="3">
+        <a:scrgbClr r="0" g="0" b="0"/>
+      </a:fillRef>
+      <a:effectRef idx="2">
+        <a:scrgbClr r="0" g="0" b="0"/>
+      </a:effectRef>
+      <a:fontRef idx="minor">
+        <a:schemeClr val="lt1"/>
+      </a:fontRef>
+    </dgm:style>
+  </dgm:styleLbl>
+  <dgm:styleLbl name="sibTrans1D1">
+    <dgm:scene3d>
+      <a:camera prst="orthographicFront"/>
+      <a:lightRig rig="flat" dir="t"/>
+    </dgm:scene3d>
+    <dgm:sp3d z="-40000" prstMaterial="matte"/>
+    <dgm:txPr/>
+    <dgm:style>
+      <a:lnRef idx="1">
+        <a:scrgbClr r="0" g="0" b="0"/>
+      </a:lnRef>
+      <a:fillRef idx="0">
+        <a:scrgbClr r="0" g="0" b="0"/>
+      </a:fillRef>
+      <a:effectRef idx="0">
+        <a:scrgbClr r="0" g="0" b="0"/>
+      </a:effectRef>
+      <a:fontRef idx="minor"/>
+    </dgm:style>
+  </dgm:styleLbl>
+  <dgm:styleLbl name="callout">
+    <dgm:scene3d>
+      <a:camera prst="orthographicFront"/>
+      <a:lightRig rig="threePt" dir="t"/>
+    </dgm:scene3d>
+    <dgm:sp3d z="127000" prstMaterial="matte"/>
+    <dgm:txPr/>
+    <dgm:style>
+      <a:lnRef idx="2">
+        <a:scrgbClr r="0" g="0" b="0"/>
+      </a:lnRef>
+      <a:fillRef idx="1">
+        <a:scrgbClr r="0" g="0" b="0"/>
+      </a:fillRef>
+      <a:effectRef idx="0">
+        <a:scrgbClr r="0" g="0" b="0"/>
+      </a:effectRef>
+      <a:fontRef idx="minor"/>
+    </dgm:style>
+  </dgm:styleLbl>
+  <dgm:styleLbl name="asst0">
+    <dgm:scene3d>
+      <a:camera prst="orthographicFront"/>
+      <a:lightRig rig="flat" dir="t"/>
+    </dgm:scene3d>
+    <dgm:sp3d prstMaterial="plastic">
+      <a:bevelT w="120900" h="88900"/>
+      <a:bevelB w="88900" h="31750" prst="angle"/>
+    </dgm:sp3d>
+    <dgm:txPr/>
+    <dgm:style>
+      <a:lnRef idx="0">
+        <a:scrgbClr r="0" g="0" b="0"/>
+      </a:lnRef>
+      <a:fillRef idx="3">
+        <a:scrgbClr r="0" g="0" b="0"/>
+      </a:fillRef>
+      <a:effectRef idx="1">
+        <a:scrgbClr r="0" g="0" b="0"/>
+      </a:effectRef>
+      <a:fontRef idx="minor">
+        <a:schemeClr val="lt1"/>
+      </a:fontRef>
+    </dgm:style>
+  </dgm:styleLbl>
+  <dgm:styleLbl name="asst1">
+    <dgm:scene3d>
+      <a:camera prst="orthographicFront"/>
+      <a:lightRig rig="flat" dir="t"/>
+    </dgm:scene3d>
+    <dgm:sp3d prstMaterial="plastic">
+      <a:bevelT w="120900" h="88900"/>
+      <a:bevelB w="88900" h="31750" prst="angle"/>
+    </dgm:sp3d>
+    <dgm:txPr/>
+    <dgm:style>
+      <a:lnRef idx="0">
+        <a:scrgbClr r="0" g="0" b="0"/>
+      </a:lnRef>
+      <a:fillRef idx="3">
+        <a:scrgbClr r="0" g="0" b="0"/>
+      </a:fillRef>
+      <a:effectRef idx="1">
+        <a:scrgbClr r="0" g="0" b="0"/>
+      </a:effectRef>
+      <a:fontRef idx="minor">
+        <a:schemeClr val="lt1"/>
+      </a:fontRef>
+    </dgm:style>
+  </dgm:styleLbl>
+  <dgm:styleLbl name="asst2">
+    <dgm:scene3d>
+      <a:camera prst="orthographicFront"/>
+      <a:lightRig rig="flat" dir="t"/>
+    </dgm:scene3d>
+    <dgm:sp3d prstMaterial="plastic">
+      <a:bevelT w="120900" h="88900"/>
+      <a:bevelB w="88900" h="31750" prst="angle"/>
+    </dgm:sp3d>
+    <dgm:txPr/>
+    <dgm:style>
+      <a:lnRef idx="0">
+        <a:scrgbClr r="0" g="0" b="0"/>
+      </a:lnRef>
+      <a:fillRef idx="3">
+        <a:scrgbClr r="0" g="0" b="0"/>
+      </a:fillRef>
+      <a:effectRef idx="1">
+        <a:scrgbClr r="0" g="0" b="0"/>
+      </a:effectRef>
+      <a:fontRef idx="minor">
+        <a:schemeClr val="lt1"/>
+      </a:fontRef>
+    </dgm:style>
+  </dgm:styleLbl>
+  <dgm:styleLbl name="asst3">
+    <dgm:scene3d>
+      <a:camera prst="orthographicFront"/>
+      <a:lightRig rig="flat" dir="t"/>
+    </dgm:scene3d>
+    <dgm:sp3d prstMaterial="plastic">
+      <a:bevelT w="120900" h="88900"/>
+      <a:bevelB w="88900" h="31750" prst="angle"/>
+    </dgm:sp3d>
+    <dgm:txPr/>
+    <dgm:style>
+      <a:lnRef idx="0">
+        <a:scrgbClr r="0" g="0" b="0"/>
+      </a:lnRef>
+      <a:fillRef idx="3">
+        <a:scrgbClr r="0" g="0" b="0"/>
+      </a:fillRef>
+      <a:effectRef idx="1">
+        <a:scrgbClr r="0" g="0" b="0"/>
+      </a:effectRef>
+      <a:fontRef idx="minor">
+        <a:schemeClr val="lt1"/>
+      </a:fontRef>
+    </dgm:style>
+  </dgm:styleLbl>
+  <dgm:styleLbl name="parChTrans2D1">
+    <dgm:scene3d>
+      <a:camera prst="orthographicFront"/>
+      <a:lightRig rig="flat" dir="t"/>
+    </dgm:scene3d>
+    <dgm:sp3d z="-100000" prstMaterial="plastic">
+      <a:bevelT w="120900" h="88900"/>
+      <a:bevelB w="88900" h="31750" prst="angle"/>
+    </dgm:sp3d>
+    <dgm:txPr/>
+    <dgm:style>
+      <a:lnRef idx="0">
+        <a:scrgbClr r="0" g="0" b="0"/>
+      </a:lnRef>
+      <a:fillRef idx="3">
+        <a:scrgbClr r="0" g="0" b="0"/>
+      </a:fillRef>
+      <a:effectRef idx="1">
+        <a:scrgbClr r="0" g="0" b="0"/>
+      </a:effectRef>
+      <a:fontRef idx="minor">
+        <a:schemeClr val="lt1"/>
+      </a:fontRef>
+    </dgm:style>
+  </dgm:styleLbl>
+  <dgm:styleLbl name="parChTrans2D2">
+    <dgm:scene3d>
+      <a:camera prst="orthographicFront"/>
+      <a:lightRig rig="flat" dir="t"/>
+    </dgm:scene3d>
+    <dgm:sp3d z="-60000" prstMaterial="plastic">
+      <a:bevelT w="120900" h="88900"/>
+      <a:bevelB w="88900" h="31750" prst="angle"/>
+    </dgm:sp3d>
+    <dgm:txPr/>
+    <dgm:style>
+      <a:lnRef idx="0">
+        <a:scrgbClr r="0" g="0" b="0"/>
+      </a:lnRef>
+      <a:fillRef idx="3">
+        <a:scrgbClr r="0" g="0" b="0"/>
+      </a:fillRef>
+      <a:effectRef idx="1">
+        <a:scrgbClr r="0" g="0" b="0"/>
+      </a:effectRef>
+      <a:fontRef idx="minor">
+        <a:schemeClr val="lt1"/>
+      </a:fontRef>
+    </dgm:style>
+  </dgm:styleLbl>
+  <dgm:styleLbl name="parChTrans2D3">
+    <dgm:scene3d>
+      <a:camera prst="orthographicFront"/>
+      <a:lightRig rig="flat" dir="t"/>
+    </dgm:scene3d>
+    <dgm:sp3d z="-60000" prstMaterial="plastic">
+      <a:bevelT w="120900" h="88900"/>
+      <a:bevelB w="88900" h="31750" prst="angle"/>
+    </dgm:sp3d>
+    <dgm:txPr/>
+    <dgm:style>
+      <a:lnRef idx="0">
+        <a:scrgbClr r="0" g="0" b="0"/>
+      </a:lnRef>
+      <a:fillRef idx="3">
+        <a:scrgbClr r="0" g="0" b="0"/>
+      </a:fillRef>
+      <a:effectRef idx="1">
+        <a:scrgbClr r="0" g="0" b="0"/>
+      </a:effectRef>
+      <a:fontRef idx="minor">
+        <a:schemeClr val="lt1"/>
+      </a:fontRef>
+    </dgm:style>
+  </dgm:styleLbl>
+  <dgm:styleLbl name="parChTrans2D4">
+    <dgm:scene3d>
+      <a:camera prst="orthographicFront"/>
+      <a:lightRig rig="flat" dir="t"/>
+    </dgm:scene3d>
+    <dgm:sp3d z="-60000" prstMaterial="plastic">
+      <a:bevelT w="120900" h="88900"/>
+      <a:bevelB w="88900" h="31750" prst="angle"/>
+    </dgm:sp3d>
+    <dgm:txPr/>
+    <dgm:style>
+      <a:lnRef idx="0">
+        <a:scrgbClr r="0" g="0" b="0"/>
+      </a:lnRef>
+      <a:fillRef idx="3">
+        <a:scrgbClr r="0" g="0" b="0"/>
+      </a:fillRef>
+      <a:effectRef idx="1">
+        <a:scrgbClr r="0" g="0" b="0"/>
+      </a:effectRef>
+      <a:fontRef idx="minor">
+        <a:schemeClr val="lt1"/>
+      </a:fontRef>
+    </dgm:style>
+  </dgm:styleLbl>
+  <dgm:styleLbl name="parChTrans1D1">
+    <dgm:scene3d>
+      <a:camera prst="orthographicFront"/>
+      <a:lightRig rig="flat" dir="t"/>
+    </dgm:scene3d>
+    <dgm:sp3d prstMaterial="matte"/>
+    <dgm:txPr/>
+    <dgm:style>
+      <a:lnRef idx="2">
+        <a:scrgbClr r="0" g="0" b="0"/>
+      </a:lnRef>
+      <a:fillRef idx="0">
+        <a:scrgbClr r="0" g="0" b="0"/>
+      </a:fillRef>
+      <a:effectRef idx="0">
+        <a:scrgbClr r="0" g="0" b="0"/>
+      </a:effectRef>
+      <a:fontRef idx="minor"/>
+    </dgm:style>
+  </dgm:styleLbl>
+  <dgm:styleLbl name="parChTrans1D2">
+    <dgm:scene3d>
+      <a:camera prst="orthographicFront"/>
+      <a:lightRig rig="flat" dir="t"/>
+    </dgm:scene3d>
+    <dgm:sp3d prstMaterial="matte"/>
+    <dgm:txPr/>
+    <dgm:style>
+      <a:lnRef idx="2">
+        <a:scrgbClr r="0" g="0" b="0"/>
+      </a:lnRef>
+      <a:fillRef idx="0">
+        <a:scrgbClr r="0" g="0" b="0"/>
+      </a:fillRef>
+      <a:effectRef idx="0">
+        <a:scrgbClr r="0" g="0" b="0"/>
+      </a:effectRef>
+      <a:fontRef idx="minor"/>
+    </dgm:style>
+  </dgm:styleLbl>
+  <dgm:styleLbl name="parChTrans1D3">
+    <dgm:scene3d>
+      <a:camera prst="orthographicFront"/>
+      <a:lightRig rig="flat" dir="t"/>
+    </dgm:scene3d>
+    <dgm:sp3d prstMaterial="matte"/>
+    <dgm:txPr/>
+    <dgm:style>
+      <a:lnRef idx="2">
+        <a:scrgbClr r="0" g="0" b="0"/>
+      </a:lnRef>
+      <a:fillRef idx="0">
+        <a:scrgbClr r="0" g="0" b="0"/>
+      </a:fillRef>
+      <a:effectRef idx="0">
+        <a:scrgbClr r="0" g="0" b="0"/>
+      </a:effectRef>
+      <a:fontRef idx="minor"/>
+    </dgm:style>
+  </dgm:styleLbl>
+  <dgm:styleLbl name="parChTrans1D4">
+    <dgm:scene3d>
+      <a:camera prst="orthographicFront"/>
+      <a:lightRig rig="flat" dir="t"/>
+    </dgm:scene3d>
+    <dgm:sp3d prstMaterial="matte"/>
+    <dgm:txPr/>
+    <dgm:style>
+      <a:lnRef idx="2">
+        <a:scrgbClr r="0" g="0" b="0"/>
+      </a:lnRef>
+      <a:fillRef idx="0">
+        <a:scrgbClr r="0" g="0" b="0"/>
+      </a:fillRef>
+      <a:effectRef idx="0">
+        <a:scrgbClr r="0" g="0" b="0"/>
+      </a:effectRef>
+      <a:fontRef idx="minor"/>
+    </dgm:style>
+  </dgm:styleLbl>
+  <dgm:styleLbl name="fgAcc1">
+    <dgm:scene3d>
+      <a:camera prst="orthographicFront"/>
+      <a:lightRig rig="flat" dir="t"/>
+    </dgm:scene3d>
+    <dgm:sp3d z="190500" extrusionH="12700" prstMaterial="plastic">
+      <a:bevelT w="50800" h="50800"/>
+    </dgm:sp3d>
+    <dgm:txPr/>
+    <dgm:style>
+      <a:lnRef idx="1">
+        <a:scrgbClr r="0" g="0" b="0"/>
+      </a:lnRef>
+      <a:fillRef idx="1">
+        <a:scrgbClr r="0" g="0" b="0"/>
+      </a:fillRef>
+      <a:effectRef idx="2">
+        <a:scrgbClr r="0" g="0" b="0"/>
+      </a:effectRef>
+      <a:fontRef idx="minor"/>
+    </dgm:style>
+  </dgm:styleLbl>
+  <dgm:styleLbl name="conFgAcc1">
+    <dgm:scene3d>
+      <a:camera prst="orthographicFront"/>
+      <a:lightRig rig="flat" dir="t"/>
+    </dgm:scene3d>
+    <dgm:sp3d z="190500" extrusionH="12700" prstMaterial="plastic">
+      <a:bevelT w="50800" h="50800"/>
+    </dgm:sp3d>
+    <dgm:txPr/>
+    <dgm:style>
+      <a:lnRef idx="1">
+        <a:scrgbClr r="0" g="0" b="0"/>
+      </a:lnRef>
+      <a:fillRef idx="1">
+        <a:scrgbClr r="0" g="0" b="0"/>
+      </a:fillRef>
+      <a:effectRef idx="2">
+        <a:scrgbClr r="0" g="0" b="0"/>
+      </a:effectRef>
+      <a:fontRef idx="minor"/>
+    </dgm:style>
+  </dgm:styleLbl>
+  <dgm:styleLbl name="alignAcc1">
+    <dgm:scene3d>
+      <a:camera prst="orthographicFront"/>
+      <a:lightRig rig="flat" dir="t"/>
+    </dgm:scene3d>
+    <dgm:sp3d extrusionH="12700" prstMaterial="plastic">
+      <a:bevelT w="50800" h="50800"/>
+    </dgm:sp3d>
+    <dgm:txPr/>
+    <dgm:style>
+      <a:lnRef idx="1">
+        <a:scrgbClr r="0" g="0" b="0"/>
+      </a:lnRef>
+      <a:fillRef idx="1">
+        <a:scrgbClr r="0" g="0" b="0"/>
+      </a:fillRef>
+      <a:effectRef idx="2">
+        <a:scrgbClr r="0" g="0" b="0"/>
+      </a:effectRef>
+      <a:fontRef idx="minor"/>
+    </dgm:style>
+  </dgm:styleLbl>
+  <dgm:styleLbl name="trAlignAcc1">
+    <dgm:scene3d>
+      <a:camera prst="orthographicFront"/>
+      <a:lightRig rig="flat" dir="t"/>
+    </dgm:scene3d>
+    <dgm:sp3d extrusionH="12700" prstMaterial="plastic">
+      <a:bevelT w="50800" h="50800"/>
+    </dgm:sp3d>
+    <dgm:txPr/>
+    <dgm:style>
+      <a:lnRef idx="1">
+        <a:scrgbClr r="0" g="0" b="0"/>
+      </a:lnRef>
+      <a:fillRef idx="1">
+        <a:scrgbClr r="0" g="0" b="0"/>
+      </a:fillRef>
+      <a:effectRef idx="2">
+        <a:scrgbClr r="0" g="0" b="0"/>
+      </a:effectRef>
+      <a:fontRef idx="minor"/>
+    </dgm:style>
+  </dgm:styleLbl>
+  <dgm:styleLbl name="bgAcc1">
+    <dgm:scene3d>
+      <a:camera prst="orthographicFront"/>
+      <a:lightRig rig="flat" dir="t"/>
+    </dgm:scene3d>
+    <dgm:sp3d z="-190500" extrusionH="12700" prstMaterial="plastic">
+      <a:bevelT w="50800" h="50800"/>
+    </dgm:sp3d>
+    <dgm:txPr/>
+    <dgm:style>
+      <a:lnRef idx="1">
+        <a:scrgbClr r="0" g="0" b="0"/>
+      </a:lnRef>
+      <a:fillRef idx="1">
+        <a:scrgbClr r="0" g="0" b="0"/>
+      </a:fillRef>
+      <a:effectRef idx="2">
+        <a:scrgbClr r="0" g="0" b="0"/>
+      </a:effectRef>
+      <a:fontRef idx="minor"/>
+    </dgm:style>
+  </dgm:styleLbl>
+  <dgm:styleLbl name="solidFgAcc1">
+    <dgm:scene3d>
+      <a:camera prst="orthographicFront"/>
+      <a:lightRig rig="flat" dir="t"/>
+    </dgm:scene3d>
+    <dgm:sp3d z="190500" extrusionH="12700" prstMaterial="plastic">
+      <a:bevelT w="50800" h="50800"/>
+    </dgm:sp3d>
+    <dgm:txPr/>
+    <dgm:style>
+      <a:lnRef idx="1">
+        <a:scrgbClr r="0" g="0" b="0"/>
+      </a:lnRef>
+      <a:fillRef idx="1">
+        <a:scrgbClr r="0" g="0" b="0"/>
+      </a:fillRef>
+      <a:effectRef idx="2">
+        <a:scrgbClr r="0" g="0" b="0"/>
+      </a:effectRef>
+      <a:fontRef idx="minor"/>
+    </dgm:style>
+  </dgm:styleLbl>
+  <dgm:styleLbl name="solidAlignAcc1">
+    <dgm:scene3d>
+      <a:camera prst="orthographicFront"/>
+      <a:lightRig rig="flat" dir="t"/>
+    </dgm:scene3d>
+    <dgm:sp3d extrusionH="12700" prstMaterial="plastic">
+      <a:bevelT w="50800" h="50800"/>
+    </dgm:sp3d>
+    <dgm:txPr/>
+    <dgm:style>
+      <a:lnRef idx="1">
+        <a:scrgbClr r="0" g="0" b="0"/>
+      </a:lnRef>
+      <a:fillRef idx="1">
+        <a:scrgbClr r="0" g="0" b="0"/>
+      </a:fillRef>
+      <a:effectRef idx="2">
+        <a:scrgbClr r="0" g="0" b="0"/>
+      </a:effectRef>
+      <a:fontRef idx="minor"/>
+    </dgm:style>
+  </dgm:styleLbl>
+  <dgm:styleLbl name="solidBgAcc1">
+    <dgm:scene3d>
+      <a:camera prst="orthographicFront"/>
+      <a:lightRig rig="flat" dir="t"/>
+    </dgm:scene3d>
+    <dgm:sp3d z="-190500" extrusionH="12700" prstMaterial="plastic">
+      <a:bevelT w="50800" h="50800"/>
+    </dgm:sp3d>
+    <dgm:txPr/>
+    <dgm:style>
+      <a:lnRef idx="1">
+        <a:scrgbClr r="0" g="0" b="0"/>
+      </a:lnRef>
+      <a:fillRef idx="1">
+        <a:scrgbClr r="0" g="0" b="0"/>
+      </a:fillRef>
+      <a:effectRef idx="2">
+        <a:scrgbClr r="0" g="0" b="0"/>
+      </a:effectRef>
+      <a:fontRef idx="minor"/>
+    </dgm:style>
+  </dgm:styleLbl>
+  <dgm:styleLbl name="fgAccFollowNode1">
+    <dgm:scene3d>
+      <a:camera prst="orthographicFront"/>
+      <a:lightRig rig="flat" dir="t"/>
+    </dgm:scene3d>
+    <dgm:sp3d z="190500" extrusionH="12700" prstMaterial="plastic">
+      <a:bevelT w="50800" h="50800"/>
+    </dgm:sp3d>
+    <dgm:txPr/>
+    <dgm:style>
+      <a:lnRef idx="1">
+        <a:scrgbClr r="0" g="0" b="0"/>
+      </a:lnRef>
+      <a:fillRef idx="1">
+        <a:scrgbClr r="0" g="0" b="0"/>
+      </a:fillRef>
+      <a:effectRef idx="2">
+        <a:scrgbClr r="0" g="0" b="0"/>
+      </a:effectRef>
+      <a:fontRef idx="minor"/>
+    </dgm:style>
+  </dgm:styleLbl>
+  <dgm:styleLbl name="alignAccFollowNode1">
+    <dgm:scene3d>
+      <a:camera prst="orthographicFront"/>
+      <a:lightRig rig="flat" dir="t"/>
+    </dgm:scene3d>
+    <dgm:sp3d extrusionH="12700" prstMaterial="plastic">
+      <a:bevelT w="50800" h="50800"/>
+    </dgm:sp3d>
+    <dgm:txPr/>
+    <dgm:style>
+      <a:lnRef idx="1">
+        <a:scrgbClr r="0" g="0" b="0"/>
+      </a:lnRef>
+      <a:fillRef idx="1">
+        <a:scrgbClr r="0" g="0" b="0"/>
+      </a:fillRef>
+      <a:effectRef idx="2">
+        <a:scrgbClr r="0" g="0" b="0"/>
+      </a:effectRef>
+      <a:fontRef idx="minor"/>
+    </dgm:style>
+  </dgm:styleLbl>
+  <dgm:styleLbl name="bgAccFollowNode1">
+    <dgm:scene3d>
+      <a:camera prst="orthographicFront"/>
+      <a:lightRig rig="flat" dir="t"/>
+    </dgm:scene3d>
+    <dgm:sp3d z="-190500" extrusionH="12700" prstMaterial="plastic">
+      <a:bevelT w="50800" h="50800"/>
+    </dgm:sp3d>
+    <dgm:txPr/>
+    <dgm:style>
+      <a:lnRef idx="1">
+        <a:scrgbClr r="0" g="0" b="0"/>
+      </a:lnRef>
+      <a:fillRef idx="1">
+        <a:scrgbClr r="0" g="0" b="0"/>
+      </a:fillRef>
+      <a:effectRef idx="2">
+        <a:scrgbClr r="0" g="0" b="0"/>
+      </a:effectRef>
+      <a:fontRef idx="minor"/>
+    </dgm:style>
+  </dgm:styleLbl>
+  <dgm:styleLbl name="fgAcc0">
+    <dgm:scene3d>
+      <a:camera prst="orthographicFront"/>
+      <a:lightRig rig="flat" dir="t"/>
+    </dgm:scene3d>
+    <dgm:sp3d z="190500" extrusionH="12700" prstMaterial="plastic">
+      <a:bevelT w="50800" h="50800"/>
+    </dgm:sp3d>
+    <dgm:txPr/>
+    <dgm:style>
+      <a:lnRef idx="1">
+        <a:scrgbClr r="0" g="0" b="0"/>
+      </a:lnRef>
+      <a:fillRef idx="1">
+        <a:scrgbClr r="0" g="0" b="0"/>
+      </a:fillRef>
+      <a:effectRef idx="2">
+        <a:scrgbClr r="0" g="0" b="0"/>
+      </a:effectRef>
+      <a:fontRef idx="minor"/>
+    </dgm:style>
+  </dgm:styleLbl>
+  <dgm:styleLbl name="fgAcc2">
+    <dgm:scene3d>
+      <a:camera prst="orthographicFront"/>
+      <a:lightRig rig="flat" dir="t"/>
+    </dgm:scene3d>
+    <dgm:sp3d z="190500" extrusionH="12700" prstMaterial="plastic">
+      <a:bevelT w="50800" h="50800"/>
+    </dgm:sp3d>
+    <dgm:txPr/>
+    <dgm:style>
+      <a:lnRef idx="1">
+        <a:scrgbClr r="0" g="0" b="0"/>
+      </a:lnRef>
+      <a:fillRef idx="1">
+        <a:scrgbClr r="0" g="0" b="0"/>
+      </a:fillRef>
+      <a:effectRef idx="2">
+        <a:scrgbClr r="0" g="0" b="0"/>
+      </a:effectRef>
+      <a:fontRef idx="minor"/>
+    </dgm:style>
+  </dgm:styleLbl>
+  <dgm:styleLbl name="fgAcc3">
+    <dgm:scene3d>
+      <a:camera prst="orthographicFront"/>
+      <a:lightRig rig="flat" dir="t"/>
+    </dgm:scene3d>
+    <dgm:sp3d z="190500" extrusionH="12700" prstMaterial="plastic">
+      <a:bevelT w="50800" h="50800"/>
+    </dgm:sp3d>
+    <dgm:txPr/>
+    <dgm:style>
+      <a:lnRef idx="1">
+        <a:scrgbClr r="0" g="0" b="0"/>
+      </a:lnRef>
+      <a:fillRef idx="1">
+        <a:scrgbClr r="0" g="0" b="0"/>
+      </a:fillRef>
+      <a:effectRef idx="2">
+        <a:scrgbClr r="0" g="0" b="0"/>
+      </a:effectRef>
+      <a:fontRef idx="minor"/>
+    </dgm:style>
+  </dgm:styleLbl>
+  <dgm:styleLbl name="fgAcc4">
+    <dgm:scene3d>
+      <a:camera prst="orthographicFront"/>
+      <a:lightRig rig="flat" dir="t"/>
+    </dgm:scene3d>
+    <dgm:sp3d z="190500" extrusionH="12700" prstMaterial="plastic">
+      <a:bevelT w="50800" h="50800"/>
+    </dgm:sp3d>
+    <dgm:txPr/>
+    <dgm:style>
+      <a:lnRef idx="1">
+        <a:scrgbClr r="0" g="0" b="0"/>
+      </a:lnRef>
+      <a:fillRef idx="1">
+        <a:scrgbClr r="0" g="0" b="0"/>
+      </a:fillRef>
+      <a:effectRef idx="2">
+        <a:scrgbClr r="0" g="0" b="0"/>
+      </a:effectRef>
+      <a:fontRef idx="minor"/>
+    </dgm:style>
+  </dgm:styleLbl>
+  <dgm:styleLbl name="bgShp">
+    <dgm:scene3d>
+      <a:camera prst="orthographicFront"/>
+      <a:lightRig rig="flat" dir="t"/>
+    </dgm:scene3d>
+    <dgm:sp3d z="-190500" extrusionH="12700" prstMaterial="plastic">
+      <a:bevelT w="50800" h="50800"/>
+    </dgm:sp3d>
+    <dgm:txPr/>
+    <dgm:style>
+      <a:lnRef idx="0">
+        <a:scrgbClr r="0" g="0" b="0"/>
+      </a:lnRef>
+      <a:fillRef idx="3">
+        <a:scrgbClr r="0" g="0" b="0"/>
+      </a:fillRef>
+      <a:effectRef idx="0">
+        <a:scrgbClr r="0" g="0" b="0"/>
+      </a:effectRef>
+      <a:fontRef idx="minor"/>
+    </dgm:style>
+  </dgm:styleLbl>
+  <dgm:styleLbl name="dkBgShp">
+    <dgm:scene3d>
+      <a:camera prst="orthographicFront"/>
+      <a:lightRig rig="flat" dir="t"/>
+    </dgm:scene3d>
+    <dgm:sp3d z="-190500" extrusionH="12700" prstMaterial="plastic">
+      <a:bevelT w="50800" h="50800"/>
+    </dgm:sp3d>
+    <dgm:txPr/>
+    <dgm:style>
+      <a:lnRef idx="0">
+        <a:scrgbClr r="0" g="0" b="0"/>
+      </a:lnRef>
+      <a:fillRef idx="2">
+        <a:scrgbClr r="0" g="0" b="0"/>
+      </a:fillRef>
+      <a:effectRef idx="0">
+        <a:scrgbClr r="0" g="0" b="0"/>
+      </a:effectRef>
+      <a:fontRef idx="minor"/>
+    </dgm:style>
+  </dgm:styleLbl>
+  <dgm:styleLbl name="trBgShp">
+    <dgm:scene3d>
+      <a:camera prst="orthographicFront"/>
+      <a:lightRig rig="flat" dir="t"/>
+    </dgm:scene3d>
+    <dgm:sp3d z="-190500" extrusionH="12700" prstMaterial="matte"/>
+    <dgm:txPr/>
+    <dgm:style>
+      <a:lnRef idx="0">
+        <a:scrgbClr r="0" g="0" b="0"/>
+      </a:lnRef>
+      <a:fillRef idx="1">
+        <a:scrgbClr r="0" g="0" b="0"/>
+      </a:fillRef>
+      <a:effectRef idx="0">
+        <a:scrgbClr r="0" g="0" b="0"/>
+      </a:effectRef>
+      <a:fontRef idx="minor"/>
+    </dgm:style>
+  </dgm:styleLbl>
+  <dgm:styleLbl name="fgShp">
+    <dgm:scene3d>
+      <a:camera prst="orthographicFront"/>
+      <a:lightRig rig="flat" dir="t"/>
+    </dgm:scene3d>
+    <dgm:sp3d z="190500" prstMaterial="plastic">
+      <a:bevelT w="120900" h="88900"/>
+      <a:bevelB w="88900" h="31750" prst="angle"/>
+    </dgm:sp3d>
+    <dgm:txPr/>
+    <dgm:style>
+      <a:lnRef idx="0">
+        <a:scrgbClr r="0" g="0" b="0"/>
+      </a:lnRef>
+      <a:fillRef idx="1">
+        <a:scrgbClr r="0" g="0" b="0"/>
+      </a:fillRef>
+      <a:effectRef idx="3">
+        <a:scrgbClr r="0" g="0" b="0"/>
+      </a:effectRef>
+      <a:fontRef idx="minor">
+        <a:schemeClr val="lt1"/>
+      </a:fontRef>
+    </dgm:style>
+  </dgm:styleLbl>
+  <dgm:styleLbl name="revTx">
+    <dgm:scene3d>
+      <a:camera prst="orthographicFront"/>
+      <a:lightRig rig="threePt" dir="t"/>
+    </dgm:scene3d>
+    <dgm:sp3d/>
+    <dgm:txPr/>
+    <dgm:style>
+      <a:lnRef idx="0">
+        <a:scrgbClr r="0" g="0" b="0"/>
+      </a:lnRef>
+      <a:fillRef idx="0">
+        <a:scrgbClr r="0" g="0" b="0"/>
+      </a:fillRef>
+      <a:effectRef idx="0">
+        <a:scrgbClr r="0" g="0" b="0"/>
+      </a:effectRef>
+      <a:fontRef idx="minor"/>
+    </dgm:style>
+  </dgm:styleLbl>
+</dgm:styleDef>
+</file>
+
 <file path=ppt/notesMasters/notesMaster1.xml><?xml version="1.0" encoding="utf-8"?>
 <p:notesMaster xmlns:a="http://schemas.openxmlformats.org/drawingml/2006/main" xmlns:r="http://schemas.openxmlformats.org/officeDocument/2006/relationships" xmlns:p="http://schemas.openxmlformats.org/presentationml/2006/main">
   <p:cSld>
@@ -202,7 +3542,7 @@
           <a:p>
             <a:fld id="{86033872-B7B5-4114-BD3C-99A7E460DA0F}" type="datetimeFigureOut">
               <a:rPr lang="fr-FR" smtClean="0"/>
-              <a:t>27/12/2014</a:t>
+              <a:t>30/12/2014</a:t>
             </a:fld>
             <a:endParaRPr lang="fr-FR"/>
           </a:p>
@@ -554,6 +3894,426 @@
 </p:notes>
 </file>
 
+<file path=ppt/notesSlides/notesSlide2.xml><?xml version="1.0" encoding="utf-8"?>
+<p:notes xmlns:a="http://schemas.openxmlformats.org/drawingml/2006/main" xmlns:r="http://schemas.openxmlformats.org/officeDocument/2006/relationships" xmlns:p="http://schemas.openxmlformats.org/presentationml/2006/main">
+  <p:cSld>
+    <p:spTree>
+      <p:nvGrpSpPr>
+        <p:cNvPr id="1" name=""/>
+        <p:cNvGrpSpPr/>
+        <p:nvPr/>
+      </p:nvGrpSpPr>
+      <p:grpSpPr>
+        <a:xfrm>
+          <a:off x="0" y="0"/>
+          <a:ext cx="0" cy="0"/>
+          <a:chOff x="0" y="0"/>
+          <a:chExt cx="0" cy="0"/>
+        </a:xfrm>
+      </p:grpSpPr>
+      <p:sp>
+        <p:nvSpPr>
+          <p:cNvPr id="2" name="Espace réservé de l'image des diapositives 1"/>
+          <p:cNvSpPr>
+            <a:spLocks noGrp="1" noRot="1" noChangeAspect="1"/>
+          </p:cNvSpPr>
+          <p:nvPr>
+            <p:ph type="sldImg"/>
+          </p:nvPr>
+        </p:nvSpPr>
+        <p:spPr/>
+      </p:sp>
+      <p:sp>
+        <p:nvSpPr>
+          <p:cNvPr id="3" name="Espace réservé des commentaires 2"/>
+          <p:cNvSpPr>
+            <a:spLocks noGrp="1"/>
+          </p:cNvSpPr>
+          <p:nvPr>
+            <p:ph type="body" idx="1"/>
+          </p:nvPr>
+        </p:nvSpPr>
+        <p:spPr/>
+        <p:txBody>
+          <a:bodyPr/>
+          <a:lstStyle/>
+          <a:p>
+            <a:endParaRPr lang="fr-FR" dirty="0"/>
+          </a:p>
+        </p:txBody>
+      </p:sp>
+      <p:sp>
+        <p:nvSpPr>
+          <p:cNvPr id="4" name="Espace réservé du numéro de diapositive 3"/>
+          <p:cNvSpPr>
+            <a:spLocks noGrp="1"/>
+          </p:cNvSpPr>
+          <p:nvPr>
+            <p:ph type="sldNum" sz="quarter" idx="10"/>
+          </p:nvPr>
+        </p:nvSpPr>
+        <p:spPr/>
+        <p:txBody>
+          <a:bodyPr/>
+          <a:lstStyle/>
+          <a:p>
+            <a:fld id="{E2994B5E-A13E-4BD3-8D15-B57FA70E9DD6}" type="slidenum">
+              <a:rPr lang="fr-FR" smtClean="0"/>
+              <a:t>5</a:t>
+            </a:fld>
+            <a:endParaRPr lang="fr-FR"/>
+          </a:p>
+        </p:txBody>
+      </p:sp>
+    </p:spTree>
+    <p:extLst>
+      <p:ext uri="{BB962C8B-B14F-4D97-AF65-F5344CB8AC3E}">
+        <p14:creationId xmlns:p14="http://schemas.microsoft.com/office/powerpoint/2010/main" val="3657111939"/>
+      </p:ext>
+    </p:extLst>
+  </p:cSld>
+  <p:clrMapOvr>
+    <a:masterClrMapping/>
+  </p:clrMapOvr>
+</p:notes>
+</file>
+
+<file path=ppt/notesSlides/notesSlide3.xml><?xml version="1.0" encoding="utf-8"?>
+<p:notes xmlns:a="http://schemas.openxmlformats.org/drawingml/2006/main" xmlns:r="http://schemas.openxmlformats.org/officeDocument/2006/relationships" xmlns:p="http://schemas.openxmlformats.org/presentationml/2006/main">
+  <p:cSld>
+    <p:spTree>
+      <p:nvGrpSpPr>
+        <p:cNvPr id="1" name=""/>
+        <p:cNvGrpSpPr/>
+        <p:nvPr/>
+      </p:nvGrpSpPr>
+      <p:grpSpPr>
+        <a:xfrm>
+          <a:off x="0" y="0"/>
+          <a:ext cx="0" cy="0"/>
+          <a:chOff x="0" y="0"/>
+          <a:chExt cx="0" cy="0"/>
+        </a:xfrm>
+      </p:grpSpPr>
+      <p:sp>
+        <p:nvSpPr>
+          <p:cNvPr id="2" name="Espace réservé de l'image des diapositives 1"/>
+          <p:cNvSpPr>
+            <a:spLocks noGrp="1" noRot="1" noChangeAspect="1"/>
+          </p:cNvSpPr>
+          <p:nvPr>
+            <p:ph type="sldImg"/>
+          </p:nvPr>
+        </p:nvSpPr>
+        <p:spPr/>
+      </p:sp>
+      <p:sp>
+        <p:nvSpPr>
+          <p:cNvPr id="3" name="Espace réservé des commentaires 2"/>
+          <p:cNvSpPr>
+            <a:spLocks noGrp="1"/>
+          </p:cNvSpPr>
+          <p:nvPr>
+            <p:ph type="body" idx="1"/>
+          </p:nvPr>
+        </p:nvSpPr>
+        <p:spPr/>
+        <p:txBody>
+          <a:bodyPr/>
+          <a:lstStyle/>
+          <a:p>
+            <a:endParaRPr lang="fr-FR" dirty="0"/>
+          </a:p>
+        </p:txBody>
+      </p:sp>
+      <p:sp>
+        <p:nvSpPr>
+          <p:cNvPr id="4" name="Espace réservé du numéro de diapositive 3"/>
+          <p:cNvSpPr>
+            <a:spLocks noGrp="1"/>
+          </p:cNvSpPr>
+          <p:nvPr>
+            <p:ph type="sldNum" sz="quarter" idx="10"/>
+          </p:nvPr>
+        </p:nvSpPr>
+        <p:spPr/>
+        <p:txBody>
+          <a:bodyPr/>
+          <a:lstStyle/>
+          <a:p>
+            <a:fld id="{E2994B5E-A13E-4BD3-8D15-B57FA70E9DD6}" type="slidenum">
+              <a:rPr lang="fr-FR" smtClean="0"/>
+              <a:t>6</a:t>
+            </a:fld>
+            <a:endParaRPr lang="fr-FR"/>
+          </a:p>
+        </p:txBody>
+      </p:sp>
+    </p:spTree>
+    <p:extLst>
+      <p:ext uri="{BB962C8B-B14F-4D97-AF65-F5344CB8AC3E}">
+        <p14:creationId xmlns:p14="http://schemas.microsoft.com/office/powerpoint/2010/main" val="3657111939"/>
+      </p:ext>
+    </p:extLst>
+  </p:cSld>
+  <p:clrMapOvr>
+    <a:masterClrMapping/>
+  </p:clrMapOvr>
+</p:notes>
+</file>
+
+<file path=ppt/notesSlides/notesSlide4.xml><?xml version="1.0" encoding="utf-8"?>
+<p:notes xmlns:a="http://schemas.openxmlformats.org/drawingml/2006/main" xmlns:r="http://schemas.openxmlformats.org/officeDocument/2006/relationships" xmlns:p="http://schemas.openxmlformats.org/presentationml/2006/main">
+  <p:cSld>
+    <p:spTree>
+      <p:nvGrpSpPr>
+        <p:cNvPr id="1" name=""/>
+        <p:cNvGrpSpPr/>
+        <p:nvPr/>
+      </p:nvGrpSpPr>
+      <p:grpSpPr>
+        <a:xfrm>
+          <a:off x="0" y="0"/>
+          <a:ext cx="0" cy="0"/>
+          <a:chOff x="0" y="0"/>
+          <a:chExt cx="0" cy="0"/>
+        </a:xfrm>
+      </p:grpSpPr>
+      <p:sp>
+        <p:nvSpPr>
+          <p:cNvPr id="2" name="Espace réservé de l'image des diapositives 1"/>
+          <p:cNvSpPr>
+            <a:spLocks noGrp="1" noRot="1" noChangeAspect="1"/>
+          </p:cNvSpPr>
+          <p:nvPr>
+            <p:ph type="sldImg"/>
+          </p:nvPr>
+        </p:nvSpPr>
+        <p:spPr/>
+      </p:sp>
+      <p:sp>
+        <p:nvSpPr>
+          <p:cNvPr id="3" name="Espace réservé des commentaires 2"/>
+          <p:cNvSpPr>
+            <a:spLocks noGrp="1"/>
+          </p:cNvSpPr>
+          <p:nvPr>
+            <p:ph type="body" idx="1"/>
+          </p:nvPr>
+        </p:nvSpPr>
+        <p:spPr/>
+        <p:txBody>
+          <a:bodyPr/>
+          <a:lstStyle/>
+          <a:p>
+            <a:endParaRPr lang="fr-FR" dirty="0"/>
+          </a:p>
+        </p:txBody>
+      </p:sp>
+      <p:sp>
+        <p:nvSpPr>
+          <p:cNvPr id="4" name="Espace réservé du numéro de diapositive 3"/>
+          <p:cNvSpPr>
+            <a:spLocks noGrp="1"/>
+          </p:cNvSpPr>
+          <p:nvPr>
+            <p:ph type="sldNum" sz="quarter" idx="10"/>
+          </p:nvPr>
+        </p:nvSpPr>
+        <p:spPr/>
+        <p:txBody>
+          <a:bodyPr/>
+          <a:lstStyle/>
+          <a:p>
+            <a:fld id="{E2994B5E-A13E-4BD3-8D15-B57FA70E9DD6}" type="slidenum">
+              <a:rPr lang="fr-FR" smtClean="0"/>
+              <a:t>7</a:t>
+            </a:fld>
+            <a:endParaRPr lang="fr-FR"/>
+          </a:p>
+        </p:txBody>
+      </p:sp>
+    </p:spTree>
+    <p:extLst>
+      <p:ext uri="{BB962C8B-B14F-4D97-AF65-F5344CB8AC3E}">
+        <p14:creationId xmlns:p14="http://schemas.microsoft.com/office/powerpoint/2010/main" val="3657111939"/>
+      </p:ext>
+    </p:extLst>
+  </p:cSld>
+  <p:clrMapOvr>
+    <a:masterClrMapping/>
+  </p:clrMapOvr>
+</p:notes>
+</file>
+
+<file path=ppt/notesSlides/notesSlide5.xml><?xml version="1.0" encoding="utf-8"?>
+<p:notes xmlns:a="http://schemas.openxmlformats.org/drawingml/2006/main" xmlns:r="http://schemas.openxmlformats.org/officeDocument/2006/relationships" xmlns:p="http://schemas.openxmlformats.org/presentationml/2006/main">
+  <p:cSld>
+    <p:spTree>
+      <p:nvGrpSpPr>
+        <p:cNvPr id="1" name=""/>
+        <p:cNvGrpSpPr/>
+        <p:nvPr/>
+      </p:nvGrpSpPr>
+      <p:grpSpPr>
+        <a:xfrm>
+          <a:off x="0" y="0"/>
+          <a:ext cx="0" cy="0"/>
+          <a:chOff x="0" y="0"/>
+          <a:chExt cx="0" cy="0"/>
+        </a:xfrm>
+      </p:grpSpPr>
+      <p:sp>
+        <p:nvSpPr>
+          <p:cNvPr id="2" name="Espace réservé de l'image des diapositives 1"/>
+          <p:cNvSpPr>
+            <a:spLocks noGrp="1" noRot="1" noChangeAspect="1"/>
+          </p:cNvSpPr>
+          <p:nvPr>
+            <p:ph type="sldImg"/>
+          </p:nvPr>
+        </p:nvSpPr>
+        <p:spPr/>
+      </p:sp>
+      <p:sp>
+        <p:nvSpPr>
+          <p:cNvPr id="3" name="Espace réservé des commentaires 2"/>
+          <p:cNvSpPr>
+            <a:spLocks noGrp="1"/>
+          </p:cNvSpPr>
+          <p:nvPr>
+            <p:ph type="body" idx="1"/>
+          </p:nvPr>
+        </p:nvSpPr>
+        <p:spPr/>
+        <p:txBody>
+          <a:bodyPr/>
+          <a:lstStyle/>
+          <a:p>
+            <a:endParaRPr lang="fr-FR" dirty="0"/>
+          </a:p>
+        </p:txBody>
+      </p:sp>
+      <p:sp>
+        <p:nvSpPr>
+          <p:cNvPr id="4" name="Espace réservé du numéro de diapositive 3"/>
+          <p:cNvSpPr>
+            <a:spLocks noGrp="1"/>
+          </p:cNvSpPr>
+          <p:nvPr>
+            <p:ph type="sldNum" sz="quarter" idx="10"/>
+          </p:nvPr>
+        </p:nvSpPr>
+        <p:spPr/>
+        <p:txBody>
+          <a:bodyPr/>
+          <a:lstStyle/>
+          <a:p>
+            <a:fld id="{E2994B5E-A13E-4BD3-8D15-B57FA70E9DD6}" type="slidenum">
+              <a:rPr lang="fr-FR" smtClean="0"/>
+              <a:t>8</a:t>
+            </a:fld>
+            <a:endParaRPr lang="fr-FR"/>
+          </a:p>
+        </p:txBody>
+      </p:sp>
+    </p:spTree>
+    <p:extLst>
+      <p:ext uri="{BB962C8B-B14F-4D97-AF65-F5344CB8AC3E}">
+        <p14:creationId xmlns:p14="http://schemas.microsoft.com/office/powerpoint/2010/main" val="3657111939"/>
+      </p:ext>
+    </p:extLst>
+  </p:cSld>
+  <p:clrMapOvr>
+    <a:masterClrMapping/>
+  </p:clrMapOvr>
+</p:notes>
+</file>
+
+<file path=ppt/notesSlides/notesSlide6.xml><?xml version="1.0" encoding="utf-8"?>
+<p:notes xmlns:a="http://schemas.openxmlformats.org/drawingml/2006/main" xmlns:r="http://schemas.openxmlformats.org/officeDocument/2006/relationships" xmlns:p="http://schemas.openxmlformats.org/presentationml/2006/main">
+  <p:cSld>
+    <p:spTree>
+      <p:nvGrpSpPr>
+        <p:cNvPr id="1" name=""/>
+        <p:cNvGrpSpPr/>
+        <p:nvPr/>
+      </p:nvGrpSpPr>
+      <p:grpSpPr>
+        <a:xfrm>
+          <a:off x="0" y="0"/>
+          <a:ext cx="0" cy="0"/>
+          <a:chOff x="0" y="0"/>
+          <a:chExt cx="0" cy="0"/>
+        </a:xfrm>
+      </p:grpSpPr>
+      <p:sp>
+        <p:nvSpPr>
+          <p:cNvPr id="2" name="Espace réservé de l'image des diapositives 1"/>
+          <p:cNvSpPr>
+            <a:spLocks noGrp="1" noRot="1" noChangeAspect="1"/>
+          </p:cNvSpPr>
+          <p:nvPr>
+            <p:ph type="sldImg"/>
+          </p:nvPr>
+        </p:nvSpPr>
+        <p:spPr/>
+      </p:sp>
+      <p:sp>
+        <p:nvSpPr>
+          <p:cNvPr id="3" name="Espace réservé des commentaires 2"/>
+          <p:cNvSpPr>
+            <a:spLocks noGrp="1"/>
+          </p:cNvSpPr>
+          <p:nvPr>
+            <p:ph type="body" idx="1"/>
+          </p:nvPr>
+        </p:nvSpPr>
+        <p:spPr/>
+        <p:txBody>
+          <a:bodyPr/>
+          <a:lstStyle/>
+          <a:p>
+            <a:endParaRPr lang="fr-FR"/>
+          </a:p>
+        </p:txBody>
+      </p:sp>
+      <p:sp>
+        <p:nvSpPr>
+          <p:cNvPr id="4" name="Espace réservé du numéro de diapositive 3"/>
+          <p:cNvSpPr>
+            <a:spLocks noGrp="1"/>
+          </p:cNvSpPr>
+          <p:nvPr>
+            <p:ph type="sldNum" sz="quarter" idx="10"/>
+          </p:nvPr>
+        </p:nvSpPr>
+        <p:spPr/>
+        <p:txBody>
+          <a:bodyPr/>
+          <a:lstStyle/>
+          <a:p>
+            <a:fld id="{E2994B5E-A13E-4BD3-8D15-B57FA70E9DD6}" type="slidenum">
+              <a:rPr lang="fr-FR" smtClean="0"/>
+              <a:t>13</a:t>
+            </a:fld>
+            <a:endParaRPr lang="fr-FR"/>
+          </a:p>
+        </p:txBody>
+      </p:sp>
+    </p:spTree>
+    <p:extLst>
+      <p:ext uri="{BB962C8B-B14F-4D97-AF65-F5344CB8AC3E}">
+        <p14:creationId xmlns:p14="http://schemas.microsoft.com/office/powerpoint/2010/main" val="2728227148"/>
+      </p:ext>
+    </p:extLst>
+  </p:cSld>
+  <p:clrMapOvr>
+    <a:masterClrMapping/>
+  </p:clrMapOvr>
+</p:notes>
+</file>
+
 <file path=ppt/slideLayouts/slideLayout1.xml><?xml version="1.0" encoding="utf-8"?>
 <p:sldLayout xmlns:a="http://schemas.openxmlformats.org/drawingml/2006/main" xmlns:r="http://schemas.openxmlformats.org/officeDocument/2006/relationships" xmlns:p="http://schemas.openxmlformats.org/presentationml/2006/main" type="title" preserve="1">
   <p:cSld name="Diapositive de titre">
@@ -735,7 +4495,7 @@
           <a:p>
             <a:fld id="{C2D65230-C684-41AF-AA0D-72F719444CFB}" type="datetime1">
               <a:rPr lang="fr-FR" smtClean="0"/>
-              <a:t>27/12/2014</a:t>
+              <a:t>30/12/2014</a:t>
             </a:fld>
             <a:endParaRPr lang="fr-BE"/>
           </a:p>
@@ -905,7 +4665,7 @@
           <a:p>
             <a:fld id="{66168C52-95ED-42C2-B895-1D2AC16AE535}" type="datetime1">
               <a:rPr lang="fr-FR" smtClean="0"/>
-              <a:t>27/12/2014</a:t>
+              <a:t>30/12/2014</a:t>
             </a:fld>
             <a:endParaRPr lang="fr-BE"/>
           </a:p>
@@ -1085,7 +4845,7 @@
           <a:p>
             <a:fld id="{97F9B326-529C-4F7B-B853-FAC68FB4BD83}" type="datetime1">
               <a:rPr lang="fr-FR" smtClean="0"/>
-              <a:t>27/12/2014</a:t>
+              <a:t>30/12/2014</a:t>
             </a:fld>
             <a:endParaRPr lang="fr-BE"/>
           </a:p>
@@ -1255,7 +5015,7 @@
           <a:p>
             <a:fld id="{BC86967F-49BF-4B16-9EF7-68DCA022A0F5}" type="datetime1">
               <a:rPr lang="fr-FR" smtClean="0"/>
-              <a:t>27/12/2014</a:t>
+              <a:t>30/12/2014</a:t>
             </a:fld>
             <a:endParaRPr lang="fr-BE"/>
           </a:p>
@@ -1501,7 +5261,7 @@
           <a:p>
             <a:fld id="{A3C54BB5-BFEE-4131-BDA5-39E825F8557C}" type="datetime1">
               <a:rPr lang="fr-FR" smtClean="0"/>
-              <a:t>27/12/2014</a:t>
+              <a:t>30/12/2014</a:t>
             </a:fld>
             <a:endParaRPr lang="fr-BE"/>
           </a:p>
@@ -1789,7 +5549,7 @@
           <a:p>
             <a:fld id="{4EEDA896-919B-40D0-B2D3-CBC5EEE1DF94}" type="datetime1">
               <a:rPr lang="fr-FR" smtClean="0"/>
-              <a:t>27/12/2014</a:t>
+              <a:t>30/12/2014</a:t>
             </a:fld>
             <a:endParaRPr lang="fr-BE"/>
           </a:p>
@@ -2211,7 +5971,7 @@
           <a:p>
             <a:fld id="{543CE89A-C400-41BE-938E-3477A7B711D4}" type="datetime1">
               <a:rPr lang="fr-FR" smtClean="0"/>
-              <a:t>27/12/2014</a:t>
+              <a:t>30/12/2014</a:t>
             </a:fld>
             <a:endParaRPr lang="fr-BE"/>
           </a:p>
@@ -2329,7 +6089,7 @@
           <a:p>
             <a:fld id="{6C84417D-1899-42AE-B438-7331E2E84D71}" type="datetime1">
               <a:rPr lang="fr-FR" smtClean="0"/>
-              <a:t>27/12/2014</a:t>
+              <a:t>30/12/2014</a:t>
             </a:fld>
             <a:endParaRPr lang="fr-BE"/>
           </a:p>
@@ -2424,7 +6184,7 @@
           <a:p>
             <a:fld id="{0A21B63A-27A0-4EE2-B3BF-BFDA56FB0AC7}" type="datetime1">
               <a:rPr lang="fr-FR" smtClean="0"/>
-              <a:t>27/12/2014</a:t>
+              <a:t>30/12/2014</a:t>
             </a:fld>
             <a:endParaRPr lang="fr-BE"/>
           </a:p>
@@ -2701,7 +6461,7 @@
           <a:p>
             <a:fld id="{F4A1703F-2DEB-4C9F-8A1E-A123D9DA669A}" type="datetime1">
               <a:rPr lang="fr-FR" smtClean="0"/>
-              <a:t>27/12/2014</a:t>
+              <a:t>30/12/2014</a:t>
             </a:fld>
             <a:endParaRPr lang="fr-BE"/>
           </a:p>
@@ -2954,7 +6714,7 @@
           <a:p>
             <a:fld id="{62027368-7A5E-4223-B763-64DAB6395145}" type="datetime1">
               <a:rPr lang="fr-FR" smtClean="0"/>
-              <a:t>27/12/2014</a:t>
+              <a:t>30/12/2014</a:t>
             </a:fld>
             <a:endParaRPr lang="fr-BE"/>
           </a:p>
@@ -3167,7 +6927,7 @@
           <a:p>
             <a:fld id="{AF8072BF-C55A-4D0D-88F2-9B6536496F70}" type="datetime1">
               <a:rPr lang="fr-FR" smtClean="0"/>
-              <a:t>27/12/2014</a:t>
+              <a:t>30/12/2014</a:t>
             </a:fld>
             <a:endParaRPr lang="fr-BE"/>
           </a:p>
@@ -3637,23 +7397,7 @@
                   <a:schemeClr val="accent1"/>
                 </a:solidFill>
               </a:rPr>
-              <a:t>POYARD </a:t>
-            </a:r>
-            <a:r>
-              <a:rPr lang="fr-FR" sz="1800" dirty="0" smtClean="0">
-                <a:solidFill>
-                  <a:schemeClr val="accent1"/>
-                </a:solidFill>
-              </a:rPr>
-              <a:t>–</a:t>
-            </a:r>
-            <a:r>
-              <a:rPr lang="fr-FR" sz="1800" dirty="0" smtClean="0">
-                <a:solidFill>
-                  <a:schemeClr val="accent1"/>
-                </a:solidFill>
-              </a:rPr>
-              <a:t> </a:t>
+              <a:t>POYARD – </a:t>
             </a:r>
             <a:r>
               <a:rPr lang="fr-FR" sz="1800" dirty="0">
@@ -7418,7 +11162,7 @@
                   <a:schemeClr val="bg1"/>
                 </a:solidFill>
               </a:rPr>
-              <a:t>27/12/2014</a:t>
+              <a:t>30/12/2014</a:t>
             </a:fld>
             <a:endParaRPr lang="fr-BE" sz="2000" dirty="0">
               <a:solidFill>
@@ -7566,7 +11310,7 @@
           <a:p>
             <a:fld id="{A5DF02B5-C084-4573-B9AA-1687D980E5FB}" type="datetime1">
               <a:rPr lang="fr-FR" smtClean="0"/>
-              <a:t>27/12/2014</a:t>
+              <a:t>30/12/2014</a:t>
             </a:fld>
             <a:endParaRPr lang="fr-BE"/>
           </a:p>
@@ -7656,7 +11400,7 @@
                   </a:schemeClr>
                 </a:solidFill>
               </a:rPr>
-              <a:t>Démonstration du logiciel</a:t>
+              <a:t>Choix techniques et d’architecture</a:t>
             </a:r>
             <a:endParaRPr lang="fr-FR" dirty="0">
               <a:solidFill>
@@ -7707,6 +11451,65 @@
       </p:grpSpPr>
       <p:sp>
         <p:nvSpPr>
+          <p:cNvPr id="6" name="Titre 5"/>
+          <p:cNvSpPr>
+            <a:spLocks noGrp="1"/>
+          </p:cNvSpPr>
+          <p:nvPr>
+            <p:ph type="title"/>
+          </p:nvPr>
+        </p:nvSpPr>
+        <p:spPr>
+          <a:xfrm>
+            <a:off x="685800" y="2636912"/>
+            <a:ext cx="7772400" cy="1362075"/>
+          </a:xfrm>
+        </p:spPr>
+        <p:txBody>
+          <a:bodyPr/>
+          <a:lstStyle/>
+          <a:p>
+            <a:r>
+              <a:rPr lang="fr-FR" dirty="0" smtClean="0">
+                <a:solidFill>
+                  <a:srgbClr val="336699"/>
+                </a:solidFill>
+              </a:rPr>
+              <a:t>Avantages et limites du produit</a:t>
+            </a:r>
+            <a:endParaRPr lang="fr-FR" dirty="0">
+              <a:solidFill>
+                <a:srgbClr val="336699"/>
+              </a:solidFill>
+            </a:endParaRPr>
+          </a:p>
+        </p:txBody>
+      </p:sp>
+      <p:sp>
+        <p:nvSpPr>
+          <p:cNvPr id="4" name="Espace réservé de la date 3"/>
+          <p:cNvSpPr>
+            <a:spLocks noGrp="1"/>
+          </p:cNvSpPr>
+          <p:nvPr>
+            <p:ph type="dt" sz="half" idx="10"/>
+          </p:nvPr>
+        </p:nvSpPr>
+        <p:spPr/>
+        <p:txBody>
+          <a:bodyPr/>
+          <a:lstStyle/>
+          <a:p>
+            <a:fld id="{C2D65230-C684-41AF-AA0D-72F719444CFB}" type="datetime1">
+              <a:rPr lang="fr-FR" smtClean="0"/>
+              <a:t>30/12/2014</a:t>
+            </a:fld>
+            <a:endParaRPr lang="fr-BE"/>
+          </a:p>
+        </p:txBody>
+      </p:sp>
+      <p:sp>
+        <p:nvSpPr>
           <p:cNvPr id="5" name="Espace réservé du numéro de diapositive 4"/>
           <p:cNvSpPr>
             <a:spLocks noGrp="1"/>
@@ -7723,6 +11526,974 @@
             <a:fld id="{CF4668DC-857F-487D-BFFA-8C0CA5037977}" type="slidenum">
               <a:rPr lang="fr-BE" smtClean="0"/>
               <a:t>11</a:t>
+            </a:fld>
+            <a:endParaRPr lang="fr-BE"/>
+          </a:p>
+        </p:txBody>
+      </p:sp>
+      <p:sp>
+        <p:nvSpPr>
+          <p:cNvPr id="9" name="Rectangle 8"/>
+          <p:cNvSpPr/>
+          <p:nvPr/>
+        </p:nvSpPr>
+        <p:spPr>
+          <a:xfrm>
+            <a:off x="0" y="4196234"/>
+            <a:ext cx="9144000" cy="360040"/>
+          </a:xfrm>
+          <a:prstGeom prst="rect">
+            <a:avLst/>
+          </a:prstGeom>
+          <a:solidFill>
+            <a:schemeClr val="tx2"/>
+          </a:solidFill>
+          <a:ln>
+            <a:solidFill>
+              <a:schemeClr val="tx2"/>
+            </a:solidFill>
+          </a:ln>
+        </p:spPr>
+        <p:style>
+          <a:lnRef idx="2">
+            <a:schemeClr val="accent1">
+              <a:shade val="50000"/>
+            </a:schemeClr>
+          </a:lnRef>
+          <a:fillRef idx="1">
+            <a:schemeClr val="accent1"/>
+          </a:fillRef>
+          <a:effectRef idx="0">
+            <a:schemeClr val="accent1"/>
+          </a:effectRef>
+          <a:fontRef idx="minor">
+            <a:schemeClr val="lt1"/>
+          </a:fontRef>
+        </p:style>
+        <p:txBody>
+          <a:bodyPr rtlCol="0" anchor="ctr"/>
+          <a:lstStyle/>
+          <a:p>
+            <a:pPr algn="ctr"/>
+            <a:endParaRPr lang="fr-FR"/>
+          </a:p>
+        </p:txBody>
+      </p:sp>
+    </p:spTree>
+    <p:extLst>
+      <p:ext uri="{BB962C8B-B14F-4D97-AF65-F5344CB8AC3E}">
+        <p14:creationId xmlns:p14="http://schemas.microsoft.com/office/powerpoint/2010/main" val="3480954234"/>
+      </p:ext>
+    </p:extLst>
+  </p:cSld>
+  <p:clrMapOvr>
+    <a:masterClrMapping/>
+  </p:clrMapOvr>
+  <p:timing>
+    <p:tnLst>
+      <p:par>
+        <p:cTn id="1" dur="indefinite" restart="never" nodeType="tmRoot"/>
+      </p:par>
+    </p:tnLst>
+  </p:timing>
+</p:sld>
+</file>
+
+<file path=ppt/slides/slide12.xml><?xml version="1.0" encoding="utf-8"?>
+<p:sld xmlns:a="http://schemas.openxmlformats.org/drawingml/2006/main" xmlns:r="http://schemas.openxmlformats.org/officeDocument/2006/relationships" xmlns:p="http://schemas.openxmlformats.org/presentationml/2006/main">
+  <p:cSld>
+    <p:spTree>
+      <p:nvGrpSpPr>
+        <p:cNvPr id="1" name=""/>
+        <p:cNvGrpSpPr/>
+        <p:nvPr/>
+      </p:nvGrpSpPr>
+      <p:grpSpPr>
+        <a:xfrm>
+          <a:off x="0" y="0"/>
+          <a:ext cx="0" cy="0"/>
+          <a:chOff x="0" y="0"/>
+          <a:chExt cx="0" cy="0"/>
+        </a:xfrm>
+      </p:grpSpPr>
+      <p:sp>
+        <p:nvSpPr>
+          <p:cNvPr id="2" name="Titre 1"/>
+          <p:cNvSpPr>
+            <a:spLocks noGrp="1"/>
+          </p:cNvSpPr>
+          <p:nvPr>
+            <p:ph type="title"/>
+          </p:nvPr>
+        </p:nvSpPr>
+        <p:spPr>
+          <a:xfrm>
+            <a:off x="446856" y="188640"/>
+            <a:ext cx="8373616" cy="796950"/>
+          </a:xfrm>
+        </p:spPr>
+        <p:txBody>
+          <a:bodyPr/>
+          <a:lstStyle/>
+          <a:p>
+            <a:pPr algn="r"/>
+            <a:r>
+              <a:rPr lang="fr-FR" dirty="0" smtClean="0">
+                <a:solidFill>
+                  <a:srgbClr val="336699"/>
+                </a:solidFill>
+              </a:rPr>
+              <a:t>Les avantages</a:t>
+            </a:r>
+            <a:endParaRPr lang="fr-FR" dirty="0">
+              <a:solidFill>
+                <a:srgbClr val="336699"/>
+              </a:solidFill>
+            </a:endParaRPr>
+          </a:p>
+        </p:txBody>
+      </p:sp>
+      <p:sp>
+        <p:nvSpPr>
+          <p:cNvPr id="3" name="Espace réservé du contenu 2"/>
+          <p:cNvSpPr>
+            <a:spLocks noGrp="1"/>
+          </p:cNvSpPr>
+          <p:nvPr>
+            <p:ph idx="1"/>
+          </p:nvPr>
+        </p:nvSpPr>
+        <p:spPr/>
+        <p:txBody>
+          <a:bodyPr/>
+          <a:lstStyle/>
+          <a:p>
+            <a:pPr>
+              <a:buClr>
+                <a:srgbClr val="6699CC"/>
+              </a:buClr>
+            </a:pPr>
+            <a:r>
+              <a:rPr lang="fr-FR" dirty="0" smtClean="0"/>
+              <a:t>Visualisation en temps réel sans devoir réactualiser</a:t>
+            </a:r>
+          </a:p>
+          <a:p>
+            <a:pPr>
+              <a:buClr>
+                <a:srgbClr val="6699CC"/>
+              </a:buClr>
+            </a:pPr>
+            <a:r>
+              <a:rPr lang="fr-FR" dirty="0" smtClean="0"/>
+              <a:t>Fort contraste des différentes zones des interfaces</a:t>
+            </a:r>
+            <a:endParaRPr lang="fr-FR" dirty="0"/>
+          </a:p>
+        </p:txBody>
+      </p:sp>
+      <p:sp>
+        <p:nvSpPr>
+          <p:cNvPr id="4" name="Espace réservé de la date 3"/>
+          <p:cNvSpPr>
+            <a:spLocks noGrp="1"/>
+          </p:cNvSpPr>
+          <p:nvPr>
+            <p:ph type="dt" sz="half" idx="10"/>
+          </p:nvPr>
+        </p:nvSpPr>
+        <p:spPr/>
+        <p:txBody>
+          <a:bodyPr/>
+          <a:lstStyle/>
+          <a:p>
+            <a:fld id="{A5DF02B5-C084-4573-B9AA-1687D980E5FB}" type="datetime1">
+              <a:rPr lang="fr-FR" smtClean="0"/>
+              <a:t>30/12/2014</a:t>
+            </a:fld>
+            <a:endParaRPr lang="fr-BE"/>
+          </a:p>
+        </p:txBody>
+      </p:sp>
+      <p:sp>
+        <p:nvSpPr>
+          <p:cNvPr id="5" name="Espace réservé du numéro de diapositive 4"/>
+          <p:cNvSpPr>
+            <a:spLocks noGrp="1"/>
+          </p:cNvSpPr>
+          <p:nvPr>
+            <p:ph type="sldNum" sz="quarter" idx="12"/>
+          </p:nvPr>
+        </p:nvSpPr>
+        <p:spPr/>
+        <p:txBody>
+          <a:bodyPr/>
+          <a:lstStyle/>
+          <a:p>
+            <a:fld id="{CF4668DC-857F-487D-BFFA-8C0CA5037977}" type="slidenum">
+              <a:rPr lang="fr-BE" smtClean="0"/>
+              <a:t>12</a:t>
+            </a:fld>
+            <a:endParaRPr lang="fr-BE"/>
+          </a:p>
+        </p:txBody>
+      </p:sp>
+      <p:cxnSp>
+        <p:nvCxnSpPr>
+          <p:cNvPr id="8" name="Connecteur droit 7"/>
+          <p:cNvCxnSpPr/>
+          <p:nvPr/>
+        </p:nvCxnSpPr>
+        <p:spPr>
+          <a:xfrm>
+            <a:off x="467544" y="908720"/>
+            <a:ext cx="8208912" cy="0"/>
+          </a:xfrm>
+          <a:prstGeom prst="line">
+            <a:avLst/>
+          </a:prstGeom>
+        </p:spPr>
+        <p:style>
+          <a:lnRef idx="1">
+            <a:schemeClr val="accent1"/>
+          </a:lnRef>
+          <a:fillRef idx="0">
+            <a:schemeClr val="accent1"/>
+          </a:fillRef>
+          <a:effectRef idx="0">
+            <a:schemeClr val="accent1"/>
+          </a:effectRef>
+          <a:fontRef idx="minor">
+            <a:schemeClr val="tx1"/>
+          </a:fontRef>
+        </p:style>
+      </p:cxnSp>
+      <p:sp>
+        <p:nvSpPr>
+          <p:cNvPr id="10" name="ZoneTexte 9"/>
+          <p:cNvSpPr txBox="1"/>
+          <p:nvPr/>
+        </p:nvSpPr>
+        <p:spPr>
+          <a:xfrm>
+            <a:off x="1763777" y="6309320"/>
+            <a:ext cx="5616446" cy="369332"/>
+          </a:xfrm>
+          <a:prstGeom prst="rect">
+            <a:avLst/>
+          </a:prstGeom>
+          <a:noFill/>
+        </p:spPr>
+        <p:txBody>
+          <a:bodyPr wrap="square" rtlCol="0">
+            <a:spAutoFit/>
+          </a:bodyPr>
+          <a:lstStyle/>
+          <a:p>
+            <a:pPr algn="ctr"/>
+            <a:r>
+              <a:rPr lang="fr-FR" dirty="0" smtClean="0">
+                <a:solidFill>
+                  <a:schemeClr val="bg1">
+                    <a:lumMod val="50000"/>
+                  </a:schemeClr>
+                </a:solidFill>
+              </a:rPr>
+              <a:t>Avantages et limites du produit</a:t>
+            </a:r>
+            <a:endParaRPr lang="fr-FR" dirty="0">
+              <a:solidFill>
+                <a:schemeClr val="bg1">
+                  <a:lumMod val="50000"/>
+                </a:schemeClr>
+              </a:solidFill>
+            </a:endParaRPr>
+          </a:p>
+        </p:txBody>
+      </p:sp>
+    </p:spTree>
+    <p:extLst>
+      <p:ext uri="{BB962C8B-B14F-4D97-AF65-F5344CB8AC3E}">
+        <p14:creationId xmlns:p14="http://schemas.microsoft.com/office/powerpoint/2010/main" val="4128894042"/>
+      </p:ext>
+    </p:extLst>
+  </p:cSld>
+  <p:clrMapOvr>
+    <a:masterClrMapping/>
+  </p:clrMapOvr>
+  <p:timing>
+    <p:tnLst>
+      <p:par>
+        <p:cTn id="1" dur="indefinite" restart="never" nodeType="tmRoot"/>
+      </p:par>
+    </p:tnLst>
+  </p:timing>
+</p:sld>
+</file>
+
+<file path=ppt/slides/slide13.xml><?xml version="1.0" encoding="utf-8"?>
+<p:sld xmlns:a="http://schemas.openxmlformats.org/drawingml/2006/main" xmlns:r="http://schemas.openxmlformats.org/officeDocument/2006/relationships" xmlns:p="http://schemas.openxmlformats.org/presentationml/2006/main">
+  <p:cSld>
+    <p:spTree>
+      <p:nvGrpSpPr>
+        <p:cNvPr id="1" name=""/>
+        <p:cNvGrpSpPr/>
+        <p:nvPr/>
+      </p:nvGrpSpPr>
+      <p:grpSpPr>
+        <a:xfrm>
+          <a:off x="0" y="0"/>
+          <a:ext cx="0" cy="0"/>
+          <a:chOff x="0" y="0"/>
+          <a:chExt cx="0" cy="0"/>
+        </a:xfrm>
+      </p:grpSpPr>
+      <p:sp>
+        <p:nvSpPr>
+          <p:cNvPr id="2" name="Titre 1"/>
+          <p:cNvSpPr>
+            <a:spLocks noGrp="1"/>
+          </p:cNvSpPr>
+          <p:nvPr>
+            <p:ph type="title"/>
+          </p:nvPr>
+        </p:nvSpPr>
+        <p:spPr>
+          <a:xfrm>
+            <a:off x="446856" y="188640"/>
+            <a:ext cx="8373616" cy="796950"/>
+          </a:xfrm>
+        </p:spPr>
+        <p:txBody>
+          <a:bodyPr/>
+          <a:lstStyle/>
+          <a:p>
+            <a:pPr algn="r"/>
+            <a:r>
+              <a:rPr lang="fr-FR" dirty="0" smtClean="0">
+                <a:solidFill>
+                  <a:srgbClr val="336699"/>
+                </a:solidFill>
+              </a:rPr>
+              <a:t>Les limites</a:t>
+            </a:r>
+            <a:endParaRPr lang="fr-FR" dirty="0">
+              <a:solidFill>
+                <a:srgbClr val="336699"/>
+              </a:solidFill>
+            </a:endParaRPr>
+          </a:p>
+        </p:txBody>
+      </p:sp>
+      <p:sp>
+        <p:nvSpPr>
+          <p:cNvPr id="3" name="Espace réservé du contenu 2"/>
+          <p:cNvSpPr>
+            <a:spLocks noGrp="1"/>
+          </p:cNvSpPr>
+          <p:nvPr>
+            <p:ph idx="1"/>
+          </p:nvPr>
+        </p:nvSpPr>
+        <p:spPr/>
+        <p:txBody>
+          <a:bodyPr/>
+          <a:lstStyle/>
+          <a:p>
+            <a:pPr>
+              <a:buClr>
+                <a:srgbClr val="6699CC"/>
+              </a:buClr>
+            </a:pPr>
+            <a:r>
+              <a:rPr lang="fr-FR" dirty="0" smtClean="0"/>
+              <a:t>Design</a:t>
+            </a:r>
+          </a:p>
+          <a:p>
+            <a:pPr>
+              <a:buClr>
+                <a:srgbClr val="6699CC"/>
+              </a:buClr>
+            </a:pPr>
+            <a:r>
+              <a:rPr lang="fr-FR" dirty="0" smtClean="0"/>
+              <a:t>Gestion membres et types de produit</a:t>
+            </a:r>
+            <a:endParaRPr lang="fr-FR" dirty="0"/>
+          </a:p>
+        </p:txBody>
+      </p:sp>
+      <p:sp>
+        <p:nvSpPr>
+          <p:cNvPr id="4" name="Espace réservé de la date 3"/>
+          <p:cNvSpPr>
+            <a:spLocks noGrp="1"/>
+          </p:cNvSpPr>
+          <p:nvPr>
+            <p:ph type="dt" sz="half" idx="10"/>
+          </p:nvPr>
+        </p:nvSpPr>
+        <p:spPr/>
+        <p:txBody>
+          <a:bodyPr/>
+          <a:lstStyle/>
+          <a:p>
+            <a:fld id="{A5DF02B5-C084-4573-B9AA-1687D980E5FB}" type="datetime1">
+              <a:rPr lang="fr-FR" smtClean="0"/>
+              <a:t>30/12/2014</a:t>
+            </a:fld>
+            <a:endParaRPr lang="fr-BE"/>
+          </a:p>
+        </p:txBody>
+      </p:sp>
+      <p:sp>
+        <p:nvSpPr>
+          <p:cNvPr id="5" name="Espace réservé du numéro de diapositive 4"/>
+          <p:cNvSpPr>
+            <a:spLocks noGrp="1"/>
+          </p:cNvSpPr>
+          <p:nvPr>
+            <p:ph type="sldNum" sz="quarter" idx="12"/>
+          </p:nvPr>
+        </p:nvSpPr>
+        <p:spPr/>
+        <p:txBody>
+          <a:bodyPr/>
+          <a:lstStyle/>
+          <a:p>
+            <a:fld id="{CF4668DC-857F-487D-BFFA-8C0CA5037977}" type="slidenum">
+              <a:rPr lang="fr-BE" smtClean="0"/>
+              <a:t>13</a:t>
+            </a:fld>
+            <a:endParaRPr lang="fr-BE"/>
+          </a:p>
+        </p:txBody>
+      </p:sp>
+      <p:cxnSp>
+        <p:nvCxnSpPr>
+          <p:cNvPr id="8" name="Connecteur droit 7"/>
+          <p:cNvCxnSpPr/>
+          <p:nvPr/>
+        </p:nvCxnSpPr>
+        <p:spPr>
+          <a:xfrm>
+            <a:off x="467544" y="908720"/>
+            <a:ext cx="8208912" cy="0"/>
+          </a:xfrm>
+          <a:prstGeom prst="line">
+            <a:avLst/>
+          </a:prstGeom>
+        </p:spPr>
+        <p:style>
+          <a:lnRef idx="1">
+            <a:schemeClr val="accent1"/>
+          </a:lnRef>
+          <a:fillRef idx="0">
+            <a:schemeClr val="accent1"/>
+          </a:fillRef>
+          <a:effectRef idx="0">
+            <a:schemeClr val="accent1"/>
+          </a:effectRef>
+          <a:fontRef idx="minor">
+            <a:schemeClr val="tx1"/>
+          </a:fontRef>
+        </p:style>
+      </p:cxnSp>
+      <p:sp>
+        <p:nvSpPr>
+          <p:cNvPr id="10" name="ZoneTexte 9"/>
+          <p:cNvSpPr txBox="1"/>
+          <p:nvPr/>
+        </p:nvSpPr>
+        <p:spPr>
+          <a:xfrm>
+            <a:off x="1763777" y="6309320"/>
+            <a:ext cx="5616446" cy="369332"/>
+          </a:xfrm>
+          <a:prstGeom prst="rect">
+            <a:avLst/>
+          </a:prstGeom>
+          <a:noFill/>
+        </p:spPr>
+        <p:txBody>
+          <a:bodyPr wrap="square" rtlCol="0">
+            <a:spAutoFit/>
+          </a:bodyPr>
+          <a:lstStyle/>
+          <a:p>
+            <a:pPr algn="ctr"/>
+            <a:r>
+              <a:rPr lang="fr-FR" dirty="0" smtClean="0">
+                <a:solidFill>
+                  <a:schemeClr val="bg1">
+                    <a:lumMod val="50000"/>
+                  </a:schemeClr>
+                </a:solidFill>
+              </a:rPr>
+              <a:t>Présentation du logiciel</a:t>
+            </a:r>
+            <a:endParaRPr lang="fr-FR" dirty="0">
+              <a:solidFill>
+                <a:schemeClr val="bg1">
+                  <a:lumMod val="50000"/>
+                </a:schemeClr>
+              </a:solidFill>
+            </a:endParaRPr>
+          </a:p>
+        </p:txBody>
+      </p:sp>
+    </p:spTree>
+    <p:extLst>
+      <p:ext uri="{BB962C8B-B14F-4D97-AF65-F5344CB8AC3E}">
+        <p14:creationId xmlns:p14="http://schemas.microsoft.com/office/powerpoint/2010/main" val="2873897975"/>
+      </p:ext>
+    </p:extLst>
+  </p:cSld>
+  <p:clrMapOvr>
+    <a:masterClrMapping/>
+  </p:clrMapOvr>
+  <p:timing>
+    <p:tnLst>
+      <p:par>
+        <p:cTn id="1" dur="indefinite" restart="never" nodeType="tmRoot"/>
+      </p:par>
+    </p:tnLst>
+  </p:timing>
+</p:sld>
+</file>
+
+<file path=ppt/slides/slide14.xml><?xml version="1.0" encoding="utf-8"?>
+<p:sld xmlns:a="http://schemas.openxmlformats.org/drawingml/2006/main" xmlns:r="http://schemas.openxmlformats.org/officeDocument/2006/relationships" xmlns:p="http://schemas.openxmlformats.org/presentationml/2006/main">
+  <p:cSld>
+    <p:spTree>
+      <p:nvGrpSpPr>
+        <p:cNvPr id="1" name=""/>
+        <p:cNvGrpSpPr/>
+        <p:nvPr/>
+      </p:nvGrpSpPr>
+      <p:grpSpPr>
+        <a:xfrm>
+          <a:off x="0" y="0"/>
+          <a:ext cx="0" cy="0"/>
+          <a:chOff x="0" y="0"/>
+          <a:chExt cx="0" cy="0"/>
+        </a:xfrm>
+      </p:grpSpPr>
+      <p:sp>
+        <p:nvSpPr>
+          <p:cNvPr id="6" name="Titre 5"/>
+          <p:cNvSpPr>
+            <a:spLocks noGrp="1"/>
+          </p:cNvSpPr>
+          <p:nvPr>
+            <p:ph type="title"/>
+          </p:nvPr>
+        </p:nvSpPr>
+        <p:spPr>
+          <a:xfrm>
+            <a:off x="685800" y="2636912"/>
+            <a:ext cx="7772400" cy="1362075"/>
+          </a:xfrm>
+        </p:spPr>
+        <p:txBody>
+          <a:bodyPr/>
+          <a:lstStyle/>
+          <a:p>
+            <a:r>
+              <a:rPr lang="fr-FR" dirty="0" smtClean="0">
+                <a:solidFill>
+                  <a:srgbClr val="336699"/>
+                </a:solidFill>
+              </a:rPr>
+              <a:t>Démonstration du logiciel</a:t>
+            </a:r>
+            <a:endParaRPr lang="fr-FR" dirty="0">
+              <a:solidFill>
+                <a:srgbClr val="336699"/>
+              </a:solidFill>
+            </a:endParaRPr>
+          </a:p>
+        </p:txBody>
+      </p:sp>
+      <p:sp>
+        <p:nvSpPr>
+          <p:cNvPr id="4" name="Espace réservé de la date 3"/>
+          <p:cNvSpPr>
+            <a:spLocks noGrp="1"/>
+          </p:cNvSpPr>
+          <p:nvPr>
+            <p:ph type="dt" sz="half" idx="10"/>
+          </p:nvPr>
+        </p:nvSpPr>
+        <p:spPr/>
+        <p:txBody>
+          <a:bodyPr/>
+          <a:lstStyle/>
+          <a:p>
+            <a:fld id="{C2D65230-C684-41AF-AA0D-72F719444CFB}" type="datetime1">
+              <a:rPr lang="fr-FR" smtClean="0"/>
+              <a:t>30/12/2014</a:t>
+            </a:fld>
+            <a:endParaRPr lang="fr-BE"/>
+          </a:p>
+        </p:txBody>
+      </p:sp>
+      <p:sp>
+        <p:nvSpPr>
+          <p:cNvPr id="5" name="Espace réservé du numéro de diapositive 4"/>
+          <p:cNvSpPr>
+            <a:spLocks noGrp="1"/>
+          </p:cNvSpPr>
+          <p:nvPr>
+            <p:ph type="sldNum" sz="quarter" idx="12"/>
+          </p:nvPr>
+        </p:nvSpPr>
+        <p:spPr/>
+        <p:txBody>
+          <a:bodyPr/>
+          <a:lstStyle/>
+          <a:p>
+            <a:fld id="{CF4668DC-857F-487D-BFFA-8C0CA5037977}" type="slidenum">
+              <a:rPr lang="fr-BE" smtClean="0"/>
+              <a:t>14</a:t>
+            </a:fld>
+            <a:endParaRPr lang="fr-BE"/>
+          </a:p>
+        </p:txBody>
+      </p:sp>
+      <p:sp>
+        <p:nvSpPr>
+          <p:cNvPr id="9" name="Rectangle 8"/>
+          <p:cNvSpPr/>
+          <p:nvPr/>
+        </p:nvSpPr>
+        <p:spPr>
+          <a:xfrm>
+            <a:off x="0" y="4196234"/>
+            <a:ext cx="9144000" cy="360040"/>
+          </a:xfrm>
+          <a:prstGeom prst="rect">
+            <a:avLst/>
+          </a:prstGeom>
+          <a:solidFill>
+            <a:schemeClr val="tx2"/>
+          </a:solidFill>
+          <a:ln>
+            <a:solidFill>
+              <a:schemeClr val="tx2"/>
+            </a:solidFill>
+          </a:ln>
+        </p:spPr>
+        <p:style>
+          <a:lnRef idx="2">
+            <a:schemeClr val="accent1">
+              <a:shade val="50000"/>
+            </a:schemeClr>
+          </a:lnRef>
+          <a:fillRef idx="1">
+            <a:schemeClr val="accent1"/>
+          </a:fillRef>
+          <a:effectRef idx="0">
+            <a:schemeClr val="accent1"/>
+          </a:effectRef>
+          <a:fontRef idx="minor">
+            <a:schemeClr val="lt1"/>
+          </a:fontRef>
+        </p:style>
+        <p:txBody>
+          <a:bodyPr rtlCol="0" anchor="ctr"/>
+          <a:lstStyle/>
+          <a:p>
+            <a:pPr algn="ctr"/>
+            <a:endParaRPr lang="fr-FR"/>
+          </a:p>
+        </p:txBody>
+      </p:sp>
+    </p:spTree>
+    <p:extLst>
+      <p:ext uri="{BB962C8B-B14F-4D97-AF65-F5344CB8AC3E}">
+        <p14:creationId xmlns:p14="http://schemas.microsoft.com/office/powerpoint/2010/main" val="3480954234"/>
+      </p:ext>
+    </p:extLst>
+  </p:cSld>
+  <p:clrMapOvr>
+    <a:masterClrMapping/>
+  </p:clrMapOvr>
+  <p:timing>
+    <p:tnLst>
+      <p:par>
+        <p:cTn id="1" dur="indefinite" restart="never" nodeType="tmRoot"/>
+      </p:par>
+    </p:tnLst>
+  </p:timing>
+</p:sld>
+</file>
+
+<file path=ppt/slides/slide15.xml><?xml version="1.0" encoding="utf-8"?>
+<p:sld xmlns:a="http://schemas.openxmlformats.org/drawingml/2006/main" xmlns:r="http://schemas.openxmlformats.org/officeDocument/2006/relationships" xmlns:p="http://schemas.openxmlformats.org/presentationml/2006/main">
+  <p:cSld>
+    <p:spTree>
+      <p:nvGrpSpPr>
+        <p:cNvPr id="1" name=""/>
+        <p:cNvGrpSpPr/>
+        <p:nvPr/>
+      </p:nvGrpSpPr>
+      <p:grpSpPr>
+        <a:xfrm>
+          <a:off x="0" y="0"/>
+          <a:ext cx="0" cy="0"/>
+          <a:chOff x="0" y="0"/>
+          <a:chExt cx="0" cy="0"/>
+        </a:xfrm>
+      </p:grpSpPr>
+      <p:sp>
+        <p:nvSpPr>
+          <p:cNvPr id="2" name="Titre 1"/>
+          <p:cNvSpPr>
+            <a:spLocks noGrp="1"/>
+          </p:cNvSpPr>
+          <p:nvPr>
+            <p:ph type="title"/>
+          </p:nvPr>
+        </p:nvSpPr>
+        <p:spPr>
+          <a:xfrm>
+            <a:off x="446856" y="188640"/>
+            <a:ext cx="8373616" cy="796950"/>
+          </a:xfrm>
+        </p:spPr>
+        <p:txBody>
+          <a:bodyPr/>
+          <a:lstStyle/>
+          <a:p>
+            <a:pPr algn="r"/>
+            <a:r>
+              <a:rPr lang="fr-FR" dirty="0" smtClean="0">
+                <a:solidFill>
+                  <a:srgbClr val="336699"/>
+                </a:solidFill>
+              </a:rPr>
+              <a:t>Démonstration</a:t>
+            </a:r>
+            <a:endParaRPr lang="fr-FR" dirty="0">
+              <a:solidFill>
+                <a:srgbClr val="336699"/>
+              </a:solidFill>
+            </a:endParaRPr>
+          </a:p>
+        </p:txBody>
+      </p:sp>
+      <p:sp>
+        <p:nvSpPr>
+          <p:cNvPr id="3" name="Espace réservé du contenu 2"/>
+          <p:cNvSpPr>
+            <a:spLocks noGrp="1"/>
+          </p:cNvSpPr>
+          <p:nvPr>
+            <p:ph idx="1"/>
+          </p:nvPr>
+        </p:nvSpPr>
+        <p:spPr/>
+        <p:txBody>
+          <a:bodyPr/>
+          <a:lstStyle/>
+          <a:p>
+            <a:pPr>
+              <a:buClr>
+                <a:srgbClr val="6699CC"/>
+              </a:buClr>
+            </a:pPr>
+            <a:r>
+              <a:rPr lang="fr-FR" dirty="0" smtClean="0">
+                <a:solidFill>
+                  <a:srgbClr val="FF0000"/>
+                </a:solidFill>
+              </a:rPr>
+              <a:t>Faire la time line de ce que l’on démontre dans sur le logiciel</a:t>
+            </a:r>
+            <a:endParaRPr lang="fr-FR" dirty="0">
+              <a:solidFill>
+                <a:srgbClr val="FF0000"/>
+              </a:solidFill>
+            </a:endParaRPr>
+          </a:p>
+        </p:txBody>
+      </p:sp>
+      <p:sp>
+        <p:nvSpPr>
+          <p:cNvPr id="4" name="Espace réservé de la date 3"/>
+          <p:cNvSpPr>
+            <a:spLocks noGrp="1"/>
+          </p:cNvSpPr>
+          <p:nvPr>
+            <p:ph type="dt" sz="half" idx="10"/>
+          </p:nvPr>
+        </p:nvSpPr>
+        <p:spPr/>
+        <p:txBody>
+          <a:bodyPr/>
+          <a:lstStyle/>
+          <a:p>
+            <a:fld id="{A5DF02B5-C084-4573-B9AA-1687D980E5FB}" type="datetime1">
+              <a:rPr lang="fr-FR" smtClean="0"/>
+              <a:t>30/12/2014</a:t>
+            </a:fld>
+            <a:endParaRPr lang="fr-BE"/>
+          </a:p>
+        </p:txBody>
+      </p:sp>
+      <p:sp>
+        <p:nvSpPr>
+          <p:cNvPr id="5" name="Espace réservé du numéro de diapositive 4"/>
+          <p:cNvSpPr>
+            <a:spLocks noGrp="1"/>
+          </p:cNvSpPr>
+          <p:nvPr>
+            <p:ph type="sldNum" sz="quarter" idx="12"/>
+          </p:nvPr>
+        </p:nvSpPr>
+        <p:spPr/>
+        <p:txBody>
+          <a:bodyPr/>
+          <a:lstStyle/>
+          <a:p>
+            <a:fld id="{CF4668DC-857F-487D-BFFA-8C0CA5037977}" type="slidenum">
+              <a:rPr lang="fr-BE" smtClean="0"/>
+              <a:t>15</a:t>
+            </a:fld>
+            <a:endParaRPr lang="fr-BE"/>
+          </a:p>
+        </p:txBody>
+      </p:sp>
+      <p:cxnSp>
+        <p:nvCxnSpPr>
+          <p:cNvPr id="8" name="Connecteur droit 7"/>
+          <p:cNvCxnSpPr/>
+          <p:nvPr/>
+        </p:nvCxnSpPr>
+        <p:spPr>
+          <a:xfrm>
+            <a:off x="467544" y="908720"/>
+            <a:ext cx="8208912" cy="0"/>
+          </a:xfrm>
+          <a:prstGeom prst="line">
+            <a:avLst/>
+          </a:prstGeom>
+        </p:spPr>
+        <p:style>
+          <a:lnRef idx="1">
+            <a:schemeClr val="accent1"/>
+          </a:lnRef>
+          <a:fillRef idx="0">
+            <a:schemeClr val="accent1"/>
+          </a:fillRef>
+          <a:effectRef idx="0">
+            <a:schemeClr val="accent1"/>
+          </a:effectRef>
+          <a:fontRef idx="minor">
+            <a:schemeClr val="tx1"/>
+          </a:fontRef>
+        </p:style>
+      </p:cxnSp>
+      <p:sp>
+        <p:nvSpPr>
+          <p:cNvPr id="10" name="ZoneTexte 9"/>
+          <p:cNvSpPr txBox="1"/>
+          <p:nvPr/>
+        </p:nvSpPr>
+        <p:spPr>
+          <a:xfrm>
+            <a:off x="1763777" y="6309320"/>
+            <a:ext cx="5616446" cy="369332"/>
+          </a:xfrm>
+          <a:prstGeom prst="rect">
+            <a:avLst/>
+          </a:prstGeom>
+          <a:noFill/>
+        </p:spPr>
+        <p:txBody>
+          <a:bodyPr wrap="square" rtlCol="0">
+            <a:spAutoFit/>
+          </a:bodyPr>
+          <a:lstStyle/>
+          <a:p>
+            <a:pPr algn="ctr"/>
+            <a:r>
+              <a:rPr lang="fr-FR" dirty="0" smtClean="0">
+                <a:solidFill>
+                  <a:schemeClr val="bg1">
+                    <a:lumMod val="50000"/>
+                  </a:schemeClr>
+                </a:solidFill>
+              </a:rPr>
+              <a:t>Démonstration du logiciel</a:t>
+            </a:r>
+            <a:endParaRPr lang="fr-FR" dirty="0">
+              <a:solidFill>
+                <a:schemeClr val="bg1">
+                  <a:lumMod val="50000"/>
+                </a:schemeClr>
+              </a:solidFill>
+            </a:endParaRPr>
+          </a:p>
+        </p:txBody>
+      </p:sp>
+    </p:spTree>
+    <p:extLst>
+      <p:ext uri="{BB962C8B-B14F-4D97-AF65-F5344CB8AC3E}">
+        <p14:creationId xmlns:p14="http://schemas.microsoft.com/office/powerpoint/2010/main" val="4128894042"/>
+      </p:ext>
+    </p:extLst>
+  </p:cSld>
+  <p:clrMapOvr>
+    <a:masterClrMapping/>
+  </p:clrMapOvr>
+  <p:timing>
+    <p:tnLst>
+      <p:par>
+        <p:cTn id="1" dur="indefinite" restart="never" nodeType="tmRoot"/>
+      </p:par>
+    </p:tnLst>
+  </p:timing>
+</p:sld>
+</file>
+
+<file path=ppt/slides/slide16.xml><?xml version="1.0" encoding="utf-8"?>
+<p:sld xmlns:a="http://schemas.openxmlformats.org/drawingml/2006/main" xmlns:r="http://schemas.openxmlformats.org/officeDocument/2006/relationships" xmlns:p="http://schemas.openxmlformats.org/presentationml/2006/main">
+  <p:cSld>
+    <p:spTree>
+      <p:nvGrpSpPr>
+        <p:cNvPr id="1" name=""/>
+        <p:cNvGrpSpPr/>
+        <p:nvPr/>
+      </p:nvGrpSpPr>
+      <p:grpSpPr>
+        <a:xfrm>
+          <a:off x="0" y="0"/>
+          <a:ext cx="0" cy="0"/>
+          <a:chOff x="0" y="0"/>
+          <a:chExt cx="0" cy="0"/>
+        </a:xfrm>
+      </p:grpSpPr>
+      <p:sp>
+        <p:nvSpPr>
+          <p:cNvPr id="5" name="Espace réservé du numéro de diapositive 4"/>
+          <p:cNvSpPr>
+            <a:spLocks noGrp="1"/>
+          </p:cNvSpPr>
+          <p:nvPr>
+            <p:ph type="sldNum" sz="quarter" idx="12"/>
+          </p:nvPr>
+        </p:nvSpPr>
+        <p:spPr/>
+        <p:txBody>
+          <a:bodyPr/>
+          <a:lstStyle/>
+          <a:p>
+            <a:fld id="{CF4668DC-857F-487D-BFFA-8C0CA5037977}" type="slidenum">
+              <a:rPr lang="fr-BE" smtClean="0"/>
+              <a:t>16</a:t>
             </a:fld>
             <a:endParaRPr lang="fr-BE"/>
           </a:p>
@@ -7794,11 +12565,6 @@
               </a:rPr>
               <a:t>Avez-vous des questions ?</a:t>
             </a:r>
-            <a:endParaRPr lang="fr-FR" dirty="0" smtClean="0">
-              <a:solidFill>
-                <a:srgbClr val="6699CC"/>
-              </a:solidFill>
-            </a:endParaRPr>
           </a:p>
         </p:txBody>
       </p:sp>
@@ -11444,7 +16210,7 @@
                   <a:schemeClr val="bg1"/>
                 </a:solidFill>
               </a:rPr>
-              <a:t>27/12/2014</a:t>
+              <a:t>30/12/2014</a:t>
             </a:fld>
             <a:endParaRPr lang="fr-BE" sz="2000" dirty="0">
               <a:solidFill>
@@ -11617,7 +16383,7 @@
           <a:p>
             <a:fld id="{A5DF02B5-C084-4573-B9AA-1687D980E5FB}" type="datetime1">
               <a:rPr lang="fr-FR" smtClean="0"/>
-              <a:t>27/12/2014</a:t>
+              <a:t>30/12/2014</a:t>
             </a:fld>
             <a:endParaRPr lang="fr-BE"/>
           </a:p>
@@ -11809,7 +16575,7 @@
           <a:p>
             <a:fld id="{C2D65230-C684-41AF-AA0D-72F719444CFB}" type="datetime1">
               <a:rPr lang="fr-FR" smtClean="0"/>
-              <a:t>27/12/2014</a:t>
+              <a:t>30/12/2014</a:t>
             </a:fld>
             <a:endParaRPr lang="fr-BE"/>
           </a:p>
@@ -12001,7 +16767,7 @@
           <a:p>
             <a:fld id="{A5DF02B5-C084-4573-B9AA-1687D980E5FB}" type="datetime1">
               <a:rPr lang="fr-FR" smtClean="0"/>
-              <a:t>27/12/2014</a:t>
+              <a:t>30/12/2014</a:t>
             </a:fld>
             <a:endParaRPr lang="fr-BE"/>
           </a:p>
@@ -12142,173 +16908,6 @@
       </p:grpSpPr>
       <p:sp>
         <p:nvSpPr>
-          <p:cNvPr id="6" name="Titre 5"/>
-          <p:cNvSpPr>
-            <a:spLocks noGrp="1"/>
-          </p:cNvSpPr>
-          <p:nvPr>
-            <p:ph type="title"/>
-          </p:nvPr>
-        </p:nvSpPr>
-        <p:spPr>
-          <a:xfrm>
-            <a:off x="685800" y="2636912"/>
-            <a:ext cx="7772400" cy="1362075"/>
-          </a:xfrm>
-        </p:spPr>
-        <p:txBody>
-          <a:bodyPr/>
-          <a:lstStyle/>
-          <a:p>
-            <a:r>
-              <a:rPr lang="fr-FR" dirty="0" smtClean="0">
-                <a:solidFill>
-                  <a:srgbClr val="336699"/>
-                </a:solidFill>
-              </a:rPr>
-              <a:t>Choix techniques et d’architecture</a:t>
-            </a:r>
-            <a:endParaRPr lang="fr-FR" dirty="0">
-              <a:solidFill>
-                <a:srgbClr val="336699"/>
-              </a:solidFill>
-            </a:endParaRPr>
-          </a:p>
-        </p:txBody>
-      </p:sp>
-      <p:sp>
-        <p:nvSpPr>
-          <p:cNvPr id="4" name="Espace réservé de la date 3"/>
-          <p:cNvSpPr>
-            <a:spLocks noGrp="1"/>
-          </p:cNvSpPr>
-          <p:nvPr>
-            <p:ph type="dt" sz="half" idx="10"/>
-          </p:nvPr>
-        </p:nvSpPr>
-        <p:spPr/>
-        <p:txBody>
-          <a:bodyPr/>
-          <a:lstStyle/>
-          <a:p>
-            <a:fld id="{C2D65230-C684-41AF-AA0D-72F719444CFB}" type="datetime1">
-              <a:rPr lang="fr-FR" smtClean="0"/>
-              <a:t>27/12/2014</a:t>
-            </a:fld>
-            <a:endParaRPr lang="fr-BE"/>
-          </a:p>
-        </p:txBody>
-      </p:sp>
-      <p:sp>
-        <p:nvSpPr>
-          <p:cNvPr id="5" name="Espace réservé du numéro de diapositive 4"/>
-          <p:cNvSpPr>
-            <a:spLocks noGrp="1"/>
-          </p:cNvSpPr>
-          <p:nvPr>
-            <p:ph type="sldNum" sz="quarter" idx="12"/>
-          </p:nvPr>
-        </p:nvSpPr>
-        <p:spPr/>
-        <p:txBody>
-          <a:bodyPr/>
-          <a:lstStyle/>
-          <a:p>
-            <a:fld id="{CF4668DC-857F-487D-BFFA-8C0CA5037977}" type="slidenum">
-              <a:rPr lang="fr-BE" smtClean="0"/>
-              <a:t>5</a:t>
-            </a:fld>
-            <a:endParaRPr lang="fr-BE"/>
-          </a:p>
-        </p:txBody>
-      </p:sp>
-      <p:sp>
-        <p:nvSpPr>
-          <p:cNvPr id="9" name="Rectangle 8"/>
-          <p:cNvSpPr/>
-          <p:nvPr/>
-        </p:nvSpPr>
-        <p:spPr>
-          <a:xfrm>
-            <a:off x="0" y="4196234"/>
-            <a:ext cx="9144000" cy="360040"/>
-          </a:xfrm>
-          <a:prstGeom prst="rect">
-            <a:avLst/>
-          </a:prstGeom>
-          <a:solidFill>
-            <a:schemeClr val="tx2"/>
-          </a:solidFill>
-          <a:ln>
-            <a:solidFill>
-              <a:schemeClr val="tx2"/>
-            </a:solidFill>
-          </a:ln>
-        </p:spPr>
-        <p:style>
-          <a:lnRef idx="2">
-            <a:schemeClr val="accent1">
-              <a:shade val="50000"/>
-            </a:schemeClr>
-          </a:lnRef>
-          <a:fillRef idx="1">
-            <a:schemeClr val="accent1"/>
-          </a:fillRef>
-          <a:effectRef idx="0">
-            <a:schemeClr val="accent1"/>
-          </a:effectRef>
-          <a:fontRef idx="minor">
-            <a:schemeClr val="lt1"/>
-          </a:fontRef>
-        </p:style>
-        <p:txBody>
-          <a:bodyPr rtlCol="0" anchor="ctr"/>
-          <a:lstStyle/>
-          <a:p>
-            <a:pPr algn="ctr"/>
-            <a:endParaRPr lang="fr-FR"/>
-          </a:p>
-        </p:txBody>
-      </p:sp>
-    </p:spTree>
-    <p:extLst>
-      <p:ext uri="{BB962C8B-B14F-4D97-AF65-F5344CB8AC3E}">
-        <p14:creationId xmlns:p14="http://schemas.microsoft.com/office/powerpoint/2010/main" val="3480954234"/>
-      </p:ext>
-    </p:extLst>
-  </p:cSld>
-  <p:clrMapOvr>
-    <a:masterClrMapping/>
-  </p:clrMapOvr>
-  <p:timing>
-    <p:tnLst>
-      <p:par>
-        <p:cTn id="1" dur="indefinite" restart="never" nodeType="tmRoot"/>
-      </p:par>
-    </p:tnLst>
-  </p:timing>
-</p:sld>
-</file>
-
-<file path=ppt/slides/slide6.xml><?xml version="1.0" encoding="utf-8"?>
-<p:sld xmlns:a="http://schemas.openxmlformats.org/drawingml/2006/main" xmlns:r="http://schemas.openxmlformats.org/officeDocument/2006/relationships" xmlns:p="http://schemas.openxmlformats.org/presentationml/2006/main">
-  <p:cSld>
-    <p:spTree>
-      <p:nvGrpSpPr>
-        <p:cNvPr id="1" name=""/>
-        <p:cNvGrpSpPr/>
-        <p:nvPr/>
-      </p:nvGrpSpPr>
-      <p:grpSpPr>
-        <a:xfrm>
-          <a:off x="0" y="0"/>
-          <a:ext cx="0" cy="0"/>
-          <a:chOff x="0" y="0"/>
-          <a:chExt cx="0" cy="0"/>
-        </a:xfrm>
-      </p:grpSpPr>
-      <p:sp>
-        <p:nvSpPr>
           <p:cNvPr id="2" name="Titre 1"/>
           <p:cNvSpPr>
             <a:spLocks noGrp="1"/>
@@ -12334,7 +16933,7 @@
                   <a:srgbClr val="336699"/>
                 </a:solidFill>
               </a:rPr>
-              <a:t>Présentation du logiciel</a:t>
+              <a:t>Les Interfaces</a:t>
             </a:r>
             <a:endParaRPr lang="fr-FR" dirty="0">
               <a:solidFill>
@@ -12344,30 +16943,31 @@
           </a:p>
         </p:txBody>
       </p:sp>
-      <p:sp>
-        <p:nvSpPr>
-          <p:cNvPr id="3" name="Espace réservé du contenu 2"/>
-          <p:cNvSpPr>
-            <a:spLocks noGrp="1"/>
-          </p:cNvSpPr>
+      <p:graphicFrame>
+        <p:nvGraphicFramePr>
+          <p:cNvPr id="7" name="Espace réservé du contenu 6"/>
+          <p:cNvGraphicFramePr>
+            <a:graphicFrameLocks noGrp="1"/>
+          </p:cNvGraphicFramePr>
           <p:nvPr>
             <p:ph idx="1"/>
+            <p:extLst>
+              <p:ext uri="{D42A27DB-BD31-4B8C-83A1-F6EECF244321}">
+                <p14:modId xmlns:p14="http://schemas.microsoft.com/office/powerpoint/2010/main" val="1837951338"/>
+              </p:ext>
+            </p:extLst>
           </p:nvPr>
-        </p:nvSpPr>
-        <p:spPr/>
-        <p:txBody>
-          <a:bodyPr/>
-          <a:lstStyle/>
-          <a:p>
-            <a:pPr>
-              <a:buClr>
-                <a:srgbClr val="6699CC"/>
-              </a:buClr>
-            </a:pPr>
-            <a:endParaRPr lang="fr-FR" dirty="0"/>
-          </a:p>
-        </p:txBody>
-      </p:sp>
+        </p:nvGraphicFramePr>
+        <p:xfrm>
+          <a:off x="446856" y="1124744"/>
+          <a:ext cx="8229600" cy="4525963"/>
+        </p:xfrm>
+        <a:graphic>
+          <a:graphicData uri="http://schemas.openxmlformats.org/drawingml/2006/diagram">
+            <dgm:relIds xmlns:dgm="http://schemas.openxmlformats.org/drawingml/2006/diagram" xmlns:r="http://schemas.openxmlformats.org/officeDocument/2006/relationships" r:dm="rId3" r:lo="rId4" r:qs="rId5" r:cs="rId6"/>
+          </a:graphicData>
+        </a:graphic>
+      </p:graphicFrame>
       <p:sp>
         <p:nvSpPr>
           <p:cNvPr id="4" name="Espace réservé de la date 3"/>
@@ -12385,7 +16985,7 @@
           <a:p>
             <a:fld id="{A5DF02B5-C084-4573-B9AA-1687D980E5FB}" type="datetime1">
               <a:rPr lang="fr-FR" smtClean="0"/>
-              <a:t>27/12/2014</a:t>
+              <a:t>30/12/2014</a:t>
             </a:fld>
             <a:endParaRPr lang="fr-BE"/>
           </a:p>
@@ -12408,7 +17008,7 @@
           <a:p>
             <a:fld id="{CF4668DC-857F-487D-BFFA-8C0CA5037977}" type="slidenum">
               <a:rPr lang="fr-BE" smtClean="0"/>
-              <a:t>6</a:t>
+              <a:t>5</a:t>
             </a:fld>
             <a:endParaRPr lang="fr-BE"/>
           </a:p>
@@ -12475,7 +17075,7 @@
                   </a:schemeClr>
                 </a:solidFill>
               </a:rPr>
-              <a:t>Choix techniques et d’architecture</a:t>
+              <a:t>Présentation du logiciel</a:t>
             </a:r>
             <a:endParaRPr lang="fr-FR" dirty="0">
               <a:solidFill>
@@ -12487,10 +17087,128 @@
           </a:p>
         </p:txBody>
       </p:sp>
+      <p:sp>
+        <p:nvSpPr>
+          <p:cNvPr id="11" name="ZoneTexte 10"/>
+          <p:cNvSpPr txBox="1"/>
+          <p:nvPr/>
+        </p:nvSpPr>
+        <p:spPr>
+          <a:xfrm>
+            <a:off x="1043608" y="5184000"/>
+            <a:ext cx="1800200" cy="369332"/>
+          </a:xfrm>
+          <a:prstGeom prst="rect">
+            <a:avLst/>
+          </a:prstGeom>
+          <a:noFill/>
+        </p:spPr>
+        <p:txBody>
+          <a:bodyPr wrap="square" rtlCol="0">
+            <a:spAutoFit/>
+          </a:bodyPr>
+          <a:lstStyle/>
+          <a:p>
+            <a:r>
+              <a:rPr lang="fr-FR" dirty="0" smtClean="0"/>
+              <a:t>=&gt; Manager</a:t>
+            </a:r>
+            <a:endParaRPr lang="fr-FR" dirty="0"/>
+          </a:p>
+        </p:txBody>
+      </p:sp>
+      <p:sp>
+        <p:nvSpPr>
+          <p:cNvPr id="12" name="ZoneTexte 11"/>
+          <p:cNvSpPr txBox="1"/>
+          <p:nvPr/>
+        </p:nvSpPr>
+        <p:spPr>
+          <a:xfrm>
+            <a:off x="3923928" y="5184000"/>
+            <a:ext cx="2160240" cy="646331"/>
+          </a:xfrm>
+          <a:prstGeom prst="rect">
+            <a:avLst/>
+          </a:prstGeom>
+          <a:noFill/>
+        </p:spPr>
+        <p:txBody>
+          <a:bodyPr wrap="square" rtlCol="0">
+            <a:spAutoFit/>
+          </a:bodyPr>
+          <a:lstStyle/>
+          <a:p>
+            <a:pPr marL="285750" indent="-285750">
+              <a:buFont typeface="Symbol"/>
+              <a:buChar char="Þ"/>
+            </a:pPr>
+            <a:r>
+              <a:rPr lang="fr-FR" dirty="0" smtClean="0"/>
+              <a:t>Manager</a:t>
+            </a:r>
+          </a:p>
+          <a:p>
+            <a:pPr marL="285750" indent="-285750">
+              <a:buFont typeface="Symbol"/>
+              <a:buChar char="Þ"/>
+            </a:pPr>
+            <a:r>
+              <a:rPr lang="fr-FR" dirty="0" smtClean="0"/>
+              <a:t>Employé Cuisson</a:t>
+            </a:r>
+            <a:endParaRPr lang="fr-FR" dirty="0"/>
+          </a:p>
+        </p:txBody>
+      </p:sp>
+      <p:sp>
+        <p:nvSpPr>
+          <p:cNvPr id="13" name="ZoneTexte 12"/>
+          <p:cNvSpPr txBox="1"/>
+          <p:nvPr/>
+        </p:nvSpPr>
+        <p:spPr>
+          <a:xfrm>
+            <a:off x="6711317" y="5184000"/>
+            <a:ext cx="1316066" cy="646331"/>
+          </a:xfrm>
+          <a:prstGeom prst="rect">
+            <a:avLst/>
+          </a:prstGeom>
+          <a:noFill/>
+        </p:spPr>
+        <p:txBody>
+          <a:bodyPr wrap="none" rtlCol="0">
+            <a:spAutoFit/>
+          </a:bodyPr>
+          <a:lstStyle/>
+          <a:p>
+            <a:pPr marL="285750" indent="-285750">
+              <a:buFont typeface="Symbol"/>
+              <a:buChar char="Þ"/>
+            </a:pPr>
+            <a:r>
+              <a:rPr lang="fr-FR" dirty="0" smtClean="0"/>
+              <a:t>Manager</a:t>
+            </a:r>
+          </a:p>
+          <a:p>
+            <a:pPr marL="285750" indent="-285750">
+              <a:buFont typeface="Symbol"/>
+              <a:buChar char="Þ"/>
+            </a:pPr>
+            <a:r>
+              <a:rPr lang="fr-FR" dirty="0" smtClean="0"/>
+              <a:t>Vendeur</a:t>
+            </a:r>
+            <a:endParaRPr lang="fr-FR" dirty="0"/>
+          </a:p>
+        </p:txBody>
+      </p:sp>
     </p:spTree>
     <p:extLst>
       <p:ext uri="{BB962C8B-B14F-4D97-AF65-F5344CB8AC3E}">
-        <p14:creationId xmlns:p14="http://schemas.microsoft.com/office/powerpoint/2010/main" val="4128894042"/>
+        <p14:creationId xmlns:p14="http://schemas.microsoft.com/office/powerpoint/2010/main" val="2873897975"/>
       </p:ext>
     </p:extLst>
   </p:cSld>
@@ -12507,174 +17225,7 @@
 </p:sld>
 </file>
 
-<file path=ppt/slides/slide7.xml><?xml version="1.0" encoding="utf-8"?>
-<p:sld xmlns:a="http://schemas.openxmlformats.org/drawingml/2006/main" xmlns:r="http://schemas.openxmlformats.org/officeDocument/2006/relationships" xmlns:p="http://schemas.openxmlformats.org/presentationml/2006/main">
-  <p:cSld>
-    <p:spTree>
-      <p:nvGrpSpPr>
-        <p:cNvPr id="1" name=""/>
-        <p:cNvGrpSpPr/>
-        <p:nvPr/>
-      </p:nvGrpSpPr>
-      <p:grpSpPr>
-        <a:xfrm>
-          <a:off x="0" y="0"/>
-          <a:ext cx="0" cy="0"/>
-          <a:chOff x="0" y="0"/>
-          <a:chExt cx="0" cy="0"/>
-        </a:xfrm>
-      </p:grpSpPr>
-      <p:sp>
-        <p:nvSpPr>
-          <p:cNvPr id="6" name="Titre 5"/>
-          <p:cNvSpPr>
-            <a:spLocks noGrp="1"/>
-          </p:cNvSpPr>
-          <p:nvPr>
-            <p:ph type="title"/>
-          </p:nvPr>
-        </p:nvSpPr>
-        <p:spPr>
-          <a:xfrm>
-            <a:off x="685800" y="2636912"/>
-            <a:ext cx="7772400" cy="1362075"/>
-          </a:xfrm>
-        </p:spPr>
-        <p:txBody>
-          <a:bodyPr/>
-          <a:lstStyle/>
-          <a:p>
-            <a:r>
-              <a:rPr lang="fr-FR" dirty="0" smtClean="0">
-                <a:solidFill>
-                  <a:srgbClr val="336699"/>
-                </a:solidFill>
-              </a:rPr>
-              <a:t>Avantages et limites du produit</a:t>
-            </a:r>
-            <a:endParaRPr lang="fr-FR" dirty="0">
-              <a:solidFill>
-                <a:srgbClr val="336699"/>
-              </a:solidFill>
-            </a:endParaRPr>
-          </a:p>
-        </p:txBody>
-      </p:sp>
-      <p:sp>
-        <p:nvSpPr>
-          <p:cNvPr id="4" name="Espace réservé de la date 3"/>
-          <p:cNvSpPr>
-            <a:spLocks noGrp="1"/>
-          </p:cNvSpPr>
-          <p:nvPr>
-            <p:ph type="dt" sz="half" idx="10"/>
-          </p:nvPr>
-        </p:nvSpPr>
-        <p:spPr/>
-        <p:txBody>
-          <a:bodyPr/>
-          <a:lstStyle/>
-          <a:p>
-            <a:fld id="{C2D65230-C684-41AF-AA0D-72F719444CFB}" type="datetime1">
-              <a:rPr lang="fr-FR" smtClean="0"/>
-              <a:t>27/12/2014</a:t>
-            </a:fld>
-            <a:endParaRPr lang="fr-BE"/>
-          </a:p>
-        </p:txBody>
-      </p:sp>
-      <p:sp>
-        <p:nvSpPr>
-          <p:cNvPr id="5" name="Espace réservé du numéro de diapositive 4"/>
-          <p:cNvSpPr>
-            <a:spLocks noGrp="1"/>
-          </p:cNvSpPr>
-          <p:nvPr>
-            <p:ph type="sldNum" sz="quarter" idx="12"/>
-          </p:nvPr>
-        </p:nvSpPr>
-        <p:spPr/>
-        <p:txBody>
-          <a:bodyPr/>
-          <a:lstStyle/>
-          <a:p>
-            <a:fld id="{CF4668DC-857F-487D-BFFA-8C0CA5037977}" type="slidenum">
-              <a:rPr lang="fr-BE" smtClean="0"/>
-              <a:t>7</a:t>
-            </a:fld>
-            <a:endParaRPr lang="fr-BE"/>
-          </a:p>
-        </p:txBody>
-      </p:sp>
-      <p:sp>
-        <p:nvSpPr>
-          <p:cNvPr id="9" name="Rectangle 8"/>
-          <p:cNvSpPr/>
-          <p:nvPr/>
-        </p:nvSpPr>
-        <p:spPr>
-          <a:xfrm>
-            <a:off x="0" y="4196234"/>
-            <a:ext cx="9144000" cy="360040"/>
-          </a:xfrm>
-          <a:prstGeom prst="rect">
-            <a:avLst/>
-          </a:prstGeom>
-          <a:solidFill>
-            <a:schemeClr val="tx2"/>
-          </a:solidFill>
-          <a:ln>
-            <a:solidFill>
-              <a:schemeClr val="tx2"/>
-            </a:solidFill>
-          </a:ln>
-        </p:spPr>
-        <p:style>
-          <a:lnRef idx="2">
-            <a:schemeClr val="accent1">
-              <a:shade val="50000"/>
-            </a:schemeClr>
-          </a:lnRef>
-          <a:fillRef idx="1">
-            <a:schemeClr val="accent1"/>
-          </a:fillRef>
-          <a:effectRef idx="0">
-            <a:schemeClr val="accent1"/>
-          </a:effectRef>
-          <a:fontRef idx="minor">
-            <a:schemeClr val="lt1"/>
-          </a:fontRef>
-        </p:style>
-        <p:txBody>
-          <a:bodyPr rtlCol="0" anchor="ctr"/>
-          <a:lstStyle/>
-          <a:p>
-            <a:pPr algn="ctr"/>
-            <a:endParaRPr lang="fr-FR"/>
-          </a:p>
-        </p:txBody>
-      </p:sp>
-    </p:spTree>
-    <p:extLst>
-      <p:ext uri="{BB962C8B-B14F-4D97-AF65-F5344CB8AC3E}">
-        <p14:creationId xmlns:p14="http://schemas.microsoft.com/office/powerpoint/2010/main" val="3480954234"/>
-      </p:ext>
-    </p:extLst>
-  </p:cSld>
-  <p:clrMapOvr>
-    <a:masterClrMapping/>
-  </p:clrMapOvr>
-  <p:timing>
-    <p:tnLst>
-      <p:par>
-        <p:cTn id="1" dur="indefinite" restart="never" nodeType="tmRoot"/>
-      </p:par>
-    </p:tnLst>
-  </p:timing>
-</p:sld>
-</file>
-
-<file path=ppt/slides/slide8.xml><?xml version="1.0" encoding="utf-8"?>
+<file path=ppt/slides/slide6.xml><?xml version="1.0" encoding="utf-8"?>
 <p:sld xmlns:a="http://schemas.openxmlformats.org/drawingml/2006/main" xmlns:r="http://schemas.openxmlformats.org/officeDocument/2006/relationships" xmlns:p="http://schemas.openxmlformats.org/presentationml/2006/main">
   <p:cSld>
     <p:spTree>
@@ -12718,37 +17269,13 @@
                   <a:srgbClr val="336699"/>
                 </a:solidFill>
               </a:rPr>
-              <a:t>Présentation du logiciel</a:t>
+              <a:t>L’interface manager</a:t>
             </a:r>
             <a:endParaRPr lang="fr-FR" dirty="0">
               <a:solidFill>
                 <a:srgbClr val="336699"/>
               </a:solidFill>
             </a:endParaRPr>
-          </a:p>
-        </p:txBody>
-      </p:sp>
-      <p:sp>
-        <p:nvSpPr>
-          <p:cNvPr id="3" name="Espace réservé du contenu 2"/>
-          <p:cNvSpPr>
-            <a:spLocks noGrp="1"/>
-          </p:cNvSpPr>
-          <p:nvPr>
-            <p:ph idx="1"/>
-          </p:nvPr>
-        </p:nvSpPr>
-        <p:spPr/>
-        <p:txBody>
-          <a:bodyPr/>
-          <a:lstStyle/>
-          <a:p>
-            <a:pPr>
-              <a:buClr>
-                <a:srgbClr val="6699CC"/>
-              </a:buClr>
-            </a:pPr>
-            <a:endParaRPr lang="fr-FR" dirty="0"/>
           </a:p>
         </p:txBody>
       </p:sp>
@@ -12769,7 +17296,7 @@
           <a:p>
             <a:fld id="{A5DF02B5-C084-4573-B9AA-1687D980E5FB}" type="datetime1">
               <a:rPr lang="fr-FR" smtClean="0"/>
-              <a:t>27/12/2014</a:t>
+              <a:t>30/12/2014</a:t>
             </a:fld>
             <a:endParaRPr lang="fr-BE"/>
           </a:p>
@@ -12792,7 +17319,7 @@
           <a:p>
             <a:fld id="{CF4668DC-857F-487D-BFFA-8C0CA5037977}" type="slidenum">
               <a:rPr lang="fr-BE" smtClean="0"/>
-              <a:t>8</a:t>
+              <a:t>6</a:t>
             </a:fld>
             <a:endParaRPr lang="fr-BE"/>
           </a:p>
@@ -12859,7 +17386,7 @@
                   </a:schemeClr>
                 </a:solidFill>
               </a:rPr>
-              <a:t>Avantages et limites du produit</a:t>
+              <a:t>Présentation du logiciel</a:t>
             </a:r>
             <a:endParaRPr lang="fr-FR" dirty="0">
               <a:solidFill>
@@ -12871,10 +17398,531 @@
           </a:p>
         </p:txBody>
       </p:sp>
+      <p:sp>
+        <p:nvSpPr>
+          <p:cNvPr id="3" name="Espace réservé du contenu 2"/>
+          <p:cNvSpPr>
+            <a:spLocks noGrp="1"/>
+          </p:cNvSpPr>
+          <p:nvPr>
+            <p:ph idx="1"/>
+          </p:nvPr>
+        </p:nvSpPr>
+        <p:spPr>
+          <a:xfrm>
+            <a:off x="457200" y="1600200"/>
+            <a:ext cx="8229600" cy="4421087"/>
+          </a:xfrm>
+        </p:spPr>
+        <p:txBody>
+          <a:bodyPr/>
+          <a:lstStyle/>
+          <a:p>
+            <a:pPr>
+              <a:buClr>
+                <a:srgbClr val="6699CC"/>
+              </a:buClr>
+            </a:pPr>
+            <a:endParaRPr lang="fr-FR" dirty="0"/>
+          </a:p>
+        </p:txBody>
+      </p:sp>
     </p:spTree>
     <p:extLst>
       <p:ext uri="{BB962C8B-B14F-4D97-AF65-F5344CB8AC3E}">
-        <p14:creationId xmlns:p14="http://schemas.microsoft.com/office/powerpoint/2010/main" val="4128894042"/>
+        <p14:creationId xmlns:p14="http://schemas.microsoft.com/office/powerpoint/2010/main" val="2219268645"/>
+      </p:ext>
+    </p:extLst>
+  </p:cSld>
+  <p:clrMapOvr>
+    <a:masterClrMapping/>
+  </p:clrMapOvr>
+  <p:timing>
+    <p:tnLst>
+      <p:par>
+        <p:cTn id="1" dur="indefinite" restart="never" nodeType="tmRoot"/>
+      </p:par>
+    </p:tnLst>
+  </p:timing>
+</p:sld>
+</file>
+
+<file path=ppt/slides/slide7.xml><?xml version="1.0" encoding="utf-8"?>
+<p:sld xmlns:a="http://schemas.openxmlformats.org/drawingml/2006/main" xmlns:r="http://schemas.openxmlformats.org/officeDocument/2006/relationships" xmlns:p="http://schemas.openxmlformats.org/presentationml/2006/main">
+  <p:cSld>
+    <p:spTree>
+      <p:nvGrpSpPr>
+        <p:cNvPr id="1" name=""/>
+        <p:cNvGrpSpPr/>
+        <p:nvPr/>
+      </p:nvGrpSpPr>
+      <p:grpSpPr>
+        <a:xfrm>
+          <a:off x="0" y="0"/>
+          <a:ext cx="0" cy="0"/>
+          <a:chOff x="0" y="0"/>
+          <a:chExt cx="0" cy="0"/>
+        </a:xfrm>
+      </p:grpSpPr>
+      <p:sp>
+        <p:nvSpPr>
+          <p:cNvPr id="2" name="Titre 1"/>
+          <p:cNvSpPr>
+            <a:spLocks noGrp="1"/>
+          </p:cNvSpPr>
+          <p:nvPr>
+            <p:ph type="title"/>
+          </p:nvPr>
+        </p:nvSpPr>
+        <p:spPr>
+          <a:xfrm>
+            <a:off x="446856" y="188640"/>
+            <a:ext cx="8373616" cy="796950"/>
+          </a:xfrm>
+        </p:spPr>
+        <p:txBody>
+          <a:bodyPr/>
+          <a:lstStyle/>
+          <a:p>
+            <a:pPr algn="r"/>
+            <a:r>
+              <a:rPr lang="fr-FR" dirty="0" smtClean="0">
+                <a:solidFill>
+                  <a:srgbClr val="336699"/>
+                </a:solidFill>
+              </a:rPr>
+              <a:t>L’interface Employé de cuisson</a:t>
+            </a:r>
+            <a:endParaRPr lang="fr-FR" dirty="0">
+              <a:solidFill>
+                <a:srgbClr val="336699"/>
+              </a:solidFill>
+            </a:endParaRPr>
+          </a:p>
+        </p:txBody>
+      </p:sp>
+      <p:sp>
+        <p:nvSpPr>
+          <p:cNvPr id="4" name="Espace réservé de la date 3"/>
+          <p:cNvSpPr>
+            <a:spLocks noGrp="1"/>
+          </p:cNvSpPr>
+          <p:nvPr>
+            <p:ph type="dt" sz="half" idx="10"/>
+          </p:nvPr>
+        </p:nvSpPr>
+        <p:spPr/>
+        <p:txBody>
+          <a:bodyPr/>
+          <a:lstStyle/>
+          <a:p>
+            <a:fld id="{A5DF02B5-C084-4573-B9AA-1687D980E5FB}" type="datetime1">
+              <a:rPr lang="fr-FR" smtClean="0"/>
+              <a:t>30/12/2014</a:t>
+            </a:fld>
+            <a:endParaRPr lang="fr-BE"/>
+          </a:p>
+        </p:txBody>
+      </p:sp>
+      <p:sp>
+        <p:nvSpPr>
+          <p:cNvPr id="5" name="Espace réservé du numéro de diapositive 4"/>
+          <p:cNvSpPr>
+            <a:spLocks noGrp="1"/>
+          </p:cNvSpPr>
+          <p:nvPr>
+            <p:ph type="sldNum" sz="quarter" idx="12"/>
+          </p:nvPr>
+        </p:nvSpPr>
+        <p:spPr/>
+        <p:txBody>
+          <a:bodyPr/>
+          <a:lstStyle/>
+          <a:p>
+            <a:fld id="{CF4668DC-857F-487D-BFFA-8C0CA5037977}" type="slidenum">
+              <a:rPr lang="fr-BE" smtClean="0"/>
+              <a:t>7</a:t>
+            </a:fld>
+            <a:endParaRPr lang="fr-BE"/>
+          </a:p>
+        </p:txBody>
+      </p:sp>
+      <p:cxnSp>
+        <p:nvCxnSpPr>
+          <p:cNvPr id="8" name="Connecteur droit 7"/>
+          <p:cNvCxnSpPr/>
+          <p:nvPr/>
+        </p:nvCxnSpPr>
+        <p:spPr>
+          <a:xfrm>
+            <a:off x="467544" y="908720"/>
+            <a:ext cx="8208912" cy="0"/>
+          </a:xfrm>
+          <a:prstGeom prst="line">
+            <a:avLst/>
+          </a:prstGeom>
+        </p:spPr>
+        <p:style>
+          <a:lnRef idx="1">
+            <a:schemeClr val="accent1"/>
+          </a:lnRef>
+          <a:fillRef idx="0">
+            <a:schemeClr val="accent1"/>
+          </a:fillRef>
+          <a:effectRef idx="0">
+            <a:schemeClr val="accent1"/>
+          </a:effectRef>
+          <a:fontRef idx="minor">
+            <a:schemeClr val="tx1"/>
+          </a:fontRef>
+        </p:style>
+      </p:cxnSp>
+      <p:sp>
+        <p:nvSpPr>
+          <p:cNvPr id="10" name="ZoneTexte 9"/>
+          <p:cNvSpPr txBox="1"/>
+          <p:nvPr/>
+        </p:nvSpPr>
+        <p:spPr>
+          <a:xfrm>
+            <a:off x="1763777" y="6309320"/>
+            <a:ext cx="5616446" cy="369332"/>
+          </a:xfrm>
+          <a:prstGeom prst="rect">
+            <a:avLst/>
+          </a:prstGeom>
+          <a:noFill/>
+        </p:spPr>
+        <p:txBody>
+          <a:bodyPr wrap="square" rtlCol="0">
+            <a:spAutoFit/>
+          </a:bodyPr>
+          <a:lstStyle/>
+          <a:p>
+            <a:pPr algn="ctr"/>
+            <a:r>
+              <a:rPr lang="fr-FR" dirty="0" smtClean="0">
+                <a:solidFill>
+                  <a:schemeClr val="bg1">
+                    <a:lumMod val="50000"/>
+                  </a:schemeClr>
+                </a:solidFill>
+              </a:rPr>
+              <a:t>Présentation du logiciel</a:t>
+            </a:r>
+            <a:endParaRPr lang="fr-FR" dirty="0">
+              <a:solidFill>
+                <a:schemeClr val="bg1">
+                  <a:lumMod val="50000"/>
+                </a:schemeClr>
+              </a:solidFill>
+            </a:endParaRPr>
+          </a:p>
+        </p:txBody>
+      </p:sp>
+      <p:sp>
+        <p:nvSpPr>
+          <p:cNvPr id="3" name="Espace réservé du contenu 2"/>
+          <p:cNvSpPr>
+            <a:spLocks noGrp="1"/>
+          </p:cNvSpPr>
+          <p:nvPr>
+            <p:ph idx="1"/>
+          </p:nvPr>
+        </p:nvSpPr>
+        <p:spPr>
+          <a:xfrm>
+            <a:off x="457200" y="1600200"/>
+            <a:ext cx="8229600" cy="4349079"/>
+          </a:xfrm>
+        </p:spPr>
+        <p:txBody>
+          <a:bodyPr/>
+          <a:lstStyle/>
+          <a:p>
+            <a:pPr>
+              <a:buClr>
+                <a:srgbClr val="6699CC"/>
+              </a:buClr>
+            </a:pPr>
+            <a:r>
+              <a:rPr lang="fr-FR" dirty="0" smtClean="0"/>
+              <a:t>Visualisation des stocks (congélateur / vente)</a:t>
+            </a:r>
+          </a:p>
+          <a:p>
+            <a:pPr>
+              <a:buClr>
+                <a:srgbClr val="6699CC"/>
+              </a:buClr>
+            </a:pPr>
+            <a:r>
+              <a:rPr lang="fr-FR" dirty="0" smtClean="0"/>
+              <a:t>Ajout automatique</a:t>
+            </a:r>
+          </a:p>
+          <a:p>
+            <a:pPr lvl="1">
+              <a:buClr>
+                <a:srgbClr val="6699CC"/>
+              </a:buClr>
+            </a:pPr>
+            <a:r>
+              <a:rPr lang="fr-FR" dirty="0" smtClean="0"/>
+              <a:t>Produits à cuire</a:t>
+            </a:r>
+          </a:p>
+          <a:p>
+            <a:pPr lvl="1">
+              <a:buClr>
+                <a:srgbClr val="6699CC"/>
+              </a:buClr>
+            </a:pPr>
+            <a:r>
+              <a:rPr lang="fr-FR" dirty="0" smtClean="0"/>
+              <a:t>Produits à mettre en rayon</a:t>
+            </a:r>
+          </a:p>
+          <a:p>
+            <a:pPr>
+              <a:buClr>
+                <a:srgbClr val="6699CC"/>
+              </a:buClr>
+            </a:pPr>
+            <a:r>
+              <a:rPr lang="fr-FR" dirty="0" smtClean="0"/>
+              <a:t>Visualisation des produits au four</a:t>
+            </a:r>
+            <a:endParaRPr lang="fr-FR" dirty="0"/>
+          </a:p>
+        </p:txBody>
+      </p:sp>
+    </p:spTree>
+    <p:extLst>
+      <p:ext uri="{BB962C8B-B14F-4D97-AF65-F5344CB8AC3E}">
+        <p14:creationId xmlns:p14="http://schemas.microsoft.com/office/powerpoint/2010/main" val="2219268645"/>
+      </p:ext>
+    </p:extLst>
+  </p:cSld>
+  <p:clrMapOvr>
+    <a:masterClrMapping/>
+  </p:clrMapOvr>
+  <p:timing>
+    <p:tnLst>
+      <p:par>
+        <p:cTn id="1" dur="indefinite" restart="never" nodeType="tmRoot"/>
+      </p:par>
+    </p:tnLst>
+  </p:timing>
+</p:sld>
+</file>
+
+<file path=ppt/slides/slide8.xml><?xml version="1.0" encoding="utf-8"?>
+<p:sld xmlns:a="http://schemas.openxmlformats.org/drawingml/2006/main" xmlns:r="http://schemas.openxmlformats.org/officeDocument/2006/relationships" xmlns:p="http://schemas.openxmlformats.org/presentationml/2006/main">
+  <p:cSld>
+    <p:spTree>
+      <p:nvGrpSpPr>
+        <p:cNvPr id="1" name=""/>
+        <p:cNvGrpSpPr/>
+        <p:nvPr/>
+      </p:nvGrpSpPr>
+      <p:grpSpPr>
+        <a:xfrm>
+          <a:off x="0" y="0"/>
+          <a:ext cx="0" cy="0"/>
+          <a:chOff x="0" y="0"/>
+          <a:chExt cx="0" cy="0"/>
+        </a:xfrm>
+      </p:grpSpPr>
+      <p:sp>
+        <p:nvSpPr>
+          <p:cNvPr id="2" name="Titre 1"/>
+          <p:cNvSpPr>
+            <a:spLocks noGrp="1"/>
+          </p:cNvSpPr>
+          <p:nvPr>
+            <p:ph type="title"/>
+          </p:nvPr>
+        </p:nvSpPr>
+        <p:spPr>
+          <a:xfrm>
+            <a:off x="446856" y="188640"/>
+            <a:ext cx="8373616" cy="796950"/>
+          </a:xfrm>
+        </p:spPr>
+        <p:txBody>
+          <a:bodyPr/>
+          <a:lstStyle/>
+          <a:p>
+            <a:pPr algn="r"/>
+            <a:r>
+              <a:rPr lang="fr-FR" dirty="0" smtClean="0">
+                <a:solidFill>
+                  <a:srgbClr val="336699"/>
+                </a:solidFill>
+              </a:rPr>
+              <a:t>L’interface vendeur</a:t>
+            </a:r>
+            <a:endParaRPr lang="fr-FR" dirty="0">
+              <a:solidFill>
+                <a:srgbClr val="336699"/>
+              </a:solidFill>
+            </a:endParaRPr>
+          </a:p>
+        </p:txBody>
+      </p:sp>
+      <p:sp>
+        <p:nvSpPr>
+          <p:cNvPr id="4" name="Espace réservé de la date 3"/>
+          <p:cNvSpPr>
+            <a:spLocks noGrp="1"/>
+          </p:cNvSpPr>
+          <p:nvPr>
+            <p:ph type="dt" sz="half" idx="10"/>
+          </p:nvPr>
+        </p:nvSpPr>
+        <p:spPr/>
+        <p:txBody>
+          <a:bodyPr/>
+          <a:lstStyle/>
+          <a:p>
+            <a:fld id="{A5DF02B5-C084-4573-B9AA-1687D980E5FB}" type="datetime1">
+              <a:rPr lang="fr-FR" smtClean="0"/>
+              <a:t>30/12/2014</a:t>
+            </a:fld>
+            <a:endParaRPr lang="fr-BE"/>
+          </a:p>
+        </p:txBody>
+      </p:sp>
+      <p:sp>
+        <p:nvSpPr>
+          <p:cNvPr id="5" name="Espace réservé du numéro de diapositive 4"/>
+          <p:cNvSpPr>
+            <a:spLocks noGrp="1"/>
+          </p:cNvSpPr>
+          <p:nvPr>
+            <p:ph type="sldNum" sz="quarter" idx="12"/>
+          </p:nvPr>
+        </p:nvSpPr>
+        <p:spPr/>
+        <p:txBody>
+          <a:bodyPr/>
+          <a:lstStyle/>
+          <a:p>
+            <a:fld id="{CF4668DC-857F-487D-BFFA-8C0CA5037977}" type="slidenum">
+              <a:rPr lang="fr-BE" smtClean="0"/>
+              <a:t>8</a:t>
+            </a:fld>
+            <a:endParaRPr lang="fr-BE"/>
+          </a:p>
+        </p:txBody>
+      </p:sp>
+      <p:cxnSp>
+        <p:nvCxnSpPr>
+          <p:cNvPr id="8" name="Connecteur droit 7"/>
+          <p:cNvCxnSpPr/>
+          <p:nvPr/>
+        </p:nvCxnSpPr>
+        <p:spPr>
+          <a:xfrm>
+            <a:off x="467544" y="908720"/>
+            <a:ext cx="8208912" cy="0"/>
+          </a:xfrm>
+          <a:prstGeom prst="line">
+            <a:avLst/>
+          </a:prstGeom>
+        </p:spPr>
+        <p:style>
+          <a:lnRef idx="1">
+            <a:schemeClr val="accent1"/>
+          </a:lnRef>
+          <a:fillRef idx="0">
+            <a:schemeClr val="accent1"/>
+          </a:fillRef>
+          <a:effectRef idx="0">
+            <a:schemeClr val="accent1"/>
+          </a:effectRef>
+          <a:fontRef idx="minor">
+            <a:schemeClr val="tx1"/>
+          </a:fontRef>
+        </p:style>
+      </p:cxnSp>
+      <p:sp>
+        <p:nvSpPr>
+          <p:cNvPr id="10" name="ZoneTexte 9"/>
+          <p:cNvSpPr txBox="1"/>
+          <p:nvPr/>
+        </p:nvSpPr>
+        <p:spPr>
+          <a:xfrm>
+            <a:off x="1763777" y="6309320"/>
+            <a:ext cx="5616446" cy="369332"/>
+          </a:xfrm>
+          <a:prstGeom prst="rect">
+            <a:avLst/>
+          </a:prstGeom>
+          <a:noFill/>
+        </p:spPr>
+        <p:txBody>
+          <a:bodyPr wrap="square" rtlCol="0">
+            <a:spAutoFit/>
+          </a:bodyPr>
+          <a:lstStyle/>
+          <a:p>
+            <a:pPr algn="ctr"/>
+            <a:r>
+              <a:rPr lang="fr-FR" dirty="0" smtClean="0">
+                <a:solidFill>
+                  <a:schemeClr val="bg1">
+                    <a:lumMod val="50000"/>
+                  </a:schemeClr>
+                </a:solidFill>
+              </a:rPr>
+              <a:t>Présentation du logiciel</a:t>
+            </a:r>
+            <a:endParaRPr lang="fr-FR" dirty="0">
+              <a:solidFill>
+                <a:schemeClr val="bg1">
+                  <a:lumMod val="50000"/>
+                </a:schemeClr>
+              </a:solidFill>
+            </a:endParaRPr>
+          </a:p>
+        </p:txBody>
+      </p:sp>
+      <p:sp>
+        <p:nvSpPr>
+          <p:cNvPr id="3" name="Espace réservé du contenu 2"/>
+          <p:cNvSpPr>
+            <a:spLocks noGrp="1"/>
+          </p:cNvSpPr>
+          <p:nvPr>
+            <p:ph idx="1"/>
+          </p:nvPr>
+        </p:nvSpPr>
+        <p:spPr>
+          <a:xfrm>
+            <a:off x="457200" y="1600200"/>
+            <a:ext cx="8229600" cy="4349079"/>
+          </a:xfrm>
+        </p:spPr>
+        <p:txBody>
+          <a:bodyPr/>
+          <a:lstStyle/>
+          <a:p>
+            <a:pPr>
+              <a:buClr>
+                <a:srgbClr val="6699CC"/>
+              </a:buClr>
+            </a:pPr>
+            <a:endParaRPr lang="fr-FR" dirty="0"/>
+          </a:p>
+        </p:txBody>
+      </p:sp>
+    </p:spTree>
+    <p:extLst>
+      <p:ext uri="{BB962C8B-B14F-4D97-AF65-F5344CB8AC3E}">
+        <p14:creationId xmlns:p14="http://schemas.microsoft.com/office/powerpoint/2010/main" val="2219268645"/>
       </p:ext>
     </p:extLst>
   </p:cSld>
@@ -12934,7 +17982,7 @@
                   <a:srgbClr val="336699"/>
                 </a:solidFill>
               </a:rPr>
-              <a:t>Démonstration du logiciel</a:t>
+              <a:t>Choix techniques et d’architecture</a:t>
             </a:r>
             <a:endParaRPr lang="fr-FR" dirty="0">
               <a:solidFill>
@@ -12961,7 +18009,7 @@
           <a:p>
             <a:fld id="{C2D65230-C684-41AF-AA0D-72F719444CFB}" type="datetime1">
               <a:rPr lang="fr-FR" smtClean="0"/>
-              <a:t>27/12/2014</a:t>
+              <a:t>30/12/2014</a:t>
             </a:fld>
             <a:endParaRPr lang="fr-BE"/>
           </a:p>

--- a/Documentation/presentation.pptx
+++ b/Documentation/presentation.pptx
@@ -5,25 +5,28 @@
     <p:sldMasterId id="2147483684" r:id="rId1"/>
   </p:sldMasterIdLst>
   <p:notesMasterIdLst>
-    <p:notesMasterId r:id="rId18"/>
+    <p:notesMasterId r:id="rId21"/>
   </p:notesMasterIdLst>
   <p:sldIdLst>
     <p:sldId id="256" r:id="rId2"/>
     <p:sldId id="265" r:id="rId3"/>
     <p:sldId id="258" r:id="rId4"/>
-    <p:sldId id="257" r:id="rId5"/>
-    <p:sldId id="268" r:id="rId6"/>
-    <p:sldId id="270" r:id="rId7"/>
-    <p:sldId id="271" r:id="rId8"/>
-    <p:sldId id="272" r:id="rId9"/>
-    <p:sldId id="259" r:id="rId10"/>
-    <p:sldId id="260" r:id="rId11"/>
-    <p:sldId id="261" r:id="rId12"/>
-    <p:sldId id="262" r:id="rId13"/>
-    <p:sldId id="269" r:id="rId14"/>
-    <p:sldId id="263" r:id="rId15"/>
-    <p:sldId id="264" r:id="rId16"/>
-    <p:sldId id="267" r:id="rId17"/>
+    <p:sldId id="274" r:id="rId5"/>
+    <p:sldId id="257" r:id="rId6"/>
+    <p:sldId id="268" r:id="rId7"/>
+    <p:sldId id="270" r:id="rId8"/>
+    <p:sldId id="271" r:id="rId9"/>
+    <p:sldId id="272" r:id="rId10"/>
+    <p:sldId id="273" r:id="rId11"/>
+    <p:sldId id="259" r:id="rId12"/>
+    <p:sldId id="260" r:id="rId13"/>
+    <p:sldId id="275" r:id="rId14"/>
+    <p:sldId id="261" r:id="rId15"/>
+    <p:sldId id="262" r:id="rId16"/>
+    <p:sldId id="269" r:id="rId17"/>
+    <p:sldId id="263" r:id="rId18"/>
+    <p:sldId id="264" r:id="rId19"/>
+    <p:sldId id="267" r:id="rId20"/>
   </p:sldIdLst>
   <p:sldSz cx="9144000" cy="6858000" type="screen4x3"/>
   <p:notesSz cx="6858000" cy="9144000"/>
@@ -3542,7 +3545,7 @@
           <a:p>
             <a:fld id="{86033872-B7B5-4114-BD3C-99A7E460DA0F}" type="datetimeFigureOut">
               <a:rPr lang="fr-FR" smtClean="0"/>
-              <a:t>30/12/2014</a:t>
+              <a:t>03/01/2015</a:t>
             </a:fld>
             <a:endParaRPr lang="fr-FR"/>
           </a:p>
@@ -3959,7 +3962,7 @@
           <a:p>
             <a:fld id="{E2994B5E-A13E-4BD3-8D15-B57FA70E9DD6}" type="slidenum">
               <a:rPr lang="fr-FR" smtClean="0"/>
-              <a:t>5</a:t>
+              <a:t>6</a:t>
             </a:fld>
             <a:endParaRPr lang="fr-FR"/>
           </a:p>
@@ -4043,7 +4046,7 @@
           <a:p>
             <a:fld id="{E2994B5E-A13E-4BD3-8D15-B57FA70E9DD6}" type="slidenum">
               <a:rPr lang="fr-FR" smtClean="0"/>
-              <a:t>6</a:t>
+              <a:t>7</a:t>
             </a:fld>
             <a:endParaRPr lang="fr-FR"/>
           </a:p>
@@ -4127,7 +4130,7 @@
           <a:p>
             <a:fld id="{E2994B5E-A13E-4BD3-8D15-B57FA70E9DD6}" type="slidenum">
               <a:rPr lang="fr-FR" smtClean="0"/>
-              <a:t>7</a:t>
+              <a:t>8</a:t>
             </a:fld>
             <a:endParaRPr lang="fr-FR"/>
           </a:p>
@@ -4211,7 +4214,7 @@
           <a:p>
             <a:fld id="{E2994B5E-A13E-4BD3-8D15-B57FA70E9DD6}" type="slidenum">
               <a:rPr lang="fr-FR" smtClean="0"/>
-              <a:t>8</a:t>
+              <a:t>9</a:t>
             </a:fld>
             <a:endParaRPr lang="fr-FR"/>
           </a:p>
@@ -4274,7 +4277,7 @@
           <a:bodyPr/>
           <a:lstStyle/>
           <a:p>
-            <a:endParaRPr lang="fr-FR"/>
+            <a:endParaRPr lang="fr-FR" dirty="0"/>
           </a:p>
         </p:txBody>
       </p:sp>
@@ -4295,7 +4298,91 @@
           <a:p>
             <a:fld id="{E2994B5E-A13E-4BD3-8D15-B57FA70E9DD6}" type="slidenum">
               <a:rPr lang="fr-FR" smtClean="0"/>
-              <a:t>13</a:t>
+              <a:t>10</a:t>
+            </a:fld>
+            <a:endParaRPr lang="fr-FR"/>
+          </a:p>
+        </p:txBody>
+      </p:sp>
+    </p:spTree>
+    <p:extLst>
+      <p:ext uri="{BB962C8B-B14F-4D97-AF65-F5344CB8AC3E}">
+        <p14:creationId xmlns:p14="http://schemas.microsoft.com/office/powerpoint/2010/main" val="3657111939"/>
+      </p:ext>
+    </p:extLst>
+  </p:cSld>
+  <p:clrMapOvr>
+    <a:masterClrMapping/>
+  </p:clrMapOvr>
+</p:notes>
+</file>
+
+<file path=ppt/notesSlides/notesSlide7.xml><?xml version="1.0" encoding="utf-8"?>
+<p:notes xmlns:a="http://schemas.openxmlformats.org/drawingml/2006/main" xmlns:r="http://schemas.openxmlformats.org/officeDocument/2006/relationships" xmlns:p="http://schemas.openxmlformats.org/presentationml/2006/main">
+  <p:cSld>
+    <p:spTree>
+      <p:nvGrpSpPr>
+        <p:cNvPr id="1" name=""/>
+        <p:cNvGrpSpPr/>
+        <p:nvPr/>
+      </p:nvGrpSpPr>
+      <p:grpSpPr>
+        <a:xfrm>
+          <a:off x="0" y="0"/>
+          <a:ext cx="0" cy="0"/>
+          <a:chOff x="0" y="0"/>
+          <a:chExt cx="0" cy="0"/>
+        </a:xfrm>
+      </p:grpSpPr>
+      <p:sp>
+        <p:nvSpPr>
+          <p:cNvPr id="2" name="Espace réservé de l'image des diapositives 1"/>
+          <p:cNvSpPr>
+            <a:spLocks noGrp="1" noRot="1" noChangeAspect="1"/>
+          </p:cNvSpPr>
+          <p:nvPr>
+            <p:ph type="sldImg"/>
+          </p:nvPr>
+        </p:nvSpPr>
+        <p:spPr/>
+      </p:sp>
+      <p:sp>
+        <p:nvSpPr>
+          <p:cNvPr id="3" name="Espace réservé des commentaires 2"/>
+          <p:cNvSpPr>
+            <a:spLocks noGrp="1"/>
+          </p:cNvSpPr>
+          <p:nvPr>
+            <p:ph type="body" idx="1"/>
+          </p:nvPr>
+        </p:nvSpPr>
+        <p:spPr/>
+        <p:txBody>
+          <a:bodyPr/>
+          <a:lstStyle/>
+          <a:p>
+            <a:endParaRPr lang="fr-FR"/>
+          </a:p>
+        </p:txBody>
+      </p:sp>
+      <p:sp>
+        <p:nvSpPr>
+          <p:cNvPr id="4" name="Espace réservé du numéro de diapositive 3"/>
+          <p:cNvSpPr>
+            <a:spLocks noGrp="1"/>
+          </p:cNvSpPr>
+          <p:nvPr>
+            <p:ph type="sldNum" sz="quarter" idx="10"/>
+          </p:nvPr>
+        </p:nvSpPr>
+        <p:spPr/>
+        <p:txBody>
+          <a:bodyPr/>
+          <a:lstStyle/>
+          <a:p>
+            <a:fld id="{E2994B5E-A13E-4BD3-8D15-B57FA70E9DD6}" type="slidenum">
+              <a:rPr lang="fr-FR" smtClean="0"/>
+              <a:t>16</a:t>
             </a:fld>
             <a:endParaRPr lang="fr-FR"/>
           </a:p>
@@ -4495,7 +4582,7 @@
           <a:p>
             <a:fld id="{C2D65230-C684-41AF-AA0D-72F719444CFB}" type="datetime1">
               <a:rPr lang="fr-FR" smtClean="0"/>
-              <a:t>30/12/2014</a:t>
+              <a:t>03/01/2015</a:t>
             </a:fld>
             <a:endParaRPr lang="fr-BE"/>
           </a:p>
@@ -4665,7 +4752,7 @@
           <a:p>
             <a:fld id="{66168C52-95ED-42C2-B895-1D2AC16AE535}" type="datetime1">
               <a:rPr lang="fr-FR" smtClean="0"/>
-              <a:t>30/12/2014</a:t>
+              <a:t>03/01/2015</a:t>
             </a:fld>
             <a:endParaRPr lang="fr-BE"/>
           </a:p>
@@ -4845,7 +4932,7 @@
           <a:p>
             <a:fld id="{97F9B326-529C-4F7B-B853-FAC68FB4BD83}" type="datetime1">
               <a:rPr lang="fr-FR" smtClean="0"/>
-              <a:t>30/12/2014</a:t>
+              <a:t>03/01/2015</a:t>
             </a:fld>
             <a:endParaRPr lang="fr-BE"/>
           </a:p>
@@ -5015,7 +5102,7 @@
           <a:p>
             <a:fld id="{BC86967F-49BF-4B16-9EF7-68DCA022A0F5}" type="datetime1">
               <a:rPr lang="fr-FR" smtClean="0"/>
-              <a:t>30/12/2014</a:t>
+              <a:t>03/01/2015</a:t>
             </a:fld>
             <a:endParaRPr lang="fr-BE"/>
           </a:p>
@@ -5261,7 +5348,7 @@
           <a:p>
             <a:fld id="{A3C54BB5-BFEE-4131-BDA5-39E825F8557C}" type="datetime1">
               <a:rPr lang="fr-FR" smtClean="0"/>
-              <a:t>30/12/2014</a:t>
+              <a:t>03/01/2015</a:t>
             </a:fld>
             <a:endParaRPr lang="fr-BE"/>
           </a:p>
@@ -5549,7 +5636,7 @@
           <a:p>
             <a:fld id="{4EEDA896-919B-40D0-B2D3-CBC5EEE1DF94}" type="datetime1">
               <a:rPr lang="fr-FR" smtClean="0"/>
-              <a:t>30/12/2014</a:t>
+              <a:t>03/01/2015</a:t>
             </a:fld>
             <a:endParaRPr lang="fr-BE"/>
           </a:p>
@@ -5971,7 +6058,7 @@
           <a:p>
             <a:fld id="{543CE89A-C400-41BE-938E-3477A7B711D4}" type="datetime1">
               <a:rPr lang="fr-FR" smtClean="0"/>
-              <a:t>30/12/2014</a:t>
+              <a:t>03/01/2015</a:t>
             </a:fld>
             <a:endParaRPr lang="fr-BE"/>
           </a:p>
@@ -6089,7 +6176,7 @@
           <a:p>
             <a:fld id="{6C84417D-1899-42AE-B438-7331E2E84D71}" type="datetime1">
               <a:rPr lang="fr-FR" smtClean="0"/>
-              <a:t>30/12/2014</a:t>
+              <a:t>03/01/2015</a:t>
             </a:fld>
             <a:endParaRPr lang="fr-BE"/>
           </a:p>
@@ -6184,7 +6271,7 @@
           <a:p>
             <a:fld id="{0A21B63A-27A0-4EE2-B3BF-BFDA56FB0AC7}" type="datetime1">
               <a:rPr lang="fr-FR" smtClean="0"/>
-              <a:t>30/12/2014</a:t>
+              <a:t>03/01/2015</a:t>
             </a:fld>
             <a:endParaRPr lang="fr-BE"/>
           </a:p>
@@ -6461,7 +6548,7 @@
           <a:p>
             <a:fld id="{F4A1703F-2DEB-4C9F-8A1E-A123D9DA669A}" type="datetime1">
               <a:rPr lang="fr-FR" smtClean="0"/>
-              <a:t>30/12/2014</a:t>
+              <a:t>03/01/2015</a:t>
             </a:fld>
             <a:endParaRPr lang="fr-BE"/>
           </a:p>
@@ -6714,7 +6801,7 @@
           <a:p>
             <a:fld id="{62027368-7A5E-4223-B763-64DAB6395145}" type="datetime1">
               <a:rPr lang="fr-FR" smtClean="0"/>
-              <a:t>30/12/2014</a:t>
+              <a:t>03/01/2015</a:t>
             </a:fld>
             <a:endParaRPr lang="fr-BE"/>
           </a:p>
@@ -6927,7 +7014,7 @@
           <a:p>
             <a:fld id="{AF8072BF-C55A-4D0D-88F2-9B6536496F70}" type="datetime1">
               <a:rPr lang="fr-FR" smtClean="0"/>
-              <a:t>30/12/2014</a:t>
+              <a:t>03/01/2015</a:t>
             </a:fld>
             <a:endParaRPr lang="fr-BE"/>
           </a:p>
@@ -11162,7 +11249,7 @@
                   <a:schemeClr val="bg1"/>
                 </a:solidFill>
               </a:rPr>
-              <a:t>30/12/2014</a:t>
+              <a:t>03/01/2015</a:t>
             </a:fld>
             <a:endParaRPr lang="fr-BE" sz="2000" dirty="0">
               <a:solidFill>
@@ -11259,37 +11346,13 @@
                   <a:srgbClr val="336699"/>
                 </a:solidFill>
               </a:rPr>
-              <a:t>Présentation du logiciel</a:t>
+              <a:t>La base de données</a:t>
             </a:r>
             <a:endParaRPr lang="fr-FR" dirty="0">
               <a:solidFill>
                 <a:srgbClr val="336699"/>
               </a:solidFill>
             </a:endParaRPr>
-          </a:p>
-        </p:txBody>
-      </p:sp>
-      <p:sp>
-        <p:nvSpPr>
-          <p:cNvPr id="3" name="Espace réservé du contenu 2"/>
-          <p:cNvSpPr>
-            <a:spLocks noGrp="1"/>
-          </p:cNvSpPr>
-          <p:nvPr>
-            <p:ph idx="1"/>
-          </p:nvPr>
-        </p:nvSpPr>
-        <p:spPr/>
-        <p:txBody>
-          <a:bodyPr/>
-          <a:lstStyle/>
-          <a:p>
-            <a:pPr>
-              <a:buClr>
-                <a:srgbClr val="6699CC"/>
-              </a:buClr>
-            </a:pPr>
-            <a:endParaRPr lang="fr-FR" dirty="0"/>
           </a:p>
         </p:txBody>
       </p:sp>
@@ -11310,7 +11373,7 @@
           <a:p>
             <a:fld id="{A5DF02B5-C084-4573-B9AA-1687D980E5FB}" type="datetime1">
               <a:rPr lang="fr-FR" smtClean="0"/>
-              <a:t>30/12/2014</a:t>
+              <a:t>03/01/2015</a:t>
             </a:fld>
             <a:endParaRPr lang="fr-BE"/>
           </a:p>
@@ -11400,7 +11463,7 @@
                   </a:schemeClr>
                 </a:solidFill>
               </a:rPr>
-              <a:t>Choix techniques et d’architecture</a:t>
+              <a:t>Présentation du logiciel</a:t>
             </a:r>
             <a:endParaRPr lang="fr-FR" dirty="0">
               <a:solidFill>
@@ -11412,10 +11475,102 @@
           </a:p>
         </p:txBody>
       </p:sp>
+      <p:sp>
+        <p:nvSpPr>
+          <p:cNvPr id="3" name="Espace réservé du contenu 2"/>
+          <p:cNvSpPr>
+            <a:spLocks noGrp="1"/>
+          </p:cNvSpPr>
+          <p:nvPr>
+            <p:ph idx="1"/>
+          </p:nvPr>
+        </p:nvSpPr>
+        <p:spPr>
+          <a:xfrm>
+            <a:off x="457200" y="1600200"/>
+            <a:ext cx="8229600" cy="4349079"/>
+          </a:xfrm>
+        </p:spPr>
+        <p:txBody>
+          <a:bodyPr/>
+          <a:lstStyle/>
+          <a:p>
+            <a:pPr>
+              <a:buClr>
+                <a:srgbClr val="6699CC"/>
+              </a:buClr>
+            </a:pPr>
+            <a:r>
+              <a:rPr lang="fr-FR" dirty="0" smtClean="0"/>
+              <a:t>Point central du logiciel</a:t>
+            </a:r>
+          </a:p>
+          <a:p>
+            <a:pPr lvl="1">
+              <a:buClr>
+                <a:srgbClr val="6699CC"/>
+              </a:buClr>
+            </a:pPr>
+            <a:r>
+              <a:rPr lang="fr-FR" dirty="0" smtClean="0"/>
+              <a:t>Supporte les multi-connexions</a:t>
+            </a:r>
+          </a:p>
+          <a:p>
+            <a:pPr lvl="1">
+              <a:buClr>
+                <a:srgbClr val="6699CC"/>
+              </a:buClr>
+            </a:pPr>
+            <a:r>
+              <a:rPr lang="fr-FR" dirty="0" smtClean="0"/>
+              <a:t>Centralise les données pour les différentes interfaces actives</a:t>
+            </a:r>
+          </a:p>
+          <a:p>
+            <a:pPr lvl="1">
+              <a:buClr>
+                <a:srgbClr val="6699CC"/>
+              </a:buClr>
+            </a:pPr>
+            <a:endParaRPr lang="fr-FR" dirty="0" smtClean="0"/>
+          </a:p>
+          <a:p>
+            <a:pPr>
+              <a:buClr>
+                <a:srgbClr val="6699CC"/>
+              </a:buClr>
+            </a:pPr>
+            <a:r>
+              <a:rPr lang="fr-FR" dirty="0" smtClean="0"/>
+              <a:t>Stocke les informations </a:t>
+            </a:r>
+          </a:p>
+          <a:p>
+            <a:pPr lvl="1">
+              <a:buClr>
+                <a:srgbClr val="6699CC"/>
+              </a:buClr>
+            </a:pPr>
+            <a:r>
+              <a:rPr lang="fr-FR" dirty="0" smtClean="0"/>
+              <a:t>Produit, Vente, Commande, Utilisateur, etc.</a:t>
+            </a:r>
+          </a:p>
+          <a:p>
+            <a:pPr>
+              <a:buClr>
+                <a:srgbClr val="6699CC"/>
+              </a:buClr>
+            </a:pPr>
+            <a:endParaRPr lang="fr-FR" dirty="0" smtClean="0"/>
+          </a:p>
+        </p:txBody>
+      </p:sp>
     </p:spTree>
     <p:extLst>
       <p:ext uri="{BB962C8B-B14F-4D97-AF65-F5344CB8AC3E}">
-        <p14:creationId xmlns:p14="http://schemas.microsoft.com/office/powerpoint/2010/main" val="4128894042"/>
+        <p14:creationId xmlns:p14="http://schemas.microsoft.com/office/powerpoint/2010/main" val="1147422618"/>
       </p:ext>
     </p:extLst>
   </p:cSld>
@@ -11475,7 +11630,7 @@
                   <a:srgbClr val="336699"/>
                 </a:solidFill>
               </a:rPr>
-              <a:t>Avantages et limites du produit</a:t>
+              <a:t>Choix techniques et d’architecture</a:t>
             </a:r>
             <a:endParaRPr lang="fr-FR" dirty="0">
               <a:solidFill>
@@ -11502,7 +11657,7 @@
           <a:p>
             <a:fld id="{C2D65230-C684-41AF-AA0D-72F719444CFB}" type="datetime1">
               <a:rPr lang="fr-FR" smtClean="0"/>
-              <a:t>30/12/2014</a:t>
+              <a:t>03/01/2015</a:t>
             </a:fld>
             <a:endParaRPr lang="fr-BE"/>
           </a:p>
@@ -11643,52 +11798,13 @@
                   <a:srgbClr val="336699"/>
                 </a:solidFill>
               </a:rPr>
-              <a:t>Les avantages</a:t>
+              <a:t>Choix d’architecture</a:t>
             </a:r>
             <a:endParaRPr lang="fr-FR" dirty="0">
               <a:solidFill>
                 <a:srgbClr val="336699"/>
               </a:solidFill>
             </a:endParaRPr>
-          </a:p>
-        </p:txBody>
-      </p:sp>
-      <p:sp>
-        <p:nvSpPr>
-          <p:cNvPr id="3" name="Espace réservé du contenu 2"/>
-          <p:cNvSpPr>
-            <a:spLocks noGrp="1"/>
-          </p:cNvSpPr>
-          <p:nvPr>
-            <p:ph idx="1"/>
-          </p:nvPr>
-        </p:nvSpPr>
-        <p:spPr/>
-        <p:txBody>
-          <a:bodyPr/>
-          <a:lstStyle/>
-          <a:p>
-            <a:pPr>
-              <a:buClr>
-                <a:srgbClr val="6699CC"/>
-              </a:buClr>
-            </a:pPr>
-            <a:r>
-              <a:rPr lang="fr-FR" dirty="0" smtClean="0"/>
-              <a:t>Visualisation en temps réel sans devoir réactualiser</a:t>
-            </a:r>
-          </a:p>
-          <a:p>
-            <a:pPr>
-              <a:buClr>
-                <a:srgbClr val="6699CC"/>
-              </a:buClr>
-            </a:pPr>
-            <a:r>
-              <a:rPr lang="fr-FR" dirty="0" smtClean="0"/>
-              <a:t>Fort contraste des différentes zones des interfaces</a:t>
-            </a:r>
-            <a:endParaRPr lang="fr-FR" dirty="0"/>
           </a:p>
         </p:txBody>
       </p:sp>
@@ -11709,7 +11825,7 @@
           <a:p>
             <a:fld id="{A5DF02B5-C084-4573-B9AA-1687D980E5FB}" type="datetime1">
               <a:rPr lang="fr-FR" smtClean="0"/>
-              <a:t>30/12/2014</a:t>
+              <a:t>03/01/2015</a:t>
             </a:fld>
             <a:endParaRPr lang="fr-BE"/>
           </a:p>
@@ -11799,7 +11915,7 @@
                   </a:schemeClr>
                 </a:solidFill>
               </a:rPr>
-              <a:t>Avantages et limites du produit</a:t>
+              <a:t>Choix techniques et d’architecture</a:t>
             </a:r>
             <a:endParaRPr lang="fr-FR" dirty="0">
               <a:solidFill>
@@ -11808,6 +11924,116 @@
                 </a:schemeClr>
               </a:solidFill>
             </a:endParaRPr>
+          </a:p>
+        </p:txBody>
+      </p:sp>
+      <p:pic>
+        <p:nvPicPr>
+          <p:cNvPr id="1026" name="Picture 2"/>
+          <p:cNvPicPr>
+            <a:picLocks noChangeAspect="1" noChangeArrowheads="1"/>
+          </p:cNvPicPr>
+          <p:nvPr/>
+        </p:nvPicPr>
+        <p:blipFill>
+          <a:blip r:embed="rId2">
+            <a:extLst>
+              <a:ext uri="{28A0092B-C50C-407E-A947-70E740481C1C}">
+                <a14:useLocalDpi xmlns:a14="http://schemas.microsoft.com/office/drawing/2010/main" val="0"/>
+              </a:ext>
+            </a:extLst>
+          </a:blip>
+          <a:srcRect/>
+          <a:stretch>
+            <a:fillRect/>
+          </a:stretch>
+        </p:blipFill>
+        <p:spPr bwMode="auto">
+          <a:xfrm>
+            <a:off x="690563" y="1412776"/>
+            <a:ext cx="7762875" cy="1447800"/>
+          </a:xfrm>
+          <a:prstGeom prst="rect">
+            <a:avLst/>
+          </a:prstGeom>
+          <a:noFill/>
+          <a:ln>
+            <a:noFill/>
+          </a:ln>
+          <a:extLst>
+            <a:ext uri="{909E8E84-426E-40DD-AFC4-6F175D3DCCD1}">
+              <a14:hiddenFill xmlns:a14="http://schemas.microsoft.com/office/drawing/2010/main">
+                <a:solidFill>
+                  <a:schemeClr val="accent1"/>
+                </a:solidFill>
+              </a14:hiddenFill>
+            </a:ext>
+            <a:ext uri="{91240B29-F687-4F45-9708-019B960494DF}">
+              <a14:hiddenLine xmlns:a14="http://schemas.microsoft.com/office/drawing/2010/main" w="9525">
+                <a:solidFill>
+                  <a:schemeClr val="tx1"/>
+                </a:solidFill>
+                <a:miter lim="800000"/>
+                <a:headEnd/>
+                <a:tailEnd/>
+              </a14:hiddenLine>
+            </a:ext>
+          </a:extLst>
+        </p:spPr>
+      </p:pic>
+      <p:sp>
+        <p:nvSpPr>
+          <p:cNvPr id="17" name="Espace réservé du contenu 2"/>
+          <p:cNvSpPr>
+            <a:spLocks noGrp="1"/>
+          </p:cNvSpPr>
+          <p:nvPr>
+            <p:ph idx="1"/>
+          </p:nvPr>
+        </p:nvSpPr>
+        <p:spPr>
+          <a:xfrm>
+            <a:off x="457200" y="3212976"/>
+            <a:ext cx="8229600" cy="2913187"/>
+          </a:xfrm>
+        </p:spPr>
+        <p:txBody>
+          <a:bodyPr/>
+          <a:lstStyle/>
+          <a:p>
+            <a:pPr>
+              <a:buClr>
+                <a:srgbClr val="6699CC"/>
+              </a:buClr>
+            </a:pPr>
+            <a:r>
+              <a:rPr lang="fr-FR" dirty="0" smtClean="0"/>
+              <a:t>Cette séparation facilite</a:t>
+            </a:r>
+            <a:endParaRPr lang="fr-FR" dirty="0" smtClean="0"/>
+          </a:p>
+          <a:p>
+            <a:pPr lvl="1">
+              <a:buClr>
+                <a:srgbClr val="6699CC"/>
+              </a:buClr>
+            </a:pPr>
+            <a:r>
+              <a:rPr lang="fr-FR" dirty="0" smtClean="0"/>
+              <a:t>L’ajout de fonctionnalité</a:t>
+            </a:r>
+          </a:p>
+          <a:p>
+            <a:pPr lvl="1">
+              <a:buClr>
+                <a:srgbClr val="6699CC"/>
+              </a:buClr>
+            </a:pPr>
+            <a:r>
+              <a:rPr lang="fr-FR" dirty="0" smtClean="0"/>
+              <a:t>La modification de l’interface graphique</a:t>
+            </a:r>
+            <a:endParaRPr lang="fr-FR" dirty="0" smtClean="0"/>
           </a:p>
         </p:txBody>
       </p:sp>
@@ -11875,7 +12101,7 @@
                   <a:srgbClr val="336699"/>
                 </a:solidFill>
               </a:rPr>
-              <a:t>Les limites</a:t>
+              <a:t>Choix techniques</a:t>
             </a:r>
             <a:endParaRPr lang="fr-FR" dirty="0">
               <a:solidFill>
@@ -11907,7 +12133,29 @@
             </a:pPr>
             <a:r>
               <a:rPr lang="fr-FR" dirty="0" smtClean="0"/>
-              <a:t>Design</a:t>
+              <a:t>Deux systèmes mis en place</a:t>
+            </a:r>
+          </a:p>
+          <a:p>
+            <a:pPr lvl="1">
+              <a:buClr>
+                <a:srgbClr val="6699CC"/>
+              </a:buClr>
+            </a:pPr>
+            <a:r>
+              <a:rPr lang="fr-FR" dirty="0" smtClean="0"/>
+              <a:t>Stockage des données BDD dans objets JAVA</a:t>
+            </a:r>
+          </a:p>
+          <a:p>
+            <a:pPr lvl="1">
+              <a:buClr>
+                <a:srgbClr val="6699CC"/>
+              </a:buClr>
+            </a:pPr>
+            <a:r>
+              <a:rPr lang="fr-FR" dirty="0" smtClean="0"/>
+              <a:t>Accès direct au données de la BDD sans stockage</a:t>
             </a:r>
           </a:p>
           <a:p>
@@ -11918,7 +12166,11 @@
             </a:pPr>
             <a:r>
               <a:rPr lang="fr-FR" dirty="0" smtClean="0"/>
-              <a:t>Gestion membres et types de produit</a:t>
+              <a:t>Utilisation des objets JAVA </a:t>
+            </a:r>
+            <a:r>
+              <a:rPr lang="fr-FR" dirty="0" err="1" smtClean="0"/>
+              <a:t>JTable</a:t>
             </a:r>
             <a:endParaRPr lang="fr-FR" dirty="0"/>
           </a:p>
@@ -11941,7 +12193,7 @@
           <a:p>
             <a:fld id="{A5DF02B5-C084-4573-B9AA-1687D980E5FB}" type="datetime1">
               <a:rPr lang="fr-FR" smtClean="0"/>
-              <a:t>30/12/2014</a:t>
+              <a:t>03/01/2015</a:t>
             </a:fld>
             <a:endParaRPr lang="fr-BE"/>
           </a:p>
@@ -12031,7 +12283,7 @@
                   </a:schemeClr>
                 </a:solidFill>
               </a:rPr>
-              <a:t>Présentation du logiciel</a:t>
+              <a:t>Choix techniques et d’architecture</a:t>
             </a:r>
             <a:endParaRPr lang="fr-FR" dirty="0">
               <a:solidFill>
@@ -12046,7 +12298,7 @@
     </p:spTree>
     <p:extLst>
       <p:ext uri="{BB962C8B-B14F-4D97-AF65-F5344CB8AC3E}">
-        <p14:creationId xmlns:p14="http://schemas.microsoft.com/office/powerpoint/2010/main" val="2873897975"/>
+        <p14:creationId xmlns:p14="http://schemas.microsoft.com/office/powerpoint/2010/main" val="757140440"/>
       </p:ext>
     </p:extLst>
   </p:cSld>
@@ -12106,7 +12358,7 @@
                   <a:srgbClr val="336699"/>
                 </a:solidFill>
               </a:rPr>
-              <a:t>Démonstration du logiciel</a:t>
+              <a:t>Avantages et limites du produit</a:t>
             </a:r>
             <a:endParaRPr lang="fr-FR" dirty="0">
               <a:solidFill>
@@ -12133,7 +12385,7 @@
           <a:p>
             <a:fld id="{C2D65230-C684-41AF-AA0D-72F719444CFB}" type="datetime1">
               <a:rPr lang="fr-FR" smtClean="0"/>
-              <a:t>30/12/2014</a:t>
+              <a:t>03/01/2015</a:t>
             </a:fld>
             <a:endParaRPr lang="fr-BE"/>
           </a:p>
@@ -12274,7 +12526,7 @@
                   <a:srgbClr val="336699"/>
                 </a:solidFill>
               </a:rPr>
-              <a:t>Démonstration</a:t>
+              <a:t>Les avantages</a:t>
             </a:r>
             <a:endParaRPr lang="fr-FR" dirty="0">
               <a:solidFill>
@@ -12305,18 +12557,62 @@
               </a:buClr>
             </a:pPr>
             <a:r>
-              <a:rPr lang="fr-FR" dirty="0" smtClean="0">
-                <a:solidFill>
-                  <a:srgbClr val="FF0000"/>
-                </a:solidFill>
-              </a:rPr>
-              <a:t>Faire la time line de ce que l’on démontre dans sur le logiciel</a:t>
+              <a:rPr lang="fr-FR" dirty="0" smtClean="0"/>
+              <a:t>Visualisation en temps réel </a:t>
             </a:r>
-            <a:endParaRPr lang="fr-FR" dirty="0">
-              <a:solidFill>
-                <a:srgbClr val="FF0000"/>
-              </a:solidFill>
-            </a:endParaRPr>
+          </a:p>
+          <a:p>
+            <a:pPr lvl="1">
+              <a:buClr>
+                <a:srgbClr val="6699CC"/>
+              </a:buClr>
+            </a:pPr>
+            <a:r>
+              <a:rPr lang="fr-FR" dirty="0" smtClean="0"/>
+              <a:t>Actualisation automatique</a:t>
+            </a:r>
+          </a:p>
+          <a:p>
+            <a:pPr lvl="1">
+              <a:buClr>
+                <a:srgbClr val="6699CC"/>
+              </a:buClr>
+            </a:pPr>
+            <a:r>
+              <a:rPr lang="fr-FR" dirty="0" smtClean="0"/>
+              <a:t>Aucune action utilisateur nécessaire</a:t>
+            </a:r>
+          </a:p>
+          <a:p>
+            <a:pPr lvl="1">
+              <a:buClr>
+                <a:srgbClr val="6699CC"/>
+              </a:buClr>
+            </a:pPr>
+            <a:endParaRPr lang="fr-FR" dirty="0"/>
+          </a:p>
+          <a:p>
+            <a:pPr>
+              <a:buClr>
+                <a:srgbClr val="6699CC"/>
+              </a:buClr>
+            </a:pPr>
+            <a:r>
+              <a:rPr lang="fr-FR" dirty="0" smtClean="0"/>
+              <a:t>Fort contraste des différentes zones des interfaces</a:t>
+            </a:r>
+          </a:p>
+          <a:p>
+            <a:pPr lvl="1">
+              <a:buClr>
+                <a:srgbClr val="6699CC"/>
+              </a:buClr>
+            </a:pPr>
+            <a:r>
+              <a:rPr lang="fr-FR" dirty="0" smtClean="0"/>
+              <a:t>Meilleure visualisation pour l’utilisateur</a:t>
+            </a:r>
+            <a:endParaRPr lang="fr-FR" dirty="0"/>
           </a:p>
         </p:txBody>
       </p:sp>
@@ -12337,7 +12633,7 @@
           <a:p>
             <a:fld id="{A5DF02B5-C084-4573-B9AA-1687D980E5FB}" type="datetime1">
               <a:rPr lang="fr-FR" smtClean="0"/>
-              <a:t>30/12/2014</a:t>
+              <a:t>03/01/2015</a:t>
             </a:fld>
             <a:endParaRPr lang="fr-BE"/>
           </a:p>
@@ -12427,7 +12723,7 @@
                   </a:schemeClr>
                 </a:solidFill>
               </a:rPr>
-              <a:t>Démonstration du logiciel</a:t>
+              <a:t>Avantages et limites du produit</a:t>
             </a:r>
             <a:endParaRPr lang="fr-FR" dirty="0">
               <a:solidFill>
@@ -12478,6 +12774,183 @@
       </p:grpSpPr>
       <p:sp>
         <p:nvSpPr>
+          <p:cNvPr id="2" name="Titre 1"/>
+          <p:cNvSpPr>
+            <a:spLocks noGrp="1"/>
+          </p:cNvSpPr>
+          <p:nvPr>
+            <p:ph type="title"/>
+          </p:nvPr>
+        </p:nvSpPr>
+        <p:spPr>
+          <a:xfrm>
+            <a:off x="446856" y="188640"/>
+            <a:ext cx="8373616" cy="796950"/>
+          </a:xfrm>
+        </p:spPr>
+        <p:txBody>
+          <a:bodyPr/>
+          <a:lstStyle/>
+          <a:p>
+            <a:pPr algn="r"/>
+            <a:r>
+              <a:rPr lang="fr-FR" dirty="0" smtClean="0">
+                <a:solidFill>
+                  <a:srgbClr val="336699"/>
+                </a:solidFill>
+              </a:rPr>
+              <a:t>Les limites</a:t>
+            </a:r>
+            <a:endParaRPr lang="fr-FR" dirty="0">
+              <a:solidFill>
+                <a:srgbClr val="336699"/>
+              </a:solidFill>
+            </a:endParaRPr>
+          </a:p>
+        </p:txBody>
+      </p:sp>
+      <p:sp>
+        <p:nvSpPr>
+          <p:cNvPr id="3" name="Espace réservé du contenu 2"/>
+          <p:cNvSpPr>
+            <a:spLocks noGrp="1"/>
+          </p:cNvSpPr>
+          <p:nvPr>
+            <p:ph idx="1"/>
+          </p:nvPr>
+        </p:nvSpPr>
+        <p:spPr/>
+        <p:txBody>
+          <a:bodyPr/>
+          <a:lstStyle/>
+          <a:p>
+            <a:pPr>
+              <a:buClr>
+                <a:srgbClr val="6699CC"/>
+              </a:buClr>
+            </a:pPr>
+            <a:r>
+              <a:rPr lang="fr-FR" dirty="0" smtClean="0"/>
+              <a:t>Design</a:t>
+            </a:r>
+          </a:p>
+          <a:p>
+            <a:pPr lvl="1">
+              <a:buClr>
+                <a:srgbClr val="6699CC"/>
+              </a:buClr>
+            </a:pPr>
+            <a:r>
+              <a:rPr lang="fr-FR" dirty="0" smtClean="0"/>
+              <a:t>Minimaliste</a:t>
+            </a:r>
+          </a:p>
+          <a:p>
+            <a:pPr lvl="1">
+              <a:buClr>
+                <a:srgbClr val="6699CC"/>
+              </a:buClr>
+              <a:buFont typeface="Symbol"/>
+              <a:buChar char="Þ"/>
+            </a:pPr>
+            <a:r>
+              <a:rPr lang="fr-FR" dirty="0" smtClean="0"/>
+              <a:t> Evite de surcharger les interfaces</a:t>
+            </a:r>
+          </a:p>
+          <a:p>
+            <a:pPr lvl="1">
+              <a:buClr>
+                <a:srgbClr val="6699CC"/>
+              </a:buClr>
+              <a:buFont typeface="Symbol"/>
+              <a:buChar char="Þ"/>
+            </a:pPr>
+            <a:endParaRPr lang="fr-FR" dirty="0" smtClean="0"/>
+          </a:p>
+          <a:p>
+            <a:pPr>
+              <a:buClr>
+                <a:srgbClr val="6699CC"/>
+              </a:buClr>
+            </a:pPr>
+            <a:r>
+              <a:rPr lang="fr-FR" dirty="0" smtClean="0"/>
+              <a:t>Gestion membres et types de produit</a:t>
+            </a:r>
+          </a:p>
+          <a:p>
+            <a:pPr lvl="1">
+              <a:buClr>
+                <a:srgbClr val="6699CC"/>
+              </a:buClr>
+            </a:pPr>
+            <a:r>
+              <a:rPr lang="fr-FR" dirty="0" smtClean="0"/>
+              <a:t>Non disponible actuellement pour le manager</a:t>
+            </a:r>
+          </a:p>
+          <a:p>
+            <a:pPr lvl="1">
+              <a:buClr>
+                <a:srgbClr val="6699CC"/>
+              </a:buClr>
+            </a:pPr>
+            <a:r>
+              <a:rPr lang="fr-FR" dirty="0" smtClean="0"/>
+              <a:t>Informations pré-rentrées en base de données</a:t>
+            </a:r>
+          </a:p>
+          <a:p>
+            <a:pPr lvl="1">
+              <a:buClr>
+                <a:srgbClr val="6699CC"/>
+              </a:buClr>
+              <a:buFont typeface="Symbol"/>
+              <a:buChar char="Þ"/>
+            </a:pPr>
+            <a:r>
+              <a:rPr lang="fr-FR" dirty="0" smtClean="0"/>
+              <a:t> Interface graphique en développant</a:t>
+            </a:r>
+          </a:p>
+          <a:p>
+            <a:pPr lvl="1">
+              <a:buClr>
+                <a:srgbClr val="6699CC"/>
+              </a:buClr>
+              <a:buFont typeface="Symbol"/>
+              <a:buChar char="Þ"/>
+            </a:pPr>
+            <a:endParaRPr lang="fr-FR" dirty="0"/>
+          </a:p>
+        </p:txBody>
+      </p:sp>
+      <p:sp>
+        <p:nvSpPr>
+          <p:cNvPr id="4" name="Espace réservé de la date 3"/>
+          <p:cNvSpPr>
+            <a:spLocks noGrp="1"/>
+          </p:cNvSpPr>
+          <p:nvPr>
+            <p:ph type="dt" sz="half" idx="10"/>
+          </p:nvPr>
+        </p:nvSpPr>
+        <p:spPr/>
+        <p:txBody>
+          <a:bodyPr/>
+          <a:lstStyle/>
+          <a:p>
+            <a:fld id="{A5DF02B5-C084-4573-B9AA-1687D980E5FB}" type="datetime1">
+              <a:rPr lang="fr-FR" smtClean="0"/>
+              <a:t>03/01/2015</a:t>
+            </a:fld>
+            <a:endParaRPr lang="fr-BE"/>
+          </a:p>
+        </p:txBody>
+      </p:sp>
+      <p:sp>
+        <p:nvSpPr>
           <p:cNvPr id="5" name="Espace réservé du numéro de diapositive 4"/>
           <p:cNvSpPr>
             <a:spLocks noGrp="1"/>
@@ -12494,6 +12967,546 @@
             <a:fld id="{CF4668DC-857F-487D-BFFA-8C0CA5037977}" type="slidenum">
               <a:rPr lang="fr-BE" smtClean="0"/>
               <a:t>16</a:t>
+            </a:fld>
+            <a:endParaRPr lang="fr-BE"/>
+          </a:p>
+        </p:txBody>
+      </p:sp>
+      <p:cxnSp>
+        <p:nvCxnSpPr>
+          <p:cNvPr id="8" name="Connecteur droit 7"/>
+          <p:cNvCxnSpPr/>
+          <p:nvPr/>
+        </p:nvCxnSpPr>
+        <p:spPr>
+          <a:xfrm>
+            <a:off x="467544" y="908720"/>
+            <a:ext cx="8208912" cy="0"/>
+          </a:xfrm>
+          <a:prstGeom prst="line">
+            <a:avLst/>
+          </a:prstGeom>
+        </p:spPr>
+        <p:style>
+          <a:lnRef idx="1">
+            <a:schemeClr val="accent1"/>
+          </a:lnRef>
+          <a:fillRef idx="0">
+            <a:schemeClr val="accent1"/>
+          </a:fillRef>
+          <a:effectRef idx="0">
+            <a:schemeClr val="accent1"/>
+          </a:effectRef>
+          <a:fontRef idx="minor">
+            <a:schemeClr val="tx1"/>
+          </a:fontRef>
+        </p:style>
+      </p:cxnSp>
+      <p:sp>
+        <p:nvSpPr>
+          <p:cNvPr id="10" name="ZoneTexte 9"/>
+          <p:cNvSpPr txBox="1"/>
+          <p:nvPr/>
+        </p:nvSpPr>
+        <p:spPr>
+          <a:xfrm>
+            <a:off x="1763777" y="6309320"/>
+            <a:ext cx="5616446" cy="369332"/>
+          </a:xfrm>
+          <a:prstGeom prst="rect">
+            <a:avLst/>
+          </a:prstGeom>
+          <a:noFill/>
+        </p:spPr>
+        <p:txBody>
+          <a:bodyPr wrap="square" rtlCol="0">
+            <a:spAutoFit/>
+          </a:bodyPr>
+          <a:lstStyle/>
+          <a:p>
+            <a:pPr algn="ctr"/>
+            <a:r>
+              <a:rPr lang="fr-FR" dirty="0" smtClean="0">
+                <a:solidFill>
+                  <a:schemeClr val="bg1">
+                    <a:lumMod val="50000"/>
+                  </a:schemeClr>
+                </a:solidFill>
+              </a:rPr>
+              <a:t>Présentation du logiciel</a:t>
+            </a:r>
+            <a:endParaRPr lang="fr-FR" dirty="0">
+              <a:solidFill>
+                <a:schemeClr val="bg1">
+                  <a:lumMod val="50000"/>
+                </a:schemeClr>
+              </a:solidFill>
+            </a:endParaRPr>
+          </a:p>
+        </p:txBody>
+      </p:sp>
+    </p:spTree>
+    <p:extLst>
+      <p:ext uri="{BB962C8B-B14F-4D97-AF65-F5344CB8AC3E}">
+        <p14:creationId xmlns:p14="http://schemas.microsoft.com/office/powerpoint/2010/main" val="2873897975"/>
+      </p:ext>
+    </p:extLst>
+  </p:cSld>
+  <p:clrMapOvr>
+    <a:masterClrMapping/>
+  </p:clrMapOvr>
+  <p:timing>
+    <p:tnLst>
+      <p:par>
+        <p:cTn id="1" dur="indefinite" restart="never" nodeType="tmRoot"/>
+      </p:par>
+    </p:tnLst>
+  </p:timing>
+</p:sld>
+</file>
+
+<file path=ppt/slides/slide17.xml><?xml version="1.0" encoding="utf-8"?>
+<p:sld xmlns:a="http://schemas.openxmlformats.org/drawingml/2006/main" xmlns:r="http://schemas.openxmlformats.org/officeDocument/2006/relationships" xmlns:p="http://schemas.openxmlformats.org/presentationml/2006/main">
+  <p:cSld>
+    <p:spTree>
+      <p:nvGrpSpPr>
+        <p:cNvPr id="1" name=""/>
+        <p:cNvGrpSpPr/>
+        <p:nvPr/>
+      </p:nvGrpSpPr>
+      <p:grpSpPr>
+        <a:xfrm>
+          <a:off x="0" y="0"/>
+          <a:ext cx="0" cy="0"/>
+          <a:chOff x="0" y="0"/>
+          <a:chExt cx="0" cy="0"/>
+        </a:xfrm>
+      </p:grpSpPr>
+      <p:sp>
+        <p:nvSpPr>
+          <p:cNvPr id="6" name="Titre 5"/>
+          <p:cNvSpPr>
+            <a:spLocks noGrp="1"/>
+          </p:cNvSpPr>
+          <p:nvPr>
+            <p:ph type="title"/>
+          </p:nvPr>
+        </p:nvSpPr>
+        <p:spPr>
+          <a:xfrm>
+            <a:off x="685800" y="2636912"/>
+            <a:ext cx="7772400" cy="1362075"/>
+          </a:xfrm>
+        </p:spPr>
+        <p:txBody>
+          <a:bodyPr/>
+          <a:lstStyle/>
+          <a:p>
+            <a:r>
+              <a:rPr lang="fr-FR" dirty="0" smtClean="0">
+                <a:solidFill>
+                  <a:srgbClr val="336699"/>
+                </a:solidFill>
+              </a:rPr>
+              <a:t>Démonstration du logiciel</a:t>
+            </a:r>
+            <a:endParaRPr lang="fr-FR" dirty="0">
+              <a:solidFill>
+                <a:srgbClr val="336699"/>
+              </a:solidFill>
+            </a:endParaRPr>
+          </a:p>
+        </p:txBody>
+      </p:sp>
+      <p:sp>
+        <p:nvSpPr>
+          <p:cNvPr id="4" name="Espace réservé de la date 3"/>
+          <p:cNvSpPr>
+            <a:spLocks noGrp="1"/>
+          </p:cNvSpPr>
+          <p:nvPr>
+            <p:ph type="dt" sz="half" idx="10"/>
+          </p:nvPr>
+        </p:nvSpPr>
+        <p:spPr/>
+        <p:txBody>
+          <a:bodyPr/>
+          <a:lstStyle/>
+          <a:p>
+            <a:fld id="{C2D65230-C684-41AF-AA0D-72F719444CFB}" type="datetime1">
+              <a:rPr lang="fr-FR" smtClean="0"/>
+              <a:t>03/01/2015</a:t>
+            </a:fld>
+            <a:endParaRPr lang="fr-BE"/>
+          </a:p>
+        </p:txBody>
+      </p:sp>
+      <p:sp>
+        <p:nvSpPr>
+          <p:cNvPr id="5" name="Espace réservé du numéro de diapositive 4"/>
+          <p:cNvSpPr>
+            <a:spLocks noGrp="1"/>
+          </p:cNvSpPr>
+          <p:nvPr>
+            <p:ph type="sldNum" sz="quarter" idx="12"/>
+          </p:nvPr>
+        </p:nvSpPr>
+        <p:spPr/>
+        <p:txBody>
+          <a:bodyPr/>
+          <a:lstStyle/>
+          <a:p>
+            <a:fld id="{CF4668DC-857F-487D-BFFA-8C0CA5037977}" type="slidenum">
+              <a:rPr lang="fr-BE" smtClean="0"/>
+              <a:t>17</a:t>
+            </a:fld>
+            <a:endParaRPr lang="fr-BE"/>
+          </a:p>
+        </p:txBody>
+      </p:sp>
+      <p:sp>
+        <p:nvSpPr>
+          <p:cNvPr id="9" name="Rectangle 8"/>
+          <p:cNvSpPr/>
+          <p:nvPr/>
+        </p:nvSpPr>
+        <p:spPr>
+          <a:xfrm>
+            <a:off x="0" y="4196234"/>
+            <a:ext cx="9144000" cy="360040"/>
+          </a:xfrm>
+          <a:prstGeom prst="rect">
+            <a:avLst/>
+          </a:prstGeom>
+          <a:solidFill>
+            <a:schemeClr val="tx2"/>
+          </a:solidFill>
+          <a:ln>
+            <a:solidFill>
+              <a:schemeClr val="tx2"/>
+            </a:solidFill>
+          </a:ln>
+        </p:spPr>
+        <p:style>
+          <a:lnRef idx="2">
+            <a:schemeClr val="accent1">
+              <a:shade val="50000"/>
+            </a:schemeClr>
+          </a:lnRef>
+          <a:fillRef idx="1">
+            <a:schemeClr val="accent1"/>
+          </a:fillRef>
+          <a:effectRef idx="0">
+            <a:schemeClr val="accent1"/>
+          </a:effectRef>
+          <a:fontRef idx="minor">
+            <a:schemeClr val="lt1"/>
+          </a:fontRef>
+        </p:style>
+        <p:txBody>
+          <a:bodyPr rtlCol="0" anchor="ctr"/>
+          <a:lstStyle/>
+          <a:p>
+            <a:pPr algn="ctr"/>
+            <a:endParaRPr lang="fr-FR"/>
+          </a:p>
+        </p:txBody>
+      </p:sp>
+    </p:spTree>
+    <p:extLst>
+      <p:ext uri="{BB962C8B-B14F-4D97-AF65-F5344CB8AC3E}">
+        <p14:creationId xmlns:p14="http://schemas.microsoft.com/office/powerpoint/2010/main" val="3480954234"/>
+      </p:ext>
+    </p:extLst>
+  </p:cSld>
+  <p:clrMapOvr>
+    <a:masterClrMapping/>
+  </p:clrMapOvr>
+  <p:timing>
+    <p:tnLst>
+      <p:par>
+        <p:cTn id="1" dur="indefinite" restart="never" nodeType="tmRoot"/>
+      </p:par>
+    </p:tnLst>
+  </p:timing>
+</p:sld>
+</file>
+
+<file path=ppt/slides/slide18.xml><?xml version="1.0" encoding="utf-8"?>
+<p:sld xmlns:a="http://schemas.openxmlformats.org/drawingml/2006/main" xmlns:r="http://schemas.openxmlformats.org/officeDocument/2006/relationships" xmlns:p="http://schemas.openxmlformats.org/presentationml/2006/main">
+  <p:cSld>
+    <p:spTree>
+      <p:nvGrpSpPr>
+        <p:cNvPr id="1" name=""/>
+        <p:cNvGrpSpPr/>
+        <p:nvPr/>
+      </p:nvGrpSpPr>
+      <p:grpSpPr>
+        <a:xfrm>
+          <a:off x="0" y="0"/>
+          <a:ext cx="0" cy="0"/>
+          <a:chOff x="0" y="0"/>
+          <a:chExt cx="0" cy="0"/>
+        </a:xfrm>
+      </p:grpSpPr>
+      <p:sp>
+        <p:nvSpPr>
+          <p:cNvPr id="2" name="Titre 1"/>
+          <p:cNvSpPr>
+            <a:spLocks noGrp="1"/>
+          </p:cNvSpPr>
+          <p:nvPr>
+            <p:ph type="title"/>
+          </p:nvPr>
+        </p:nvSpPr>
+        <p:spPr>
+          <a:xfrm>
+            <a:off x="446856" y="188640"/>
+            <a:ext cx="8373616" cy="796950"/>
+          </a:xfrm>
+        </p:spPr>
+        <p:txBody>
+          <a:bodyPr/>
+          <a:lstStyle/>
+          <a:p>
+            <a:pPr algn="r"/>
+            <a:r>
+              <a:rPr lang="fr-FR" dirty="0" smtClean="0">
+                <a:solidFill>
+                  <a:srgbClr val="336699"/>
+                </a:solidFill>
+              </a:rPr>
+              <a:t>Démonstration</a:t>
+            </a:r>
+            <a:endParaRPr lang="fr-FR" dirty="0">
+              <a:solidFill>
+                <a:srgbClr val="336699"/>
+              </a:solidFill>
+            </a:endParaRPr>
+          </a:p>
+        </p:txBody>
+      </p:sp>
+      <p:sp>
+        <p:nvSpPr>
+          <p:cNvPr id="3" name="Espace réservé du contenu 2"/>
+          <p:cNvSpPr>
+            <a:spLocks noGrp="1"/>
+          </p:cNvSpPr>
+          <p:nvPr>
+            <p:ph idx="1"/>
+          </p:nvPr>
+        </p:nvSpPr>
+        <p:spPr/>
+        <p:txBody>
+          <a:bodyPr/>
+          <a:lstStyle/>
+          <a:p>
+            <a:pPr>
+              <a:buClr>
+                <a:srgbClr val="6699CC"/>
+              </a:buClr>
+            </a:pPr>
+            <a:r>
+              <a:rPr lang="fr-FR" dirty="0" smtClean="0"/>
+              <a:t>Une connexion qui va échouer</a:t>
+            </a:r>
+          </a:p>
+          <a:p>
+            <a:pPr>
+              <a:buClr>
+                <a:srgbClr val="6699CC"/>
+              </a:buClr>
+            </a:pPr>
+            <a:r>
+              <a:rPr lang="fr-FR" dirty="0" smtClean="0"/>
+              <a:t>Connexion au trois interfaces</a:t>
+            </a:r>
+            <a:endParaRPr lang="fr-FR" dirty="0" smtClean="0"/>
+          </a:p>
+          <a:p>
+            <a:pPr>
+              <a:buClr>
+                <a:srgbClr val="6699CC"/>
+              </a:buClr>
+            </a:pPr>
+            <a:endParaRPr lang="fr-FR" dirty="0"/>
+          </a:p>
+        </p:txBody>
+      </p:sp>
+      <p:sp>
+        <p:nvSpPr>
+          <p:cNvPr id="4" name="Espace réservé de la date 3"/>
+          <p:cNvSpPr>
+            <a:spLocks noGrp="1"/>
+          </p:cNvSpPr>
+          <p:nvPr>
+            <p:ph type="dt" sz="half" idx="10"/>
+          </p:nvPr>
+        </p:nvSpPr>
+        <p:spPr/>
+        <p:txBody>
+          <a:bodyPr/>
+          <a:lstStyle/>
+          <a:p>
+            <a:fld id="{A5DF02B5-C084-4573-B9AA-1687D980E5FB}" type="datetime1">
+              <a:rPr lang="fr-FR" smtClean="0"/>
+              <a:t>03/01/2015</a:t>
+            </a:fld>
+            <a:endParaRPr lang="fr-BE"/>
+          </a:p>
+        </p:txBody>
+      </p:sp>
+      <p:sp>
+        <p:nvSpPr>
+          <p:cNvPr id="5" name="Espace réservé du numéro de diapositive 4"/>
+          <p:cNvSpPr>
+            <a:spLocks noGrp="1"/>
+          </p:cNvSpPr>
+          <p:nvPr>
+            <p:ph type="sldNum" sz="quarter" idx="12"/>
+          </p:nvPr>
+        </p:nvSpPr>
+        <p:spPr/>
+        <p:txBody>
+          <a:bodyPr/>
+          <a:lstStyle/>
+          <a:p>
+            <a:fld id="{CF4668DC-857F-487D-BFFA-8C0CA5037977}" type="slidenum">
+              <a:rPr lang="fr-BE" smtClean="0"/>
+              <a:t>18</a:t>
+            </a:fld>
+            <a:endParaRPr lang="fr-BE"/>
+          </a:p>
+        </p:txBody>
+      </p:sp>
+      <p:cxnSp>
+        <p:nvCxnSpPr>
+          <p:cNvPr id="8" name="Connecteur droit 7"/>
+          <p:cNvCxnSpPr/>
+          <p:nvPr/>
+        </p:nvCxnSpPr>
+        <p:spPr>
+          <a:xfrm>
+            <a:off x="467544" y="908720"/>
+            <a:ext cx="8208912" cy="0"/>
+          </a:xfrm>
+          <a:prstGeom prst="line">
+            <a:avLst/>
+          </a:prstGeom>
+        </p:spPr>
+        <p:style>
+          <a:lnRef idx="1">
+            <a:schemeClr val="accent1"/>
+          </a:lnRef>
+          <a:fillRef idx="0">
+            <a:schemeClr val="accent1"/>
+          </a:fillRef>
+          <a:effectRef idx="0">
+            <a:schemeClr val="accent1"/>
+          </a:effectRef>
+          <a:fontRef idx="minor">
+            <a:schemeClr val="tx1"/>
+          </a:fontRef>
+        </p:style>
+      </p:cxnSp>
+      <p:sp>
+        <p:nvSpPr>
+          <p:cNvPr id="10" name="ZoneTexte 9"/>
+          <p:cNvSpPr txBox="1"/>
+          <p:nvPr/>
+        </p:nvSpPr>
+        <p:spPr>
+          <a:xfrm>
+            <a:off x="1763777" y="6309320"/>
+            <a:ext cx="5616446" cy="369332"/>
+          </a:xfrm>
+          <a:prstGeom prst="rect">
+            <a:avLst/>
+          </a:prstGeom>
+          <a:noFill/>
+        </p:spPr>
+        <p:txBody>
+          <a:bodyPr wrap="square" rtlCol="0">
+            <a:spAutoFit/>
+          </a:bodyPr>
+          <a:lstStyle/>
+          <a:p>
+            <a:pPr algn="ctr"/>
+            <a:r>
+              <a:rPr lang="fr-FR" dirty="0" smtClean="0">
+                <a:solidFill>
+                  <a:schemeClr val="bg1">
+                    <a:lumMod val="50000"/>
+                  </a:schemeClr>
+                </a:solidFill>
+              </a:rPr>
+              <a:t>Démonstration du logiciel</a:t>
+            </a:r>
+            <a:endParaRPr lang="fr-FR" dirty="0">
+              <a:solidFill>
+                <a:schemeClr val="bg1">
+                  <a:lumMod val="50000"/>
+                </a:schemeClr>
+              </a:solidFill>
+            </a:endParaRPr>
+          </a:p>
+        </p:txBody>
+      </p:sp>
+    </p:spTree>
+    <p:extLst>
+      <p:ext uri="{BB962C8B-B14F-4D97-AF65-F5344CB8AC3E}">
+        <p14:creationId xmlns:p14="http://schemas.microsoft.com/office/powerpoint/2010/main" val="4128894042"/>
+      </p:ext>
+    </p:extLst>
+  </p:cSld>
+  <p:clrMapOvr>
+    <a:masterClrMapping/>
+  </p:clrMapOvr>
+  <p:timing>
+    <p:tnLst>
+      <p:par>
+        <p:cTn id="1" dur="indefinite" restart="never" nodeType="tmRoot"/>
+      </p:par>
+    </p:tnLst>
+  </p:timing>
+</p:sld>
+</file>
+
+<file path=ppt/slides/slide19.xml><?xml version="1.0" encoding="utf-8"?>
+<p:sld xmlns:a="http://schemas.openxmlformats.org/drawingml/2006/main" xmlns:r="http://schemas.openxmlformats.org/officeDocument/2006/relationships" xmlns:p="http://schemas.openxmlformats.org/presentationml/2006/main">
+  <p:cSld>
+    <p:spTree>
+      <p:nvGrpSpPr>
+        <p:cNvPr id="1" name=""/>
+        <p:cNvGrpSpPr/>
+        <p:nvPr/>
+      </p:nvGrpSpPr>
+      <p:grpSpPr>
+        <a:xfrm>
+          <a:off x="0" y="0"/>
+          <a:ext cx="0" cy="0"/>
+          <a:chOff x="0" y="0"/>
+          <a:chExt cx="0" cy="0"/>
+        </a:xfrm>
+      </p:grpSpPr>
+      <p:sp>
+        <p:nvSpPr>
+          <p:cNvPr id="5" name="Espace réservé du numéro de diapositive 4"/>
+          <p:cNvSpPr>
+            <a:spLocks noGrp="1"/>
+          </p:cNvSpPr>
+          <p:nvPr>
+            <p:ph type="sldNum" sz="quarter" idx="12"/>
+          </p:nvPr>
+        </p:nvSpPr>
+        <p:spPr/>
+        <p:txBody>
+          <a:bodyPr/>
+          <a:lstStyle/>
+          <a:p>
+            <a:fld id="{CF4668DC-857F-487D-BFFA-8C0CA5037977}" type="slidenum">
+              <a:rPr lang="fr-BE" smtClean="0"/>
+              <a:t>19</a:t>
             </a:fld>
             <a:endParaRPr lang="fr-BE"/>
           </a:p>
@@ -16210,7 +17223,7 @@
                   <a:schemeClr val="bg1"/>
                 </a:solidFill>
               </a:rPr>
-              <a:t>30/12/2014</a:t>
+              <a:t>03/01/2015</a:t>
             </a:fld>
             <a:endParaRPr lang="fr-BE" sz="2000" dirty="0">
               <a:solidFill>
@@ -16383,7 +17396,7 @@
           <a:p>
             <a:fld id="{A5DF02B5-C084-4573-B9AA-1687D980E5FB}" type="datetime1">
               <a:rPr lang="fr-FR" smtClean="0"/>
-              <a:t>30/12/2014</a:t>
+              <a:t>03/01/2015</a:t>
             </a:fld>
             <a:endParaRPr lang="fr-BE"/>
           </a:p>
@@ -16575,7 +17588,7 @@
           <a:p>
             <a:fld id="{C2D65230-C684-41AF-AA0D-72F719444CFB}" type="datetime1">
               <a:rPr lang="fr-FR" smtClean="0"/>
-              <a:t>30/12/2014</a:t>
+              <a:t>03/01/2015</a:t>
             </a:fld>
             <a:endParaRPr lang="fr-BE"/>
           </a:p>
@@ -16711,7 +17724,7 @@
           <a:p>
             <a:pPr algn="r"/>
             <a:r>
-              <a:rPr lang="fr-FR" dirty="0" smtClean="0">
+              <a:rPr lang="fr-FR" smtClean="0">
                 <a:solidFill>
                   <a:srgbClr val="336699"/>
                 </a:solidFill>
@@ -16723,30 +17736,6 @@
                 <a:srgbClr val="336699"/>
               </a:solidFill>
             </a:endParaRPr>
-          </a:p>
-        </p:txBody>
-      </p:sp>
-      <p:sp>
-        <p:nvSpPr>
-          <p:cNvPr id="3" name="Espace réservé du contenu 2"/>
-          <p:cNvSpPr>
-            <a:spLocks noGrp="1"/>
-          </p:cNvSpPr>
-          <p:nvPr>
-            <p:ph idx="1"/>
-          </p:nvPr>
-        </p:nvSpPr>
-        <p:spPr/>
-        <p:txBody>
-          <a:bodyPr/>
-          <a:lstStyle/>
-          <a:p>
-            <a:pPr>
-              <a:buClr>
-                <a:srgbClr val="6699CC"/>
-              </a:buClr>
-            </a:pPr>
-            <a:endParaRPr lang="fr-FR" dirty="0"/>
           </a:p>
         </p:txBody>
       </p:sp>
@@ -16767,7 +17756,7 @@
           <a:p>
             <a:fld id="{A5DF02B5-C084-4573-B9AA-1687D980E5FB}" type="datetime1">
               <a:rPr lang="fr-FR" smtClean="0"/>
-              <a:t>30/12/2014</a:t>
+              <a:t>03/01/2015</a:t>
             </a:fld>
             <a:endParaRPr lang="fr-BE"/>
           </a:p>
@@ -16869,10 +17858,54 @@
           </a:p>
         </p:txBody>
       </p:sp>
+      <p:sp>
+        <p:nvSpPr>
+          <p:cNvPr id="19" name="Espace réservé du contenu 10"/>
+          <p:cNvSpPr>
+            <a:spLocks noGrp="1"/>
+          </p:cNvSpPr>
+          <p:nvPr>
+            <p:ph idx="1"/>
+          </p:nvPr>
+        </p:nvSpPr>
+        <p:spPr>
+          <a:xfrm>
+            <a:off x="457200" y="1600200"/>
+            <a:ext cx="8229600" cy="4525963"/>
+          </a:xfrm>
+        </p:spPr>
+        <p:txBody>
+          <a:bodyPr/>
+          <a:lstStyle/>
+          <a:p>
+            <a:pPr>
+              <a:buClr>
+                <a:srgbClr val="6699CC"/>
+              </a:buClr>
+            </a:pPr>
+            <a:r>
+              <a:rPr lang="fr-FR" dirty="0" smtClean="0"/>
+              <a:t>Répondre au besoin du client</a:t>
+            </a:r>
+          </a:p>
+          <a:p>
+            <a:pPr lvl="1">
+              <a:buClr>
+                <a:srgbClr val="6699CC"/>
+              </a:buClr>
+            </a:pPr>
+            <a:r>
+              <a:rPr lang="fr-FR" dirty="0" smtClean="0"/>
+              <a:t>Gestion selon trois postes</a:t>
+            </a:r>
+            <a:endParaRPr lang="fr-FR" dirty="0"/>
+          </a:p>
+        </p:txBody>
+      </p:sp>
     </p:spTree>
     <p:extLst>
       <p:ext uri="{BB962C8B-B14F-4D97-AF65-F5344CB8AC3E}">
-        <p14:creationId xmlns:p14="http://schemas.microsoft.com/office/powerpoint/2010/main" val="3253840258"/>
+        <p14:creationId xmlns:p14="http://schemas.microsoft.com/office/powerpoint/2010/main" val="2939050648"/>
       </p:ext>
     </p:extLst>
   </p:cSld>
@@ -16933,7 +17966,7 @@
                   <a:srgbClr val="336699"/>
                 </a:solidFill>
               </a:rPr>
-              <a:t>Les Interfaces</a:t>
+              <a:t>Présentation du logiciel</a:t>
             </a:r>
             <a:endParaRPr lang="fr-FR" dirty="0">
               <a:solidFill>
@@ -16943,31 +17976,6 @@
           </a:p>
         </p:txBody>
       </p:sp>
-      <p:graphicFrame>
-        <p:nvGraphicFramePr>
-          <p:cNvPr id="7" name="Espace réservé du contenu 6"/>
-          <p:cNvGraphicFramePr>
-            <a:graphicFrameLocks noGrp="1"/>
-          </p:cNvGraphicFramePr>
-          <p:nvPr>
-            <p:ph idx="1"/>
-            <p:extLst>
-              <p:ext uri="{D42A27DB-BD31-4B8C-83A1-F6EECF244321}">
-                <p14:modId xmlns:p14="http://schemas.microsoft.com/office/powerpoint/2010/main" val="1837951338"/>
-              </p:ext>
-            </p:extLst>
-          </p:nvPr>
-        </p:nvGraphicFramePr>
-        <p:xfrm>
-          <a:off x="446856" y="1124744"/>
-          <a:ext cx="8229600" cy="4525963"/>
-        </p:xfrm>
-        <a:graphic>
-          <a:graphicData uri="http://schemas.openxmlformats.org/drawingml/2006/diagram">
-            <dgm:relIds xmlns:dgm="http://schemas.openxmlformats.org/drawingml/2006/diagram" xmlns:r="http://schemas.openxmlformats.org/officeDocument/2006/relationships" r:dm="rId3" r:lo="rId4" r:qs="rId5" r:cs="rId6"/>
-          </a:graphicData>
-        </a:graphic>
-      </p:graphicFrame>
       <p:sp>
         <p:nvSpPr>
           <p:cNvPr id="4" name="Espace réservé de la date 3"/>
@@ -16985,7 +17993,7 @@
           <a:p>
             <a:fld id="{A5DF02B5-C084-4573-B9AA-1687D980E5FB}" type="datetime1">
               <a:rPr lang="fr-FR" smtClean="0"/>
-              <a:t>30/12/2014</a:t>
+              <a:t>03/01/2015</a:t>
             </a:fld>
             <a:endParaRPr lang="fr-BE"/>
           </a:p>
@@ -17087,128 +18095,388 @@
           </a:p>
         </p:txBody>
       </p:sp>
-      <p:sp>
-        <p:nvSpPr>
-          <p:cNvPr id="11" name="ZoneTexte 10"/>
-          <p:cNvSpPr txBox="1"/>
+      <p:pic>
+        <p:nvPicPr>
+          <p:cNvPr id="1026" name="Picture 2"/>
+          <p:cNvPicPr>
+            <a:picLocks noChangeAspect="1" noChangeArrowheads="1"/>
+          </p:cNvPicPr>
           <p:nvPr/>
-        </p:nvSpPr>
-        <p:spPr>
+        </p:nvPicPr>
+        <p:blipFill>
+          <a:blip r:embed="rId2">
+            <a:extLst>
+              <a:ext uri="{28A0092B-C50C-407E-A947-70E740481C1C}">
+                <a14:useLocalDpi xmlns:a14="http://schemas.microsoft.com/office/drawing/2010/main" val="0"/>
+              </a:ext>
+            </a:extLst>
+          </a:blip>
+          <a:srcRect/>
+          <a:stretch>
+            <a:fillRect/>
+          </a:stretch>
+        </p:blipFill>
+        <p:spPr bwMode="auto">
           <a:xfrm>
-            <a:off x="1043608" y="5184000"/>
-            <a:ext cx="1800200" cy="369332"/>
+            <a:off x="6703014" y="2515396"/>
+            <a:ext cx="1938439" cy="1457586"/>
           </a:xfrm>
           <a:prstGeom prst="rect">
             <a:avLst/>
           </a:prstGeom>
           <a:noFill/>
+          <a:ln>
+            <a:noFill/>
+          </a:ln>
+          <a:extLst>
+            <a:ext uri="{909E8E84-426E-40DD-AFC4-6F175D3DCCD1}">
+              <a14:hiddenFill xmlns:a14="http://schemas.microsoft.com/office/drawing/2010/main">
+                <a:solidFill>
+                  <a:schemeClr val="accent1"/>
+                </a:solidFill>
+              </a14:hiddenFill>
+            </a:ext>
+            <a:ext uri="{91240B29-F687-4F45-9708-019B960494DF}">
+              <a14:hiddenLine xmlns:a14="http://schemas.microsoft.com/office/drawing/2010/main" w="9525">
+                <a:solidFill>
+                  <a:schemeClr val="tx1"/>
+                </a:solidFill>
+                <a:miter lim="800000"/>
+                <a:headEnd/>
+                <a:tailEnd/>
+              </a14:hiddenLine>
+            </a:ext>
+          </a:extLst>
         </p:spPr>
-        <p:txBody>
-          <a:bodyPr wrap="square" rtlCol="0">
-            <a:spAutoFit/>
-          </a:bodyPr>
-          <a:lstStyle/>
-          <a:p>
-            <a:r>
-              <a:rPr lang="fr-FR" dirty="0" smtClean="0"/>
-              <a:t>=&gt; Manager</a:t>
-            </a:r>
-            <a:endParaRPr lang="fr-FR" dirty="0"/>
-          </a:p>
-        </p:txBody>
-      </p:sp>
-      <p:sp>
-        <p:nvSpPr>
-          <p:cNvPr id="12" name="ZoneTexte 11"/>
-          <p:cNvSpPr txBox="1"/>
+      </p:pic>
+      <p:pic>
+        <p:nvPicPr>
+          <p:cNvPr id="1027" name="Picture 3"/>
+          <p:cNvPicPr>
+            <a:picLocks noChangeAspect="1" noChangeArrowheads="1"/>
+          </p:cNvPicPr>
           <p:nvPr/>
-        </p:nvSpPr>
-        <p:spPr>
+        </p:nvPicPr>
+        <p:blipFill>
+          <a:blip r:embed="rId3">
+            <a:extLst>
+              <a:ext uri="{28A0092B-C50C-407E-A947-70E740481C1C}">
+                <a14:useLocalDpi xmlns:a14="http://schemas.microsoft.com/office/drawing/2010/main" val="0"/>
+              </a:ext>
+            </a:extLst>
+          </a:blip>
+          <a:srcRect/>
+          <a:stretch>
+            <a:fillRect/>
+          </a:stretch>
+        </p:blipFill>
+        <p:spPr bwMode="auto">
           <a:xfrm>
-            <a:off x="3923928" y="5184000"/>
-            <a:ext cx="2160240" cy="646331"/>
+            <a:off x="3973588" y="2812916"/>
+            <a:ext cx="1506015" cy="1249672"/>
           </a:xfrm>
           <a:prstGeom prst="rect">
             <a:avLst/>
           </a:prstGeom>
           <a:noFill/>
+          <a:ln>
+            <a:noFill/>
+          </a:ln>
+          <a:extLst>
+            <a:ext uri="{909E8E84-426E-40DD-AFC4-6F175D3DCCD1}">
+              <a14:hiddenFill xmlns:a14="http://schemas.microsoft.com/office/drawing/2010/main">
+                <a:solidFill>
+                  <a:schemeClr val="accent1"/>
+                </a:solidFill>
+              </a14:hiddenFill>
+            </a:ext>
+            <a:ext uri="{91240B29-F687-4F45-9708-019B960494DF}">
+              <a14:hiddenLine xmlns:a14="http://schemas.microsoft.com/office/drawing/2010/main" w="9525">
+                <a:solidFill>
+                  <a:schemeClr val="tx1"/>
+                </a:solidFill>
+                <a:miter lim="800000"/>
+                <a:headEnd/>
+                <a:tailEnd/>
+              </a14:hiddenLine>
+            </a:ext>
+          </a:extLst>
         </p:spPr>
-        <p:txBody>
-          <a:bodyPr wrap="square" rtlCol="0">
-            <a:spAutoFit/>
-          </a:bodyPr>
-          <a:lstStyle/>
-          <a:p>
-            <a:pPr marL="285750" indent="-285750">
-              <a:buFont typeface="Symbol"/>
-              <a:buChar char="Þ"/>
-            </a:pPr>
-            <a:r>
-              <a:rPr lang="fr-FR" dirty="0" smtClean="0"/>
-              <a:t>Manager</a:t>
-            </a:r>
-          </a:p>
-          <a:p>
-            <a:pPr marL="285750" indent="-285750">
-              <a:buFont typeface="Symbol"/>
-              <a:buChar char="Þ"/>
-            </a:pPr>
-            <a:r>
-              <a:rPr lang="fr-FR" dirty="0" smtClean="0"/>
-              <a:t>Employé Cuisson</a:t>
-            </a:r>
-            <a:endParaRPr lang="fr-FR" dirty="0"/>
-          </a:p>
-        </p:txBody>
-      </p:sp>
-      <p:sp>
-        <p:nvSpPr>
-          <p:cNvPr id="13" name="ZoneTexte 12"/>
-          <p:cNvSpPr txBox="1"/>
+      </p:pic>
+      <p:pic>
+        <p:nvPicPr>
+          <p:cNvPr id="1028" name="Picture 4"/>
+          <p:cNvPicPr>
+            <a:picLocks noChangeAspect="1" noChangeArrowheads="1"/>
+          </p:cNvPicPr>
           <p:nvPr/>
-        </p:nvSpPr>
-        <p:spPr>
+        </p:nvPicPr>
+        <p:blipFill>
+          <a:blip r:embed="rId4">
+            <a:extLst>
+              <a:ext uri="{28A0092B-C50C-407E-A947-70E740481C1C}">
+                <a14:useLocalDpi xmlns:a14="http://schemas.microsoft.com/office/drawing/2010/main" val="0"/>
+              </a:ext>
+            </a:extLst>
+          </a:blip>
+          <a:srcRect/>
+          <a:stretch>
+            <a:fillRect/>
+          </a:stretch>
+        </p:blipFill>
+        <p:spPr bwMode="auto">
           <a:xfrm>
-            <a:off x="6711317" y="5184000"/>
-            <a:ext cx="1316066" cy="646331"/>
+            <a:off x="5220072" y="3099361"/>
+            <a:ext cx="1800225" cy="180975"/>
           </a:xfrm>
           <a:prstGeom prst="rect">
             <a:avLst/>
           </a:prstGeom>
           <a:noFill/>
+          <a:ln>
+            <a:noFill/>
+          </a:ln>
+          <a:extLst>
+            <a:ext uri="{909E8E84-426E-40DD-AFC4-6F175D3DCCD1}">
+              <a14:hiddenFill xmlns:a14="http://schemas.microsoft.com/office/drawing/2010/main">
+                <a:solidFill>
+                  <a:schemeClr val="accent1"/>
+                </a:solidFill>
+              </a14:hiddenFill>
+            </a:ext>
+            <a:ext uri="{91240B29-F687-4F45-9708-019B960494DF}">
+              <a14:hiddenLine xmlns:a14="http://schemas.microsoft.com/office/drawing/2010/main" w="9525">
+                <a:solidFill>
+                  <a:schemeClr val="tx1"/>
+                </a:solidFill>
+                <a:miter lim="800000"/>
+                <a:headEnd/>
+                <a:tailEnd/>
+              </a14:hiddenLine>
+            </a:ext>
+          </a:extLst>
         </p:spPr>
-        <p:txBody>
-          <a:bodyPr wrap="none" rtlCol="0">
-            <a:spAutoFit/>
-          </a:bodyPr>
-          <a:lstStyle/>
-          <a:p>
-            <a:pPr marL="285750" indent="-285750">
-              <a:buFont typeface="Symbol"/>
-              <a:buChar char="Þ"/>
-            </a:pPr>
-            <a:r>
-              <a:rPr lang="fr-FR" dirty="0" smtClean="0"/>
-              <a:t>Manager</a:t>
-            </a:r>
-          </a:p>
-          <a:p>
-            <a:pPr marL="285750" indent="-285750">
-              <a:buFont typeface="Symbol"/>
-              <a:buChar char="Þ"/>
-            </a:pPr>
-            <a:r>
-              <a:rPr lang="fr-FR" dirty="0" smtClean="0"/>
-              <a:t>Vendeur</a:t>
-            </a:r>
-            <a:endParaRPr lang="fr-FR" dirty="0"/>
-          </a:p>
-        </p:txBody>
-      </p:sp>
+      </p:pic>
+      <p:pic>
+        <p:nvPicPr>
+          <p:cNvPr id="1029" name="Picture 5"/>
+          <p:cNvPicPr>
+            <a:picLocks noChangeAspect="1" noChangeArrowheads="1"/>
+          </p:cNvPicPr>
+          <p:nvPr/>
+        </p:nvPicPr>
+        <p:blipFill>
+          <a:blip r:embed="rId4">
+            <a:extLst>
+              <a:ext uri="{28A0092B-C50C-407E-A947-70E740481C1C}">
+                <a14:useLocalDpi xmlns:a14="http://schemas.microsoft.com/office/drawing/2010/main" val="0"/>
+              </a:ext>
+            </a:extLst>
+          </a:blip>
+          <a:srcRect/>
+          <a:stretch>
+            <a:fillRect/>
+          </a:stretch>
+        </p:blipFill>
+        <p:spPr bwMode="auto">
+          <a:xfrm rot="10800000">
+            <a:off x="5244226" y="3348147"/>
+            <a:ext cx="1800225" cy="180975"/>
+          </a:xfrm>
+          <a:prstGeom prst="rect">
+            <a:avLst/>
+          </a:prstGeom>
+          <a:noFill/>
+          <a:ln>
+            <a:noFill/>
+          </a:ln>
+          <a:extLst>
+            <a:ext uri="{909E8E84-426E-40DD-AFC4-6F175D3DCCD1}">
+              <a14:hiddenFill xmlns:a14="http://schemas.microsoft.com/office/drawing/2010/main">
+                <a:solidFill>
+                  <a:schemeClr val="accent1"/>
+                </a:solidFill>
+              </a14:hiddenFill>
+            </a:ext>
+            <a:ext uri="{91240B29-F687-4F45-9708-019B960494DF}">
+              <a14:hiddenLine xmlns:a14="http://schemas.microsoft.com/office/drawing/2010/main" w="9525">
+                <a:solidFill>
+                  <a:schemeClr val="tx1"/>
+                </a:solidFill>
+                <a:miter lim="800000"/>
+                <a:headEnd/>
+                <a:tailEnd/>
+              </a14:hiddenLine>
+            </a:ext>
+          </a:extLst>
+        </p:spPr>
+      </p:pic>
+      <p:pic>
+        <p:nvPicPr>
+          <p:cNvPr id="1031" name="Picture 7"/>
+          <p:cNvPicPr>
+            <a:picLocks noChangeAspect="1" noChangeArrowheads="1"/>
+          </p:cNvPicPr>
+          <p:nvPr/>
+        </p:nvPicPr>
+        <p:blipFill>
+          <a:blip r:embed="rId5">
+            <a:extLst>
+              <a:ext uri="{28A0092B-C50C-407E-A947-70E740481C1C}">
+                <a14:useLocalDpi xmlns:a14="http://schemas.microsoft.com/office/drawing/2010/main" val="0"/>
+              </a:ext>
+            </a:extLst>
+          </a:blip>
+          <a:srcRect/>
+          <a:stretch>
+            <a:fillRect/>
+          </a:stretch>
+        </p:blipFill>
+        <p:spPr bwMode="auto">
+          <a:xfrm>
+            <a:off x="490444" y="2727888"/>
+            <a:ext cx="1781175" cy="1685925"/>
+          </a:xfrm>
+          <a:prstGeom prst="rect">
+            <a:avLst/>
+          </a:prstGeom>
+          <a:noFill/>
+          <a:ln>
+            <a:noFill/>
+          </a:ln>
+          <a:extLst>
+            <a:ext uri="{909E8E84-426E-40DD-AFC4-6F175D3DCCD1}">
+              <a14:hiddenFill xmlns:a14="http://schemas.microsoft.com/office/drawing/2010/main">
+                <a:solidFill>
+                  <a:schemeClr val="accent1"/>
+                </a:solidFill>
+              </a14:hiddenFill>
+            </a:ext>
+            <a:ext uri="{91240B29-F687-4F45-9708-019B960494DF}">
+              <a14:hiddenLine xmlns:a14="http://schemas.microsoft.com/office/drawing/2010/main" w="9525">
+                <a:solidFill>
+                  <a:schemeClr val="tx1"/>
+                </a:solidFill>
+                <a:miter lim="800000"/>
+                <a:headEnd/>
+                <a:tailEnd/>
+              </a14:hiddenLine>
+            </a:ext>
+          </a:extLst>
+        </p:spPr>
+      </p:pic>
+      <p:pic>
+        <p:nvPicPr>
+          <p:cNvPr id="14" name="Picture 4"/>
+          <p:cNvPicPr>
+            <a:picLocks noChangeAspect="1" noChangeArrowheads="1"/>
+          </p:cNvPicPr>
+          <p:nvPr/>
+        </p:nvPicPr>
+        <p:blipFill>
+          <a:blip r:embed="rId4">
+            <a:extLst>
+              <a:ext uri="{28A0092B-C50C-407E-A947-70E740481C1C}">
+                <a14:useLocalDpi xmlns:a14="http://schemas.microsoft.com/office/drawing/2010/main" val="0"/>
+              </a:ext>
+            </a:extLst>
+          </a:blip>
+          <a:srcRect/>
+          <a:stretch>
+            <a:fillRect/>
+          </a:stretch>
+        </p:blipFill>
+        <p:spPr bwMode="auto">
+          <a:xfrm>
+            <a:off x="2287643" y="3099361"/>
+            <a:ext cx="1800225" cy="180975"/>
+          </a:xfrm>
+          <a:prstGeom prst="rect">
+            <a:avLst/>
+          </a:prstGeom>
+          <a:noFill/>
+          <a:ln>
+            <a:noFill/>
+          </a:ln>
+          <a:extLst>
+            <a:ext uri="{909E8E84-426E-40DD-AFC4-6F175D3DCCD1}">
+              <a14:hiddenFill xmlns:a14="http://schemas.microsoft.com/office/drawing/2010/main">
+                <a:solidFill>
+                  <a:schemeClr val="accent1"/>
+                </a:solidFill>
+              </a14:hiddenFill>
+            </a:ext>
+            <a:ext uri="{91240B29-F687-4F45-9708-019B960494DF}">
+              <a14:hiddenLine xmlns:a14="http://schemas.microsoft.com/office/drawing/2010/main" w="9525">
+                <a:solidFill>
+                  <a:schemeClr val="tx1"/>
+                </a:solidFill>
+                <a:miter lim="800000"/>
+                <a:headEnd/>
+                <a:tailEnd/>
+              </a14:hiddenLine>
+            </a:ext>
+          </a:extLst>
+        </p:spPr>
+      </p:pic>
+      <p:pic>
+        <p:nvPicPr>
+          <p:cNvPr id="15" name="Picture 5"/>
+          <p:cNvPicPr>
+            <a:picLocks noChangeAspect="1" noChangeArrowheads="1"/>
+          </p:cNvPicPr>
+          <p:nvPr/>
+        </p:nvPicPr>
+        <p:blipFill>
+          <a:blip r:embed="rId4">
+            <a:extLst>
+              <a:ext uri="{28A0092B-C50C-407E-A947-70E740481C1C}">
+                <a14:useLocalDpi xmlns:a14="http://schemas.microsoft.com/office/drawing/2010/main" val="0"/>
+              </a:ext>
+            </a:extLst>
+          </a:blip>
+          <a:srcRect/>
+          <a:stretch>
+            <a:fillRect/>
+          </a:stretch>
+        </p:blipFill>
+        <p:spPr bwMode="auto">
+          <a:xfrm rot="10800000">
+            <a:off x="2263120" y="3348146"/>
+            <a:ext cx="1800225" cy="180975"/>
+          </a:xfrm>
+          <a:prstGeom prst="rect">
+            <a:avLst/>
+          </a:prstGeom>
+          <a:noFill/>
+          <a:ln>
+            <a:noFill/>
+          </a:ln>
+          <a:extLst>
+            <a:ext uri="{909E8E84-426E-40DD-AFC4-6F175D3DCCD1}">
+              <a14:hiddenFill xmlns:a14="http://schemas.microsoft.com/office/drawing/2010/main">
+                <a:solidFill>
+                  <a:schemeClr val="accent1"/>
+                </a:solidFill>
+              </a14:hiddenFill>
+            </a:ext>
+            <a:ext uri="{91240B29-F687-4F45-9708-019B960494DF}">
+              <a14:hiddenLine xmlns:a14="http://schemas.microsoft.com/office/drawing/2010/main" w="9525">
+                <a:solidFill>
+                  <a:schemeClr val="tx1"/>
+                </a:solidFill>
+                <a:miter lim="800000"/>
+                <a:headEnd/>
+                <a:tailEnd/>
+              </a14:hiddenLine>
+            </a:ext>
+          </a:extLst>
+        </p:spPr>
+      </p:pic>
     </p:spTree>
     <p:extLst>
       <p:ext uri="{BB962C8B-B14F-4D97-AF65-F5344CB8AC3E}">
-        <p14:creationId xmlns:p14="http://schemas.microsoft.com/office/powerpoint/2010/main" val="2873897975"/>
+        <p14:creationId xmlns:p14="http://schemas.microsoft.com/office/powerpoint/2010/main" val="3253840258"/>
       </p:ext>
     </p:extLst>
   </p:cSld>
@@ -17269,7 +18537,7 @@
                   <a:srgbClr val="336699"/>
                 </a:solidFill>
               </a:rPr>
-              <a:t>L’interface manager</a:t>
+              <a:t>Les Interfaces</a:t>
             </a:r>
             <a:endParaRPr lang="fr-FR" dirty="0">
               <a:solidFill>
@@ -17279,6 +18547,31 @@
           </a:p>
         </p:txBody>
       </p:sp>
+      <p:graphicFrame>
+        <p:nvGraphicFramePr>
+          <p:cNvPr id="7" name="Espace réservé du contenu 6"/>
+          <p:cNvGraphicFramePr>
+            <a:graphicFrameLocks noGrp="1"/>
+          </p:cNvGraphicFramePr>
+          <p:nvPr>
+            <p:ph idx="1"/>
+            <p:extLst>
+              <p:ext uri="{D42A27DB-BD31-4B8C-83A1-F6EECF244321}">
+                <p14:modId xmlns:p14="http://schemas.microsoft.com/office/powerpoint/2010/main" val="1837951338"/>
+              </p:ext>
+            </p:extLst>
+          </p:nvPr>
+        </p:nvGraphicFramePr>
+        <p:xfrm>
+          <a:off x="446856" y="1124744"/>
+          <a:ext cx="8229600" cy="4525963"/>
+        </p:xfrm>
+        <a:graphic>
+          <a:graphicData uri="http://schemas.openxmlformats.org/drawingml/2006/diagram">
+            <dgm:relIds xmlns:dgm="http://schemas.openxmlformats.org/drawingml/2006/diagram" xmlns:r="http://schemas.openxmlformats.org/officeDocument/2006/relationships" r:dm="rId3" r:lo="rId4" r:qs="rId5" r:cs="rId6"/>
+          </a:graphicData>
+        </a:graphic>
+      </p:graphicFrame>
       <p:sp>
         <p:nvSpPr>
           <p:cNvPr id="4" name="Espace réservé de la date 3"/>
@@ -17296,7 +18589,7 @@
           <a:p>
             <a:fld id="{A5DF02B5-C084-4573-B9AA-1687D980E5FB}" type="datetime1">
               <a:rPr lang="fr-FR" smtClean="0"/>
-              <a:t>30/12/2014</a:t>
+              <a:t>03/01/2015</a:t>
             </a:fld>
             <a:endParaRPr lang="fr-BE"/>
           </a:p>
@@ -17400,29 +18693,118 @@
       </p:sp>
       <p:sp>
         <p:nvSpPr>
-          <p:cNvPr id="3" name="Espace réservé du contenu 2"/>
-          <p:cNvSpPr>
-            <a:spLocks noGrp="1"/>
-          </p:cNvSpPr>
-          <p:nvPr>
-            <p:ph idx="1"/>
-          </p:nvPr>
+          <p:cNvPr id="11" name="ZoneTexte 10"/>
+          <p:cNvSpPr txBox="1"/>
+          <p:nvPr/>
         </p:nvSpPr>
         <p:spPr>
           <a:xfrm>
-            <a:off x="457200" y="1600200"/>
-            <a:ext cx="8229600" cy="4421087"/>
+            <a:off x="1043608" y="5184000"/>
+            <a:ext cx="1800200" cy="369332"/>
           </a:xfrm>
+          <a:prstGeom prst="rect">
+            <a:avLst/>
+          </a:prstGeom>
+          <a:noFill/>
         </p:spPr>
         <p:txBody>
-          <a:bodyPr/>
+          <a:bodyPr wrap="square" rtlCol="0">
+            <a:spAutoFit/>
+          </a:bodyPr>
           <a:lstStyle/>
           <a:p>
-            <a:pPr>
-              <a:buClr>
-                <a:srgbClr val="6699CC"/>
-              </a:buClr>
+            <a:r>
+              <a:rPr lang="fr-FR" dirty="0" smtClean="0"/>
+              <a:t>=&gt; Manager</a:t>
+            </a:r>
+            <a:endParaRPr lang="fr-FR" dirty="0"/>
+          </a:p>
+        </p:txBody>
+      </p:sp>
+      <p:sp>
+        <p:nvSpPr>
+          <p:cNvPr id="12" name="ZoneTexte 11"/>
+          <p:cNvSpPr txBox="1"/>
+          <p:nvPr/>
+        </p:nvSpPr>
+        <p:spPr>
+          <a:xfrm>
+            <a:off x="3923928" y="5184000"/>
+            <a:ext cx="2160240" cy="646331"/>
+          </a:xfrm>
+          <a:prstGeom prst="rect">
+            <a:avLst/>
+          </a:prstGeom>
+          <a:noFill/>
+        </p:spPr>
+        <p:txBody>
+          <a:bodyPr wrap="square" rtlCol="0">
+            <a:spAutoFit/>
+          </a:bodyPr>
+          <a:lstStyle/>
+          <a:p>
+            <a:pPr marL="285750" indent="-285750">
+              <a:buFont typeface="Symbol"/>
+              <a:buChar char="Þ"/>
             </a:pPr>
+            <a:r>
+              <a:rPr lang="fr-FR" dirty="0" smtClean="0"/>
+              <a:t>Manager</a:t>
+            </a:r>
+          </a:p>
+          <a:p>
+            <a:pPr marL="285750" indent="-285750">
+              <a:buFont typeface="Symbol"/>
+              <a:buChar char="Þ"/>
+            </a:pPr>
+            <a:r>
+              <a:rPr lang="fr-FR" dirty="0" smtClean="0"/>
+              <a:t>Employé Cuisson</a:t>
+            </a:r>
+            <a:endParaRPr lang="fr-FR" dirty="0"/>
+          </a:p>
+        </p:txBody>
+      </p:sp>
+      <p:sp>
+        <p:nvSpPr>
+          <p:cNvPr id="13" name="ZoneTexte 12"/>
+          <p:cNvSpPr txBox="1"/>
+          <p:nvPr/>
+        </p:nvSpPr>
+        <p:spPr>
+          <a:xfrm>
+            <a:off x="6711317" y="5184000"/>
+            <a:ext cx="1316066" cy="646331"/>
+          </a:xfrm>
+          <a:prstGeom prst="rect">
+            <a:avLst/>
+          </a:prstGeom>
+          <a:noFill/>
+        </p:spPr>
+        <p:txBody>
+          <a:bodyPr wrap="none" rtlCol="0">
+            <a:spAutoFit/>
+          </a:bodyPr>
+          <a:lstStyle/>
+          <a:p>
+            <a:pPr marL="285750" indent="-285750">
+              <a:buFont typeface="Symbol"/>
+              <a:buChar char="Þ"/>
+            </a:pPr>
+            <a:r>
+              <a:rPr lang="fr-FR" dirty="0" smtClean="0"/>
+              <a:t>Manager</a:t>
+            </a:r>
+          </a:p>
+          <a:p>
+            <a:pPr marL="285750" indent="-285750">
+              <a:buFont typeface="Symbol"/>
+              <a:buChar char="Þ"/>
+            </a:pPr>
+            <a:r>
+              <a:rPr lang="fr-FR" dirty="0" smtClean="0"/>
+              <a:t>Vendeur</a:t>
+            </a:r>
             <a:endParaRPr lang="fr-FR" dirty="0"/>
           </a:p>
         </p:txBody>
@@ -17430,7 +18812,7 @@
     </p:spTree>
     <p:extLst>
       <p:ext uri="{BB962C8B-B14F-4D97-AF65-F5344CB8AC3E}">
-        <p14:creationId xmlns:p14="http://schemas.microsoft.com/office/powerpoint/2010/main" val="2219268645"/>
+        <p14:creationId xmlns:p14="http://schemas.microsoft.com/office/powerpoint/2010/main" val="2873897975"/>
       </p:ext>
     </p:extLst>
   </p:cSld>
@@ -17491,7 +18873,7 @@
                   <a:srgbClr val="336699"/>
                 </a:solidFill>
               </a:rPr>
-              <a:t>L’interface Employé de cuisson</a:t>
+              <a:t>L’interface manager</a:t>
             </a:r>
             <a:endParaRPr lang="fr-FR" dirty="0">
               <a:solidFill>
@@ -17518,7 +18900,7 @@
           <a:p>
             <a:fld id="{A5DF02B5-C084-4573-B9AA-1687D980E5FB}" type="datetime1">
               <a:rPr lang="fr-FR" smtClean="0"/>
-              <a:t>30/12/2014</a:t>
+              <a:t>03/01/2015</a:t>
             </a:fld>
             <a:endParaRPr lang="fr-BE"/>
           </a:p>
@@ -17633,66 +19015,60 @@
         <p:spPr>
           <a:xfrm>
             <a:off x="457200" y="1600200"/>
-            <a:ext cx="8229600" cy="4349079"/>
+            <a:ext cx="8229600" cy="4421087"/>
           </a:xfrm>
         </p:spPr>
         <p:txBody>
           <a:bodyPr/>
           <a:lstStyle/>
           <a:p>
+            <a:pPr lvl="0"/>
+            <a:r>
+              <a:rPr lang="fr-FR" dirty="0"/>
+              <a:t>Organisée en 3 onglets : gestion des stocks, configuration et statistique.</a:t>
+            </a:r>
+          </a:p>
+          <a:p>
+            <a:pPr lvl="0"/>
+            <a:r>
+              <a:rPr lang="fr-FR" dirty="0"/>
+              <a:t>Visualisation des stocks du magasin</a:t>
+            </a:r>
+          </a:p>
+          <a:p>
+            <a:pPr lvl="0"/>
+            <a:r>
+              <a:rPr lang="fr-FR" dirty="0"/>
+              <a:t>Passage de commande</a:t>
+            </a:r>
+          </a:p>
+          <a:p>
+            <a:pPr lvl="0"/>
+            <a:r>
+              <a:rPr lang="fr-FR" dirty="0"/>
+              <a:t>Configuration de tous les seuils du logiciel</a:t>
+            </a:r>
+          </a:p>
+          <a:p>
+            <a:pPr lvl="0"/>
+            <a:r>
+              <a:rPr lang="fr-FR" dirty="0"/>
+              <a:t>Ajout / Suppression d’heure de pointe</a:t>
+            </a:r>
+          </a:p>
+          <a:p>
+            <a:pPr lvl="0"/>
+            <a:r>
+              <a:rPr lang="fr-FR"/>
+              <a:t>Visualisation des statistiques du magasin</a:t>
+            </a:r>
+          </a:p>
+          <a:p>
             <a:pPr>
               <a:buClr>
                 <a:srgbClr val="6699CC"/>
               </a:buClr>
             </a:pPr>
-            <a:r>
-              <a:rPr lang="fr-FR" dirty="0" smtClean="0"/>
-              <a:t>Visualisation des stocks (congélateur / vente)</a:t>
-            </a:r>
-          </a:p>
-          <a:p>
-            <a:pPr>
-              <a:buClr>
-                <a:srgbClr val="6699CC"/>
-              </a:buClr>
-            </a:pPr>
-            <a:r>
-              <a:rPr lang="fr-FR" dirty="0" smtClean="0"/>
-              <a:t>Ajout automatique</a:t>
-            </a:r>
-          </a:p>
-          <a:p>
-            <a:pPr lvl="1">
-              <a:buClr>
-                <a:srgbClr val="6699CC"/>
-              </a:buClr>
-            </a:pPr>
-            <a:r>
-              <a:rPr lang="fr-FR" dirty="0" smtClean="0"/>
-              <a:t>Produits à cuire</a:t>
-            </a:r>
-          </a:p>
-          <a:p>
-            <a:pPr lvl="1">
-              <a:buClr>
-                <a:srgbClr val="6699CC"/>
-              </a:buClr>
-            </a:pPr>
-            <a:r>
-              <a:rPr lang="fr-FR" dirty="0" smtClean="0"/>
-              <a:t>Produits à mettre en rayon</a:t>
-            </a:r>
-          </a:p>
-          <a:p>
-            <a:pPr>
-              <a:buClr>
-                <a:srgbClr val="6699CC"/>
-              </a:buClr>
-            </a:pPr>
-            <a:r>
-              <a:rPr lang="fr-FR" dirty="0" smtClean="0"/>
-              <a:t>Visualisation des produits au four</a:t>
-            </a:r>
             <a:endParaRPr lang="fr-FR" dirty="0"/>
           </a:p>
         </p:txBody>
@@ -17761,7 +19137,7 @@
                   <a:srgbClr val="336699"/>
                 </a:solidFill>
               </a:rPr>
-              <a:t>L’interface vendeur</a:t>
+              <a:t>L’interface Employé de cuisson</a:t>
             </a:r>
             <a:endParaRPr lang="fr-FR" dirty="0">
               <a:solidFill>
@@ -17788,7 +19164,7 @@
           <a:p>
             <a:fld id="{A5DF02B5-C084-4573-B9AA-1687D980E5FB}" type="datetime1">
               <a:rPr lang="fr-FR" smtClean="0"/>
-              <a:t>30/12/2014</a:t>
+              <a:t>03/01/2015</a:t>
             </a:fld>
             <a:endParaRPr lang="fr-BE"/>
           </a:p>
@@ -17915,6 +19291,54 @@
                 <a:srgbClr val="6699CC"/>
               </a:buClr>
             </a:pPr>
+            <a:r>
+              <a:rPr lang="fr-FR" dirty="0" smtClean="0"/>
+              <a:t>Visualisation des stocks (congélateur / vente)</a:t>
+            </a:r>
+          </a:p>
+          <a:p>
+            <a:pPr>
+              <a:buClr>
+                <a:srgbClr val="6699CC"/>
+              </a:buClr>
+            </a:pPr>
+            <a:r>
+              <a:rPr lang="fr-FR" dirty="0" smtClean="0"/>
+              <a:t>Ajout automatique</a:t>
+            </a:r>
+          </a:p>
+          <a:p>
+            <a:pPr lvl="1">
+              <a:buClr>
+                <a:srgbClr val="6699CC"/>
+              </a:buClr>
+            </a:pPr>
+            <a:r>
+              <a:rPr lang="fr-FR" dirty="0" smtClean="0"/>
+              <a:t>Produits à cuire</a:t>
+            </a:r>
+          </a:p>
+          <a:p>
+            <a:pPr lvl="1">
+              <a:buClr>
+                <a:srgbClr val="6699CC"/>
+              </a:buClr>
+            </a:pPr>
+            <a:r>
+              <a:rPr lang="fr-FR" dirty="0" smtClean="0"/>
+              <a:t>Produits à mettre en rayon</a:t>
+            </a:r>
+          </a:p>
+          <a:p>
+            <a:pPr>
+              <a:buClr>
+                <a:srgbClr val="6699CC"/>
+              </a:buClr>
+            </a:pPr>
+            <a:r>
+              <a:rPr lang="fr-FR" dirty="0" smtClean="0"/>
+              <a:t>Visualisation des produits au four</a:t>
+            </a:r>
             <a:endParaRPr lang="fr-FR" dirty="0"/>
           </a:p>
         </p:txBody>
@@ -17958,7 +19382,7 @@
       </p:grpSpPr>
       <p:sp>
         <p:nvSpPr>
-          <p:cNvPr id="6" name="Titre 5"/>
+          <p:cNvPr id="2" name="Titre 1"/>
           <p:cNvSpPr>
             <a:spLocks noGrp="1"/>
           </p:cNvSpPr>
@@ -17968,21 +19392,22 @@
         </p:nvSpPr>
         <p:spPr>
           <a:xfrm>
-            <a:off x="685800" y="2636912"/>
-            <a:ext cx="7772400" cy="1362075"/>
+            <a:off x="446856" y="188640"/>
+            <a:ext cx="8373616" cy="796950"/>
           </a:xfrm>
         </p:spPr>
         <p:txBody>
           <a:bodyPr/>
           <a:lstStyle/>
           <a:p>
+            <a:pPr algn="r"/>
             <a:r>
               <a:rPr lang="fr-FR" dirty="0" smtClean="0">
                 <a:solidFill>
                   <a:srgbClr val="336699"/>
                 </a:solidFill>
               </a:rPr>
-              <a:t>Choix techniques et d’architecture</a:t>
+              <a:t>L’interface vendeur</a:t>
             </a:r>
             <a:endParaRPr lang="fr-FR" dirty="0">
               <a:solidFill>
@@ -18007,9 +19432,9 @@
           <a:bodyPr/>
           <a:lstStyle/>
           <a:p>
-            <a:fld id="{C2D65230-C684-41AF-AA0D-72F719444CFB}" type="datetime1">
+            <a:fld id="{A5DF02B5-C084-4573-B9AA-1687D980E5FB}" type="datetime1">
               <a:rPr lang="fr-FR" smtClean="0"/>
-              <a:t>30/12/2014</a:t>
+              <a:t>03/01/2015</a:t>
             </a:fld>
             <a:endParaRPr lang="fr-BE"/>
           </a:p>
@@ -18038,58 +19463,112 @@
           </a:p>
         </p:txBody>
       </p:sp>
-      <p:sp>
-        <p:nvSpPr>
-          <p:cNvPr id="9" name="Rectangle 8"/>
-          <p:cNvSpPr/>
+      <p:cxnSp>
+        <p:nvCxnSpPr>
+          <p:cNvPr id="8" name="Connecteur droit 7"/>
+          <p:cNvCxnSpPr/>
           <p:nvPr/>
-        </p:nvSpPr>
+        </p:nvCxnSpPr>
         <p:spPr>
           <a:xfrm>
-            <a:off x="0" y="4196234"/>
-            <a:ext cx="9144000" cy="360040"/>
+            <a:off x="467544" y="908720"/>
+            <a:ext cx="8208912" cy="0"/>
           </a:xfrm>
-          <a:prstGeom prst="rect">
+          <a:prstGeom prst="line">
             <a:avLst/>
           </a:prstGeom>
-          <a:solidFill>
-            <a:schemeClr val="tx2"/>
-          </a:solidFill>
-          <a:ln>
-            <a:solidFill>
-              <a:schemeClr val="tx2"/>
-            </a:solidFill>
-          </a:ln>
         </p:spPr>
         <p:style>
-          <a:lnRef idx="2">
-            <a:schemeClr val="accent1">
-              <a:shade val="50000"/>
-            </a:schemeClr>
+          <a:lnRef idx="1">
+            <a:schemeClr val="accent1"/>
           </a:lnRef>
-          <a:fillRef idx="1">
+          <a:fillRef idx="0">
             <a:schemeClr val="accent1"/>
           </a:fillRef>
           <a:effectRef idx="0">
             <a:schemeClr val="accent1"/>
           </a:effectRef>
           <a:fontRef idx="minor">
-            <a:schemeClr val="lt1"/>
+            <a:schemeClr val="tx1"/>
           </a:fontRef>
         </p:style>
+      </p:cxnSp>
+      <p:sp>
+        <p:nvSpPr>
+          <p:cNvPr id="10" name="ZoneTexte 9"/>
+          <p:cNvSpPr txBox="1"/>
+          <p:nvPr/>
+        </p:nvSpPr>
+        <p:spPr>
+          <a:xfrm>
+            <a:off x="1763777" y="6309320"/>
+            <a:ext cx="5616446" cy="369332"/>
+          </a:xfrm>
+          <a:prstGeom prst="rect">
+            <a:avLst/>
+          </a:prstGeom>
+          <a:noFill/>
+        </p:spPr>
         <p:txBody>
-          <a:bodyPr rtlCol="0" anchor="ctr"/>
+          <a:bodyPr wrap="square" rtlCol="0">
+            <a:spAutoFit/>
+          </a:bodyPr>
           <a:lstStyle/>
           <a:p>
             <a:pPr algn="ctr"/>
-            <a:endParaRPr lang="fr-FR"/>
+            <a:r>
+              <a:rPr lang="fr-FR" dirty="0" smtClean="0">
+                <a:solidFill>
+                  <a:schemeClr val="bg1">
+                    <a:lumMod val="50000"/>
+                  </a:schemeClr>
+                </a:solidFill>
+              </a:rPr>
+              <a:t>Présentation du logiciel</a:t>
+            </a:r>
+            <a:endParaRPr lang="fr-FR" dirty="0">
+              <a:solidFill>
+                <a:schemeClr val="bg1">
+                  <a:lumMod val="50000"/>
+                </a:schemeClr>
+              </a:solidFill>
+            </a:endParaRPr>
+          </a:p>
+        </p:txBody>
+      </p:sp>
+      <p:sp>
+        <p:nvSpPr>
+          <p:cNvPr id="3" name="Espace réservé du contenu 2"/>
+          <p:cNvSpPr>
+            <a:spLocks noGrp="1"/>
+          </p:cNvSpPr>
+          <p:nvPr>
+            <p:ph idx="1"/>
+          </p:nvPr>
+        </p:nvSpPr>
+        <p:spPr>
+          <a:xfrm>
+            <a:off x="457200" y="1600200"/>
+            <a:ext cx="8229600" cy="4349079"/>
+          </a:xfrm>
+        </p:spPr>
+        <p:txBody>
+          <a:bodyPr/>
+          <a:lstStyle/>
+          <a:p>
+            <a:pPr>
+              <a:buClr>
+                <a:srgbClr val="6699CC"/>
+              </a:buClr>
+            </a:pPr>
+            <a:endParaRPr lang="fr-FR" dirty="0"/>
           </a:p>
         </p:txBody>
       </p:sp>
     </p:spTree>
     <p:extLst>
       <p:ext uri="{BB962C8B-B14F-4D97-AF65-F5344CB8AC3E}">
-        <p14:creationId xmlns:p14="http://schemas.microsoft.com/office/powerpoint/2010/main" val="3480954234"/>
+        <p14:creationId xmlns:p14="http://schemas.microsoft.com/office/powerpoint/2010/main" val="2219268645"/>
       </p:ext>
     </p:extLst>
   </p:cSld>

--- a/Documentation/presentation.pptx
+++ b/Documentation/presentation.pptx
@@ -5,7 +5,7 @@
     <p:sldMasterId id="2147483684" r:id="rId1"/>
   </p:sldMasterIdLst>
   <p:notesMasterIdLst>
-    <p:notesMasterId r:id="rId21"/>
+    <p:notesMasterId r:id="rId22"/>
   </p:notesMasterIdLst>
   <p:sldIdLst>
     <p:sldId id="256" r:id="rId2"/>
@@ -20,13 +20,14 @@
     <p:sldId id="273" r:id="rId11"/>
     <p:sldId id="259" r:id="rId12"/>
     <p:sldId id="260" r:id="rId13"/>
-    <p:sldId id="275" r:id="rId14"/>
-    <p:sldId id="261" r:id="rId15"/>
-    <p:sldId id="262" r:id="rId16"/>
-    <p:sldId id="269" r:id="rId17"/>
-    <p:sldId id="263" r:id="rId18"/>
-    <p:sldId id="264" r:id="rId19"/>
-    <p:sldId id="267" r:id="rId20"/>
+    <p:sldId id="276" r:id="rId14"/>
+    <p:sldId id="275" r:id="rId15"/>
+    <p:sldId id="261" r:id="rId16"/>
+    <p:sldId id="262" r:id="rId17"/>
+    <p:sldId id="269" r:id="rId18"/>
+    <p:sldId id="263" r:id="rId19"/>
+    <p:sldId id="264" r:id="rId20"/>
+    <p:sldId id="267" r:id="rId21"/>
   </p:sldIdLst>
   <p:sldSz cx="9144000" cy="6858000" type="screen4x3"/>
   <p:notesSz cx="6858000" cy="9144000"/>
@@ -875,7 +876,1189 @@
 </dgm:colorsDef>
 </file>
 
+<file path=ppt/diagrams/colors2.xml><?xml version="1.0" encoding="utf-8"?>
+<dgm:colorsDef xmlns:dgm="http://schemas.openxmlformats.org/drawingml/2006/diagram" xmlns:a="http://schemas.openxmlformats.org/drawingml/2006/main" uniqueId="urn:microsoft.com/office/officeart/2005/8/colors/accent1_2">
+  <dgm:title val=""/>
+  <dgm:desc val=""/>
+  <dgm:catLst>
+    <dgm:cat type="accent1" pri="11200"/>
+  </dgm:catLst>
+  <dgm:styleLbl name="node0">
+    <dgm:fillClrLst meth="repeat">
+      <a:schemeClr val="accent1"/>
+    </dgm:fillClrLst>
+    <dgm:linClrLst meth="repeat">
+      <a:schemeClr val="lt1"/>
+    </dgm:linClrLst>
+    <dgm:effectClrLst/>
+    <dgm:txLinClrLst/>
+    <dgm:txFillClrLst/>
+    <dgm:txEffectClrLst/>
+  </dgm:styleLbl>
+  <dgm:styleLbl name="alignNode1">
+    <dgm:fillClrLst meth="repeat">
+      <a:schemeClr val="accent1"/>
+    </dgm:fillClrLst>
+    <dgm:linClrLst meth="repeat">
+      <a:schemeClr val="accent1"/>
+    </dgm:linClrLst>
+    <dgm:effectClrLst/>
+    <dgm:txLinClrLst/>
+    <dgm:txFillClrLst/>
+    <dgm:txEffectClrLst/>
+  </dgm:styleLbl>
+  <dgm:styleLbl name="node1">
+    <dgm:fillClrLst meth="repeat">
+      <a:schemeClr val="accent1"/>
+    </dgm:fillClrLst>
+    <dgm:linClrLst meth="repeat">
+      <a:schemeClr val="lt1"/>
+    </dgm:linClrLst>
+    <dgm:effectClrLst/>
+    <dgm:txLinClrLst/>
+    <dgm:txFillClrLst/>
+    <dgm:txEffectClrLst/>
+  </dgm:styleLbl>
+  <dgm:styleLbl name="lnNode1">
+    <dgm:fillClrLst meth="repeat">
+      <a:schemeClr val="accent1"/>
+    </dgm:fillClrLst>
+    <dgm:linClrLst meth="repeat">
+      <a:schemeClr val="lt1"/>
+    </dgm:linClrLst>
+    <dgm:effectClrLst/>
+    <dgm:txLinClrLst/>
+    <dgm:txFillClrLst/>
+    <dgm:txEffectClrLst/>
+  </dgm:styleLbl>
+  <dgm:styleLbl name="vennNode1">
+    <dgm:fillClrLst meth="repeat">
+      <a:schemeClr val="accent1">
+        <a:alpha val="50000"/>
+      </a:schemeClr>
+    </dgm:fillClrLst>
+    <dgm:linClrLst meth="repeat">
+      <a:schemeClr val="lt1"/>
+    </dgm:linClrLst>
+    <dgm:effectClrLst/>
+    <dgm:txLinClrLst/>
+    <dgm:txFillClrLst/>
+    <dgm:txEffectClrLst/>
+  </dgm:styleLbl>
+  <dgm:styleLbl name="node2">
+    <dgm:fillClrLst meth="repeat">
+      <a:schemeClr val="accent1"/>
+    </dgm:fillClrLst>
+    <dgm:linClrLst meth="repeat">
+      <a:schemeClr val="lt1"/>
+    </dgm:linClrLst>
+    <dgm:effectClrLst/>
+    <dgm:txLinClrLst/>
+    <dgm:txFillClrLst/>
+    <dgm:txEffectClrLst/>
+  </dgm:styleLbl>
+  <dgm:styleLbl name="node3">
+    <dgm:fillClrLst meth="repeat">
+      <a:schemeClr val="accent1"/>
+    </dgm:fillClrLst>
+    <dgm:linClrLst meth="repeat">
+      <a:schemeClr val="lt1"/>
+    </dgm:linClrLst>
+    <dgm:effectClrLst/>
+    <dgm:txLinClrLst/>
+    <dgm:txFillClrLst/>
+    <dgm:txEffectClrLst/>
+  </dgm:styleLbl>
+  <dgm:styleLbl name="node4">
+    <dgm:fillClrLst meth="repeat">
+      <a:schemeClr val="accent1"/>
+    </dgm:fillClrLst>
+    <dgm:linClrLst meth="repeat">
+      <a:schemeClr val="lt1"/>
+    </dgm:linClrLst>
+    <dgm:effectClrLst/>
+    <dgm:txLinClrLst/>
+    <dgm:txFillClrLst/>
+    <dgm:txEffectClrLst/>
+  </dgm:styleLbl>
+  <dgm:styleLbl name="fgImgPlace1">
+    <dgm:fillClrLst meth="repeat">
+      <a:schemeClr val="accent1">
+        <a:tint val="50000"/>
+      </a:schemeClr>
+    </dgm:fillClrLst>
+    <dgm:linClrLst meth="repeat">
+      <a:schemeClr val="lt1"/>
+    </dgm:linClrLst>
+    <dgm:effectClrLst/>
+    <dgm:txLinClrLst/>
+    <dgm:txFillClrLst meth="repeat">
+      <a:schemeClr val="lt1"/>
+    </dgm:txFillClrLst>
+    <dgm:txEffectClrLst/>
+  </dgm:styleLbl>
+  <dgm:styleLbl name="alignImgPlace1">
+    <dgm:fillClrLst meth="repeat">
+      <a:schemeClr val="accent1">
+        <a:tint val="50000"/>
+      </a:schemeClr>
+    </dgm:fillClrLst>
+    <dgm:linClrLst meth="repeat">
+      <a:schemeClr val="lt1"/>
+    </dgm:linClrLst>
+    <dgm:effectClrLst/>
+    <dgm:txLinClrLst/>
+    <dgm:txFillClrLst meth="repeat">
+      <a:schemeClr val="lt1"/>
+    </dgm:txFillClrLst>
+    <dgm:txEffectClrLst/>
+  </dgm:styleLbl>
+  <dgm:styleLbl name="bgImgPlace1">
+    <dgm:fillClrLst meth="repeat">
+      <a:schemeClr val="accent1">
+        <a:tint val="50000"/>
+      </a:schemeClr>
+    </dgm:fillClrLst>
+    <dgm:linClrLst meth="repeat">
+      <a:schemeClr val="lt1"/>
+    </dgm:linClrLst>
+    <dgm:effectClrLst/>
+    <dgm:txLinClrLst/>
+    <dgm:txFillClrLst meth="repeat">
+      <a:schemeClr val="lt1"/>
+    </dgm:txFillClrLst>
+    <dgm:txEffectClrLst/>
+  </dgm:styleLbl>
+  <dgm:styleLbl name="sibTrans2D1">
+    <dgm:fillClrLst meth="repeat">
+      <a:schemeClr val="accent1">
+        <a:tint val="60000"/>
+      </a:schemeClr>
+    </dgm:fillClrLst>
+    <dgm:linClrLst meth="repeat">
+      <a:schemeClr val="accent1">
+        <a:tint val="60000"/>
+      </a:schemeClr>
+    </dgm:linClrLst>
+    <dgm:effectClrLst/>
+    <dgm:txLinClrLst/>
+    <dgm:txFillClrLst/>
+    <dgm:txEffectClrLst/>
+  </dgm:styleLbl>
+  <dgm:styleLbl name="fgSibTrans2D1">
+    <dgm:fillClrLst meth="repeat">
+      <a:schemeClr val="accent1">
+        <a:tint val="60000"/>
+      </a:schemeClr>
+    </dgm:fillClrLst>
+    <dgm:linClrLst meth="repeat">
+      <a:schemeClr val="accent1">
+        <a:tint val="60000"/>
+      </a:schemeClr>
+    </dgm:linClrLst>
+    <dgm:effectClrLst/>
+    <dgm:txLinClrLst/>
+    <dgm:txFillClrLst/>
+    <dgm:txEffectClrLst/>
+  </dgm:styleLbl>
+  <dgm:styleLbl name="bgSibTrans2D1">
+    <dgm:fillClrLst meth="repeat">
+      <a:schemeClr val="accent1">
+        <a:tint val="60000"/>
+      </a:schemeClr>
+    </dgm:fillClrLst>
+    <dgm:linClrLst meth="repeat">
+      <a:schemeClr val="accent1">
+        <a:tint val="60000"/>
+      </a:schemeClr>
+    </dgm:linClrLst>
+    <dgm:effectClrLst/>
+    <dgm:txLinClrLst/>
+    <dgm:txFillClrLst/>
+    <dgm:txEffectClrLst/>
+  </dgm:styleLbl>
+  <dgm:styleLbl name="sibTrans1D1">
+    <dgm:fillClrLst meth="repeat">
+      <a:schemeClr val="accent1"/>
+    </dgm:fillClrLst>
+    <dgm:linClrLst meth="repeat">
+      <a:schemeClr val="accent1"/>
+    </dgm:linClrLst>
+    <dgm:effectClrLst/>
+    <dgm:txLinClrLst/>
+    <dgm:txFillClrLst meth="repeat">
+      <a:schemeClr val="tx1"/>
+    </dgm:txFillClrLst>
+    <dgm:txEffectClrLst/>
+  </dgm:styleLbl>
+  <dgm:styleLbl name="callout">
+    <dgm:fillClrLst meth="repeat">
+      <a:schemeClr val="accent1"/>
+    </dgm:fillClrLst>
+    <dgm:linClrLst meth="repeat">
+      <a:schemeClr val="accent1">
+        <a:tint val="50000"/>
+      </a:schemeClr>
+    </dgm:linClrLst>
+    <dgm:effectClrLst/>
+    <dgm:txLinClrLst/>
+    <dgm:txFillClrLst meth="repeat">
+      <a:schemeClr val="tx1"/>
+    </dgm:txFillClrLst>
+    <dgm:txEffectClrLst/>
+  </dgm:styleLbl>
+  <dgm:styleLbl name="asst0">
+    <dgm:fillClrLst meth="repeat">
+      <a:schemeClr val="accent1"/>
+    </dgm:fillClrLst>
+    <dgm:linClrLst meth="repeat">
+      <a:schemeClr val="lt1"/>
+    </dgm:linClrLst>
+    <dgm:effectClrLst/>
+    <dgm:txLinClrLst/>
+    <dgm:txFillClrLst/>
+    <dgm:txEffectClrLst/>
+  </dgm:styleLbl>
+  <dgm:styleLbl name="asst1">
+    <dgm:fillClrLst meth="repeat">
+      <a:schemeClr val="accent1"/>
+    </dgm:fillClrLst>
+    <dgm:linClrLst meth="repeat">
+      <a:schemeClr val="lt1"/>
+    </dgm:linClrLst>
+    <dgm:effectClrLst/>
+    <dgm:txLinClrLst/>
+    <dgm:txFillClrLst/>
+    <dgm:txEffectClrLst/>
+  </dgm:styleLbl>
+  <dgm:styleLbl name="asst2">
+    <dgm:fillClrLst meth="repeat">
+      <a:schemeClr val="accent1"/>
+    </dgm:fillClrLst>
+    <dgm:linClrLst meth="repeat">
+      <a:schemeClr val="lt1"/>
+    </dgm:linClrLst>
+    <dgm:effectClrLst/>
+    <dgm:txLinClrLst/>
+    <dgm:txFillClrLst/>
+    <dgm:txEffectClrLst/>
+  </dgm:styleLbl>
+  <dgm:styleLbl name="asst3">
+    <dgm:fillClrLst meth="repeat">
+      <a:schemeClr val="accent1"/>
+    </dgm:fillClrLst>
+    <dgm:linClrLst meth="repeat">
+      <a:schemeClr val="lt1"/>
+    </dgm:linClrLst>
+    <dgm:effectClrLst/>
+    <dgm:txLinClrLst/>
+    <dgm:txFillClrLst/>
+    <dgm:txEffectClrLst/>
+  </dgm:styleLbl>
+  <dgm:styleLbl name="asst4">
+    <dgm:fillClrLst meth="repeat">
+      <a:schemeClr val="accent1"/>
+    </dgm:fillClrLst>
+    <dgm:linClrLst meth="repeat">
+      <a:schemeClr val="lt1"/>
+    </dgm:linClrLst>
+    <dgm:effectClrLst/>
+    <dgm:txLinClrLst/>
+    <dgm:txFillClrLst/>
+    <dgm:txEffectClrLst/>
+  </dgm:styleLbl>
+  <dgm:styleLbl name="parChTrans2D1">
+    <dgm:fillClrLst meth="repeat">
+      <a:schemeClr val="accent1">
+        <a:tint val="60000"/>
+      </a:schemeClr>
+    </dgm:fillClrLst>
+    <dgm:linClrLst meth="repeat">
+      <a:schemeClr val="accent1">
+        <a:tint val="60000"/>
+      </a:schemeClr>
+    </dgm:linClrLst>
+    <dgm:effectClrLst/>
+    <dgm:txLinClrLst/>
+    <dgm:txFillClrLst meth="repeat">
+      <a:schemeClr val="lt1"/>
+    </dgm:txFillClrLst>
+    <dgm:txEffectClrLst/>
+  </dgm:styleLbl>
+  <dgm:styleLbl name="parChTrans2D2">
+    <dgm:fillClrLst meth="repeat">
+      <a:schemeClr val="accent1"/>
+    </dgm:fillClrLst>
+    <dgm:linClrLst meth="repeat">
+      <a:schemeClr val="accent1"/>
+    </dgm:linClrLst>
+    <dgm:effectClrLst/>
+    <dgm:txLinClrLst/>
+    <dgm:txFillClrLst meth="repeat">
+      <a:schemeClr val="lt1"/>
+    </dgm:txFillClrLst>
+    <dgm:txEffectClrLst/>
+  </dgm:styleLbl>
+  <dgm:styleLbl name="parChTrans2D3">
+    <dgm:fillClrLst meth="repeat">
+      <a:schemeClr val="accent1"/>
+    </dgm:fillClrLst>
+    <dgm:linClrLst meth="repeat">
+      <a:schemeClr val="accent1"/>
+    </dgm:linClrLst>
+    <dgm:effectClrLst/>
+    <dgm:txLinClrLst/>
+    <dgm:txFillClrLst meth="repeat">
+      <a:schemeClr val="lt1"/>
+    </dgm:txFillClrLst>
+    <dgm:txEffectClrLst/>
+  </dgm:styleLbl>
+  <dgm:styleLbl name="parChTrans2D4">
+    <dgm:fillClrLst meth="repeat">
+      <a:schemeClr val="accent1"/>
+    </dgm:fillClrLst>
+    <dgm:linClrLst meth="repeat">
+      <a:schemeClr val="accent1"/>
+    </dgm:linClrLst>
+    <dgm:effectClrLst/>
+    <dgm:txLinClrLst/>
+    <dgm:txFillClrLst meth="repeat">
+      <a:schemeClr val="lt1"/>
+    </dgm:txFillClrLst>
+    <dgm:txEffectClrLst/>
+  </dgm:styleLbl>
+  <dgm:styleLbl name="parChTrans1D1">
+    <dgm:fillClrLst meth="repeat">
+      <a:schemeClr val="accent1"/>
+    </dgm:fillClrLst>
+    <dgm:linClrLst meth="repeat">
+      <a:schemeClr val="accent1">
+        <a:shade val="60000"/>
+      </a:schemeClr>
+    </dgm:linClrLst>
+    <dgm:effectClrLst/>
+    <dgm:txLinClrLst/>
+    <dgm:txFillClrLst meth="repeat">
+      <a:schemeClr val="tx1"/>
+    </dgm:txFillClrLst>
+    <dgm:txEffectClrLst/>
+  </dgm:styleLbl>
+  <dgm:styleLbl name="parChTrans1D2">
+    <dgm:fillClrLst meth="repeat">
+      <a:schemeClr val="accent1"/>
+    </dgm:fillClrLst>
+    <dgm:linClrLst meth="repeat">
+      <a:schemeClr val="accent1">
+        <a:shade val="60000"/>
+      </a:schemeClr>
+    </dgm:linClrLst>
+    <dgm:effectClrLst/>
+    <dgm:txLinClrLst/>
+    <dgm:txFillClrLst meth="repeat">
+      <a:schemeClr val="tx1"/>
+    </dgm:txFillClrLst>
+    <dgm:txEffectClrLst/>
+  </dgm:styleLbl>
+  <dgm:styleLbl name="parChTrans1D3">
+    <dgm:fillClrLst meth="repeat">
+      <a:schemeClr val="accent1"/>
+    </dgm:fillClrLst>
+    <dgm:linClrLst meth="repeat">
+      <a:schemeClr val="accent1">
+        <a:shade val="80000"/>
+      </a:schemeClr>
+    </dgm:linClrLst>
+    <dgm:effectClrLst/>
+    <dgm:txLinClrLst/>
+    <dgm:txFillClrLst meth="repeat">
+      <a:schemeClr val="tx1"/>
+    </dgm:txFillClrLst>
+    <dgm:txEffectClrLst/>
+  </dgm:styleLbl>
+  <dgm:styleLbl name="parChTrans1D4">
+    <dgm:fillClrLst meth="repeat">
+      <a:schemeClr val="accent1"/>
+    </dgm:fillClrLst>
+    <dgm:linClrLst meth="repeat">
+      <a:schemeClr val="accent1">
+        <a:shade val="80000"/>
+      </a:schemeClr>
+    </dgm:linClrLst>
+    <dgm:effectClrLst/>
+    <dgm:txLinClrLst/>
+    <dgm:txFillClrLst meth="repeat">
+      <a:schemeClr val="tx1"/>
+    </dgm:txFillClrLst>
+    <dgm:txEffectClrLst/>
+  </dgm:styleLbl>
+  <dgm:styleLbl name="fgAcc1">
+    <dgm:fillClrLst meth="repeat">
+      <a:schemeClr val="lt1">
+        <a:alpha val="90000"/>
+      </a:schemeClr>
+    </dgm:fillClrLst>
+    <dgm:linClrLst meth="repeat">
+      <a:schemeClr val="accent1"/>
+    </dgm:linClrLst>
+    <dgm:effectClrLst/>
+    <dgm:txLinClrLst/>
+    <dgm:txFillClrLst meth="repeat">
+      <a:schemeClr val="dk1"/>
+    </dgm:txFillClrLst>
+    <dgm:txEffectClrLst/>
+  </dgm:styleLbl>
+  <dgm:styleLbl name="conFgAcc1">
+    <dgm:fillClrLst meth="repeat">
+      <a:schemeClr val="lt1">
+        <a:alpha val="90000"/>
+      </a:schemeClr>
+    </dgm:fillClrLst>
+    <dgm:linClrLst meth="repeat">
+      <a:schemeClr val="accent1"/>
+    </dgm:linClrLst>
+    <dgm:effectClrLst/>
+    <dgm:txLinClrLst/>
+    <dgm:txFillClrLst meth="repeat">
+      <a:schemeClr val="dk1"/>
+    </dgm:txFillClrLst>
+    <dgm:txEffectClrLst/>
+  </dgm:styleLbl>
+  <dgm:styleLbl name="alignAcc1">
+    <dgm:fillClrLst meth="repeat">
+      <a:schemeClr val="lt1">
+        <a:alpha val="90000"/>
+      </a:schemeClr>
+    </dgm:fillClrLst>
+    <dgm:linClrLst meth="repeat">
+      <a:schemeClr val="accent1"/>
+    </dgm:linClrLst>
+    <dgm:effectClrLst/>
+    <dgm:txLinClrLst/>
+    <dgm:txFillClrLst meth="repeat">
+      <a:schemeClr val="dk1"/>
+    </dgm:txFillClrLst>
+    <dgm:txEffectClrLst/>
+  </dgm:styleLbl>
+  <dgm:styleLbl name="trAlignAcc1">
+    <dgm:fillClrLst meth="repeat">
+      <a:schemeClr val="lt1">
+        <a:alpha val="40000"/>
+      </a:schemeClr>
+    </dgm:fillClrLst>
+    <dgm:linClrLst meth="repeat">
+      <a:schemeClr val="accent1"/>
+    </dgm:linClrLst>
+    <dgm:effectClrLst/>
+    <dgm:txLinClrLst/>
+    <dgm:txFillClrLst meth="repeat">
+      <a:schemeClr val="dk1"/>
+    </dgm:txFillClrLst>
+    <dgm:txEffectClrLst/>
+  </dgm:styleLbl>
+  <dgm:styleLbl name="bgAcc1">
+    <dgm:fillClrLst meth="repeat">
+      <a:schemeClr val="lt1">
+        <a:alpha val="90000"/>
+      </a:schemeClr>
+    </dgm:fillClrLst>
+    <dgm:linClrLst meth="repeat">
+      <a:schemeClr val="accent1"/>
+    </dgm:linClrLst>
+    <dgm:effectClrLst/>
+    <dgm:txLinClrLst/>
+    <dgm:txFillClrLst meth="repeat">
+      <a:schemeClr val="dk1"/>
+    </dgm:txFillClrLst>
+    <dgm:txEffectClrLst/>
+  </dgm:styleLbl>
+  <dgm:styleLbl name="solidFgAcc1">
+    <dgm:fillClrLst meth="repeat">
+      <a:schemeClr val="lt1"/>
+    </dgm:fillClrLst>
+    <dgm:linClrLst meth="repeat">
+      <a:schemeClr val="accent1"/>
+    </dgm:linClrLst>
+    <dgm:effectClrLst/>
+    <dgm:txLinClrLst/>
+    <dgm:txFillClrLst meth="repeat">
+      <a:schemeClr val="dk1"/>
+    </dgm:txFillClrLst>
+    <dgm:txEffectClrLst/>
+  </dgm:styleLbl>
+  <dgm:styleLbl name="solidAlignAcc1">
+    <dgm:fillClrLst meth="repeat">
+      <a:schemeClr val="lt1"/>
+    </dgm:fillClrLst>
+    <dgm:linClrLst meth="repeat">
+      <a:schemeClr val="accent1"/>
+    </dgm:linClrLst>
+    <dgm:effectClrLst/>
+    <dgm:txLinClrLst/>
+    <dgm:txFillClrLst meth="repeat">
+      <a:schemeClr val="dk1"/>
+    </dgm:txFillClrLst>
+    <dgm:txEffectClrLst/>
+  </dgm:styleLbl>
+  <dgm:styleLbl name="solidBgAcc1">
+    <dgm:fillClrLst meth="repeat">
+      <a:schemeClr val="lt1"/>
+    </dgm:fillClrLst>
+    <dgm:linClrLst meth="repeat">
+      <a:schemeClr val="accent1"/>
+    </dgm:linClrLst>
+    <dgm:effectClrLst/>
+    <dgm:txLinClrLst/>
+    <dgm:txFillClrLst meth="repeat">
+      <a:schemeClr val="dk1"/>
+    </dgm:txFillClrLst>
+    <dgm:txEffectClrLst/>
+  </dgm:styleLbl>
+  <dgm:styleLbl name="fgAccFollowNode1">
+    <dgm:fillClrLst meth="repeat">
+      <a:schemeClr val="accent1">
+        <a:alpha val="90000"/>
+        <a:tint val="40000"/>
+      </a:schemeClr>
+    </dgm:fillClrLst>
+    <dgm:linClrLst meth="repeat">
+      <a:schemeClr val="accent1">
+        <a:alpha val="90000"/>
+        <a:tint val="40000"/>
+      </a:schemeClr>
+    </dgm:linClrLst>
+    <dgm:effectClrLst/>
+    <dgm:txLinClrLst/>
+    <dgm:txFillClrLst meth="repeat">
+      <a:schemeClr val="dk1"/>
+    </dgm:txFillClrLst>
+    <dgm:txEffectClrLst/>
+  </dgm:styleLbl>
+  <dgm:styleLbl name="alignAccFollowNode1">
+    <dgm:fillClrLst meth="repeat">
+      <a:schemeClr val="accent1">
+        <a:alpha val="90000"/>
+        <a:tint val="40000"/>
+      </a:schemeClr>
+    </dgm:fillClrLst>
+    <dgm:linClrLst meth="repeat">
+      <a:schemeClr val="accent1">
+        <a:alpha val="90000"/>
+        <a:tint val="40000"/>
+      </a:schemeClr>
+    </dgm:linClrLst>
+    <dgm:effectClrLst/>
+    <dgm:txLinClrLst/>
+    <dgm:txFillClrLst meth="repeat">
+      <a:schemeClr val="dk1"/>
+    </dgm:txFillClrLst>
+    <dgm:txEffectClrLst/>
+  </dgm:styleLbl>
+  <dgm:styleLbl name="bgAccFollowNode1">
+    <dgm:fillClrLst meth="repeat">
+      <a:schemeClr val="accent1">
+        <a:alpha val="90000"/>
+        <a:tint val="40000"/>
+      </a:schemeClr>
+    </dgm:fillClrLst>
+    <dgm:linClrLst meth="repeat">
+      <a:schemeClr val="accent1">
+        <a:alpha val="90000"/>
+        <a:tint val="40000"/>
+      </a:schemeClr>
+    </dgm:linClrLst>
+    <dgm:effectClrLst/>
+    <dgm:txLinClrLst/>
+    <dgm:txFillClrLst meth="repeat">
+      <a:schemeClr val="dk1"/>
+    </dgm:txFillClrLst>
+    <dgm:txEffectClrLst/>
+  </dgm:styleLbl>
+  <dgm:styleLbl name="fgAcc0">
+    <dgm:fillClrLst meth="repeat">
+      <a:schemeClr val="lt1">
+        <a:alpha val="90000"/>
+      </a:schemeClr>
+    </dgm:fillClrLst>
+    <dgm:linClrLst meth="repeat">
+      <a:schemeClr val="accent1"/>
+    </dgm:linClrLst>
+    <dgm:effectClrLst/>
+    <dgm:txLinClrLst/>
+    <dgm:txFillClrLst meth="repeat">
+      <a:schemeClr val="dk1"/>
+    </dgm:txFillClrLst>
+    <dgm:txEffectClrLst/>
+  </dgm:styleLbl>
+  <dgm:styleLbl name="fgAcc2">
+    <dgm:fillClrLst meth="repeat">
+      <a:schemeClr val="lt1">
+        <a:alpha val="90000"/>
+      </a:schemeClr>
+    </dgm:fillClrLst>
+    <dgm:linClrLst meth="repeat">
+      <a:schemeClr val="accent1"/>
+    </dgm:linClrLst>
+    <dgm:effectClrLst/>
+    <dgm:txLinClrLst/>
+    <dgm:txFillClrLst meth="repeat">
+      <a:schemeClr val="dk1"/>
+    </dgm:txFillClrLst>
+    <dgm:txEffectClrLst/>
+  </dgm:styleLbl>
+  <dgm:styleLbl name="fgAcc3">
+    <dgm:fillClrLst meth="repeat">
+      <a:schemeClr val="lt1">
+        <a:alpha val="90000"/>
+      </a:schemeClr>
+    </dgm:fillClrLst>
+    <dgm:linClrLst meth="repeat">
+      <a:schemeClr val="accent1"/>
+    </dgm:linClrLst>
+    <dgm:effectClrLst/>
+    <dgm:txLinClrLst/>
+    <dgm:txFillClrLst meth="repeat">
+      <a:schemeClr val="dk1"/>
+    </dgm:txFillClrLst>
+    <dgm:txEffectClrLst/>
+  </dgm:styleLbl>
+  <dgm:styleLbl name="fgAcc4">
+    <dgm:fillClrLst meth="repeat">
+      <a:schemeClr val="lt1">
+        <a:alpha val="90000"/>
+      </a:schemeClr>
+    </dgm:fillClrLst>
+    <dgm:linClrLst meth="repeat">
+      <a:schemeClr val="accent1"/>
+    </dgm:linClrLst>
+    <dgm:effectClrLst/>
+    <dgm:txLinClrLst/>
+    <dgm:txFillClrLst meth="repeat">
+      <a:schemeClr val="dk1"/>
+    </dgm:txFillClrLst>
+    <dgm:txEffectClrLst/>
+  </dgm:styleLbl>
+  <dgm:styleLbl name="bgShp">
+    <dgm:fillClrLst meth="repeat">
+      <a:schemeClr val="accent1">
+        <a:tint val="40000"/>
+      </a:schemeClr>
+    </dgm:fillClrLst>
+    <dgm:linClrLst meth="repeat">
+      <a:schemeClr val="accent1"/>
+    </dgm:linClrLst>
+    <dgm:effectClrLst/>
+    <dgm:txLinClrLst/>
+    <dgm:txFillClrLst meth="repeat">
+      <a:schemeClr val="dk1"/>
+    </dgm:txFillClrLst>
+    <dgm:txEffectClrLst/>
+  </dgm:styleLbl>
+  <dgm:styleLbl name="dkBgShp">
+    <dgm:fillClrLst meth="repeat">
+      <a:schemeClr val="accent1">
+        <a:shade val="80000"/>
+      </a:schemeClr>
+    </dgm:fillClrLst>
+    <dgm:linClrLst meth="repeat">
+      <a:schemeClr val="accent1"/>
+    </dgm:linClrLst>
+    <dgm:effectClrLst/>
+    <dgm:txLinClrLst/>
+    <dgm:txFillClrLst meth="repeat">
+      <a:schemeClr val="lt1"/>
+    </dgm:txFillClrLst>
+    <dgm:txEffectClrLst/>
+  </dgm:styleLbl>
+  <dgm:styleLbl name="trBgShp">
+    <dgm:fillClrLst meth="repeat">
+      <a:schemeClr val="accent1">
+        <a:tint val="50000"/>
+        <a:alpha val="40000"/>
+      </a:schemeClr>
+    </dgm:fillClrLst>
+    <dgm:linClrLst meth="repeat">
+      <a:schemeClr val="accent1"/>
+    </dgm:linClrLst>
+    <dgm:effectClrLst/>
+    <dgm:txLinClrLst/>
+    <dgm:txFillClrLst meth="repeat">
+      <a:schemeClr val="lt1"/>
+    </dgm:txFillClrLst>
+    <dgm:txEffectClrLst/>
+  </dgm:styleLbl>
+  <dgm:styleLbl name="fgShp">
+    <dgm:fillClrLst meth="repeat">
+      <a:schemeClr val="accent1">
+        <a:tint val="60000"/>
+      </a:schemeClr>
+    </dgm:fillClrLst>
+    <dgm:linClrLst meth="repeat">
+      <a:schemeClr val="lt1"/>
+    </dgm:linClrLst>
+    <dgm:effectClrLst/>
+    <dgm:txLinClrLst/>
+    <dgm:txFillClrLst meth="repeat">
+      <a:schemeClr val="dk1"/>
+    </dgm:txFillClrLst>
+    <dgm:txEffectClrLst/>
+  </dgm:styleLbl>
+  <dgm:styleLbl name="revTx">
+    <dgm:fillClrLst meth="repeat">
+      <a:schemeClr val="lt1">
+        <a:alpha val="0"/>
+      </a:schemeClr>
+    </dgm:fillClrLst>
+    <dgm:linClrLst meth="repeat">
+      <a:schemeClr val="dk1">
+        <a:alpha val="0"/>
+      </a:schemeClr>
+    </dgm:linClrLst>
+    <dgm:effectClrLst/>
+    <dgm:txLinClrLst/>
+    <dgm:txFillClrLst meth="repeat">
+      <a:schemeClr val="tx1"/>
+    </dgm:txFillClrLst>
+    <dgm:txEffectClrLst/>
+  </dgm:styleLbl>
+</dgm:colorsDef>
+</file>
+
 <file path=ppt/diagrams/data1.xml><?xml version="1.0" encoding="utf-8"?>
+<dgm:dataModel xmlns:dgm="http://schemas.openxmlformats.org/drawingml/2006/diagram" xmlns:a="http://schemas.openxmlformats.org/drawingml/2006/main">
+  <dgm:ptLst>
+    <dgm:pt modelId="{398DE17F-0BF5-4C3E-9C8D-F4FCE3EB9FC2}" type="doc">
+      <dgm:prSet loTypeId="urn:microsoft.com/office/officeart/2008/layout/NameandTitleOrganizationalChart" loCatId="hierarchy" qsTypeId="urn:microsoft.com/office/officeart/2005/8/quickstyle/3d1" qsCatId="3D" csTypeId="urn:microsoft.com/office/officeart/2005/8/colors/accent1_2" csCatId="accent1" phldr="1"/>
+      <dgm:spPr/>
+      <dgm:t>
+        <a:bodyPr/>
+        <a:lstStyle/>
+        <a:p>
+          <a:endParaRPr lang="fr-FR"/>
+        </a:p>
+      </dgm:t>
+    </dgm:pt>
+    <dgm:pt modelId="{24E4D934-D955-447F-978E-F6AE72EBFBF8}">
+      <dgm:prSet phldrT="[Texte]"/>
+      <dgm:spPr/>
+      <dgm:t>
+        <a:bodyPr/>
+        <a:lstStyle/>
+        <a:p>
+          <a:r>
+            <a:rPr lang="fr-FR" dirty="0" smtClean="0"/>
+            <a:t>Chef de projet</a:t>
+          </a:r>
+          <a:endParaRPr lang="fr-FR" dirty="0"/>
+        </a:p>
+      </dgm:t>
+    </dgm:pt>
+    <dgm:pt modelId="{5E958E5C-D83B-49F1-B1EB-E52C5E3EEDA5}" type="parTrans" cxnId="{DC4E0B82-02ED-43DC-9DFF-D6F000BF9C14}">
+      <dgm:prSet/>
+      <dgm:spPr/>
+      <dgm:t>
+        <a:bodyPr/>
+        <a:lstStyle/>
+        <a:p>
+          <a:endParaRPr lang="fr-FR"/>
+        </a:p>
+      </dgm:t>
+    </dgm:pt>
+    <dgm:pt modelId="{1789F0D6-76F1-4F30-B2F0-3ED51BC0A79E}" type="sibTrans" cxnId="{DC4E0B82-02ED-43DC-9DFF-D6F000BF9C14}">
+      <dgm:prSet/>
+      <dgm:spPr/>
+      <dgm:t>
+        <a:bodyPr/>
+        <a:lstStyle/>
+        <a:p>
+          <a:r>
+            <a:rPr lang="fr-FR" dirty="0" smtClean="0"/>
+            <a:t>Julien Briot</a:t>
+          </a:r>
+          <a:endParaRPr lang="fr-FR" dirty="0"/>
+        </a:p>
+      </dgm:t>
+    </dgm:pt>
+    <dgm:pt modelId="{DE68F63E-FE63-4351-BF05-D8DE4983228F}">
+      <dgm:prSet phldrT="[Texte]"/>
+      <dgm:spPr/>
+      <dgm:t>
+        <a:bodyPr/>
+        <a:lstStyle/>
+        <a:p>
+          <a:r>
+            <a:rPr lang="fr-FR" dirty="0" smtClean="0"/>
+            <a:t>Communication</a:t>
+          </a:r>
+          <a:endParaRPr lang="fr-FR" dirty="0"/>
+        </a:p>
+      </dgm:t>
+    </dgm:pt>
+    <dgm:pt modelId="{A1D0449D-0C4B-4964-87A6-A084873ED494}" type="parTrans" cxnId="{E1D75EFC-091B-4445-9CA6-331A6E2B1F8B}">
+      <dgm:prSet/>
+      <dgm:spPr/>
+      <dgm:t>
+        <a:bodyPr/>
+        <a:lstStyle/>
+        <a:p>
+          <a:endParaRPr lang="fr-FR"/>
+        </a:p>
+      </dgm:t>
+    </dgm:pt>
+    <dgm:pt modelId="{9FD3E7C6-B7F3-45C7-9D66-B21E4C3B0EE8}" type="sibTrans" cxnId="{E1D75EFC-091B-4445-9CA6-331A6E2B1F8B}">
+      <dgm:prSet/>
+      <dgm:spPr/>
+      <dgm:t>
+        <a:bodyPr/>
+        <a:lstStyle/>
+        <a:p>
+          <a:r>
+            <a:rPr lang="fr-FR" dirty="0" smtClean="0"/>
+            <a:t>Kim Herr &amp; Justine Poyard</a:t>
+          </a:r>
+          <a:endParaRPr lang="fr-FR" dirty="0"/>
+        </a:p>
+      </dgm:t>
+    </dgm:pt>
+    <dgm:pt modelId="{D6EB0D5B-F6B9-4781-90EF-20F425CC591F}">
+      <dgm:prSet phldrT="[Texte]"/>
+      <dgm:spPr/>
+      <dgm:t>
+        <a:bodyPr/>
+        <a:lstStyle/>
+        <a:p>
+          <a:r>
+            <a:rPr lang="fr-FR" dirty="0" smtClean="0"/>
+            <a:t>Qualité</a:t>
+          </a:r>
+          <a:endParaRPr lang="fr-FR" dirty="0"/>
+        </a:p>
+      </dgm:t>
+    </dgm:pt>
+    <dgm:pt modelId="{3189D5D8-FB70-4714-80B1-8AC4B3D482F7}" type="parTrans" cxnId="{AEBB3610-CA55-46E6-9C21-89CA1C590F9F}">
+      <dgm:prSet/>
+      <dgm:spPr/>
+      <dgm:t>
+        <a:bodyPr/>
+        <a:lstStyle/>
+        <a:p>
+          <a:endParaRPr lang="fr-FR"/>
+        </a:p>
+      </dgm:t>
+    </dgm:pt>
+    <dgm:pt modelId="{2362F9AB-E319-4ABB-8FA5-18A41DC3E8EE}" type="sibTrans" cxnId="{AEBB3610-CA55-46E6-9C21-89CA1C590F9F}">
+      <dgm:prSet/>
+      <dgm:spPr/>
+      <dgm:t>
+        <a:bodyPr/>
+        <a:lstStyle/>
+        <a:p>
+          <a:r>
+            <a:rPr lang="fr-FR" dirty="0" smtClean="0"/>
+            <a:t>Fabien Champel</a:t>
+          </a:r>
+          <a:endParaRPr lang="fr-FR" dirty="0"/>
+        </a:p>
+      </dgm:t>
+    </dgm:pt>
+    <dgm:pt modelId="{A34ED41C-5921-478B-9F44-737AE4A6FC87}">
+      <dgm:prSet phldrT="[Texte]"/>
+      <dgm:spPr/>
+      <dgm:t>
+        <a:bodyPr/>
+        <a:lstStyle/>
+        <a:p>
+          <a:r>
+            <a:rPr lang="fr-FR" dirty="0" smtClean="0"/>
+            <a:t>Technique</a:t>
+          </a:r>
+          <a:endParaRPr lang="fr-FR" dirty="0"/>
+        </a:p>
+      </dgm:t>
+    </dgm:pt>
+    <dgm:pt modelId="{C9FFFAE9-02C9-4271-92ED-9D4DE219D2AA}" type="parTrans" cxnId="{C3462AAA-B5F1-43D8-8573-120F50079873}">
+      <dgm:prSet/>
+      <dgm:spPr/>
+      <dgm:t>
+        <a:bodyPr/>
+        <a:lstStyle/>
+        <a:p>
+          <a:endParaRPr lang="fr-FR"/>
+        </a:p>
+      </dgm:t>
+    </dgm:pt>
+    <dgm:pt modelId="{1A9C8BDA-0FFF-4114-914B-B0418410AE0A}" type="sibTrans" cxnId="{C3462AAA-B5F1-43D8-8573-120F50079873}">
+      <dgm:prSet/>
+      <dgm:spPr/>
+      <dgm:t>
+        <a:bodyPr/>
+        <a:lstStyle/>
+        <a:p>
+          <a:r>
+            <a:rPr lang="fr-FR" dirty="0" smtClean="0"/>
+            <a:t>Long Le Dac</a:t>
+          </a:r>
+          <a:endParaRPr lang="fr-FR" dirty="0"/>
+        </a:p>
+      </dgm:t>
+    </dgm:pt>
+    <dgm:pt modelId="{11337214-2FAB-4CE5-AA58-E116A14C5860}" type="pres">
+      <dgm:prSet presAssocID="{398DE17F-0BF5-4C3E-9C8D-F4FCE3EB9FC2}" presName="hierChild1" presStyleCnt="0">
+        <dgm:presLayoutVars>
+          <dgm:orgChart val="1"/>
+          <dgm:chPref val="1"/>
+          <dgm:dir/>
+          <dgm:animOne val="branch"/>
+          <dgm:animLvl val="lvl"/>
+          <dgm:resizeHandles/>
+        </dgm:presLayoutVars>
+      </dgm:prSet>
+      <dgm:spPr/>
+    </dgm:pt>
+    <dgm:pt modelId="{CD2C2101-B3C8-45B5-9777-D53D0A85082C}" type="pres">
+      <dgm:prSet presAssocID="{24E4D934-D955-447F-978E-F6AE72EBFBF8}" presName="hierRoot1" presStyleCnt="0">
+        <dgm:presLayoutVars>
+          <dgm:hierBranch val="init"/>
+        </dgm:presLayoutVars>
+      </dgm:prSet>
+      <dgm:spPr/>
+    </dgm:pt>
+    <dgm:pt modelId="{2CA5FD2D-4725-4138-8632-EB5DFA0A7D45}" type="pres">
+      <dgm:prSet presAssocID="{24E4D934-D955-447F-978E-F6AE72EBFBF8}" presName="rootComposite1" presStyleCnt="0"/>
+      <dgm:spPr/>
+    </dgm:pt>
+    <dgm:pt modelId="{485C902F-4ADB-4BD7-8925-274DB94987EB}" type="pres">
+      <dgm:prSet presAssocID="{24E4D934-D955-447F-978E-F6AE72EBFBF8}" presName="rootText1" presStyleLbl="node0" presStyleIdx="0" presStyleCnt="1">
+        <dgm:presLayoutVars>
+          <dgm:chMax/>
+          <dgm:chPref val="3"/>
+        </dgm:presLayoutVars>
+      </dgm:prSet>
+      <dgm:spPr/>
+    </dgm:pt>
+    <dgm:pt modelId="{052A6657-7F3F-4A36-8BF4-61A2B09A901B}" type="pres">
+      <dgm:prSet presAssocID="{24E4D934-D955-447F-978E-F6AE72EBFBF8}" presName="titleText1" presStyleLbl="fgAcc0" presStyleIdx="0" presStyleCnt="1">
+        <dgm:presLayoutVars>
+          <dgm:chMax val="0"/>
+          <dgm:chPref val="0"/>
+        </dgm:presLayoutVars>
+      </dgm:prSet>
+      <dgm:spPr/>
+    </dgm:pt>
+    <dgm:pt modelId="{91330837-A306-4DB0-AB4E-48D2AD4E9475}" type="pres">
+      <dgm:prSet presAssocID="{24E4D934-D955-447F-978E-F6AE72EBFBF8}" presName="rootConnector1" presStyleLbl="node1" presStyleIdx="0" presStyleCnt="3"/>
+      <dgm:spPr/>
+    </dgm:pt>
+    <dgm:pt modelId="{46120A6F-9442-4D2E-9ACB-18D44E7CF609}" type="pres">
+      <dgm:prSet presAssocID="{24E4D934-D955-447F-978E-F6AE72EBFBF8}" presName="hierChild2" presStyleCnt="0"/>
+      <dgm:spPr/>
+    </dgm:pt>
+    <dgm:pt modelId="{66292DCC-6824-4374-B9A6-962559426D18}" type="pres">
+      <dgm:prSet presAssocID="{A1D0449D-0C4B-4964-87A6-A084873ED494}" presName="Name37" presStyleLbl="parChTrans1D2" presStyleIdx="0" presStyleCnt="3"/>
+      <dgm:spPr/>
+    </dgm:pt>
+    <dgm:pt modelId="{3867C727-C4AF-4F73-A216-167CBA0EE1E0}" type="pres">
+      <dgm:prSet presAssocID="{DE68F63E-FE63-4351-BF05-D8DE4983228F}" presName="hierRoot2" presStyleCnt="0">
+        <dgm:presLayoutVars>
+          <dgm:hierBranch val="init"/>
+        </dgm:presLayoutVars>
+      </dgm:prSet>
+      <dgm:spPr/>
+    </dgm:pt>
+    <dgm:pt modelId="{06E59601-D79C-47D0-AA26-FF0EFB4B439B}" type="pres">
+      <dgm:prSet presAssocID="{DE68F63E-FE63-4351-BF05-D8DE4983228F}" presName="rootComposite" presStyleCnt="0"/>
+      <dgm:spPr/>
+    </dgm:pt>
+    <dgm:pt modelId="{94887DC1-649D-42F9-8325-6CEBF370052E}" type="pres">
+      <dgm:prSet presAssocID="{DE68F63E-FE63-4351-BF05-D8DE4983228F}" presName="rootText" presStyleLbl="node1" presStyleIdx="0" presStyleCnt="3">
+        <dgm:presLayoutVars>
+          <dgm:chMax/>
+          <dgm:chPref val="3"/>
+        </dgm:presLayoutVars>
+      </dgm:prSet>
+      <dgm:spPr/>
+    </dgm:pt>
+    <dgm:pt modelId="{A2118B76-A82C-402E-AC56-80287279C629}" type="pres">
+      <dgm:prSet presAssocID="{DE68F63E-FE63-4351-BF05-D8DE4983228F}" presName="titleText2" presStyleLbl="fgAcc1" presStyleIdx="0" presStyleCnt="3" custScaleX="136771" custScaleY="113879">
+        <dgm:presLayoutVars>
+          <dgm:chMax val="0"/>
+          <dgm:chPref val="0"/>
+        </dgm:presLayoutVars>
+      </dgm:prSet>
+      <dgm:spPr/>
+    </dgm:pt>
+    <dgm:pt modelId="{D324FB4F-6C2F-4361-9A7B-C2A3B2248A81}" type="pres">
+      <dgm:prSet presAssocID="{DE68F63E-FE63-4351-BF05-D8DE4983228F}" presName="rootConnector" presStyleLbl="node2" presStyleIdx="0" presStyleCnt="0"/>
+      <dgm:spPr/>
+    </dgm:pt>
+    <dgm:pt modelId="{88475F65-C051-4F82-832F-FFF305FDD639}" type="pres">
+      <dgm:prSet presAssocID="{DE68F63E-FE63-4351-BF05-D8DE4983228F}" presName="hierChild4" presStyleCnt="0"/>
+      <dgm:spPr/>
+    </dgm:pt>
+    <dgm:pt modelId="{E6CFBB69-8DD8-4343-8D9E-3C13D2CC1AE3}" type="pres">
+      <dgm:prSet presAssocID="{DE68F63E-FE63-4351-BF05-D8DE4983228F}" presName="hierChild5" presStyleCnt="0"/>
+      <dgm:spPr/>
+    </dgm:pt>
+    <dgm:pt modelId="{437476CF-6D3C-4C89-9649-C1893D49C64B}" type="pres">
+      <dgm:prSet presAssocID="{3189D5D8-FB70-4714-80B1-8AC4B3D482F7}" presName="Name37" presStyleLbl="parChTrans1D2" presStyleIdx="1" presStyleCnt="3"/>
+      <dgm:spPr/>
+    </dgm:pt>
+    <dgm:pt modelId="{1B3DD471-425E-4B15-8D69-9D989DEB5D94}" type="pres">
+      <dgm:prSet presAssocID="{D6EB0D5B-F6B9-4781-90EF-20F425CC591F}" presName="hierRoot2" presStyleCnt="0">
+        <dgm:presLayoutVars>
+          <dgm:hierBranch val="init"/>
+        </dgm:presLayoutVars>
+      </dgm:prSet>
+      <dgm:spPr/>
+    </dgm:pt>
+    <dgm:pt modelId="{0B730C82-B998-41ED-9530-D8948AA0122C}" type="pres">
+      <dgm:prSet presAssocID="{D6EB0D5B-F6B9-4781-90EF-20F425CC591F}" presName="rootComposite" presStyleCnt="0"/>
+      <dgm:spPr/>
+    </dgm:pt>
+    <dgm:pt modelId="{45ACA44B-B33D-4FB7-BB50-F3CDF0AB0554}" type="pres">
+      <dgm:prSet presAssocID="{D6EB0D5B-F6B9-4781-90EF-20F425CC591F}" presName="rootText" presStyleLbl="node1" presStyleIdx="1" presStyleCnt="3">
+        <dgm:presLayoutVars>
+          <dgm:chMax/>
+          <dgm:chPref val="3"/>
+        </dgm:presLayoutVars>
+      </dgm:prSet>
+      <dgm:spPr/>
+    </dgm:pt>
+    <dgm:pt modelId="{222D6D1B-96A0-4021-9662-974920AD6355}" type="pres">
+      <dgm:prSet presAssocID="{D6EB0D5B-F6B9-4781-90EF-20F425CC591F}" presName="titleText2" presStyleLbl="fgAcc1" presStyleIdx="1" presStyleCnt="3">
+        <dgm:presLayoutVars>
+          <dgm:chMax val="0"/>
+          <dgm:chPref val="0"/>
+        </dgm:presLayoutVars>
+      </dgm:prSet>
+      <dgm:spPr/>
+    </dgm:pt>
+    <dgm:pt modelId="{E9A85CAF-E8F5-4FF7-8D61-B8F87D501C77}" type="pres">
+      <dgm:prSet presAssocID="{D6EB0D5B-F6B9-4781-90EF-20F425CC591F}" presName="rootConnector" presStyleLbl="node2" presStyleIdx="0" presStyleCnt="0"/>
+      <dgm:spPr/>
+    </dgm:pt>
+    <dgm:pt modelId="{DB005926-82A5-4F7F-8030-8AC1EB723941}" type="pres">
+      <dgm:prSet presAssocID="{D6EB0D5B-F6B9-4781-90EF-20F425CC591F}" presName="hierChild4" presStyleCnt="0"/>
+      <dgm:spPr/>
+    </dgm:pt>
+    <dgm:pt modelId="{CAFCE484-81B7-4B98-82B7-635F00D18B7F}" type="pres">
+      <dgm:prSet presAssocID="{D6EB0D5B-F6B9-4781-90EF-20F425CC591F}" presName="hierChild5" presStyleCnt="0"/>
+      <dgm:spPr/>
+    </dgm:pt>
+    <dgm:pt modelId="{2D8C0E7E-270F-4ED1-9D8F-A3B99C74389E}" type="pres">
+      <dgm:prSet presAssocID="{C9FFFAE9-02C9-4271-92ED-9D4DE219D2AA}" presName="Name37" presStyleLbl="parChTrans1D2" presStyleIdx="2" presStyleCnt="3"/>
+      <dgm:spPr/>
+    </dgm:pt>
+    <dgm:pt modelId="{FB479C58-D3F8-422D-BF88-7A7629032264}" type="pres">
+      <dgm:prSet presAssocID="{A34ED41C-5921-478B-9F44-737AE4A6FC87}" presName="hierRoot2" presStyleCnt="0">
+        <dgm:presLayoutVars>
+          <dgm:hierBranch val="init"/>
+        </dgm:presLayoutVars>
+      </dgm:prSet>
+      <dgm:spPr/>
+    </dgm:pt>
+    <dgm:pt modelId="{D81F71E7-63B6-4E66-9D65-A8C6C91221C4}" type="pres">
+      <dgm:prSet presAssocID="{A34ED41C-5921-478B-9F44-737AE4A6FC87}" presName="rootComposite" presStyleCnt="0"/>
+      <dgm:spPr/>
+    </dgm:pt>
+    <dgm:pt modelId="{5C9F197B-416D-43CD-B566-7E5C0580B1A0}" type="pres">
+      <dgm:prSet presAssocID="{A34ED41C-5921-478B-9F44-737AE4A6FC87}" presName="rootText" presStyleLbl="node1" presStyleIdx="2" presStyleCnt="3">
+        <dgm:presLayoutVars>
+          <dgm:chMax/>
+          <dgm:chPref val="3"/>
+        </dgm:presLayoutVars>
+      </dgm:prSet>
+      <dgm:spPr/>
+    </dgm:pt>
+    <dgm:pt modelId="{A947BEE5-9D6D-430A-B7E7-2D2C5E6ED561}" type="pres">
+      <dgm:prSet presAssocID="{A34ED41C-5921-478B-9F44-737AE4A6FC87}" presName="titleText2" presStyleLbl="fgAcc1" presStyleIdx="2" presStyleCnt="3">
+        <dgm:presLayoutVars>
+          <dgm:chMax val="0"/>
+          <dgm:chPref val="0"/>
+        </dgm:presLayoutVars>
+      </dgm:prSet>
+      <dgm:spPr/>
+    </dgm:pt>
+    <dgm:pt modelId="{2D534614-008B-4244-A7B6-EE59F2F9C0CE}" type="pres">
+      <dgm:prSet presAssocID="{A34ED41C-5921-478B-9F44-737AE4A6FC87}" presName="rootConnector" presStyleLbl="node2" presStyleIdx="0" presStyleCnt="0"/>
+      <dgm:spPr/>
+    </dgm:pt>
+    <dgm:pt modelId="{E0B7E33C-63ED-4184-BA86-E794AF3CE102}" type="pres">
+      <dgm:prSet presAssocID="{A34ED41C-5921-478B-9F44-737AE4A6FC87}" presName="hierChild4" presStyleCnt="0"/>
+      <dgm:spPr/>
+    </dgm:pt>
+    <dgm:pt modelId="{5FA8DB5B-55B1-4417-93F1-9CD61AB1B616}" type="pres">
+      <dgm:prSet presAssocID="{A34ED41C-5921-478B-9F44-737AE4A6FC87}" presName="hierChild5" presStyleCnt="0"/>
+      <dgm:spPr/>
+    </dgm:pt>
+    <dgm:pt modelId="{10015090-17BD-448B-9917-70F218BF4B21}" type="pres">
+      <dgm:prSet presAssocID="{24E4D934-D955-447F-978E-F6AE72EBFBF8}" presName="hierChild3" presStyleCnt="0"/>
+      <dgm:spPr/>
+    </dgm:pt>
+  </dgm:ptLst>
+  <dgm:cxnLst>
+    <dgm:cxn modelId="{1F139D04-7E75-4192-949E-D64E7F710D44}" type="presOf" srcId="{24E4D934-D955-447F-978E-F6AE72EBFBF8}" destId="{485C902F-4ADB-4BD7-8925-274DB94987EB}" srcOrd="0" destOrd="0" presId="urn:microsoft.com/office/officeart/2008/layout/NameandTitleOrganizationalChart"/>
+    <dgm:cxn modelId="{836C4968-BD33-4EB8-97E2-B7CFFA7833FA}" type="presOf" srcId="{2362F9AB-E319-4ABB-8FA5-18A41DC3E8EE}" destId="{222D6D1B-96A0-4021-9662-974920AD6355}" srcOrd="0" destOrd="0" presId="urn:microsoft.com/office/officeart/2008/layout/NameandTitleOrganizationalChart"/>
+    <dgm:cxn modelId="{F2CC6D3B-8A25-4C0B-AB6C-8730D7809462}" type="presOf" srcId="{24E4D934-D955-447F-978E-F6AE72EBFBF8}" destId="{91330837-A306-4DB0-AB4E-48D2AD4E9475}" srcOrd="1" destOrd="0" presId="urn:microsoft.com/office/officeart/2008/layout/NameandTitleOrganizationalChart"/>
+    <dgm:cxn modelId="{B7BFA47A-8FD4-40A6-973B-80B2EC47DDBC}" type="presOf" srcId="{9FD3E7C6-B7F3-45C7-9D66-B21E4C3B0EE8}" destId="{A2118B76-A82C-402E-AC56-80287279C629}" srcOrd="0" destOrd="0" presId="urn:microsoft.com/office/officeart/2008/layout/NameandTitleOrganizationalChart"/>
+    <dgm:cxn modelId="{E1D75EFC-091B-4445-9CA6-331A6E2B1F8B}" srcId="{24E4D934-D955-447F-978E-F6AE72EBFBF8}" destId="{DE68F63E-FE63-4351-BF05-D8DE4983228F}" srcOrd="0" destOrd="0" parTransId="{A1D0449D-0C4B-4964-87A6-A084873ED494}" sibTransId="{9FD3E7C6-B7F3-45C7-9D66-B21E4C3B0EE8}"/>
+    <dgm:cxn modelId="{488D58D8-FA01-41AB-9FC0-FDC2339F3DF3}" type="presOf" srcId="{398DE17F-0BF5-4C3E-9C8D-F4FCE3EB9FC2}" destId="{11337214-2FAB-4CE5-AA58-E116A14C5860}" srcOrd="0" destOrd="0" presId="urn:microsoft.com/office/officeart/2008/layout/NameandTitleOrganizationalChart"/>
+    <dgm:cxn modelId="{DDDB089C-3FAB-4C3B-90F5-3E3459F42168}" type="presOf" srcId="{1A9C8BDA-0FFF-4114-914B-B0418410AE0A}" destId="{A947BEE5-9D6D-430A-B7E7-2D2C5E6ED561}" srcOrd="0" destOrd="0" presId="urn:microsoft.com/office/officeart/2008/layout/NameandTitleOrganizationalChart"/>
+    <dgm:cxn modelId="{DC8DCC58-0F38-4A1A-A767-C62878886F44}" type="presOf" srcId="{A34ED41C-5921-478B-9F44-737AE4A6FC87}" destId="{2D534614-008B-4244-A7B6-EE59F2F9C0CE}" srcOrd="1" destOrd="0" presId="urn:microsoft.com/office/officeart/2008/layout/NameandTitleOrganizationalChart"/>
+    <dgm:cxn modelId="{609DEF80-5B69-4E08-9E84-7AF6847F5D1E}" type="presOf" srcId="{A34ED41C-5921-478B-9F44-737AE4A6FC87}" destId="{5C9F197B-416D-43CD-B566-7E5C0580B1A0}" srcOrd="0" destOrd="0" presId="urn:microsoft.com/office/officeart/2008/layout/NameandTitleOrganizationalChart"/>
+    <dgm:cxn modelId="{C3462AAA-B5F1-43D8-8573-120F50079873}" srcId="{24E4D934-D955-447F-978E-F6AE72EBFBF8}" destId="{A34ED41C-5921-478B-9F44-737AE4A6FC87}" srcOrd="2" destOrd="0" parTransId="{C9FFFAE9-02C9-4271-92ED-9D4DE219D2AA}" sibTransId="{1A9C8BDA-0FFF-4114-914B-B0418410AE0A}"/>
+    <dgm:cxn modelId="{9DBB20FF-3537-4633-88E0-79ADDE8D2E99}" type="presOf" srcId="{D6EB0D5B-F6B9-4781-90EF-20F425CC591F}" destId="{45ACA44B-B33D-4FB7-BB50-F3CDF0AB0554}" srcOrd="0" destOrd="0" presId="urn:microsoft.com/office/officeart/2008/layout/NameandTitleOrganizationalChart"/>
+    <dgm:cxn modelId="{33BC691A-FBDA-454D-A5F5-6C9CEF9EE818}" type="presOf" srcId="{C9FFFAE9-02C9-4271-92ED-9D4DE219D2AA}" destId="{2D8C0E7E-270F-4ED1-9D8F-A3B99C74389E}" srcOrd="0" destOrd="0" presId="urn:microsoft.com/office/officeart/2008/layout/NameandTitleOrganizationalChart"/>
+    <dgm:cxn modelId="{13055CF1-CECA-4132-960A-FAC22AC85FED}" type="presOf" srcId="{DE68F63E-FE63-4351-BF05-D8DE4983228F}" destId="{94887DC1-649D-42F9-8325-6CEBF370052E}" srcOrd="0" destOrd="0" presId="urn:microsoft.com/office/officeart/2008/layout/NameandTitleOrganizationalChart"/>
+    <dgm:cxn modelId="{D9D05AEE-00C1-42C9-BE51-71AC5F69C0CD}" type="presOf" srcId="{3189D5D8-FB70-4714-80B1-8AC4B3D482F7}" destId="{437476CF-6D3C-4C89-9649-C1893D49C64B}" srcOrd="0" destOrd="0" presId="urn:microsoft.com/office/officeart/2008/layout/NameandTitleOrganizationalChart"/>
+    <dgm:cxn modelId="{968D2DAB-652E-47F4-843A-83E0A3555488}" type="presOf" srcId="{D6EB0D5B-F6B9-4781-90EF-20F425CC591F}" destId="{E9A85CAF-E8F5-4FF7-8D61-B8F87D501C77}" srcOrd="1" destOrd="0" presId="urn:microsoft.com/office/officeart/2008/layout/NameandTitleOrganizationalChart"/>
+    <dgm:cxn modelId="{DC4E0B82-02ED-43DC-9DFF-D6F000BF9C14}" srcId="{398DE17F-0BF5-4C3E-9C8D-F4FCE3EB9FC2}" destId="{24E4D934-D955-447F-978E-F6AE72EBFBF8}" srcOrd="0" destOrd="0" parTransId="{5E958E5C-D83B-49F1-B1EB-E52C5E3EEDA5}" sibTransId="{1789F0D6-76F1-4F30-B2F0-3ED51BC0A79E}"/>
+    <dgm:cxn modelId="{6A590535-EBCB-47DD-AA6F-16BB3D337547}" type="presOf" srcId="{DE68F63E-FE63-4351-BF05-D8DE4983228F}" destId="{D324FB4F-6C2F-4361-9A7B-C2A3B2248A81}" srcOrd="1" destOrd="0" presId="urn:microsoft.com/office/officeart/2008/layout/NameandTitleOrganizationalChart"/>
+    <dgm:cxn modelId="{22F2A2EF-0109-4CAB-84FC-5E5F787B7902}" type="presOf" srcId="{1789F0D6-76F1-4F30-B2F0-3ED51BC0A79E}" destId="{052A6657-7F3F-4A36-8BF4-61A2B09A901B}" srcOrd="0" destOrd="0" presId="urn:microsoft.com/office/officeart/2008/layout/NameandTitleOrganizationalChart"/>
+    <dgm:cxn modelId="{AEBB3610-CA55-46E6-9C21-89CA1C590F9F}" srcId="{24E4D934-D955-447F-978E-F6AE72EBFBF8}" destId="{D6EB0D5B-F6B9-4781-90EF-20F425CC591F}" srcOrd="1" destOrd="0" parTransId="{3189D5D8-FB70-4714-80B1-8AC4B3D482F7}" sibTransId="{2362F9AB-E319-4ABB-8FA5-18A41DC3E8EE}"/>
+    <dgm:cxn modelId="{BA3F8287-B374-4930-AD66-F7CB1D1BA245}" type="presOf" srcId="{A1D0449D-0C4B-4964-87A6-A084873ED494}" destId="{66292DCC-6824-4374-B9A6-962559426D18}" srcOrd="0" destOrd="0" presId="urn:microsoft.com/office/officeart/2008/layout/NameandTitleOrganizationalChart"/>
+    <dgm:cxn modelId="{CF83EBC1-5916-4991-B89D-E3B7FB70E873}" type="presParOf" srcId="{11337214-2FAB-4CE5-AA58-E116A14C5860}" destId="{CD2C2101-B3C8-45B5-9777-D53D0A85082C}" srcOrd="0" destOrd="0" presId="urn:microsoft.com/office/officeart/2008/layout/NameandTitleOrganizationalChart"/>
+    <dgm:cxn modelId="{BCCBAFFC-AFE7-4E7D-BFC3-2F637CB749D2}" type="presParOf" srcId="{CD2C2101-B3C8-45B5-9777-D53D0A85082C}" destId="{2CA5FD2D-4725-4138-8632-EB5DFA0A7D45}" srcOrd="0" destOrd="0" presId="urn:microsoft.com/office/officeart/2008/layout/NameandTitleOrganizationalChart"/>
+    <dgm:cxn modelId="{45D0214E-A95B-466C-A435-B4B5D94E95FC}" type="presParOf" srcId="{2CA5FD2D-4725-4138-8632-EB5DFA0A7D45}" destId="{485C902F-4ADB-4BD7-8925-274DB94987EB}" srcOrd="0" destOrd="0" presId="urn:microsoft.com/office/officeart/2008/layout/NameandTitleOrganizationalChart"/>
+    <dgm:cxn modelId="{404A7250-30D0-4275-BE5D-89B0E5DB613E}" type="presParOf" srcId="{2CA5FD2D-4725-4138-8632-EB5DFA0A7D45}" destId="{052A6657-7F3F-4A36-8BF4-61A2B09A901B}" srcOrd="1" destOrd="0" presId="urn:microsoft.com/office/officeart/2008/layout/NameandTitleOrganizationalChart"/>
+    <dgm:cxn modelId="{D3317B53-F124-46E4-ABB9-8157D56C4855}" type="presParOf" srcId="{2CA5FD2D-4725-4138-8632-EB5DFA0A7D45}" destId="{91330837-A306-4DB0-AB4E-48D2AD4E9475}" srcOrd="2" destOrd="0" presId="urn:microsoft.com/office/officeart/2008/layout/NameandTitleOrganizationalChart"/>
+    <dgm:cxn modelId="{B8BFCA63-740D-4626-88AC-84C281B09414}" type="presParOf" srcId="{CD2C2101-B3C8-45B5-9777-D53D0A85082C}" destId="{46120A6F-9442-4D2E-9ACB-18D44E7CF609}" srcOrd="1" destOrd="0" presId="urn:microsoft.com/office/officeart/2008/layout/NameandTitleOrganizationalChart"/>
+    <dgm:cxn modelId="{CB3D9822-AD3C-4B92-B9C8-7EB44242084F}" type="presParOf" srcId="{46120A6F-9442-4D2E-9ACB-18D44E7CF609}" destId="{66292DCC-6824-4374-B9A6-962559426D18}" srcOrd="0" destOrd="0" presId="urn:microsoft.com/office/officeart/2008/layout/NameandTitleOrganizationalChart"/>
+    <dgm:cxn modelId="{1C2728C3-3F89-4558-8288-64F1F6492BDD}" type="presParOf" srcId="{46120A6F-9442-4D2E-9ACB-18D44E7CF609}" destId="{3867C727-C4AF-4F73-A216-167CBA0EE1E0}" srcOrd="1" destOrd="0" presId="urn:microsoft.com/office/officeart/2008/layout/NameandTitleOrganizationalChart"/>
+    <dgm:cxn modelId="{B1E4442D-F1BE-485C-AFF9-3FCF420C6A87}" type="presParOf" srcId="{3867C727-C4AF-4F73-A216-167CBA0EE1E0}" destId="{06E59601-D79C-47D0-AA26-FF0EFB4B439B}" srcOrd="0" destOrd="0" presId="urn:microsoft.com/office/officeart/2008/layout/NameandTitleOrganizationalChart"/>
+    <dgm:cxn modelId="{7A35F169-7A87-4326-904F-A88CCB0F0B32}" type="presParOf" srcId="{06E59601-D79C-47D0-AA26-FF0EFB4B439B}" destId="{94887DC1-649D-42F9-8325-6CEBF370052E}" srcOrd="0" destOrd="0" presId="urn:microsoft.com/office/officeart/2008/layout/NameandTitleOrganizationalChart"/>
+    <dgm:cxn modelId="{22A85C39-5E60-46EC-B4EF-301BC27DDDFE}" type="presParOf" srcId="{06E59601-D79C-47D0-AA26-FF0EFB4B439B}" destId="{A2118B76-A82C-402E-AC56-80287279C629}" srcOrd="1" destOrd="0" presId="urn:microsoft.com/office/officeart/2008/layout/NameandTitleOrganizationalChart"/>
+    <dgm:cxn modelId="{ABE7C86B-7998-414E-B0D5-1059AE1DAE3E}" type="presParOf" srcId="{06E59601-D79C-47D0-AA26-FF0EFB4B439B}" destId="{D324FB4F-6C2F-4361-9A7B-C2A3B2248A81}" srcOrd="2" destOrd="0" presId="urn:microsoft.com/office/officeart/2008/layout/NameandTitleOrganizationalChart"/>
+    <dgm:cxn modelId="{8D050267-B118-4620-99F2-82CBAC411549}" type="presParOf" srcId="{3867C727-C4AF-4F73-A216-167CBA0EE1E0}" destId="{88475F65-C051-4F82-832F-FFF305FDD639}" srcOrd="1" destOrd="0" presId="urn:microsoft.com/office/officeart/2008/layout/NameandTitleOrganizationalChart"/>
+    <dgm:cxn modelId="{19F753DB-876D-4E02-91AC-11814A6D4BFA}" type="presParOf" srcId="{3867C727-C4AF-4F73-A216-167CBA0EE1E0}" destId="{E6CFBB69-8DD8-4343-8D9E-3C13D2CC1AE3}" srcOrd="2" destOrd="0" presId="urn:microsoft.com/office/officeart/2008/layout/NameandTitleOrganizationalChart"/>
+    <dgm:cxn modelId="{077C1ADA-C8A0-4189-A0BF-479C43511CA8}" type="presParOf" srcId="{46120A6F-9442-4D2E-9ACB-18D44E7CF609}" destId="{437476CF-6D3C-4C89-9649-C1893D49C64B}" srcOrd="2" destOrd="0" presId="urn:microsoft.com/office/officeart/2008/layout/NameandTitleOrganizationalChart"/>
+    <dgm:cxn modelId="{0F6A3FAE-1D6E-49CA-B14C-3529BE756CF9}" type="presParOf" srcId="{46120A6F-9442-4D2E-9ACB-18D44E7CF609}" destId="{1B3DD471-425E-4B15-8D69-9D989DEB5D94}" srcOrd="3" destOrd="0" presId="urn:microsoft.com/office/officeart/2008/layout/NameandTitleOrganizationalChart"/>
+    <dgm:cxn modelId="{F7598DAD-BD7F-4A08-918B-8F73B94CA335}" type="presParOf" srcId="{1B3DD471-425E-4B15-8D69-9D989DEB5D94}" destId="{0B730C82-B998-41ED-9530-D8948AA0122C}" srcOrd="0" destOrd="0" presId="urn:microsoft.com/office/officeart/2008/layout/NameandTitleOrganizationalChart"/>
+    <dgm:cxn modelId="{D1CB0A96-AD2B-4EA1-A554-0EC7B161C2DA}" type="presParOf" srcId="{0B730C82-B998-41ED-9530-D8948AA0122C}" destId="{45ACA44B-B33D-4FB7-BB50-F3CDF0AB0554}" srcOrd="0" destOrd="0" presId="urn:microsoft.com/office/officeart/2008/layout/NameandTitleOrganizationalChart"/>
+    <dgm:cxn modelId="{D9D7DBF6-5411-47D3-A644-BB02C143E7CB}" type="presParOf" srcId="{0B730C82-B998-41ED-9530-D8948AA0122C}" destId="{222D6D1B-96A0-4021-9662-974920AD6355}" srcOrd="1" destOrd="0" presId="urn:microsoft.com/office/officeart/2008/layout/NameandTitleOrganizationalChart"/>
+    <dgm:cxn modelId="{B6013D14-612B-4F42-9259-CAF781EEB8D3}" type="presParOf" srcId="{0B730C82-B998-41ED-9530-D8948AA0122C}" destId="{E9A85CAF-E8F5-4FF7-8D61-B8F87D501C77}" srcOrd="2" destOrd="0" presId="urn:microsoft.com/office/officeart/2008/layout/NameandTitleOrganizationalChart"/>
+    <dgm:cxn modelId="{13DDAF61-0F96-4499-A714-1AEB6CAEE41C}" type="presParOf" srcId="{1B3DD471-425E-4B15-8D69-9D989DEB5D94}" destId="{DB005926-82A5-4F7F-8030-8AC1EB723941}" srcOrd="1" destOrd="0" presId="urn:microsoft.com/office/officeart/2008/layout/NameandTitleOrganizationalChart"/>
+    <dgm:cxn modelId="{D7D7E87E-1682-4947-9012-46CC14D5A517}" type="presParOf" srcId="{1B3DD471-425E-4B15-8D69-9D989DEB5D94}" destId="{CAFCE484-81B7-4B98-82B7-635F00D18B7F}" srcOrd="2" destOrd="0" presId="urn:microsoft.com/office/officeart/2008/layout/NameandTitleOrganizationalChart"/>
+    <dgm:cxn modelId="{8313EF85-3F09-453D-A16F-88FE136E74D6}" type="presParOf" srcId="{46120A6F-9442-4D2E-9ACB-18D44E7CF609}" destId="{2D8C0E7E-270F-4ED1-9D8F-A3B99C74389E}" srcOrd="4" destOrd="0" presId="urn:microsoft.com/office/officeart/2008/layout/NameandTitleOrganizationalChart"/>
+    <dgm:cxn modelId="{E6E9893B-20C3-406F-BDF9-C0AF99DBCAA7}" type="presParOf" srcId="{46120A6F-9442-4D2E-9ACB-18D44E7CF609}" destId="{FB479C58-D3F8-422D-BF88-7A7629032264}" srcOrd="5" destOrd="0" presId="urn:microsoft.com/office/officeart/2008/layout/NameandTitleOrganizationalChart"/>
+    <dgm:cxn modelId="{2188A0EF-238A-429C-A646-E44515BF8C2B}" type="presParOf" srcId="{FB479C58-D3F8-422D-BF88-7A7629032264}" destId="{D81F71E7-63B6-4E66-9D65-A8C6C91221C4}" srcOrd="0" destOrd="0" presId="urn:microsoft.com/office/officeart/2008/layout/NameandTitleOrganizationalChart"/>
+    <dgm:cxn modelId="{5BAE32D8-6CE2-452B-BFE2-41E9D810D311}" type="presParOf" srcId="{D81F71E7-63B6-4E66-9D65-A8C6C91221C4}" destId="{5C9F197B-416D-43CD-B566-7E5C0580B1A0}" srcOrd="0" destOrd="0" presId="urn:microsoft.com/office/officeart/2008/layout/NameandTitleOrganizationalChart"/>
+    <dgm:cxn modelId="{B0BE78DE-8E40-46DC-9AA1-871BE43DB976}" type="presParOf" srcId="{D81F71E7-63B6-4E66-9D65-A8C6C91221C4}" destId="{A947BEE5-9D6D-430A-B7E7-2D2C5E6ED561}" srcOrd="1" destOrd="0" presId="urn:microsoft.com/office/officeart/2008/layout/NameandTitleOrganizationalChart"/>
+    <dgm:cxn modelId="{0D079466-D0B1-49E5-A344-5940E65A2025}" type="presParOf" srcId="{D81F71E7-63B6-4E66-9D65-A8C6C91221C4}" destId="{2D534614-008B-4244-A7B6-EE59F2F9C0CE}" srcOrd="2" destOrd="0" presId="urn:microsoft.com/office/officeart/2008/layout/NameandTitleOrganizationalChart"/>
+    <dgm:cxn modelId="{5E5489E1-5633-4285-9FC9-C275BF86350A}" type="presParOf" srcId="{FB479C58-D3F8-422D-BF88-7A7629032264}" destId="{E0B7E33C-63ED-4184-BA86-E794AF3CE102}" srcOrd="1" destOrd="0" presId="urn:microsoft.com/office/officeart/2008/layout/NameandTitleOrganizationalChart"/>
+    <dgm:cxn modelId="{B6D87DD8-B7AF-4A27-AC77-5302A0963730}" type="presParOf" srcId="{FB479C58-D3F8-422D-BF88-7A7629032264}" destId="{5FA8DB5B-55B1-4417-93F1-9CD61AB1B616}" srcOrd="2" destOrd="0" presId="urn:microsoft.com/office/officeart/2008/layout/NameandTitleOrganizationalChart"/>
+    <dgm:cxn modelId="{1FA87B0E-502A-4D2D-8296-EB04D7FA3361}" type="presParOf" srcId="{CD2C2101-B3C8-45B5-9777-D53D0A85082C}" destId="{10015090-17BD-448B-9917-70F218BF4B21}" srcOrd="2" destOrd="0" presId="urn:microsoft.com/office/officeart/2008/layout/NameandTitleOrganizationalChart"/>
+  </dgm:cxnLst>
+  <dgm:bg/>
+  <dgm:whole/>
+  <dgm:extLst>
+    <a:ext uri="http://schemas.microsoft.com/office/drawing/2008/diagram">
+      <dsp:dataModelExt xmlns:dsp="http://schemas.microsoft.com/office/drawing/2008/diagram" relId="rId7" minVer="http://schemas.openxmlformats.org/drawingml/2006/diagram"/>
+    </a:ext>
+  </dgm:extLst>
+</dgm:dataModel>
+</file>
+
+<file path=ppt/diagrams/data2.xml><?xml version="1.0" encoding="utf-8"?>
 <dgm:dataModel xmlns:dgm="http://schemas.openxmlformats.org/drawingml/2006/diagram" xmlns:a="http://schemas.openxmlformats.org/drawingml/2006/main">
   <dgm:ptLst>
     <dgm:pt modelId="{839D4151-3CAC-4D33-AF74-EC5CEF2737D7}" type="doc">
@@ -1272,6 +2455,1012 @@
 </file>
 
 <file path=ppt/diagrams/drawing1.xml><?xml version="1.0" encoding="utf-8"?>
+<dsp:drawing xmlns:dgm="http://schemas.openxmlformats.org/drawingml/2006/diagram" xmlns:dsp="http://schemas.microsoft.com/office/drawing/2008/diagram" xmlns:a="http://schemas.openxmlformats.org/drawingml/2006/main">
+  <dsp:spTree>
+    <dsp:nvGrpSpPr>
+      <dsp:cNvPr id="0" name=""/>
+      <dsp:cNvGrpSpPr/>
+    </dsp:nvGrpSpPr>
+    <dsp:grpSpPr/>
+    <dsp:sp modelId="{2D8C0E7E-270F-4ED1-9D8F-A3B99C74389E}">
+      <dsp:nvSpPr>
+        <dsp:cNvPr id="0" name=""/>
+        <dsp:cNvSpPr/>
+      </dsp:nvSpPr>
+      <dsp:spPr>
+        <a:xfrm>
+          <a:off x="4012644" y="1886382"/>
+          <a:ext cx="2910115" cy="611192"/>
+        </a:xfrm>
+        <a:custGeom>
+          <a:avLst/>
+          <a:gdLst/>
+          <a:ahLst/>
+          <a:cxnLst/>
+          <a:rect l="0" t="0" r="0" b="0"/>
+          <a:pathLst>
+            <a:path>
+              <a:moveTo>
+                <a:pt x="0" y="0"/>
+              </a:moveTo>
+              <a:lnTo>
+                <a:pt x="0" y="364364"/>
+              </a:lnTo>
+              <a:lnTo>
+                <a:pt x="2910115" y="364364"/>
+              </a:lnTo>
+              <a:lnTo>
+                <a:pt x="2910115" y="611192"/>
+              </a:lnTo>
+            </a:path>
+          </a:pathLst>
+        </a:custGeom>
+        <a:noFill/>
+        <a:ln w="25400" cap="flat" cmpd="sng" algn="ctr">
+          <a:solidFill>
+            <a:schemeClr val="accent1">
+              <a:shade val="60000"/>
+              <a:hueOff val="0"/>
+              <a:satOff val="0"/>
+              <a:lumOff val="0"/>
+              <a:alphaOff val="0"/>
+            </a:schemeClr>
+          </a:solidFill>
+          <a:prstDash val="solid"/>
+        </a:ln>
+        <a:effectLst/>
+        <a:scene3d>
+          <a:camera prst="orthographicFront"/>
+          <a:lightRig rig="flat" dir="t"/>
+        </a:scene3d>
+        <a:sp3d prstMaterial="matte"/>
+      </dsp:spPr>
+      <dsp:style>
+        <a:lnRef idx="2">
+          <a:scrgbClr r="0" g="0" b="0"/>
+        </a:lnRef>
+        <a:fillRef idx="0">
+          <a:scrgbClr r="0" g="0" b="0"/>
+        </a:fillRef>
+        <a:effectRef idx="0">
+          <a:scrgbClr r="0" g="0" b="0"/>
+        </a:effectRef>
+        <a:fontRef idx="minor"/>
+      </dsp:style>
+    </dsp:sp>
+    <dsp:sp modelId="{437476CF-6D3C-4C89-9649-C1893D49C64B}">
+      <dsp:nvSpPr>
+        <dsp:cNvPr id="0" name=""/>
+        <dsp:cNvSpPr/>
+      </dsp:nvSpPr>
+      <dsp:spPr>
+        <a:xfrm>
+          <a:off x="4012644" y="1886382"/>
+          <a:ext cx="169036" cy="611192"/>
+        </a:xfrm>
+        <a:custGeom>
+          <a:avLst/>
+          <a:gdLst/>
+          <a:ahLst/>
+          <a:cxnLst/>
+          <a:rect l="0" t="0" r="0" b="0"/>
+          <a:pathLst>
+            <a:path>
+              <a:moveTo>
+                <a:pt x="0" y="0"/>
+              </a:moveTo>
+              <a:lnTo>
+                <a:pt x="0" y="364364"/>
+              </a:lnTo>
+              <a:lnTo>
+                <a:pt x="169036" y="364364"/>
+              </a:lnTo>
+              <a:lnTo>
+                <a:pt x="169036" y="611192"/>
+              </a:lnTo>
+            </a:path>
+          </a:pathLst>
+        </a:custGeom>
+        <a:noFill/>
+        <a:ln w="25400" cap="flat" cmpd="sng" algn="ctr">
+          <a:solidFill>
+            <a:schemeClr val="accent1">
+              <a:shade val="60000"/>
+              <a:hueOff val="0"/>
+              <a:satOff val="0"/>
+              <a:lumOff val="0"/>
+              <a:alphaOff val="0"/>
+            </a:schemeClr>
+          </a:solidFill>
+          <a:prstDash val="solid"/>
+        </a:ln>
+        <a:effectLst/>
+        <a:scene3d>
+          <a:camera prst="orthographicFront"/>
+          <a:lightRig rig="flat" dir="t"/>
+        </a:scene3d>
+        <a:sp3d prstMaterial="matte"/>
+      </dsp:spPr>
+      <dsp:style>
+        <a:lnRef idx="2">
+          <a:scrgbClr r="0" g="0" b="0"/>
+        </a:lnRef>
+        <a:fillRef idx="0">
+          <a:scrgbClr r="0" g="0" b="0"/>
+        </a:fillRef>
+        <a:effectRef idx="0">
+          <a:scrgbClr r="0" g="0" b="0"/>
+        </a:effectRef>
+        <a:fontRef idx="minor"/>
+      </dsp:style>
+    </dsp:sp>
+    <dsp:sp modelId="{66292DCC-6824-4374-B9A6-962559426D18}">
+      <dsp:nvSpPr>
+        <dsp:cNvPr id="0" name=""/>
+        <dsp:cNvSpPr/>
+      </dsp:nvSpPr>
+      <dsp:spPr>
+        <a:xfrm>
+          <a:off x="1102528" y="1886382"/>
+          <a:ext cx="2910115" cy="611192"/>
+        </a:xfrm>
+        <a:custGeom>
+          <a:avLst/>
+          <a:gdLst/>
+          <a:ahLst/>
+          <a:cxnLst/>
+          <a:rect l="0" t="0" r="0" b="0"/>
+          <a:pathLst>
+            <a:path>
+              <a:moveTo>
+                <a:pt x="2910115" y="0"/>
+              </a:moveTo>
+              <a:lnTo>
+                <a:pt x="2910115" y="364364"/>
+              </a:lnTo>
+              <a:lnTo>
+                <a:pt x="0" y="364364"/>
+              </a:lnTo>
+              <a:lnTo>
+                <a:pt x="0" y="611192"/>
+              </a:lnTo>
+            </a:path>
+          </a:pathLst>
+        </a:custGeom>
+        <a:noFill/>
+        <a:ln w="25400" cap="flat" cmpd="sng" algn="ctr">
+          <a:solidFill>
+            <a:schemeClr val="accent1">
+              <a:shade val="60000"/>
+              <a:hueOff val="0"/>
+              <a:satOff val="0"/>
+              <a:lumOff val="0"/>
+              <a:alphaOff val="0"/>
+            </a:schemeClr>
+          </a:solidFill>
+          <a:prstDash val="solid"/>
+        </a:ln>
+        <a:effectLst/>
+        <a:scene3d>
+          <a:camera prst="orthographicFront"/>
+          <a:lightRig rig="flat" dir="t"/>
+        </a:scene3d>
+        <a:sp3d prstMaterial="matte"/>
+      </dsp:spPr>
+      <dsp:style>
+        <a:lnRef idx="2">
+          <a:scrgbClr r="0" g="0" b="0"/>
+        </a:lnRef>
+        <a:fillRef idx="0">
+          <a:scrgbClr r="0" g="0" b="0"/>
+        </a:fillRef>
+        <a:effectRef idx="0">
+          <a:scrgbClr r="0" g="0" b="0"/>
+        </a:effectRef>
+        <a:fontRef idx="minor"/>
+      </dsp:style>
+    </dsp:sp>
+    <dsp:sp modelId="{485C902F-4ADB-4BD7-8925-274DB94987EB}">
+      <dsp:nvSpPr>
+        <dsp:cNvPr id="0" name=""/>
+        <dsp:cNvSpPr/>
+      </dsp:nvSpPr>
+      <dsp:spPr>
+        <a:xfrm>
+          <a:off x="2991088" y="828548"/>
+          <a:ext cx="2043112" cy="1057833"/>
+        </a:xfrm>
+        <a:prstGeom prst="rect">
+          <a:avLst/>
+        </a:prstGeom>
+        <a:gradFill rotWithShape="0">
+          <a:gsLst>
+            <a:gs pos="0">
+              <a:schemeClr val="accent1">
+                <a:hueOff val="0"/>
+                <a:satOff val="0"/>
+                <a:lumOff val="0"/>
+                <a:alphaOff val="0"/>
+                <a:shade val="51000"/>
+                <a:satMod val="130000"/>
+              </a:schemeClr>
+            </a:gs>
+            <a:gs pos="80000">
+              <a:schemeClr val="accent1">
+                <a:hueOff val="0"/>
+                <a:satOff val="0"/>
+                <a:lumOff val="0"/>
+                <a:alphaOff val="0"/>
+                <a:shade val="93000"/>
+                <a:satMod val="130000"/>
+              </a:schemeClr>
+            </a:gs>
+            <a:gs pos="100000">
+              <a:schemeClr val="accent1">
+                <a:hueOff val="0"/>
+                <a:satOff val="0"/>
+                <a:lumOff val="0"/>
+                <a:alphaOff val="0"/>
+                <a:shade val="94000"/>
+                <a:satMod val="135000"/>
+              </a:schemeClr>
+            </a:gs>
+          </a:gsLst>
+          <a:lin ang="16200000" scaled="0"/>
+        </a:gradFill>
+        <a:ln>
+          <a:noFill/>
+        </a:ln>
+        <a:effectLst>
+          <a:outerShdw blurRad="40000" dist="23000" dir="5400000" rotWithShape="0">
+            <a:srgbClr val="000000">
+              <a:alpha val="35000"/>
+            </a:srgbClr>
+          </a:outerShdw>
+        </a:effectLst>
+        <a:scene3d>
+          <a:camera prst="orthographicFront"/>
+          <a:lightRig rig="flat" dir="t"/>
+        </a:scene3d>
+        <a:sp3d prstMaterial="plastic">
+          <a:bevelT w="120900" h="88900"/>
+          <a:bevelB w="88900" h="31750" prst="angle"/>
+        </a:sp3d>
+      </dsp:spPr>
+      <dsp:style>
+        <a:lnRef idx="0">
+          <a:scrgbClr r="0" g="0" b="0"/>
+        </a:lnRef>
+        <a:fillRef idx="3">
+          <a:scrgbClr r="0" g="0" b="0"/>
+        </a:fillRef>
+        <a:effectRef idx="2">
+          <a:scrgbClr r="0" g="0" b="0"/>
+        </a:effectRef>
+        <a:fontRef idx="minor">
+          <a:schemeClr val="lt1"/>
+        </a:fontRef>
+      </dsp:style>
+      <dsp:txBody>
+        <a:bodyPr spcFirstLastPara="0" vert="horz" wrap="square" lIns="15240" tIns="15240" rIns="15240" bIns="149272" numCol="1" spcCol="1270" anchor="ctr" anchorCtr="0">
+          <a:noAutofit/>
+        </a:bodyPr>
+        <a:lstStyle/>
+        <a:p>
+          <a:pPr lvl="0" algn="ctr" defTabSz="1066800">
+            <a:lnSpc>
+              <a:spcPct val="90000"/>
+            </a:lnSpc>
+            <a:spcBef>
+              <a:spcPct val="0"/>
+            </a:spcBef>
+            <a:spcAft>
+              <a:spcPct val="35000"/>
+            </a:spcAft>
+          </a:pPr>
+          <a:r>
+            <a:rPr lang="fr-FR" sz="2400" kern="1200" dirty="0" smtClean="0"/>
+            <a:t>Chef de projet</a:t>
+          </a:r>
+          <a:endParaRPr lang="fr-FR" sz="2400" kern="1200" dirty="0"/>
+        </a:p>
+      </dsp:txBody>
+      <dsp:txXfrm>
+        <a:off x="2991088" y="828548"/>
+        <a:ext cx="2043112" cy="1057833"/>
+      </dsp:txXfrm>
+    </dsp:sp>
+    <dsp:sp modelId="{052A6657-7F3F-4A36-8BF4-61A2B09A901B}">
+      <dsp:nvSpPr>
+        <dsp:cNvPr id="0" name=""/>
+        <dsp:cNvSpPr/>
+      </dsp:nvSpPr>
+      <dsp:spPr>
+        <a:xfrm>
+          <a:off x="3399710" y="1651308"/>
+          <a:ext cx="1838801" cy="352611"/>
+        </a:xfrm>
+        <a:prstGeom prst="rect">
+          <a:avLst/>
+        </a:prstGeom>
+        <a:solidFill>
+          <a:schemeClr val="lt1">
+            <a:alpha val="90000"/>
+            <a:hueOff val="0"/>
+            <a:satOff val="0"/>
+            <a:lumOff val="0"/>
+            <a:alphaOff val="0"/>
+          </a:schemeClr>
+        </a:solidFill>
+        <a:ln w="9525" cap="flat" cmpd="sng" algn="ctr">
+          <a:solidFill>
+            <a:schemeClr val="accent1">
+              <a:hueOff val="0"/>
+              <a:satOff val="0"/>
+              <a:lumOff val="0"/>
+              <a:alphaOff val="0"/>
+            </a:schemeClr>
+          </a:solidFill>
+          <a:prstDash val="solid"/>
+        </a:ln>
+        <a:effectLst>
+          <a:outerShdw blurRad="40000" dist="23000" dir="5400000" rotWithShape="0">
+            <a:srgbClr val="000000">
+              <a:alpha val="35000"/>
+            </a:srgbClr>
+          </a:outerShdw>
+        </a:effectLst>
+        <a:scene3d>
+          <a:camera prst="orthographicFront"/>
+          <a:lightRig rig="flat" dir="t"/>
+        </a:scene3d>
+        <a:sp3d z="190500" extrusionH="12700" prstMaterial="plastic">
+          <a:bevelT w="50800" h="50800"/>
+        </a:sp3d>
+      </dsp:spPr>
+      <dsp:style>
+        <a:lnRef idx="1">
+          <a:scrgbClr r="0" g="0" b="0"/>
+        </a:lnRef>
+        <a:fillRef idx="1">
+          <a:scrgbClr r="0" g="0" b="0"/>
+        </a:fillRef>
+        <a:effectRef idx="2">
+          <a:scrgbClr r="0" g="0" b="0"/>
+        </a:effectRef>
+        <a:fontRef idx="minor"/>
+      </dsp:style>
+      <dsp:txBody>
+        <a:bodyPr spcFirstLastPara="0" vert="horz" wrap="square" lIns="58420" tIns="14605" rIns="58420" bIns="14605" numCol="1" spcCol="1270" anchor="ctr" anchorCtr="0">
+          <a:noAutofit/>
+        </a:bodyPr>
+        <a:lstStyle/>
+        <a:p>
+          <a:pPr lvl="0" algn="r" defTabSz="1022350">
+            <a:lnSpc>
+              <a:spcPct val="90000"/>
+            </a:lnSpc>
+            <a:spcBef>
+              <a:spcPct val="0"/>
+            </a:spcBef>
+            <a:spcAft>
+              <a:spcPct val="35000"/>
+            </a:spcAft>
+          </a:pPr>
+          <a:r>
+            <a:rPr lang="fr-FR" sz="2300" kern="1200" dirty="0" smtClean="0"/>
+            <a:t>Julien Briot</a:t>
+          </a:r>
+          <a:endParaRPr lang="fr-FR" sz="2300" kern="1200" dirty="0"/>
+        </a:p>
+      </dsp:txBody>
+      <dsp:txXfrm>
+        <a:off x="3399710" y="1651308"/>
+        <a:ext cx="1838801" cy="352611"/>
+      </dsp:txXfrm>
+    </dsp:sp>
+    <dsp:sp modelId="{94887DC1-649D-42F9-8325-6CEBF370052E}">
+      <dsp:nvSpPr>
+        <dsp:cNvPr id="0" name=""/>
+        <dsp:cNvSpPr/>
+      </dsp:nvSpPr>
+      <dsp:spPr>
+        <a:xfrm>
+          <a:off x="80972" y="2497574"/>
+          <a:ext cx="2043112" cy="1057833"/>
+        </a:xfrm>
+        <a:prstGeom prst="rect">
+          <a:avLst/>
+        </a:prstGeom>
+        <a:gradFill rotWithShape="0">
+          <a:gsLst>
+            <a:gs pos="0">
+              <a:schemeClr val="accent1">
+                <a:hueOff val="0"/>
+                <a:satOff val="0"/>
+                <a:lumOff val="0"/>
+                <a:alphaOff val="0"/>
+                <a:shade val="51000"/>
+                <a:satMod val="130000"/>
+              </a:schemeClr>
+            </a:gs>
+            <a:gs pos="80000">
+              <a:schemeClr val="accent1">
+                <a:hueOff val="0"/>
+                <a:satOff val="0"/>
+                <a:lumOff val="0"/>
+                <a:alphaOff val="0"/>
+                <a:shade val="93000"/>
+                <a:satMod val="130000"/>
+              </a:schemeClr>
+            </a:gs>
+            <a:gs pos="100000">
+              <a:schemeClr val="accent1">
+                <a:hueOff val="0"/>
+                <a:satOff val="0"/>
+                <a:lumOff val="0"/>
+                <a:alphaOff val="0"/>
+                <a:shade val="94000"/>
+                <a:satMod val="135000"/>
+              </a:schemeClr>
+            </a:gs>
+          </a:gsLst>
+          <a:lin ang="16200000" scaled="0"/>
+        </a:gradFill>
+        <a:ln>
+          <a:noFill/>
+        </a:ln>
+        <a:effectLst>
+          <a:outerShdw blurRad="40000" dist="23000" dir="5400000" rotWithShape="0">
+            <a:srgbClr val="000000">
+              <a:alpha val="35000"/>
+            </a:srgbClr>
+          </a:outerShdw>
+        </a:effectLst>
+        <a:scene3d>
+          <a:camera prst="orthographicFront"/>
+          <a:lightRig rig="flat" dir="t"/>
+        </a:scene3d>
+        <a:sp3d prstMaterial="plastic">
+          <a:bevelT w="120900" h="88900"/>
+          <a:bevelB w="88900" h="31750" prst="angle"/>
+        </a:sp3d>
+      </dsp:spPr>
+      <dsp:style>
+        <a:lnRef idx="0">
+          <a:scrgbClr r="0" g="0" b="0"/>
+        </a:lnRef>
+        <a:fillRef idx="3">
+          <a:scrgbClr r="0" g="0" b="0"/>
+        </a:fillRef>
+        <a:effectRef idx="2">
+          <a:scrgbClr r="0" g="0" b="0"/>
+        </a:effectRef>
+        <a:fontRef idx="minor">
+          <a:schemeClr val="lt1"/>
+        </a:fontRef>
+      </dsp:style>
+      <dsp:txBody>
+        <a:bodyPr spcFirstLastPara="0" vert="horz" wrap="square" lIns="15240" tIns="15240" rIns="15240" bIns="149272" numCol="1" spcCol="1270" anchor="ctr" anchorCtr="0">
+          <a:noAutofit/>
+        </a:bodyPr>
+        <a:lstStyle/>
+        <a:p>
+          <a:pPr lvl="0" algn="ctr" defTabSz="1066800">
+            <a:lnSpc>
+              <a:spcPct val="90000"/>
+            </a:lnSpc>
+            <a:spcBef>
+              <a:spcPct val="0"/>
+            </a:spcBef>
+            <a:spcAft>
+              <a:spcPct val="35000"/>
+            </a:spcAft>
+          </a:pPr>
+          <a:r>
+            <a:rPr lang="fr-FR" sz="2400" kern="1200" dirty="0" smtClean="0"/>
+            <a:t>Communication</a:t>
+          </a:r>
+          <a:endParaRPr lang="fr-FR" sz="2400" kern="1200" dirty="0"/>
+        </a:p>
+      </dsp:txBody>
+      <dsp:txXfrm>
+        <a:off x="80972" y="2497574"/>
+        <a:ext cx="2043112" cy="1057833"/>
+      </dsp:txXfrm>
+    </dsp:sp>
+    <dsp:sp modelId="{A2118B76-A82C-402E-AC56-80287279C629}">
+      <dsp:nvSpPr>
+        <dsp:cNvPr id="0" name=""/>
+        <dsp:cNvSpPr/>
+      </dsp:nvSpPr>
+      <dsp:spPr>
+        <a:xfrm>
+          <a:off x="151522" y="3295864"/>
+          <a:ext cx="2514946" cy="401549"/>
+        </a:xfrm>
+        <a:prstGeom prst="rect">
+          <a:avLst/>
+        </a:prstGeom>
+        <a:solidFill>
+          <a:schemeClr val="lt1">
+            <a:alpha val="90000"/>
+            <a:hueOff val="0"/>
+            <a:satOff val="0"/>
+            <a:lumOff val="0"/>
+            <a:alphaOff val="0"/>
+          </a:schemeClr>
+        </a:solidFill>
+        <a:ln w="9525" cap="flat" cmpd="sng" algn="ctr">
+          <a:solidFill>
+            <a:schemeClr val="accent1">
+              <a:hueOff val="0"/>
+              <a:satOff val="0"/>
+              <a:lumOff val="0"/>
+              <a:alphaOff val="0"/>
+            </a:schemeClr>
+          </a:solidFill>
+          <a:prstDash val="solid"/>
+        </a:ln>
+        <a:effectLst>
+          <a:outerShdw blurRad="40000" dist="23000" dir="5400000" rotWithShape="0">
+            <a:srgbClr val="000000">
+              <a:alpha val="35000"/>
+            </a:srgbClr>
+          </a:outerShdw>
+        </a:effectLst>
+        <a:scene3d>
+          <a:camera prst="orthographicFront"/>
+          <a:lightRig rig="flat" dir="t"/>
+        </a:scene3d>
+        <a:sp3d z="190500" extrusionH="12700" prstMaterial="plastic">
+          <a:bevelT w="50800" h="50800"/>
+        </a:sp3d>
+      </dsp:spPr>
+      <dsp:style>
+        <a:lnRef idx="1">
+          <a:scrgbClr r="0" g="0" b="0"/>
+        </a:lnRef>
+        <a:fillRef idx="1">
+          <a:scrgbClr r="0" g="0" b="0"/>
+        </a:fillRef>
+        <a:effectRef idx="2">
+          <a:scrgbClr r="0" g="0" b="0"/>
+        </a:effectRef>
+        <a:fontRef idx="minor"/>
+      </dsp:style>
+      <dsp:txBody>
+        <a:bodyPr spcFirstLastPara="0" vert="horz" wrap="square" lIns="45720" tIns="11430" rIns="45720" bIns="11430" numCol="1" spcCol="1270" anchor="ctr" anchorCtr="0">
+          <a:noAutofit/>
+        </a:bodyPr>
+        <a:lstStyle/>
+        <a:p>
+          <a:pPr lvl="0" algn="r" defTabSz="800100">
+            <a:lnSpc>
+              <a:spcPct val="90000"/>
+            </a:lnSpc>
+            <a:spcBef>
+              <a:spcPct val="0"/>
+            </a:spcBef>
+            <a:spcAft>
+              <a:spcPct val="35000"/>
+            </a:spcAft>
+          </a:pPr>
+          <a:r>
+            <a:rPr lang="fr-FR" sz="1800" kern="1200" dirty="0" smtClean="0"/>
+            <a:t>Kim Herr &amp; Justine Poyard</a:t>
+          </a:r>
+          <a:endParaRPr lang="fr-FR" sz="1800" kern="1200" dirty="0"/>
+        </a:p>
+      </dsp:txBody>
+      <dsp:txXfrm>
+        <a:off x="151522" y="3295864"/>
+        <a:ext cx="2514946" cy="401549"/>
+      </dsp:txXfrm>
+    </dsp:sp>
+    <dsp:sp modelId="{45ACA44B-B33D-4FB7-BB50-F3CDF0AB0554}">
+      <dsp:nvSpPr>
+        <dsp:cNvPr id="0" name=""/>
+        <dsp:cNvSpPr/>
+      </dsp:nvSpPr>
+      <dsp:spPr>
+        <a:xfrm>
+          <a:off x="3160124" y="2497574"/>
+          <a:ext cx="2043112" cy="1057833"/>
+        </a:xfrm>
+        <a:prstGeom prst="rect">
+          <a:avLst/>
+        </a:prstGeom>
+        <a:gradFill rotWithShape="0">
+          <a:gsLst>
+            <a:gs pos="0">
+              <a:schemeClr val="accent1">
+                <a:hueOff val="0"/>
+                <a:satOff val="0"/>
+                <a:lumOff val="0"/>
+                <a:alphaOff val="0"/>
+                <a:shade val="51000"/>
+                <a:satMod val="130000"/>
+              </a:schemeClr>
+            </a:gs>
+            <a:gs pos="80000">
+              <a:schemeClr val="accent1">
+                <a:hueOff val="0"/>
+                <a:satOff val="0"/>
+                <a:lumOff val="0"/>
+                <a:alphaOff val="0"/>
+                <a:shade val="93000"/>
+                <a:satMod val="130000"/>
+              </a:schemeClr>
+            </a:gs>
+            <a:gs pos="100000">
+              <a:schemeClr val="accent1">
+                <a:hueOff val="0"/>
+                <a:satOff val="0"/>
+                <a:lumOff val="0"/>
+                <a:alphaOff val="0"/>
+                <a:shade val="94000"/>
+                <a:satMod val="135000"/>
+              </a:schemeClr>
+            </a:gs>
+          </a:gsLst>
+          <a:lin ang="16200000" scaled="0"/>
+        </a:gradFill>
+        <a:ln>
+          <a:noFill/>
+        </a:ln>
+        <a:effectLst>
+          <a:outerShdw blurRad="40000" dist="23000" dir="5400000" rotWithShape="0">
+            <a:srgbClr val="000000">
+              <a:alpha val="35000"/>
+            </a:srgbClr>
+          </a:outerShdw>
+        </a:effectLst>
+        <a:scene3d>
+          <a:camera prst="orthographicFront"/>
+          <a:lightRig rig="flat" dir="t"/>
+        </a:scene3d>
+        <a:sp3d prstMaterial="plastic">
+          <a:bevelT w="120900" h="88900"/>
+          <a:bevelB w="88900" h="31750" prst="angle"/>
+        </a:sp3d>
+      </dsp:spPr>
+      <dsp:style>
+        <a:lnRef idx="0">
+          <a:scrgbClr r="0" g="0" b="0"/>
+        </a:lnRef>
+        <a:fillRef idx="3">
+          <a:scrgbClr r="0" g="0" b="0"/>
+        </a:fillRef>
+        <a:effectRef idx="2">
+          <a:scrgbClr r="0" g="0" b="0"/>
+        </a:effectRef>
+        <a:fontRef idx="minor">
+          <a:schemeClr val="lt1"/>
+        </a:fontRef>
+      </dsp:style>
+      <dsp:txBody>
+        <a:bodyPr spcFirstLastPara="0" vert="horz" wrap="square" lIns="15240" tIns="15240" rIns="15240" bIns="149272" numCol="1" spcCol="1270" anchor="ctr" anchorCtr="0">
+          <a:noAutofit/>
+        </a:bodyPr>
+        <a:lstStyle/>
+        <a:p>
+          <a:pPr lvl="0" algn="ctr" defTabSz="1066800">
+            <a:lnSpc>
+              <a:spcPct val="90000"/>
+            </a:lnSpc>
+            <a:spcBef>
+              <a:spcPct val="0"/>
+            </a:spcBef>
+            <a:spcAft>
+              <a:spcPct val="35000"/>
+            </a:spcAft>
+          </a:pPr>
+          <a:r>
+            <a:rPr lang="fr-FR" sz="2400" kern="1200" dirty="0" smtClean="0"/>
+            <a:t>Qualité</a:t>
+          </a:r>
+          <a:endParaRPr lang="fr-FR" sz="2400" kern="1200" dirty="0"/>
+        </a:p>
+      </dsp:txBody>
+      <dsp:txXfrm>
+        <a:off x="3160124" y="2497574"/>
+        <a:ext cx="2043112" cy="1057833"/>
+      </dsp:txXfrm>
+    </dsp:sp>
+    <dsp:sp modelId="{222D6D1B-96A0-4021-9662-974920AD6355}">
+      <dsp:nvSpPr>
+        <dsp:cNvPr id="0" name=""/>
+        <dsp:cNvSpPr/>
+      </dsp:nvSpPr>
+      <dsp:spPr>
+        <a:xfrm>
+          <a:off x="3568747" y="3320333"/>
+          <a:ext cx="1838801" cy="352611"/>
+        </a:xfrm>
+        <a:prstGeom prst="rect">
+          <a:avLst/>
+        </a:prstGeom>
+        <a:solidFill>
+          <a:schemeClr val="lt1">
+            <a:alpha val="90000"/>
+            <a:hueOff val="0"/>
+            <a:satOff val="0"/>
+            <a:lumOff val="0"/>
+            <a:alphaOff val="0"/>
+          </a:schemeClr>
+        </a:solidFill>
+        <a:ln w="9525" cap="flat" cmpd="sng" algn="ctr">
+          <a:solidFill>
+            <a:schemeClr val="accent1">
+              <a:hueOff val="0"/>
+              <a:satOff val="0"/>
+              <a:lumOff val="0"/>
+              <a:alphaOff val="0"/>
+            </a:schemeClr>
+          </a:solidFill>
+          <a:prstDash val="solid"/>
+        </a:ln>
+        <a:effectLst>
+          <a:outerShdw blurRad="40000" dist="23000" dir="5400000" rotWithShape="0">
+            <a:srgbClr val="000000">
+              <a:alpha val="35000"/>
+            </a:srgbClr>
+          </a:outerShdw>
+        </a:effectLst>
+        <a:scene3d>
+          <a:camera prst="orthographicFront"/>
+          <a:lightRig rig="flat" dir="t"/>
+        </a:scene3d>
+        <a:sp3d z="190500" extrusionH="12700" prstMaterial="plastic">
+          <a:bevelT w="50800" h="50800"/>
+        </a:sp3d>
+      </dsp:spPr>
+      <dsp:style>
+        <a:lnRef idx="1">
+          <a:scrgbClr r="0" g="0" b="0"/>
+        </a:lnRef>
+        <a:fillRef idx="1">
+          <a:scrgbClr r="0" g="0" b="0"/>
+        </a:fillRef>
+        <a:effectRef idx="2">
+          <a:scrgbClr r="0" g="0" b="0"/>
+        </a:effectRef>
+        <a:fontRef idx="minor"/>
+      </dsp:style>
+      <dsp:txBody>
+        <a:bodyPr spcFirstLastPara="0" vert="horz" wrap="square" lIns="50800" tIns="12700" rIns="50800" bIns="12700" numCol="1" spcCol="1270" anchor="ctr" anchorCtr="0">
+          <a:noAutofit/>
+        </a:bodyPr>
+        <a:lstStyle/>
+        <a:p>
+          <a:pPr lvl="0" algn="r" defTabSz="889000">
+            <a:lnSpc>
+              <a:spcPct val="90000"/>
+            </a:lnSpc>
+            <a:spcBef>
+              <a:spcPct val="0"/>
+            </a:spcBef>
+            <a:spcAft>
+              <a:spcPct val="35000"/>
+            </a:spcAft>
+          </a:pPr>
+          <a:r>
+            <a:rPr lang="fr-FR" sz="2000" kern="1200" dirty="0" smtClean="0"/>
+            <a:t>Fabien Champel</a:t>
+          </a:r>
+          <a:endParaRPr lang="fr-FR" sz="2000" kern="1200" dirty="0"/>
+        </a:p>
+      </dsp:txBody>
+      <dsp:txXfrm>
+        <a:off x="3568747" y="3320333"/>
+        <a:ext cx="1838801" cy="352611"/>
+      </dsp:txXfrm>
+    </dsp:sp>
+    <dsp:sp modelId="{5C9F197B-416D-43CD-B566-7E5C0580B1A0}">
+      <dsp:nvSpPr>
+        <dsp:cNvPr id="0" name=""/>
+        <dsp:cNvSpPr/>
+      </dsp:nvSpPr>
+      <dsp:spPr>
+        <a:xfrm>
+          <a:off x="5901203" y="2497574"/>
+          <a:ext cx="2043112" cy="1057833"/>
+        </a:xfrm>
+        <a:prstGeom prst="rect">
+          <a:avLst/>
+        </a:prstGeom>
+        <a:gradFill rotWithShape="0">
+          <a:gsLst>
+            <a:gs pos="0">
+              <a:schemeClr val="accent1">
+                <a:hueOff val="0"/>
+                <a:satOff val="0"/>
+                <a:lumOff val="0"/>
+                <a:alphaOff val="0"/>
+                <a:shade val="51000"/>
+                <a:satMod val="130000"/>
+              </a:schemeClr>
+            </a:gs>
+            <a:gs pos="80000">
+              <a:schemeClr val="accent1">
+                <a:hueOff val="0"/>
+                <a:satOff val="0"/>
+                <a:lumOff val="0"/>
+                <a:alphaOff val="0"/>
+                <a:shade val="93000"/>
+                <a:satMod val="130000"/>
+              </a:schemeClr>
+            </a:gs>
+            <a:gs pos="100000">
+              <a:schemeClr val="accent1">
+                <a:hueOff val="0"/>
+                <a:satOff val="0"/>
+                <a:lumOff val="0"/>
+                <a:alphaOff val="0"/>
+                <a:shade val="94000"/>
+                <a:satMod val="135000"/>
+              </a:schemeClr>
+            </a:gs>
+          </a:gsLst>
+          <a:lin ang="16200000" scaled="0"/>
+        </a:gradFill>
+        <a:ln>
+          <a:noFill/>
+        </a:ln>
+        <a:effectLst>
+          <a:outerShdw blurRad="40000" dist="23000" dir="5400000" rotWithShape="0">
+            <a:srgbClr val="000000">
+              <a:alpha val="35000"/>
+            </a:srgbClr>
+          </a:outerShdw>
+        </a:effectLst>
+        <a:scene3d>
+          <a:camera prst="orthographicFront"/>
+          <a:lightRig rig="flat" dir="t"/>
+        </a:scene3d>
+        <a:sp3d prstMaterial="plastic">
+          <a:bevelT w="120900" h="88900"/>
+          <a:bevelB w="88900" h="31750" prst="angle"/>
+        </a:sp3d>
+      </dsp:spPr>
+      <dsp:style>
+        <a:lnRef idx="0">
+          <a:scrgbClr r="0" g="0" b="0"/>
+        </a:lnRef>
+        <a:fillRef idx="3">
+          <a:scrgbClr r="0" g="0" b="0"/>
+        </a:fillRef>
+        <a:effectRef idx="2">
+          <a:scrgbClr r="0" g="0" b="0"/>
+        </a:effectRef>
+        <a:fontRef idx="minor">
+          <a:schemeClr val="lt1"/>
+        </a:fontRef>
+      </dsp:style>
+      <dsp:txBody>
+        <a:bodyPr spcFirstLastPara="0" vert="horz" wrap="square" lIns="15240" tIns="15240" rIns="15240" bIns="149272" numCol="1" spcCol="1270" anchor="ctr" anchorCtr="0">
+          <a:noAutofit/>
+        </a:bodyPr>
+        <a:lstStyle/>
+        <a:p>
+          <a:pPr lvl="0" algn="ctr" defTabSz="1066800">
+            <a:lnSpc>
+              <a:spcPct val="90000"/>
+            </a:lnSpc>
+            <a:spcBef>
+              <a:spcPct val="0"/>
+            </a:spcBef>
+            <a:spcAft>
+              <a:spcPct val="35000"/>
+            </a:spcAft>
+          </a:pPr>
+          <a:r>
+            <a:rPr lang="fr-FR" sz="2400" kern="1200" dirty="0" smtClean="0"/>
+            <a:t>Technique</a:t>
+          </a:r>
+          <a:endParaRPr lang="fr-FR" sz="2400" kern="1200" dirty="0"/>
+        </a:p>
+      </dsp:txBody>
+      <dsp:txXfrm>
+        <a:off x="5901203" y="2497574"/>
+        <a:ext cx="2043112" cy="1057833"/>
+      </dsp:txXfrm>
+    </dsp:sp>
+    <dsp:sp modelId="{A947BEE5-9D6D-430A-B7E7-2D2C5E6ED561}">
+      <dsp:nvSpPr>
+        <dsp:cNvPr id="0" name=""/>
+        <dsp:cNvSpPr/>
+      </dsp:nvSpPr>
+      <dsp:spPr>
+        <a:xfrm>
+          <a:off x="6309826" y="3320333"/>
+          <a:ext cx="1838801" cy="352611"/>
+        </a:xfrm>
+        <a:prstGeom prst="rect">
+          <a:avLst/>
+        </a:prstGeom>
+        <a:solidFill>
+          <a:schemeClr val="lt1">
+            <a:alpha val="90000"/>
+            <a:hueOff val="0"/>
+            <a:satOff val="0"/>
+            <a:lumOff val="0"/>
+            <a:alphaOff val="0"/>
+          </a:schemeClr>
+        </a:solidFill>
+        <a:ln w="9525" cap="flat" cmpd="sng" algn="ctr">
+          <a:solidFill>
+            <a:schemeClr val="accent1">
+              <a:hueOff val="0"/>
+              <a:satOff val="0"/>
+              <a:lumOff val="0"/>
+              <a:alphaOff val="0"/>
+            </a:schemeClr>
+          </a:solidFill>
+          <a:prstDash val="solid"/>
+        </a:ln>
+        <a:effectLst>
+          <a:outerShdw blurRad="40000" dist="23000" dir="5400000" rotWithShape="0">
+            <a:srgbClr val="000000">
+              <a:alpha val="35000"/>
+            </a:srgbClr>
+          </a:outerShdw>
+        </a:effectLst>
+        <a:scene3d>
+          <a:camera prst="orthographicFront"/>
+          <a:lightRig rig="flat" dir="t"/>
+        </a:scene3d>
+        <a:sp3d z="190500" extrusionH="12700" prstMaterial="plastic">
+          <a:bevelT w="50800" h="50800"/>
+        </a:sp3d>
+      </dsp:spPr>
+      <dsp:style>
+        <a:lnRef idx="1">
+          <a:scrgbClr r="0" g="0" b="0"/>
+        </a:lnRef>
+        <a:fillRef idx="1">
+          <a:scrgbClr r="0" g="0" b="0"/>
+        </a:fillRef>
+        <a:effectRef idx="2">
+          <a:scrgbClr r="0" g="0" b="0"/>
+        </a:effectRef>
+        <a:fontRef idx="minor"/>
+      </dsp:style>
+      <dsp:txBody>
+        <a:bodyPr spcFirstLastPara="0" vert="horz" wrap="square" lIns="58420" tIns="14605" rIns="58420" bIns="14605" numCol="1" spcCol="1270" anchor="ctr" anchorCtr="0">
+          <a:noAutofit/>
+        </a:bodyPr>
+        <a:lstStyle/>
+        <a:p>
+          <a:pPr lvl="0" algn="r" defTabSz="1022350">
+            <a:lnSpc>
+              <a:spcPct val="90000"/>
+            </a:lnSpc>
+            <a:spcBef>
+              <a:spcPct val="0"/>
+            </a:spcBef>
+            <a:spcAft>
+              <a:spcPct val="35000"/>
+            </a:spcAft>
+          </a:pPr>
+          <a:r>
+            <a:rPr lang="fr-FR" sz="2300" kern="1200" dirty="0" smtClean="0"/>
+            <a:t>Long Le Dac</a:t>
+          </a:r>
+          <a:endParaRPr lang="fr-FR" sz="2300" kern="1200" dirty="0"/>
+        </a:p>
+      </dsp:txBody>
+      <dsp:txXfrm>
+        <a:off x="6309826" y="3320333"/>
+        <a:ext cx="1838801" cy="352611"/>
+      </dsp:txXfrm>
+    </dsp:sp>
+  </dsp:spTree>
+</dsp:drawing>
+</file>
+
+<file path=ppt/diagrams/drawing2.xml><?xml version="1.0" encoding="utf-8"?>
 <dsp:drawing xmlns:dgm="http://schemas.openxmlformats.org/drawingml/2006/diagram" xmlns:dsp="http://schemas.microsoft.com/office/drawing/2008/diagram" xmlns:a="http://schemas.openxmlformats.org/drawingml/2006/main">
   <dsp:spTree>
     <dsp:nvGrpSpPr>
@@ -2108,6 +4297,1187 @@
 </file>
 
 <file path=ppt/diagrams/layout1.xml><?xml version="1.0" encoding="utf-8"?>
+<dgm:layoutDef xmlns:dgm="http://schemas.openxmlformats.org/drawingml/2006/diagram" xmlns:a="http://schemas.openxmlformats.org/drawingml/2006/main" uniqueId="urn:microsoft.com/office/officeart/2008/layout/NameandTitleOrganizationalChart">
+  <dgm:title val=""/>
+  <dgm:desc val=""/>
+  <dgm:catLst>
+    <dgm:cat type="hierarchy" pri="1250"/>
+  </dgm:catLst>
+  <dgm:sampData>
+    <dgm:dataModel>
+      <dgm:ptLst>
+        <dgm:pt modelId="0" type="doc"/>
+        <dgm:pt modelId="1">
+          <dgm:prSet phldr="1"/>
+        </dgm:pt>
+        <dgm:pt modelId="2" type="asst">
+          <dgm:prSet phldr="1"/>
+        </dgm:pt>
+        <dgm:pt modelId="3">
+          <dgm:prSet phldr="1"/>
+        </dgm:pt>
+        <dgm:pt modelId="4">
+          <dgm:prSet phldr="1"/>
+        </dgm:pt>
+        <dgm:pt modelId="5">
+          <dgm:prSet phldr="1"/>
+        </dgm:pt>
+      </dgm:ptLst>
+      <dgm:cxnLst>
+        <dgm:cxn modelId="5" srcId="0" destId="1" srcOrd="0" destOrd="0"/>
+        <dgm:cxn modelId="6" srcId="1" destId="2" srcOrd="0" destOrd="0"/>
+        <dgm:cxn modelId="7" srcId="1" destId="3" srcOrd="1" destOrd="0"/>
+        <dgm:cxn modelId="8" srcId="1" destId="4" srcOrd="2" destOrd="0"/>
+        <dgm:cxn modelId="9" srcId="1" destId="5" srcOrd="3" destOrd="0"/>
+      </dgm:cxnLst>
+      <dgm:bg/>
+      <dgm:whole/>
+    </dgm:dataModel>
+  </dgm:sampData>
+  <dgm:styleData>
+    <dgm:dataModel>
+      <dgm:ptLst>
+        <dgm:pt modelId="0" type="doc"/>
+        <dgm:pt modelId="1"/>
+        <dgm:pt modelId="12"/>
+        <dgm:pt modelId="13"/>
+      </dgm:ptLst>
+      <dgm:cxnLst>
+        <dgm:cxn modelId="2" srcId="0" destId="1" srcOrd="0" destOrd="0"/>
+        <dgm:cxn modelId="16" srcId="1" destId="12" srcOrd="1" destOrd="0"/>
+        <dgm:cxn modelId="17" srcId="1" destId="13" srcOrd="2" destOrd="0"/>
+      </dgm:cxnLst>
+      <dgm:bg/>
+      <dgm:whole/>
+    </dgm:dataModel>
+  </dgm:styleData>
+  <dgm:clrData>
+    <dgm:dataModel>
+      <dgm:ptLst>
+        <dgm:pt modelId="0" type="doc"/>
+        <dgm:pt modelId="1"/>
+        <dgm:pt modelId="11" type="asst"/>
+        <dgm:pt modelId="12"/>
+        <dgm:pt modelId="13"/>
+        <dgm:pt modelId="14"/>
+      </dgm:ptLst>
+      <dgm:cxnLst>
+        <dgm:cxn modelId="2" srcId="0" destId="1" srcOrd="0" destOrd="0"/>
+        <dgm:cxn modelId="15" srcId="1" destId="11" srcOrd="0" destOrd="0"/>
+        <dgm:cxn modelId="16" srcId="1" destId="12" srcOrd="1" destOrd="0"/>
+        <dgm:cxn modelId="17" srcId="1" destId="13" srcOrd="2" destOrd="0"/>
+        <dgm:cxn modelId="18" srcId="1" destId="14" srcOrd="2" destOrd="0"/>
+      </dgm:cxnLst>
+      <dgm:bg/>
+      <dgm:whole/>
+    </dgm:dataModel>
+  </dgm:clrData>
+  <dgm:layoutNode name="hierChild1">
+    <dgm:varLst>
+      <dgm:orgChart val="1"/>
+      <dgm:chPref val="1"/>
+      <dgm:dir/>
+      <dgm:animOne val="branch"/>
+      <dgm:animLvl val="lvl"/>
+      <dgm:resizeHandles/>
+    </dgm:varLst>
+    <dgm:choose name="Name0">
+      <dgm:if name="Name1" func="var" arg="dir" op="equ" val="norm">
+        <dgm:alg type="hierChild">
+          <dgm:param type="linDir" val="fromL"/>
+        </dgm:alg>
+      </dgm:if>
+      <dgm:else name="Name2">
+        <dgm:alg type="hierChild">
+          <dgm:param type="linDir" val="fromR"/>
+        </dgm:alg>
+      </dgm:else>
+    </dgm:choose>
+    <dgm:shape xmlns:r="http://schemas.openxmlformats.org/officeDocument/2006/relationships" r:blip="">
+      <dgm:adjLst/>
+    </dgm:shape>
+    <dgm:presOf/>
+    <dgm:constrLst>
+      <dgm:constr type="w" for="des" forName="rootComposite1" refType="w" fact="10"/>
+      <dgm:constr type="h" for="des" forName="rootComposite1" refType="w" refFor="des" refForName="rootComposite1" fact="0.5"/>
+      <dgm:constr type="w" for="des" forName="rootComposite" refType="w" fact="10"/>
+      <dgm:constr type="h" for="des" forName="rootComposite" refType="w" refFor="des" refForName="rootComposite1" fact="0.5"/>
+      <dgm:constr type="w" for="des" forName="rootComposite3" refType="w" fact="10"/>
+      <dgm:constr type="h" for="des" forName="rootComposite3" refType="w" refFor="des" refForName="rootComposite1" fact="0.5"/>
+      <dgm:constr type="primFontSz" for="des" ptType="node" op="equ"/>
+      <dgm:constr type="sp" for="des" op="equ"/>
+      <dgm:constr type="sp" for="des" forName="hierRoot1" refType="w" refFor="des" refForName="rootComposite1" fact="0.21"/>
+      <dgm:constr type="sp" for="des" forName="hierRoot2" refType="sp" refFor="des" refForName="hierRoot1"/>
+      <dgm:constr type="sp" for="des" forName="hierRoot3" refType="sp" refFor="des" refForName="hierRoot1"/>
+      <dgm:constr type="sibSp" refType="w" refFor="des" refForName="rootComposite1" fact="0.21"/>
+      <dgm:constr type="sibSp" for="des" forName="hierChild2" refType="sibSp"/>
+      <dgm:constr type="sibSp" for="des" forName="hierChild3" refType="sibSp"/>
+      <dgm:constr type="sibSp" for="des" forName="hierChild4" refType="sibSp"/>
+      <dgm:constr type="sibSp" for="des" forName="hierChild5" refType="sibSp"/>
+      <dgm:constr type="sibSp" for="des" forName="hierChild6" refType="sibSp"/>
+      <dgm:constr type="sibSp" for="des" forName="hierChild7" refType="sibSp"/>
+      <dgm:constr type="secSibSp" refType="w" refFor="des" refForName="rootComposite1" fact="0.21"/>
+      <dgm:constr type="secSibSp" for="des" forName="hierChild2" refType="secSibSp"/>
+      <dgm:constr type="secSibSp" for="des" forName="hierChild3" refType="secSibSp"/>
+      <dgm:constr type="secSibSp" for="des" forName="hierChild4" refType="secSibSp"/>
+      <dgm:constr type="secSibSp" for="des" forName="hierChild5" refType="secSibSp"/>
+      <dgm:constr type="secSibSp" for="des" forName="hierChild6" refType="secSibSp"/>
+      <dgm:constr type="secSibSp" for="des" forName="hierChild7" refType="secSibSp"/>
+    </dgm:constrLst>
+    <dgm:ruleLst/>
+    <dgm:forEach name="Name3" axis="ch">
+      <dgm:forEach name="Name4" axis="self" ptType="node">
+        <dgm:layoutNode name="hierRoot1">
+          <dgm:varLst>
+            <dgm:hierBranch val="init"/>
+          </dgm:varLst>
+          <dgm:choose name="Name5">
+            <dgm:if name="Name6" func="var" arg="hierBranch" op="equ" val="l">
+              <dgm:choose name="Name7">
+                <dgm:if name="Name8" axis="ch" ptType="asst" func="cnt" op="gte" val="1">
+                  <dgm:alg type="hierRoot">
+                    <dgm:param type="hierAlign" val="tR"/>
+                  </dgm:alg>
+                  <dgm:constrLst>
+                    <dgm:constr type="alignOff" val="0.65"/>
+                  </dgm:constrLst>
+                </dgm:if>
+                <dgm:else name="Name9">
+                  <dgm:alg type="hierRoot">
+                    <dgm:param type="hierAlign" val="tR"/>
+                  </dgm:alg>
+                  <dgm:constrLst>
+                    <dgm:constr type="alignOff" val="0.25"/>
+                  </dgm:constrLst>
+                </dgm:else>
+              </dgm:choose>
+            </dgm:if>
+            <dgm:if name="Name10" func="var" arg="hierBranch" op="equ" val="r">
+              <dgm:choose name="Name11">
+                <dgm:if name="Name12" axis="ch" ptType="asst" func="cnt" op="gte" val="1">
+                  <dgm:alg type="hierRoot">
+                    <dgm:param type="hierAlign" val="tL"/>
+                  </dgm:alg>
+                  <dgm:constrLst>
+                    <dgm:constr type="alignOff" val="0.65"/>
+                  </dgm:constrLst>
+                </dgm:if>
+                <dgm:else name="Name13">
+                  <dgm:alg type="hierRoot">
+                    <dgm:param type="hierAlign" val="tL"/>
+                  </dgm:alg>
+                  <dgm:constrLst>
+                    <dgm:constr type="alignOff" val="0.25"/>
+                  </dgm:constrLst>
+                </dgm:else>
+              </dgm:choose>
+            </dgm:if>
+            <dgm:if name="Name14" func="var" arg="hierBranch" op="equ" val="hang">
+              <dgm:alg type="hierRoot"/>
+              <dgm:constrLst>
+                <dgm:constr type="alignOff" val="0.65"/>
+              </dgm:constrLst>
+            </dgm:if>
+            <dgm:else name="Name15">
+              <dgm:alg type="hierRoot"/>
+              <dgm:constrLst>
+                <dgm:constr type="alignOff"/>
+                <dgm:constr type="bendDist" for="des" ptType="parTrans" refType="sp" fact="0.5"/>
+              </dgm:constrLst>
+            </dgm:else>
+          </dgm:choose>
+          <dgm:shape xmlns:r="http://schemas.openxmlformats.org/officeDocument/2006/relationships" r:blip="">
+            <dgm:adjLst/>
+          </dgm:shape>
+          <dgm:presOf/>
+          <dgm:ruleLst/>
+          <dgm:layoutNode name="rootComposite1">
+            <dgm:alg type="composite"/>
+            <dgm:shape xmlns:r="http://schemas.openxmlformats.org/officeDocument/2006/relationships" r:blip="">
+              <dgm:adjLst/>
+            </dgm:shape>
+            <dgm:presOf axis="self" ptType="node" cnt="1"/>
+            <dgm:choose name="Name16">
+              <dgm:if name="Name17" func="var" arg="hierBranch" op="equ" val="init">
+                <dgm:constrLst>
+                  <dgm:constr type="l" for="ch" forName="rootText1"/>
+                  <dgm:constr type="t" for="ch" forName="rootText1"/>
+                  <dgm:constr type="w" for="ch" forName="rootText1" refType="w"/>
+                  <dgm:constr type="h" for="ch" forName="rootText1" refType="h" fact="0.9"/>
+                  <dgm:constr type="l" for="ch" forName="titleText1" refType="w" fact="0.2"/>
+                  <dgm:constr type="t" for="ch" forName="titleText1" refType="h" fact="0.7"/>
+                  <dgm:constr type="w" for="ch" forName="titleText1" refType="w" fact="0.9"/>
+                  <dgm:constr type="h" for="ch" forName="titleText1" refType="h" fact="0.3"/>
+                  <dgm:constr type="primFontSz" for="des" forName="titleText1" refType="primFontSz" refFor="des" refForName="rootText1" op="lte"/>
+                  <dgm:constr type="l" for="ch" forName="rootConnector1"/>
+                  <dgm:constr type="t" for="ch" forName="rootConnector1"/>
+                  <dgm:constr type="w" for="ch" forName="rootConnector1" refType="w" refFor="ch" refForName="rootText1" fact="0.2"/>
+                  <dgm:constr type="h" for="ch" forName="rootConnector1" refType="h" refFor="ch" refForName="rootText1"/>
+                </dgm:constrLst>
+              </dgm:if>
+              <dgm:if name="Name18" func="var" arg="hierBranch" op="equ" val="l">
+                <dgm:constrLst>
+                  <dgm:constr type="l" for="ch" forName="rootText1"/>
+                  <dgm:constr type="t" for="ch" forName="rootText1"/>
+                  <dgm:constr type="w" for="ch" forName="rootText1" refType="w"/>
+                  <dgm:constr type="h" for="ch" forName="rootText1" refType="h" fact="0.9"/>
+                  <dgm:constr type="l" for="ch" forName="titleText1" refType="w" fact="0.2"/>
+                  <dgm:constr type="t" for="ch" forName="titleText1" refType="h" fact="0.7"/>
+                  <dgm:constr type="w" for="ch" forName="titleText1" refType="w" fact="0.9"/>
+                  <dgm:constr type="h" for="ch" forName="titleText1" refType="h" fact="0.3"/>
+                  <dgm:constr type="primFontSz" for="des" forName="titleText1" refType="primFontSz" refFor="des" refForName="rootText1" op="lte"/>
+                  <dgm:constr type="r" for="ch" forName="rootConnector1" refType="w"/>
+                  <dgm:constr type="t" for="ch" forName="rootConnector1"/>
+                  <dgm:constr type="w" for="ch" forName="rootConnector1" refType="w" refFor="ch" refForName="rootText1" fact="0.2"/>
+                  <dgm:constr type="h" for="ch" forName="rootConnector1" refType="h" refFor="ch" refForName="rootText1"/>
+                </dgm:constrLst>
+              </dgm:if>
+              <dgm:if name="Name19" func="var" arg="hierBranch" op="equ" val="r">
+                <dgm:constrLst>
+                  <dgm:constr type="l" for="ch" forName="rootText1"/>
+                  <dgm:constr type="t" for="ch" forName="rootText1"/>
+                  <dgm:constr type="w" for="ch" forName="rootText1" refType="w"/>
+                  <dgm:constr type="h" for="ch" forName="rootText1" refType="h" fact="0.9"/>
+                  <dgm:constr type="l" for="ch" forName="titleText1" refType="w" fact="0.2"/>
+                  <dgm:constr type="t" for="ch" forName="titleText1" refType="h" fact="0.7"/>
+                  <dgm:constr type="w" for="ch" forName="titleText1" refType="w" fact="0.9"/>
+                  <dgm:constr type="h" for="ch" forName="titleText1" refType="h" fact="0.3"/>
+                  <dgm:constr type="primFontSz" for="des" forName="titleText1" refType="primFontSz" refFor="des" refForName="rootText1" op="lte"/>
+                  <dgm:constr type="l" for="ch" forName="rootConnector1"/>
+                  <dgm:constr type="t" for="ch" forName="rootConnector1"/>
+                  <dgm:constr type="w" for="ch" forName="rootConnector1" refType="w" refFor="ch" refForName="rootText1" fact="0.2"/>
+                  <dgm:constr type="h" for="ch" forName="rootConnector1" refType="h" refFor="ch" refForName="rootText1"/>
+                </dgm:constrLst>
+              </dgm:if>
+              <dgm:else name="Name20">
+                <dgm:constrLst>
+                  <dgm:constr type="l" for="ch" forName="rootText1"/>
+                  <dgm:constr type="t" for="ch" forName="rootText1"/>
+                  <dgm:constr type="w" for="ch" forName="rootText1" refType="w"/>
+                  <dgm:constr type="h" for="ch" forName="rootText1" refType="h" fact="0.9"/>
+                  <dgm:constr type="l" for="ch" forName="titleText1" refType="w" fact="0.2"/>
+                  <dgm:constr type="t" for="ch" forName="titleText1" refType="h" fact="0.7"/>
+                  <dgm:constr type="w" for="ch" forName="titleText1" refType="w" fact="0.9"/>
+                  <dgm:constr type="h" for="ch" forName="titleText1" refType="h" fact="0.3"/>
+                  <dgm:constr type="primFontSz" for="des" forName="titleText1" refType="primFontSz" refFor="des" refForName="rootText1" op="lte"/>
+                  <dgm:constr type="r" for="ch" forName="rootConnector1" refType="w"/>
+                  <dgm:constr type="t" for="ch" forName="rootConnector1"/>
+                  <dgm:constr type="w" for="ch" forName="rootConnector1" refType="w" refFor="ch" refForName="rootText1" fact="0.2"/>
+                  <dgm:constr type="h" for="ch" forName="rootConnector1" refType="h" refFor="ch" refForName="rootText1"/>
+                </dgm:constrLst>
+              </dgm:else>
+            </dgm:choose>
+            <dgm:ruleLst/>
+            <dgm:layoutNode name="rootText1" styleLbl="node0">
+              <dgm:varLst>
+                <dgm:chMax/>
+                <dgm:chPref val="3"/>
+              </dgm:varLst>
+              <dgm:alg type="tx"/>
+              <dgm:shape xmlns:r="http://schemas.openxmlformats.org/officeDocument/2006/relationships" type="rect" r:blip="">
+                <dgm:adjLst/>
+              </dgm:shape>
+              <dgm:presOf axis="self" ptType="node" cnt="1"/>
+              <dgm:constrLst>
+                <dgm:constr type="primFontSz" val="65"/>
+                <dgm:constr type="lMarg" refType="primFontSz" fact="0.05"/>
+                <dgm:constr type="rMarg" refType="primFontSz" fact="0.05"/>
+                <dgm:constr type="tMarg" refType="primFontSz" fact="0.05"/>
+                <dgm:constr type="bMarg" refType="h" fact="0.4"/>
+              </dgm:constrLst>
+              <dgm:ruleLst>
+                <dgm:rule type="primFontSz" val="5" fact="NaN" max="NaN"/>
+              </dgm:ruleLst>
+            </dgm:layoutNode>
+            <dgm:layoutNode name="titleText1" styleLbl="fgAcc0">
+              <dgm:varLst>
+                <dgm:chMax val="0"/>
+                <dgm:chPref val="0"/>
+              </dgm:varLst>
+              <dgm:alg type="tx">
+                <dgm:param type="parTxLTRAlign" val="r"/>
+              </dgm:alg>
+              <dgm:shape xmlns:r="http://schemas.openxmlformats.org/officeDocument/2006/relationships" type="rect" r:blip="">
+                <dgm:adjLst/>
+              </dgm:shape>
+              <dgm:presOf axis="followSib" ptType="sibTrans" hideLastTrans="0" cnt="1"/>
+              <dgm:constrLst>
+                <dgm:constr type="primFontSz" val="65"/>
+                <dgm:constr type="lMarg" refType="primFontSz" fact="0.2"/>
+                <dgm:constr type="rMarg" refType="primFontSz" fact="0.2"/>
+                <dgm:constr type="tMarg" refType="primFontSz" fact="0.05"/>
+                <dgm:constr type="bMarg" refType="primFontSz" fact="0.05"/>
+              </dgm:constrLst>
+              <dgm:ruleLst>
+                <dgm:rule type="primFontSz" val="5" fact="NaN" max="NaN"/>
+              </dgm:ruleLst>
+            </dgm:layoutNode>
+            <dgm:layoutNode name="rootConnector1" moveWith="rootText1">
+              <dgm:alg type="sp"/>
+              <dgm:shape xmlns:r="http://schemas.openxmlformats.org/officeDocument/2006/relationships" type="rect" r:blip="" hideGeom="1">
+                <dgm:adjLst/>
+              </dgm:shape>
+              <dgm:presOf axis="self" ptType="node" cnt="1"/>
+              <dgm:constrLst/>
+              <dgm:ruleLst/>
+            </dgm:layoutNode>
+          </dgm:layoutNode>
+          <dgm:layoutNode name="hierChild2">
+            <dgm:choose name="Name21">
+              <dgm:if name="Name22" func="var" arg="hierBranch" op="equ" val="l">
+                <dgm:alg type="hierChild">
+                  <dgm:param type="chAlign" val="r"/>
+                  <dgm:param type="linDir" val="fromT"/>
+                </dgm:alg>
+              </dgm:if>
+              <dgm:if name="Name23" func="var" arg="hierBranch" op="equ" val="r">
+                <dgm:alg type="hierChild">
+                  <dgm:param type="chAlign" val="l"/>
+                  <dgm:param type="linDir" val="fromT"/>
+                </dgm:alg>
+              </dgm:if>
+              <dgm:if name="Name24" func="var" arg="hierBranch" op="equ" val="hang">
+                <dgm:choose name="Name25">
+                  <dgm:if name="Name26" func="var" arg="dir" op="equ" val="norm">
+                    <dgm:alg type="hierChild">
+                      <dgm:param type="chAlign" val="l"/>
+                      <dgm:param type="linDir" val="fromL"/>
+                      <dgm:param type="secChAlign" val="t"/>
+                      <dgm:param type="secLinDir" val="fromT"/>
+                    </dgm:alg>
+                  </dgm:if>
+                  <dgm:else name="Name27">
+                    <dgm:alg type="hierChild">
+                      <dgm:param type="chAlign" val="l"/>
+                      <dgm:param type="linDir" val="fromR"/>
+                      <dgm:param type="secChAlign" val="t"/>
+                      <dgm:param type="secLinDir" val="fromT"/>
+                    </dgm:alg>
+                  </dgm:else>
+                </dgm:choose>
+              </dgm:if>
+              <dgm:else name="Name28">
+                <dgm:choose name="Name29">
+                  <dgm:if name="Name30" func="var" arg="dir" op="equ" val="norm">
+                    <dgm:alg type="hierChild"/>
+                  </dgm:if>
+                  <dgm:else name="Name31">
+                    <dgm:alg type="hierChild">
+                      <dgm:param type="linDir" val="fromR"/>
+                    </dgm:alg>
+                  </dgm:else>
+                </dgm:choose>
+              </dgm:else>
+            </dgm:choose>
+            <dgm:shape xmlns:r="http://schemas.openxmlformats.org/officeDocument/2006/relationships" r:blip="">
+              <dgm:adjLst/>
+            </dgm:shape>
+            <dgm:presOf/>
+            <dgm:constrLst/>
+            <dgm:ruleLst/>
+            <dgm:forEach name="rep2a" axis="ch" ptType="nonAsst">
+              <dgm:forEach name="Name32" axis="precedSib" ptType="parTrans" st="-1" cnt="1">
+                <dgm:choose name="Name33">
+                  <dgm:if name="Name34" func="var" arg="hierBranch" op="equ" val="std">
+                    <dgm:layoutNode name="Name35">
+                      <dgm:alg type="conn">
+                        <dgm:param type="connRout" val="bend"/>
+                        <dgm:param type="dim" val="1D"/>
+                        <dgm:param type="endSty" val="noArr"/>
+                        <dgm:param type="begPts" val="bCtr"/>
+                        <dgm:param type="endPts" val="tCtr"/>
+                        <dgm:param type="bendPt" val="end"/>
+                      </dgm:alg>
+                      <dgm:shape xmlns:r="http://schemas.openxmlformats.org/officeDocument/2006/relationships" type="conn" r:blip="" zOrderOff="-99999">
+                        <dgm:adjLst/>
+                      </dgm:shape>
+                      <dgm:presOf axis="self"/>
+                      <dgm:constrLst>
+                        <dgm:constr type="begPad"/>
+                        <dgm:constr type="endPad"/>
+                      </dgm:constrLst>
+                      <dgm:ruleLst/>
+                    </dgm:layoutNode>
+                  </dgm:if>
+                  <dgm:if name="Name36" func="var" arg="hierBranch" op="equ" val="init">
+                    <dgm:layoutNode name="Name37">
+                      <dgm:choose name="Name38">
+                        <dgm:if name="Name39" axis="self" func="depth" op="lte" val="2">
+                          <dgm:alg type="conn">
+                            <dgm:param type="connRout" val="bend"/>
+                            <dgm:param type="dim" val="1D"/>
+                            <dgm:param type="endSty" val="noArr"/>
+                            <dgm:param type="begPts" val="bCtr"/>
+                            <dgm:param type="endPts" val="tCtr"/>
+                            <dgm:param type="bendPt" val="end"/>
+                          </dgm:alg>
+                        </dgm:if>
+                        <dgm:else name="Name40">
+                          <dgm:alg type="conn">
+                            <dgm:param type="connRout" val="bend"/>
+                            <dgm:param type="dim" val="1D"/>
+                            <dgm:param type="endSty" val="noArr"/>
+                            <dgm:param type="begPts" val="bCtr"/>
+                            <dgm:param type="endPts" val="tCtr"/>
+                            <dgm:param type="bendPt" val="end"/>
+                          </dgm:alg>
+                        </dgm:else>
+                      </dgm:choose>
+                      <dgm:shape xmlns:r="http://schemas.openxmlformats.org/officeDocument/2006/relationships" type="conn" r:blip="" zOrderOff="-99999">
+                        <dgm:adjLst/>
+                      </dgm:shape>
+                      <dgm:presOf axis="self"/>
+                      <dgm:constrLst>
+                        <dgm:constr type="begPad"/>
+                        <dgm:constr type="endPad"/>
+                      </dgm:constrLst>
+                      <dgm:ruleLst/>
+                    </dgm:layoutNode>
+                  </dgm:if>
+                  <dgm:if name="Name41" func="var" arg="hierBranch" op="equ" val="hang">
+                    <dgm:layoutNode name="Name42">
+                      <dgm:alg type="conn">
+                        <dgm:param type="connRout" val="bend"/>
+                        <dgm:param type="dim" val="1D"/>
+                        <dgm:param type="endSty" val="noArr"/>
+                        <dgm:param type="begPts" val="bCtr"/>
+                        <dgm:param type="endPts" val="midL midR"/>
+                      </dgm:alg>
+                      <dgm:shape xmlns:r="http://schemas.openxmlformats.org/officeDocument/2006/relationships" type="conn" r:blip="" zOrderOff="-99999">
+                        <dgm:adjLst/>
+                      </dgm:shape>
+                      <dgm:presOf axis="self"/>
+                      <dgm:constrLst>
+                        <dgm:constr type="begPad"/>
+                        <dgm:constr type="endPad"/>
+                      </dgm:constrLst>
+                      <dgm:ruleLst/>
+                    </dgm:layoutNode>
+                  </dgm:if>
+                  <dgm:else name="Name43">
+                    <dgm:layoutNode name="Name44">
+                      <dgm:choose name="Name45">
+                        <dgm:if name="Name46" axis="self" func="depth" op="lte" val="2">
+                          <dgm:choose name="Name47">
+                            <dgm:if name="Name48" axis="par ch" ptType="node asst" func="cnt" op="gte" val="1">
+                              <dgm:alg type="conn">
+                                <dgm:param type="connRout" val="bend"/>
+                                <dgm:param type="dim" val="1D"/>
+                                <dgm:param type="endSty" val="noArr"/>
+                                <dgm:param type="begPts" val="bCtr"/>
+                                <dgm:param type="endPts" val="midL midR"/>
+                              </dgm:alg>
+                            </dgm:if>
+                            <dgm:else name="Name49">
+                              <dgm:alg type="conn">
+                                <dgm:param type="connRout" val="bend"/>
+                                <dgm:param type="dim" val="1D"/>
+                                <dgm:param type="endSty" val="noArr"/>
+                                <dgm:param type="begPts" val="bCtr"/>
+                                <dgm:param type="endPts" val="midL midR"/>
+                                <dgm:param type="srcNode" val="rootConnector1"/>
+                              </dgm:alg>
+                            </dgm:else>
+                          </dgm:choose>
+                        </dgm:if>
+                        <dgm:else name="Name50">
+                          <dgm:choose name="Name51">
+                            <dgm:if name="Name52" axis="par ch" ptType="node asst" func="cnt" op="gte" val="1">
+                              <dgm:alg type="conn">
+                                <dgm:param type="connRout" val="bend"/>
+                                <dgm:param type="dim" val="1D"/>
+                                <dgm:param type="endSty" val="noArr"/>
+                                <dgm:param type="begPts" val="bCtr"/>
+                                <dgm:param type="endPts" val="midL midR"/>
+                              </dgm:alg>
+                            </dgm:if>
+                            <dgm:else name="Name53">
+                              <dgm:alg type="conn">
+                                <dgm:param type="connRout" val="bend"/>
+                                <dgm:param type="dim" val="1D"/>
+                                <dgm:param type="endSty" val="noArr"/>
+                                <dgm:param type="begPts" val="bCtr"/>
+                                <dgm:param type="endPts" val="midL midR"/>
+                                <dgm:param type="srcNode" val="rootConnector"/>
+                              </dgm:alg>
+                            </dgm:else>
+                          </dgm:choose>
+                        </dgm:else>
+                      </dgm:choose>
+                      <dgm:shape xmlns:r="http://schemas.openxmlformats.org/officeDocument/2006/relationships" type="conn" r:blip="" zOrderOff="-99999">
+                        <dgm:adjLst/>
+                      </dgm:shape>
+                      <dgm:presOf axis="self"/>
+                      <dgm:constrLst>
+                        <dgm:constr type="begPad"/>
+                        <dgm:constr type="endPad"/>
+                      </dgm:constrLst>
+                      <dgm:ruleLst/>
+                    </dgm:layoutNode>
+                  </dgm:else>
+                </dgm:choose>
+              </dgm:forEach>
+              <dgm:layoutNode name="hierRoot2">
+                <dgm:varLst>
+                  <dgm:hierBranch val="init"/>
+                </dgm:varLst>
+                <dgm:choose name="Name54">
+                  <dgm:if name="Name55" func="var" arg="hierBranch" op="equ" val="l">
+                    <dgm:choose name="Name56">
+                      <dgm:if name="Name57" axis="ch" ptType="asst" func="cnt" op="gte" val="1">
+                        <dgm:alg type="hierRoot">
+                          <dgm:param type="hierAlign" val="tR"/>
+                        </dgm:alg>
+                        <dgm:shape xmlns:r="http://schemas.openxmlformats.org/officeDocument/2006/relationships" r:blip="">
+                          <dgm:adjLst/>
+                        </dgm:shape>
+                        <dgm:presOf/>
+                        <dgm:constrLst>
+                          <dgm:constr type="alignOff" val="0.65"/>
+                        </dgm:constrLst>
+                      </dgm:if>
+                      <dgm:else name="Name58">
+                        <dgm:alg type="hierRoot">
+                          <dgm:param type="hierAlign" val="tR"/>
+                        </dgm:alg>
+                        <dgm:shape xmlns:r="http://schemas.openxmlformats.org/officeDocument/2006/relationships" r:blip="">
+                          <dgm:adjLst/>
+                        </dgm:shape>
+                        <dgm:presOf/>
+                        <dgm:constrLst>
+                          <dgm:constr type="alignOff" val="0.25"/>
+                        </dgm:constrLst>
+                      </dgm:else>
+                    </dgm:choose>
+                  </dgm:if>
+                  <dgm:if name="Name59" func="var" arg="hierBranch" op="equ" val="r">
+                    <dgm:choose name="Name60">
+                      <dgm:if name="Name61" axis="ch" ptType="asst" func="cnt" op="gte" val="1">
+                        <dgm:alg type="hierRoot">
+                          <dgm:param type="hierAlign" val="tL"/>
+                        </dgm:alg>
+                        <dgm:shape xmlns:r="http://schemas.openxmlformats.org/officeDocument/2006/relationships" r:blip="">
+                          <dgm:adjLst/>
+                        </dgm:shape>
+                        <dgm:presOf/>
+                        <dgm:constrLst>
+                          <dgm:constr type="alignOff" val="0.65"/>
+                        </dgm:constrLst>
+                      </dgm:if>
+                      <dgm:else name="Name62">
+                        <dgm:alg type="hierRoot">
+                          <dgm:param type="hierAlign" val="tL"/>
+                        </dgm:alg>
+                        <dgm:shape xmlns:r="http://schemas.openxmlformats.org/officeDocument/2006/relationships" r:blip="">
+                          <dgm:adjLst/>
+                        </dgm:shape>
+                        <dgm:presOf/>
+                        <dgm:constrLst>
+                          <dgm:constr type="alignOff" val="0.25"/>
+                        </dgm:constrLst>
+                      </dgm:else>
+                    </dgm:choose>
+                  </dgm:if>
+                  <dgm:if name="Name63" func="var" arg="hierBranch" op="equ" val="std">
+                    <dgm:alg type="hierRoot"/>
+                    <dgm:shape xmlns:r="http://schemas.openxmlformats.org/officeDocument/2006/relationships" r:blip="">
+                      <dgm:adjLst/>
+                    </dgm:shape>
+                    <dgm:presOf/>
+                    <dgm:constrLst>
+                      <dgm:constr type="alignOff"/>
+                      <dgm:constr type="bendDist" for="des" ptType="parTrans" refType="sp" fact="0.5"/>
+                    </dgm:constrLst>
+                  </dgm:if>
+                  <dgm:if name="Name64" func="var" arg="hierBranch" op="equ" val="init">
+                    <dgm:alg type="hierRoot"/>
+                    <dgm:shape xmlns:r="http://schemas.openxmlformats.org/officeDocument/2006/relationships" r:blip="">
+                      <dgm:adjLst/>
+                    </dgm:shape>
+                    <dgm:presOf/>
+                    <dgm:constrLst>
+                      <dgm:constr type="alignOff"/>
+                      <dgm:constr type="bendDist" for="des" ptType="parTrans" refType="sp" fact="0.5"/>
+                    </dgm:constrLst>
+                  </dgm:if>
+                  <dgm:else name="Name65">
+                    <dgm:alg type="hierRoot"/>
+                    <dgm:shape xmlns:r="http://schemas.openxmlformats.org/officeDocument/2006/relationships" r:blip="">
+                      <dgm:adjLst/>
+                    </dgm:shape>
+                    <dgm:presOf/>
+                    <dgm:constrLst>
+                      <dgm:constr type="alignOff" val="0.65"/>
+                    </dgm:constrLst>
+                  </dgm:else>
+                </dgm:choose>
+                <dgm:ruleLst/>
+                <dgm:layoutNode name="rootComposite">
+                  <dgm:alg type="composite"/>
+                  <dgm:shape xmlns:r="http://schemas.openxmlformats.org/officeDocument/2006/relationships" r:blip="">
+                    <dgm:adjLst/>
+                  </dgm:shape>
+                  <dgm:presOf axis="self" ptType="node" cnt="1"/>
+                  <dgm:choose name="Name66">
+                    <dgm:if name="Name67" func="var" arg="hierBranch" op="equ" val="init">
+                      <dgm:constrLst>
+                        <dgm:constr type="l" for="ch" forName="rootText"/>
+                        <dgm:constr type="t" for="ch" forName="rootText"/>
+                        <dgm:constr type="w" for="ch" forName="rootText" refType="w"/>
+                        <dgm:constr type="h" for="ch" forName="rootText" refType="h" fact="0.9"/>
+                        <dgm:constr type="l" for="ch" forName="titleText2" refType="w" fact="0.2"/>
+                        <dgm:constr type="t" for="ch" forName="titleText2" refType="h" fact="0.7"/>
+                        <dgm:constr type="w" for="ch" forName="titleText2" refType="w" fact="0.9"/>
+                        <dgm:constr type="h" for="ch" forName="titleText2" refType="h" fact="0.3"/>
+                        <dgm:constr type="primFontSz" for="des" forName="titleText2" refType="primFontSz" refFor="des" refForName="rootText1" op="lte"/>
+                        <dgm:constr type="l" for="ch" forName="rootConnector"/>
+                        <dgm:constr type="t" for="ch" forName="rootConnector"/>
+                        <dgm:constr type="w" for="ch" forName="rootConnector" refType="w" refFor="ch" refForName="rootText" fact="0.2"/>
+                        <dgm:constr type="h" for="ch" forName="rootConnector" refType="h" refFor="ch" refForName="rootText"/>
+                      </dgm:constrLst>
+                    </dgm:if>
+                    <dgm:if name="Name68" func="var" arg="hierBranch" op="equ" val="l">
+                      <dgm:constrLst>
+                        <dgm:constr type="l" for="ch" forName="rootText"/>
+                        <dgm:constr type="t" for="ch" forName="rootText"/>
+                        <dgm:constr type="w" for="ch" forName="rootText" refType="w"/>
+                        <dgm:constr type="h" for="ch" forName="rootText" refType="h" fact="0.9"/>
+                        <dgm:constr type="l" for="ch" forName="titleText2" refType="w" fact="0.2"/>
+                        <dgm:constr type="t" for="ch" forName="titleText2" refType="h" fact="0.7"/>
+                        <dgm:constr type="w" for="ch" forName="titleText2" refType="w" fact="0.9"/>
+                        <dgm:constr type="h" for="ch" forName="titleText2" refType="h" fact="0.3"/>
+                        <dgm:constr type="primFontSz" for="des" forName="titleText2" refType="primFontSz" refFor="des" refForName="rootText1" op="lte"/>
+                        <dgm:constr type="r" for="ch" forName="rootConnector" refType="w"/>
+                        <dgm:constr type="t" for="ch" forName="rootConnector"/>
+                        <dgm:constr type="w" for="ch" forName="rootConnector" refType="w" refFor="ch" refForName="rootText" fact="0.2"/>
+                        <dgm:constr type="h" for="ch" forName="rootConnector" refType="h" refFor="ch" refForName="rootText"/>
+                      </dgm:constrLst>
+                    </dgm:if>
+                    <dgm:if name="Name69" func="var" arg="hierBranch" op="equ" val="r">
+                      <dgm:constrLst>
+                        <dgm:constr type="l" for="ch" forName="rootText"/>
+                        <dgm:constr type="t" for="ch" forName="rootText"/>
+                        <dgm:constr type="w" for="ch" forName="rootText" refType="w"/>
+                        <dgm:constr type="h" for="ch" forName="rootText" refType="h" fact="0.9"/>
+                        <dgm:constr type="l" for="ch" forName="titleText2" refType="w" fact="0.2"/>
+                        <dgm:constr type="t" for="ch" forName="titleText2" refType="h" fact="0.7"/>
+                        <dgm:constr type="w" for="ch" forName="titleText2" refType="w" fact="0.9"/>
+                        <dgm:constr type="h" for="ch" forName="titleText2" refType="h" fact="0.3"/>
+                        <dgm:constr type="primFontSz" for="des" forName="titleText2" refType="primFontSz" refFor="des" refForName="rootText1" op="lte"/>
+                        <dgm:constr type="l" for="ch" forName="rootConnector"/>
+                        <dgm:constr type="t" for="ch" forName="rootConnector"/>
+                        <dgm:constr type="w" for="ch" forName="rootConnector" refType="w" refFor="ch" refForName="rootText" fact="0.2"/>
+                        <dgm:constr type="h" for="ch" forName="rootConnector" refType="h" refFor="ch" refForName="rootText"/>
+                      </dgm:constrLst>
+                    </dgm:if>
+                    <dgm:else name="Name70">
+                      <dgm:constrLst>
+                        <dgm:constr type="l" for="ch" forName="rootText"/>
+                        <dgm:constr type="t" for="ch" forName="rootText"/>
+                        <dgm:constr type="w" for="ch" forName="rootText" refType="w"/>
+                        <dgm:constr type="h" for="ch" forName="rootText" refType="h" fact="0.9"/>
+                        <dgm:constr type="l" for="ch" forName="titleText2" refType="w" fact="0.2"/>
+                        <dgm:constr type="t" for="ch" forName="titleText2" refType="h" fact="0.7"/>
+                        <dgm:constr type="w" for="ch" forName="titleText2" refType="w" fact="0.9"/>
+                        <dgm:constr type="h" for="ch" forName="titleText2" refType="h" fact="0.3"/>
+                        <dgm:constr type="primFontSz" for="des" forName="titleText2" refType="primFontSz" refFor="des" refForName="rootText1" op="lte"/>
+                        <dgm:constr type="r" for="ch" forName="rootConnector" refType="w"/>
+                        <dgm:constr type="t" for="ch" forName="rootConnector"/>
+                        <dgm:constr type="w" for="ch" forName="rootConnector" refType="w" refFor="ch" refForName="rootText" fact="0.2"/>
+                        <dgm:constr type="h" for="ch" forName="rootConnector" refType="h" refFor="ch" refForName="rootText"/>
+                      </dgm:constrLst>
+                    </dgm:else>
+                  </dgm:choose>
+                  <dgm:ruleLst/>
+                  <dgm:layoutNode name="rootText" styleLbl="node1">
+                    <dgm:varLst>
+                      <dgm:chMax/>
+                      <dgm:chPref val="3"/>
+                    </dgm:varLst>
+                    <dgm:alg type="tx"/>
+                    <dgm:shape xmlns:r="http://schemas.openxmlformats.org/officeDocument/2006/relationships" type="rect" r:blip="">
+                      <dgm:adjLst/>
+                    </dgm:shape>
+                    <dgm:presOf axis="self" ptType="node" cnt="1"/>
+                    <dgm:constrLst>
+                      <dgm:constr type="primFontSz" val="65"/>
+                      <dgm:constr type="lMarg" refType="primFontSz" fact="0.05"/>
+                      <dgm:constr type="rMarg" refType="primFontSz" fact="0.05"/>
+                      <dgm:constr type="tMarg" refType="primFontSz" fact="0.05"/>
+                      <dgm:constr type="bMarg" refType="h" fact="0.4"/>
+                    </dgm:constrLst>
+                    <dgm:ruleLst>
+                      <dgm:rule type="primFontSz" val="5" fact="NaN" max="NaN"/>
+                    </dgm:ruleLst>
+                  </dgm:layoutNode>
+                  <dgm:layoutNode name="titleText2" styleLbl="fgAcc1">
+                    <dgm:varLst>
+                      <dgm:chMax val="0"/>
+                      <dgm:chPref val="0"/>
+                    </dgm:varLst>
+                    <dgm:alg type="tx">
+                      <dgm:param type="parTxLTRAlign" val="r"/>
+                    </dgm:alg>
+                    <dgm:shape xmlns:r="http://schemas.openxmlformats.org/officeDocument/2006/relationships" type="rect" r:blip="">
+                      <dgm:adjLst/>
+                    </dgm:shape>
+                    <dgm:presOf axis="followSib" ptType="sibTrans" hideLastTrans="0" cnt="1"/>
+                    <dgm:constrLst>
+                      <dgm:constr type="primFontSz" val="65"/>
+                      <dgm:constr type="lMarg" refType="primFontSz" fact="0.2"/>
+                      <dgm:constr type="rMarg" refType="primFontSz" fact="0.2"/>
+                      <dgm:constr type="tMarg" refType="primFontSz" fact="0.05"/>
+                      <dgm:constr type="bMarg" refType="primFontSz" fact="0.05"/>
+                    </dgm:constrLst>
+                    <dgm:ruleLst>
+                      <dgm:rule type="primFontSz" val="5" fact="NaN" max="NaN"/>
+                    </dgm:ruleLst>
+                  </dgm:layoutNode>
+                  <dgm:layoutNode name="rootConnector" moveWith="rootText">
+                    <dgm:alg type="sp"/>
+                    <dgm:shape xmlns:r="http://schemas.openxmlformats.org/officeDocument/2006/relationships" type="rect" r:blip="" hideGeom="1">
+                      <dgm:adjLst/>
+                    </dgm:shape>
+                    <dgm:presOf axis="self" ptType="node" cnt="1"/>
+                    <dgm:constrLst/>
+                    <dgm:ruleLst/>
+                  </dgm:layoutNode>
+                </dgm:layoutNode>
+                <dgm:layoutNode name="hierChild4">
+                  <dgm:choose name="Name71">
+                    <dgm:if name="Name72" func="var" arg="hierBranch" op="equ" val="l">
+                      <dgm:alg type="hierChild">
+                        <dgm:param type="chAlign" val="r"/>
+                        <dgm:param type="linDir" val="fromT"/>
+                      </dgm:alg>
+                    </dgm:if>
+                    <dgm:if name="Name73" func="var" arg="hierBranch" op="equ" val="r">
+                      <dgm:alg type="hierChild">
+                        <dgm:param type="chAlign" val="l"/>
+                        <dgm:param type="linDir" val="fromT"/>
+                      </dgm:alg>
+                    </dgm:if>
+                    <dgm:if name="Name74" func="var" arg="hierBranch" op="equ" val="hang">
+                      <dgm:choose name="Name75">
+                        <dgm:if name="Name76" func="var" arg="dir" op="equ" val="norm">
+                          <dgm:alg type="hierChild">
+                            <dgm:param type="chAlign" val="l"/>
+                            <dgm:param type="linDir" val="fromL"/>
+                            <dgm:param type="secChAlign" val="t"/>
+                            <dgm:param type="secLinDir" val="fromT"/>
+                          </dgm:alg>
+                        </dgm:if>
+                        <dgm:else name="Name77">
+                          <dgm:alg type="hierChild">
+                            <dgm:param type="chAlign" val="l"/>
+                            <dgm:param type="linDir" val="fromR"/>
+                            <dgm:param type="secChAlign" val="t"/>
+                            <dgm:param type="secLinDir" val="fromT"/>
+                          </dgm:alg>
+                        </dgm:else>
+                      </dgm:choose>
+                    </dgm:if>
+                    <dgm:if name="Name78" func="var" arg="hierBranch" op="equ" val="std">
+                      <dgm:choose name="Name79">
+                        <dgm:if name="Name80" func="var" arg="dir" op="equ" val="norm">
+                          <dgm:alg type="hierChild"/>
+                        </dgm:if>
+                        <dgm:else name="Name81">
+                          <dgm:alg type="hierChild">
+                            <dgm:param type="linDir" val="fromR"/>
+                          </dgm:alg>
+                        </dgm:else>
+                      </dgm:choose>
+                    </dgm:if>
+                    <dgm:if name="Name82" func="var" arg="hierBranch" op="equ" val="init">
+                      <dgm:choose name="Name83">
+                        <dgm:if name="Name84" func="var" arg="dir" op="equ" val="norm">
+                          <dgm:alg type="hierChild"/>
+                        </dgm:if>
+                        <dgm:else name="Name85">
+                          <dgm:alg type="hierChild">
+                            <dgm:param type="linDir" val="fromR"/>
+                          </dgm:alg>
+                        </dgm:else>
+                      </dgm:choose>
+                    </dgm:if>
+                    <dgm:else name="Name86"/>
+                  </dgm:choose>
+                  <dgm:shape xmlns:r="http://schemas.openxmlformats.org/officeDocument/2006/relationships" r:blip="">
+                    <dgm:adjLst/>
+                  </dgm:shape>
+                  <dgm:presOf/>
+                  <dgm:constrLst/>
+                  <dgm:ruleLst/>
+                  <dgm:forEach name="Name87" ref="rep2a"/>
+                </dgm:layoutNode>
+                <dgm:layoutNode name="hierChild5">
+                  <dgm:choose name="Name88">
+                    <dgm:if name="Name89" func="var" arg="dir" op="equ" val="norm">
+                      <dgm:alg type="hierChild">
+                        <dgm:param type="chAlign" val="l"/>
+                        <dgm:param type="linDir" val="fromL"/>
+                        <dgm:param type="secChAlign" val="t"/>
+                        <dgm:param type="secLinDir" val="fromT"/>
+                      </dgm:alg>
+                    </dgm:if>
+                    <dgm:else name="Name90">
+                      <dgm:alg type="hierChild">
+                        <dgm:param type="chAlign" val="l"/>
+                        <dgm:param type="linDir" val="fromR"/>
+                        <dgm:param type="secChAlign" val="t"/>
+                        <dgm:param type="secLinDir" val="fromT"/>
+                      </dgm:alg>
+                    </dgm:else>
+                  </dgm:choose>
+                  <dgm:shape xmlns:r="http://schemas.openxmlformats.org/officeDocument/2006/relationships" r:blip="">
+                    <dgm:adjLst/>
+                  </dgm:shape>
+                  <dgm:presOf/>
+                  <dgm:constrLst/>
+                  <dgm:ruleLst/>
+                  <dgm:forEach name="Name91" ref="rep2b"/>
+                </dgm:layoutNode>
+              </dgm:layoutNode>
+            </dgm:forEach>
+          </dgm:layoutNode>
+          <dgm:layoutNode name="hierChild3">
+            <dgm:choose name="Name92">
+              <dgm:if name="Name93" func="var" arg="dir" op="equ" val="norm">
+                <dgm:alg type="hierChild">
+                  <dgm:param type="chAlign" val="l"/>
+                  <dgm:param type="linDir" val="fromL"/>
+                  <dgm:param type="secChAlign" val="t"/>
+                  <dgm:param type="secLinDir" val="fromT"/>
+                </dgm:alg>
+              </dgm:if>
+              <dgm:else name="Name94">
+                <dgm:alg type="hierChild">
+                  <dgm:param type="chAlign" val="l"/>
+                  <dgm:param type="linDir" val="fromR"/>
+                  <dgm:param type="secChAlign" val="t"/>
+                  <dgm:param type="secLinDir" val="fromT"/>
+                </dgm:alg>
+              </dgm:else>
+            </dgm:choose>
+            <dgm:shape xmlns:r="http://schemas.openxmlformats.org/officeDocument/2006/relationships" r:blip="">
+              <dgm:adjLst/>
+            </dgm:shape>
+            <dgm:presOf/>
+            <dgm:constrLst/>
+            <dgm:ruleLst/>
+            <dgm:forEach name="rep2b" axis="ch" ptType="asst">
+              <dgm:forEach name="Name95" axis="precedSib" ptType="parTrans" st="-1" cnt="1">
+                <dgm:layoutNode name="Name96">
+                  <dgm:alg type="conn">
+                    <dgm:param type="connRout" val="bend"/>
+                    <dgm:param type="dim" val="1D"/>
+                    <dgm:param type="endSty" val="noArr"/>
+                    <dgm:param type="begPts" val="bCtr"/>
+                    <dgm:param type="endPts" val="midL midR"/>
+                  </dgm:alg>
+                  <dgm:shape xmlns:r="http://schemas.openxmlformats.org/officeDocument/2006/relationships" type="conn" r:blip="" zOrderOff="-99999">
+                    <dgm:adjLst/>
+                  </dgm:shape>
+                  <dgm:presOf axis="self"/>
+                  <dgm:constrLst>
+                    <dgm:constr type="begPad"/>
+                    <dgm:constr type="endPad"/>
+                  </dgm:constrLst>
+                  <dgm:ruleLst/>
+                </dgm:layoutNode>
+              </dgm:forEach>
+              <dgm:layoutNode name="hierRoot3">
+                <dgm:varLst>
+                  <dgm:hierBranch val="init"/>
+                </dgm:varLst>
+                <dgm:choose name="Name97">
+                  <dgm:if name="Name98" func="var" arg="hierBranch" op="equ" val="l">
+                    <dgm:alg type="hierRoot">
+                      <dgm:param type="hierAlign" val="tR"/>
+                    </dgm:alg>
+                    <dgm:shape xmlns:r="http://schemas.openxmlformats.org/officeDocument/2006/relationships" r:blip="">
+                      <dgm:adjLst/>
+                    </dgm:shape>
+                    <dgm:presOf/>
+                    <dgm:constrLst>
+                      <dgm:constr type="alignOff" val="0.65"/>
+                    </dgm:constrLst>
+                  </dgm:if>
+                  <dgm:if name="Name99" func="var" arg="hierBranch" op="equ" val="r">
+                    <dgm:alg type="hierRoot">
+                      <dgm:param type="hierAlign" val="tL"/>
+                    </dgm:alg>
+                    <dgm:shape xmlns:r="http://schemas.openxmlformats.org/officeDocument/2006/relationships" r:blip="">
+                      <dgm:adjLst/>
+                    </dgm:shape>
+                    <dgm:presOf/>
+                    <dgm:constrLst>
+                      <dgm:constr type="alignOff" val="0.65"/>
+                    </dgm:constrLst>
+                  </dgm:if>
+                  <dgm:if name="Name100" func="var" arg="hierBranch" op="equ" val="hang">
+                    <dgm:alg type="hierRoot"/>
+                    <dgm:shape xmlns:r="http://schemas.openxmlformats.org/officeDocument/2006/relationships" r:blip="">
+                      <dgm:adjLst/>
+                    </dgm:shape>
+                    <dgm:presOf/>
+                    <dgm:constrLst>
+                      <dgm:constr type="alignOff" val="0.65"/>
+                    </dgm:constrLst>
+                  </dgm:if>
+                  <dgm:if name="Name101" func="var" arg="hierBranch" op="equ" val="std">
+                    <dgm:alg type="hierRoot"/>
+                    <dgm:shape xmlns:r="http://schemas.openxmlformats.org/officeDocument/2006/relationships" r:blip="">
+                      <dgm:adjLst/>
+                    </dgm:shape>
+                    <dgm:presOf/>
+                    <dgm:constrLst>
+                      <dgm:constr type="alignOff"/>
+                      <dgm:constr type="bendDist" for="des" ptType="parTrans" refType="sp" fact="0.5"/>
+                    </dgm:constrLst>
+                  </dgm:if>
+                  <dgm:if name="Name102" func="var" arg="hierBranch" op="equ" val="init">
+                    <dgm:alg type="hierRoot"/>
+                    <dgm:shape xmlns:r="http://schemas.openxmlformats.org/officeDocument/2006/relationships" r:blip="">
+                      <dgm:adjLst/>
+                    </dgm:shape>
+                    <dgm:presOf/>
+                    <dgm:constrLst>
+                      <dgm:constr type="alignOff"/>
+                      <dgm:constr type="bendDist" for="des" ptType="parTrans" refType="sp" fact="0.5"/>
+                    </dgm:constrLst>
+                  </dgm:if>
+                  <dgm:else name="Name103"/>
+                </dgm:choose>
+                <dgm:ruleLst/>
+                <dgm:layoutNode name="rootComposite3">
+                  <dgm:alg type="composite"/>
+                  <dgm:shape xmlns:r="http://schemas.openxmlformats.org/officeDocument/2006/relationships" r:blip="">
+                    <dgm:adjLst/>
+                  </dgm:shape>
+                  <dgm:presOf axis="self" ptType="node" cnt="1"/>
+                  <dgm:choose name="Name104">
+                    <dgm:if name="Name105" func="var" arg="hierBranch" op="equ" val="init">
+                      <dgm:constrLst>
+                        <dgm:constr type="l" for="ch" forName="rootText3"/>
+                        <dgm:constr type="t" for="ch" forName="rootText3"/>
+                        <dgm:constr type="w" for="ch" forName="rootText3" refType="w"/>
+                        <dgm:constr type="h" for="ch" forName="rootText3" refType="h" fact="0.9"/>
+                        <dgm:constr type="l" for="ch" forName="titleText3" refType="w" fact="0.2"/>
+                        <dgm:constr type="t" for="ch" forName="titleText3" refType="h" fact="0.7"/>
+                        <dgm:constr type="w" for="ch" forName="titleText3" refType="w" fact="0.9"/>
+                        <dgm:constr type="h" for="ch" forName="titleText3" refType="h" fact="0.3"/>
+                        <dgm:constr type="primFontSz" for="des" forName="titleText3" refType="primFontSz" refFor="des" refForName="rootText3" op="lte"/>
+                        <dgm:constr type="l" for="ch" forName="rootConnector3"/>
+                        <dgm:constr type="t" for="ch" forName="rootConnector3"/>
+                        <dgm:constr type="w" for="ch" forName="rootConnector3" refType="w" refFor="ch" refForName="rootText3" fact="0.2"/>
+                        <dgm:constr type="h" for="ch" forName="rootConnector3" refType="h" refFor="ch" refForName="rootText3"/>
+                      </dgm:constrLst>
+                    </dgm:if>
+                    <dgm:if name="Name106" func="var" arg="hierBranch" op="equ" val="l">
+                      <dgm:constrLst>
+                        <dgm:constr type="l" for="ch" forName="rootText3"/>
+                        <dgm:constr type="t" for="ch" forName="rootText3"/>
+                        <dgm:constr type="w" for="ch" forName="rootText3" refType="w"/>
+                        <dgm:constr type="h" for="ch" forName="rootText3" refType="h" fact="0.9"/>
+                        <dgm:constr type="l" for="ch" forName="titleText3" refType="w" fact="0.2"/>
+                        <dgm:constr type="t" for="ch" forName="titleText3" refType="h" fact="0.7"/>
+                        <dgm:constr type="w" for="ch" forName="titleText3" refType="w" fact="0.9"/>
+                        <dgm:constr type="h" for="ch" forName="titleText3" refType="h" fact="0.3"/>
+                        <dgm:constr type="primFontSz" for="des" forName="titleText3" refType="primFontSz" refFor="des" refForName="rootText3" op="lte"/>
+                        <dgm:constr type="r" for="ch" forName="rootConnector3" refType="w"/>
+                        <dgm:constr type="t" for="ch" forName="rootConnector3"/>
+                        <dgm:constr type="w" for="ch" forName="rootConnector3" refType="w" refFor="ch" refForName="rootText3" fact="0.2"/>
+                        <dgm:constr type="h" for="ch" forName="rootConnector3" refType="h" refFor="ch" refForName="rootText3"/>
+                      </dgm:constrLst>
+                    </dgm:if>
+                    <dgm:if name="Name107" func="var" arg="hierBranch" op="equ" val="r">
+                      <dgm:constrLst>
+                        <dgm:constr type="l" for="ch" forName="rootText3"/>
+                        <dgm:constr type="t" for="ch" forName="rootText3"/>
+                        <dgm:constr type="w" for="ch" forName="rootText3" refType="w"/>
+                        <dgm:constr type="h" for="ch" forName="rootText3" refType="h" fact="0.9"/>
+                        <dgm:constr type="l" for="ch" forName="titleText3" refType="w" fact="0.2"/>
+                        <dgm:constr type="t" for="ch" forName="titleText3" refType="h" fact="0.7"/>
+                        <dgm:constr type="w" for="ch" forName="titleText3" refType="w" fact="0.9"/>
+                        <dgm:constr type="h" for="ch" forName="titleText3" refType="h" fact="0.3"/>
+                        <dgm:constr type="primFontSz" for="des" forName="titleText3" refType="primFontSz" refFor="des" refForName="rootText3" op="lte"/>
+                        <dgm:constr type="l" for="ch" forName="rootConnector3"/>
+                        <dgm:constr type="t" for="ch" forName="rootConnector3"/>
+                        <dgm:constr type="w" for="ch" forName="rootConnector3" refType="w" refFor="ch" refForName="rootText3" fact="0.2"/>
+                        <dgm:constr type="h" for="ch" forName="rootConnector3" refType="h" refFor="ch" refForName="rootText3"/>
+                      </dgm:constrLst>
+                    </dgm:if>
+                    <dgm:else name="Name108">
+                      <dgm:constrLst>
+                        <dgm:constr type="l" for="ch" forName="rootText3"/>
+                        <dgm:constr type="t" for="ch" forName="rootText3"/>
+                        <dgm:constr type="w" for="ch" forName="rootText3" refType="w"/>
+                        <dgm:constr type="h" for="ch" forName="rootText3" refType="h" fact="0.9"/>
+                        <dgm:constr type="l" for="ch" forName="titleText3" refType="w" fact="0.2"/>
+                        <dgm:constr type="t" for="ch" forName="titleText3" refType="h" fact="0.7"/>
+                        <dgm:constr type="w" for="ch" forName="titleText3" refType="w" fact="0.9"/>
+                        <dgm:constr type="h" for="ch" forName="titleText3" refType="h" fact="0.3"/>
+                        <dgm:constr type="primFontSz" for="des" forName="titleText3" refType="primFontSz" refFor="des" refForName="rootText3" op="lte"/>
+                        <dgm:constr type="r" for="ch" forName="rootConnector3" refType="w"/>
+                        <dgm:constr type="t" for="ch" forName="rootConnector3"/>
+                        <dgm:constr type="w" for="ch" forName="rootConnector3" refType="w" refFor="ch" refForName="rootText3" fact="0.2"/>
+                        <dgm:constr type="h" for="ch" forName="rootConnector3" refType="h" refFor="ch" refForName="rootText3"/>
+                      </dgm:constrLst>
+                    </dgm:else>
+                  </dgm:choose>
+                  <dgm:ruleLst/>
+                  <dgm:layoutNode name="rootText3" styleLbl="asst1">
+                    <dgm:varLst>
+                      <dgm:chPref val="3"/>
+                    </dgm:varLst>
+                    <dgm:alg type="tx"/>
+                    <dgm:shape xmlns:r="http://schemas.openxmlformats.org/officeDocument/2006/relationships" type="rect" r:blip="">
+                      <dgm:adjLst/>
+                    </dgm:shape>
+                    <dgm:presOf axis="self" ptType="node" cnt="1"/>
+                    <dgm:constrLst>
+                      <dgm:constr type="primFontSz" val="65"/>
+                      <dgm:constr type="lMarg" refType="primFontSz" fact="0.05"/>
+                      <dgm:constr type="rMarg" refType="primFontSz" fact="0.05"/>
+                      <dgm:constr type="tMarg" refType="primFontSz" fact="0.05"/>
+                      <dgm:constr type="bMarg" refType="h" fact="0.4"/>
+                    </dgm:constrLst>
+                    <dgm:ruleLst>
+                      <dgm:rule type="primFontSz" val="5" fact="NaN" max="NaN"/>
+                    </dgm:ruleLst>
+                  </dgm:layoutNode>
+                  <dgm:layoutNode name="titleText3" styleLbl="fgAcc2">
+                    <dgm:varLst>
+                      <dgm:chMax val="0"/>
+                      <dgm:chPref val="0"/>
+                    </dgm:varLst>
+                    <dgm:alg type="tx">
+                      <dgm:param type="parTxLTRAlign" val="r"/>
+                    </dgm:alg>
+                    <dgm:shape xmlns:r="http://schemas.openxmlformats.org/officeDocument/2006/relationships" type="rect" r:blip="">
+                      <dgm:adjLst/>
+                    </dgm:shape>
+                    <dgm:presOf axis="followSib" ptType="sibTrans" hideLastTrans="0" cnt="1"/>
+                    <dgm:constrLst>
+                      <dgm:constr type="primFontSz" val="65"/>
+                      <dgm:constr type="lMarg" refType="primFontSz" fact="0.2"/>
+                      <dgm:constr type="rMarg" refType="primFontSz" fact="0.2"/>
+                      <dgm:constr type="tMarg" refType="primFontSz" fact="0.05"/>
+                      <dgm:constr type="bMarg" refType="primFontSz" fact="0.05"/>
+                    </dgm:constrLst>
+                    <dgm:ruleLst>
+                      <dgm:rule type="primFontSz" val="5" fact="NaN" max="NaN"/>
+                    </dgm:ruleLst>
+                  </dgm:layoutNode>
+                  <dgm:layoutNode name="rootConnector3" moveWith="rootText1">
+                    <dgm:alg type="sp"/>
+                    <dgm:shape xmlns:r="http://schemas.openxmlformats.org/officeDocument/2006/relationships" type="rect" r:blip="" hideGeom="1">
+                      <dgm:adjLst/>
+                    </dgm:shape>
+                    <dgm:presOf axis="self" ptType="node" cnt="1"/>
+                    <dgm:constrLst/>
+                    <dgm:ruleLst/>
+                  </dgm:layoutNode>
+                </dgm:layoutNode>
+                <dgm:layoutNode name="hierChild6">
+                  <dgm:choose name="Name109">
+                    <dgm:if name="Name110" func="var" arg="hierBranch" op="equ" val="l">
+                      <dgm:alg type="hierChild">
+                        <dgm:param type="chAlign" val="r"/>
+                        <dgm:param type="linDir" val="fromT"/>
+                      </dgm:alg>
+                    </dgm:if>
+                    <dgm:if name="Name111" func="var" arg="hierBranch" op="equ" val="r">
+                      <dgm:alg type="hierChild">
+                        <dgm:param type="chAlign" val="l"/>
+                        <dgm:param type="linDir" val="fromT"/>
+                      </dgm:alg>
+                    </dgm:if>
+                    <dgm:if name="Name112" func="var" arg="hierBranch" op="equ" val="hang">
+                      <dgm:choose name="Name113">
+                        <dgm:if name="Name114" func="var" arg="dir" op="equ" val="norm">
+                          <dgm:alg type="hierChild">
+                            <dgm:param type="chAlign" val="l"/>
+                            <dgm:param type="linDir" val="fromL"/>
+                            <dgm:param type="secChAlign" val="t"/>
+                            <dgm:param type="secLinDir" val="fromT"/>
+                          </dgm:alg>
+                        </dgm:if>
+                        <dgm:else name="Name115">
+                          <dgm:alg type="hierChild">
+                            <dgm:param type="chAlign" val="l"/>
+                            <dgm:param type="linDir" val="fromR"/>
+                            <dgm:param type="secChAlign" val="t"/>
+                            <dgm:param type="secLinDir" val="fromT"/>
+                          </dgm:alg>
+                        </dgm:else>
+                      </dgm:choose>
+                    </dgm:if>
+                    <dgm:if name="Name116" func="var" arg="hierBranch" op="equ" val="std">
+                      <dgm:choose name="Name117">
+                        <dgm:if name="Name118" func="var" arg="dir" op="equ" val="norm">
+                          <dgm:alg type="hierChild"/>
+                        </dgm:if>
+                        <dgm:else name="Name119">
+                          <dgm:alg type="hierChild">
+                            <dgm:param type="linDir" val="fromR"/>
+                          </dgm:alg>
+                        </dgm:else>
+                      </dgm:choose>
+                    </dgm:if>
+                    <dgm:if name="Name120" func="var" arg="hierBranch" op="equ" val="init">
+                      <dgm:alg type="hierChild"/>
+                    </dgm:if>
+                    <dgm:else name="Name121"/>
+                  </dgm:choose>
+                  <dgm:shape xmlns:r="http://schemas.openxmlformats.org/officeDocument/2006/relationships" r:blip="">
+                    <dgm:adjLst/>
+                  </dgm:shape>
+                  <dgm:presOf/>
+                  <dgm:constrLst/>
+                  <dgm:ruleLst/>
+                  <dgm:forEach name="Name122" ref="rep2a"/>
+                </dgm:layoutNode>
+                <dgm:layoutNode name="hierChild7">
+                  <dgm:choose name="Name123">
+                    <dgm:if name="Name124" func="var" arg="dir" op="equ" val="norm">
+                      <dgm:alg type="hierChild">
+                        <dgm:param type="chAlign" val="l"/>
+                        <dgm:param type="linDir" val="fromL"/>
+                        <dgm:param type="secChAlign" val="t"/>
+                        <dgm:param type="secLinDir" val="fromT"/>
+                      </dgm:alg>
+                    </dgm:if>
+                    <dgm:else name="Name125">
+                      <dgm:alg type="hierChild">
+                        <dgm:param type="chAlign" val="l"/>
+                        <dgm:param type="linDir" val="fromR"/>
+                        <dgm:param type="secChAlign" val="t"/>
+                        <dgm:param type="secLinDir" val="fromT"/>
+                      </dgm:alg>
+                    </dgm:else>
+                  </dgm:choose>
+                  <dgm:shape xmlns:r="http://schemas.openxmlformats.org/officeDocument/2006/relationships" r:blip="">
+                    <dgm:adjLst/>
+                  </dgm:shape>
+                  <dgm:presOf/>
+                  <dgm:constrLst/>
+                  <dgm:ruleLst/>
+                  <dgm:forEach name="Name126" ref="rep2b"/>
+                </dgm:layoutNode>
+              </dgm:layoutNode>
+            </dgm:forEach>
+          </dgm:layoutNode>
+        </dgm:layoutNode>
+      </dgm:forEach>
+    </dgm:forEach>
+  </dgm:layoutNode>
+</dgm:layoutDef>
+</file>
+
+<file path=ppt/diagrams/layout2.xml><?xml version="1.0" encoding="utf-8"?>
 <dgm:layoutDef xmlns:dgm="http://schemas.openxmlformats.org/drawingml/2006/diagram" xmlns:a="http://schemas.openxmlformats.org/drawingml/2006/main" uniqueId="urn:microsoft.com/office/officeart/2005/8/layout/radial5">
   <dgm:title val=""/>
   <dgm:desc val=""/>
@@ -3463,6 +6833,1123 @@
 </dgm:styleDef>
 </file>
 
+<file path=ppt/diagrams/quickStyle2.xml><?xml version="1.0" encoding="utf-8"?>
+<dgm:styleDef xmlns:dgm="http://schemas.openxmlformats.org/drawingml/2006/diagram" xmlns:a="http://schemas.openxmlformats.org/drawingml/2006/main" uniqueId="urn:microsoft.com/office/officeart/2005/8/quickstyle/3d1">
+  <dgm:title val=""/>
+  <dgm:desc val=""/>
+  <dgm:catLst>
+    <dgm:cat type="3D" pri="11100"/>
+  </dgm:catLst>
+  <dgm:scene3d>
+    <a:camera prst="orthographicFront"/>
+    <a:lightRig rig="threePt" dir="t"/>
+  </dgm:scene3d>
+  <dgm:styleLbl name="node0">
+    <dgm:scene3d>
+      <a:camera prst="orthographicFront"/>
+      <a:lightRig rig="flat" dir="t"/>
+    </dgm:scene3d>
+    <dgm:sp3d prstMaterial="plastic">
+      <a:bevelT w="120900" h="88900"/>
+      <a:bevelB w="88900" h="31750" prst="angle"/>
+    </dgm:sp3d>
+    <dgm:txPr/>
+    <dgm:style>
+      <a:lnRef idx="0">
+        <a:scrgbClr r="0" g="0" b="0"/>
+      </a:lnRef>
+      <a:fillRef idx="3">
+        <a:scrgbClr r="0" g="0" b="0"/>
+      </a:fillRef>
+      <a:effectRef idx="2">
+        <a:scrgbClr r="0" g="0" b="0"/>
+      </a:effectRef>
+      <a:fontRef idx="minor">
+        <a:schemeClr val="lt1"/>
+      </a:fontRef>
+    </dgm:style>
+  </dgm:styleLbl>
+  <dgm:styleLbl name="lnNode1">
+    <dgm:scene3d>
+      <a:camera prst="orthographicFront"/>
+      <a:lightRig rig="flat" dir="t"/>
+    </dgm:scene3d>
+    <dgm:sp3d prstMaterial="plastic">
+      <a:bevelT w="120900" h="88900"/>
+      <a:bevelB w="88900" h="31750" prst="angle"/>
+    </dgm:sp3d>
+    <dgm:txPr/>
+    <dgm:style>
+      <a:lnRef idx="0">
+        <a:scrgbClr r="0" g="0" b="0"/>
+      </a:lnRef>
+      <a:fillRef idx="3">
+        <a:scrgbClr r="0" g="0" b="0"/>
+      </a:fillRef>
+      <a:effectRef idx="1">
+        <a:scrgbClr r="0" g="0" b="0"/>
+      </a:effectRef>
+      <a:fontRef idx="minor">
+        <a:schemeClr val="lt1"/>
+      </a:fontRef>
+    </dgm:style>
+  </dgm:styleLbl>
+  <dgm:styleLbl name="vennNode1">
+    <dgm:scene3d>
+      <a:camera prst="orthographicFront"/>
+      <a:lightRig rig="flat" dir="t"/>
+    </dgm:scene3d>
+    <dgm:sp3d prstMaterial="plastic">
+      <a:bevelT w="120900" h="88900"/>
+      <a:bevelB w="88900" h="31750" prst="angle"/>
+    </dgm:sp3d>
+    <dgm:txPr/>
+    <dgm:style>
+      <a:lnRef idx="0">
+        <a:scrgbClr r="0" g="0" b="0"/>
+      </a:lnRef>
+      <a:fillRef idx="1">
+        <a:scrgbClr r="0" g="0" b="0"/>
+      </a:fillRef>
+      <a:effectRef idx="1">
+        <a:scrgbClr r="0" g="0" b="0"/>
+      </a:effectRef>
+      <a:fontRef idx="minor">
+        <a:schemeClr val="tx1"/>
+      </a:fontRef>
+    </dgm:style>
+  </dgm:styleLbl>
+  <dgm:styleLbl name="alignNode1">
+    <dgm:scene3d>
+      <a:camera prst="orthographicFront"/>
+      <a:lightRig rig="flat" dir="t"/>
+    </dgm:scene3d>
+    <dgm:sp3d prstMaterial="plastic">
+      <a:bevelT w="120900" h="88900"/>
+      <a:bevelB w="88900" h="31750" prst="angle"/>
+    </dgm:sp3d>
+    <dgm:txPr/>
+    <dgm:style>
+      <a:lnRef idx="1">
+        <a:scrgbClr r="0" g="0" b="0"/>
+      </a:lnRef>
+      <a:fillRef idx="3">
+        <a:scrgbClr r="0" g="0" b="0"/>
+      </a:fillRef>
+      <a:effectRef idx="2">
+        <a:scrgbClr r="0" g="0" b="0"/>
+      </a:effectRef>
+      <a:fontRef idx="minor">
+        <a:schemeClr val="lt1"/>
+      </a:fontRef>
+    </dgm:style>
+  </dgm:styleLbl>
+  <dgm:styleLbl name="node1">
+    <dgm:scene3d>
+      <a:camera prst="orthographicFront"/>
+      <a:lightRig rig="flat" dir="t"/>
+    </dgm:scene3d>
+    <dgm:sp3d prstMaterial="plastic">
+      <a:bevelT w="120900" h="88900"/>
+      <a:bevelB w="88900" h="31750" prst="angle"/>
+    </dgm:sp3d>
+    <dgm:txPr/>
+    <dgm:style>
+      <a:lnRef idx="0">
+        <a:scrgbClr r="0" g="0" b="0"/>
+      </a:lnRef>
+      <a:fillRef idx="3">
+        <a:scrgbClr r="0" g="0" b="0"/>
+      </a:fillRef>
+      <a:effectRef idx="2">
+        <a:scrgbClr r="0" g="0" b="0"/>
+      </a:effectRef>
+      <a:fontRef idx="minor">
+        <a:schemeClr val="lt1"/>
+      </a:fontRef>
+    </dgm:style>
+  </dgm:styleLbl>
+  <dgm:styleLbl name="node2">
+    <dgm:scene3d>
+      <a:camera prst="orthographicFront"/>
+      <a:lightRig rig="flat" dir="t"/>
+    </dgm:scene3d>
+    <dgm:sp3d prstMaterial="plastic">
+      <a:bevelT w="120900" h="88900"/>
+      <a:bevelB w="88900" h="31750" prst="angle"/>
+    </dgm:sp3d>
+    <dgm:txPr/>
+    <dgm:style>
+      <a:lnRef idx="0">
+        <a:scrgbClr r="0" g="0" b="0"/>
+      </a:lnRef>
+      <a:fillRef idx="3">
+        <a:scrgbClr r="0" g="0" b="0"/>
+      </a:fillRef>
+      <a:effectRef idx="1">
+        <a:scrgbClr r="0" g="0" b="0"/>
+      </a:effectRef>
+      <a:fontRef idx="minor">
+        <a:schemeClr val="lt1"/>
+      </a:fontRef>
+    </dgm:style>
+  </dgm:styleLbl>
+  <dgm:styleLbl name="node3">
+    <dgm:scene3d>
+      <a:camera prst="orthographicFront"/>
+      <a:lightRig rig="flat" dir="t"/>
+    </dgm:scene3d>
+    <dgm:sp3d prstMaterial="plastic">
+      <a:bevelT w="120900" h="88900"/>
+      <a:bevelB w="88900" h="31750" prst="angle"/>
+    </dgm:sp3d>
+    <dgm:txPr/>
+    <dgm:style>
+      <a:lnRef idx="0">
+        <a:scrgbClr r="0" g="0" b="0"/>
+      </a:lnRef>
+      <a:fillRef idx="3">
+        <a:scrgbClr r="0" g="0" b="0"/>
+      </a:fillRef>
+      <a:effectRef idx="1">
+        <a:scrgbClr r="0" g="0" b="0"/>
+      </a:effectRef>
+      <a:fontRef idx="minor">
+        <a:schemeClr val="lt1"/>
+      </a:fontRef>
+    </dgm:style>
+  </dgm:styleLbl>
+  <dgm:styleLbl name="node4">
+    <dgm:scene3d>
+      <a:camera prst="orthographicFront"/>
+      <a:lightRig rig="flat" dir="t"/>
+    </dgm:scene3d>
+    <dgm:sp3d prstMaterial="plastic">
+      <a:bevelT w="120900" h="88900"/>
+      <a:bevelB w="88900" h="31750" prst="angle"/>
+    </dgm:sp3d>
+    <dgm:txPr/>
+    <dgm:style>
+      <a:lnRef idx="0">
+        <a:scrgbClr r="0" g="0" b="0"/>
+      </a:lnRef>
+      <a:fillRef idx="3">
+        <a:scrgbClr r="0" g="0" b="0"/>
+      </a:fillRef>
+      <a:effectRef idx="1">
+        <a:scrgbClr r="0" g="0" b="0"/>
+      </a:effectRef>
+      <a:fontRef idx="minor">
+        <a:schemeClr val="lt1"/>
+      </a:fontRef>
+    </dgm:style>
+  </dgm:styleLbl>
+  <dgm:styleLbl name="fgImgPlace1">
+    <dgm:scene3d>
+      <a:camera prst="orthographicFront"/>
+      <a:lightRig rig="flat" dir="t"/>
+    </dgm:scene3d>
+    <dgm:sp3d z="127000" prstMaterial="plastic">
+      <a:bevelT w="88900" h="88900"/>
+      <a:bevelB w="88900" h="31750" prst="angle"/>
+    </dgm:sp3d>
+    <dgm:txPr/>
+    <dgm:style>
+      <a:lnRef idx="0">
+        <a:scrgbClr r="0" g="0" b="0"/>
+      </a:lnRef>
+      <a:fillRef idx="3">
+        <a:scrgbClr r="0" g="0" b="0"/>
+      </a:fillRef>
+      <a:effectRef idx="2">
+        <a:scrgbClr r="0" g="0" b="0"/>
+      </a:effectRef>
+      <a:fontRef idx="minor"/>
+    </dgm:style>
+  </dgm:styleLbl>
+  <dgm:styleLbl name="alignImgPlace1">
+    <dgm:scene3d>
+      <a:camera prst="orthographicFront"/>
+      <a:lightRig rig="flat" dir="t"/>
+    </dgm:scene3d>
+    <dgm:sp3d prstMaterial="plastic">
+      <a:bevelT w="88900" h="88900"/>
+      <a:bevelB w="88900" h="31750" prst="angle"/>
+    </dgm:sp3d>
+    <dgm:txPr/>
+    <dgm:style>
+      <a:lnRef idx="0">
+        <a:scrgbClr r="0" g="0" b="0"/>
+      </a:lnRef>
+      <a:fillRef idx="3">
+        <a:scrgbClr r="0" g="0" b="0"/>
+      </a:fillRef>
+      <a:effectRef idx="2">
+        <a:scrgbClr r="0" g="0" b="0"/>
+      </a:effectRef>
+      <a:fontRef idx="minor"/>
+    </dgm:style>
+  </dgm:styleLbl>
+  <dgm:styleLbl name="bgImgPlace1">
+    <dgm:scene3d>
+      <a:camera prst="orthographicFront"/>
+      <a:lightRig rig="flat" dir="t"/>
+    </dgm:scene3d>
+    <dgm:sp3d z="-190500" prstMaterial="plastic">
+      <a:bevelT w="88900" h="88900"/>
+      <a:bevelB w="88900" h="31750" prst="angle"/>
+    </dgm:sp3d>
+    <dgm:txPr/>
+    <dgm:style>
+      <a:lnRef idx="0">
+        <a:scrgbClr r="0" g="0" b="0"/>
+      </a:lnRef>
+      <a:fillRef idx="3">
+        <a:scrgbClr r="0" g="0" b="0"/>
+      </a:fillRef>
+      <a:effectRef idx="2">
+        <a:scrgbClr r="0" g="0" b="0"/>
+      </a:effectRef>
+      <a:fontRef idx="minor"/>
+    </dgm:style>
+  </dgm:styleLbl>
+  <dgm:styleLbl name="sibTrans2D1">
+    <dgm:scene3d>
+      <a:camera prst="orthographicFront"/>
+      <a:lightRig rig="flat" dir="t"/>
+    </dgm:scene3d>
+    <dgm:sp3d z="-80000" prstMaterial="plastic">
+      <a:bevelT w="50800" h="50800"/>
+      <a:bevelB w="25400" h="25400" prst="angle"/>
+    </dgm:sp3d>
+    <dgm:txPr/>
+    <dgm:style>
+      <a:lnRef idx="0">
+        <a:scrgbClr r="0" g="0" b="0"/>
+      </a:lnRef>
+      <a:fillRef idx="3">
+        <a:scrgbClr r="0" g="0" b="0"/>
+      </a:fillRef>
+      <a:effectRef idx="2">
+        <a:scrgbClr r="0" g="0" b="0"/>
+      </a:effectRef>
+      <a:fontRef idx="minor">
+        <a:schemeClr val="lt1"/>
+      </a:fontRef>
+    </dgm:style>
+  </dgm:styleLbl>
+  <dgm:styleLbl name="fgSibTrans2D1">
+    <dgm:scene3d>
+      <a:camera prst="orthographicFront"/>
+      <a:lightRig rig="flat" dir="t"/>
+    </dgm:scene3d>
+    <dgm:sp3d z="127000" prstMaterial="plastic">
+      <a:bevelT w="50800" h="50800"/>
+      <a:bevelB w="25400" h="25400" prst="angle"/>
+    </dgm:sp3d>
+    <dgm:txPr/>
+    <dgm:style>
+      <a:lnRef idx="0">
+        <a:scrgbClr r="0" g="0" b="0"/>
+      </a:lnRef>
+      <a:fillRef idx="3">
+        <a:scrgbClr r="0" g="0" b="0"/>
+      </a:fillRef>
+      <a:effectRef idx="2">
+        <a:scrgbClr r="0" g="0" b="0"/>
+      </a:effectRef>
+      <a:fontRef idx="minor">
+        <a:schemeClr val="lt1"/>
+      </a:fontRef>
+    </dgm:style>
+  </dgm:styleLbl>
+  <dgm:styleLbl name="bgSibTrans2D1">
+    <dgm:scene3d>
+      <a:camera prst="orthographicFront"/>
+      <a:lightRig rig="flat" dir="t"/>
+    </dgm:scene3d>
+    <dgm:sp3d z="-190500" prstMaterial="plastic">
+      <a:bevelT w="50800" h="50800"/>
+      <a:bevelB w="25400" h="25400" prst="angle"/>
+    </dgm:sp3d>
+    <dgm:txPr/>
+    <dgm:style>
+      <a:lnRef idx="0">
+        <a:scrgbClr r="0" g="0" b="0"/>
+      </a:lnRef>
+      <a:fillRef idx="3">
+        <a:scrgbClr r="0" g="0" b="0"/>
+      </a:fillRef>
+      <a:effectRef idx="2">
+        <a:scrgbClr r="0" g="0" b="0"/>
+      </a:effectRef>
+      <a:fontRef idx="minor">
+        <a:schemeClr val="lt1"/>
+      </a:fontRef>
+    </dgm:style>
+  </dgm:styleLbl>
+  <dgm:styleLbl name="sibTrans1D1">
+    <dgm:scene3d>
+      <a:camera prst="orthographicFront"/>
+      <a:lightRig rig="flat" dir="t"/>
+    </dgm:scene3d>
+    <dgm:sp3d z="-40000" prstMaterial="matte"/>
+    <dgm:txPr/>
+    <dgm:style>
+      <a:lnRef idx="1">
+        <a:scrgbClr r="0" g="0" b="0"/>
+      </a:lnRef>
+      <a:fillRef idx="0">
+        <a:scrgbClr r="0" g="0" b="0"/>
+      </a:fillRef>
+      <a:effectRef idx="0">
+        <a:scrgbClr r="0" g="0" b="0"/>
+      </a:effectRef>
+      <a:fontRef idx="minor"/>
+    </dgm:style>
+  </dgm:styleLbl>
+  <dgm:styleLbl name="callout">
+    <dgm:scene3d>
+      <a:camera prst="orthographicFront"/>
+      <a:lightRig rig="threePt" dir="t"/>
+    </dgm:scene3d>
+    <dgm:sp3d z="127000" prstMaterial="matte"/>
+    <dgm:txPr/>
+    <dgm:style>
+      <a:lnRef idx="2">
+        <a:scrgbClr r="0" g="0" b="0"/>
+      </a:lnRef>
+      <a:fillRef idx="1">
+        <a:scrgbClr r="0" g="0" b="0"/>
+      </a:fillRef>
+      <a:effectRef idx="0">
+        <a:scrgbClr r="0" g="0" b="0"/>
+      </a:effectRef>
+      <a:fontRef idx="minor"/>
+    </dgm:style>
+  </dgm:styleLbl>
+  <dgm:styleLbl name="asst0">
+    <dgm:scene3d>
+      <a:camera prst="orthographicFront"/>
+      <a:lightRig rig="flat" dir="t"/>
+    </dgm:scene3d>
+    <dgm:sp3d prstMaterial="plastic">
+      <a:bevelT w="120900" h="88900"/>
+      <a:bevelB w="88900" h="31750" prst="angle"/>
+    </dgm:sp3d>
+    <dgm:txPr/>
+    <dgm:style>
+      <a:lnRef idx="0">
+        <a:scrgbClr r="0" g="0" b="0"/>
+      </a:lnRef>
+      <a:fillRef idx="3">
+        <a:scrgbClr r="0" g="0" b="0"/>
+      </a:fillRef>
+      <a:effectRef idx="1">
+        <a:scrgbClr r="0" g="0" b="0"/>
+      </a:effectRef>
+      <a:fontRef idx="minor">
+        <a:schemeClr val="lt1"/>
+      </a:fontRef>
+    </dgm:style>
+  </dgm:styleLbl>
+  <dgm:styleLbl name="asst1">
+    <dgm:scene3d>
+      <a:camera prst="orthographicFront"/>
+      <a:lightRig rig="flat" dir="t"/>
+    </dgm:scene3d>
+    <dgm:sp3d prstMaterial="plastic">
+      <a:bevelT w="120900" h="88900"/>
+      <a:bevelB w="88900" h="31750" prst="angle"/>
+    </dgm:sp3d>
+    <dgm:txPr/>
+    <dgm:style>
+      <a:lnRef idx="0">
+        <a:scrgbClr r="0" g="0" b="0"/>
+      </a:lnRef>
+      <a:fillRef idx="3">
+        <a:scrgbClr r="0" g="0" b="0"/>
+      </a:fillRef>
+      <a:effectRef idx="1">
+        <a:scrgbClr r="0" g="0" b="0"/>
+      </a:effectRef>
+      <a:fontRef idx="minor">
+        <a:schemeClr val="lt1"/>
+      </a:fontRef>
+    </dgm:style>
+  </dgm:styleLbl>
+  <dgm:styleLbl name="asst2">
+    <dgm:scene3d>
+      <a:camera prst="orthographicFront"/>
+      <a:lightRig rig="flat" dir="t"/>
+    </dgm:scene3d>
+    <dgm:sp3d prstMaterial="plastic">
+      <a:bevelT w="120900" h="88900"/>
+      <a:bevelB w="88900" h="31750" prst="angle"/>
+    </dgm:sp3d>
+    <dgm:txPr/>
+    <dgm:style>
+      <a:lnRef idx="0">
+        <a:scrgbClr r="0" g="0" b="0"/>
+      </a:lnRef>
+      <a:fillRef idx="3">
+        <a:scrgbClr r="0" g="0" b="0"/>
+      </a:fillRef>
+      <a:effectRef idx="1">
+        <a:scrgbClr r="0" g="0" b="0"/>
+      </a:effectRef>
+      <a:fontRef idx="minor">
+        <a:schemeClr val="lt1"/>
+      </a:fontRef>
+    </dgm:style>
+  </dgm:styleLbl>
+  <dgm:styleLbl name="asst3">
+    <dgm:scene3d>
+      <a:camera prst="orthographicFront"/>
+      <a:lightRig rig="flat" dir="t"/>
+    </dgm:scene3d>
+    <dgm:sp3d prstMaterial="plastic">
+      <a:bevelT w="120900" h="88900"/>
+      <a:bevelB w="88900" h="31750" prst="angle"/>
+    </dgm:sp3d>
+    <dgm:txPr/>
+    <dgm:style>
+      <a:lnRef idx="0">
+        <a:scrgbClr r="0" g="0" b="0"/>
+      </a:lnRef>
+      <a:fillRef idx="3">
+        <a:scrgbClr r="0" g="0" b="0"/>
+      </a:fillRef>
+      <a:effectRef idx="1">
+        <a:scrgbClr r="0" g="0" b="0"/>
+      </a:effectRef>
+      <a:fontRef idx="minor">
+        <a:schemeClr val="lt1"/>
+      </a:fontRef>
+    </dgm:style>
+  </dgm:styleLbl>
+  <dgm:styleLbl name="parChTrans2D1">
+    <dgm:scene3d>
+      <a:camera prst="orthographicFront"/>
+      <a:lightRig rig="flat" dir="t"/>
+    </dgm:scene3d>
+    <dgm:sp3d z="-100000" prstMaterial="plastic">
+      <a:bevelT w="120900" h="88900"/>
+      <a:bevelB w="88900" h="31750" prst="angle"/>
+    </dgm:sp3d>
+    <dgm:txPr/>
+    <dgm:style>
+      <a:lnRef idx="0">
+        <a:scrgbClr r="0" g="0" b="0"/>
+      </a:lnRef>
+      <a:fillRef idx="3">
+        <a:scrgbClr r="0" g="0" b="0"/>
+      </a:fillRef>
+      <a:effectRef idx="1">
+        <a:scrgbClr r="0" g="0" b="0"/>
+      </a:effectRef>
+      <a:fontRef idx="minor">
+        <a:schemeClr val="lt1"/>
+      </a:fontRef>
+    </dgm:style>
+  </dgm:styleLbl>
+  <dgm:styleLbl name="parChTrans2D2">
+    <dgm:scene3d>
+      <a:camera prst="orthographicFront"/>
+      <a:lightRig rig="flat" dir="t"/>
+    </dgm:scene3d>
+    <dgm:sp3d z="-60000" prstMaterial="plastic">
+      <a:bevelT w="120900" h="88900"/>
+      <a:bevelB w="88900" h="31750" prst="angle"/>
+    </dgm:sp3d>
+    <dgm:txPr/>
+    <dgm:style>
+      <a:lnRef idx="0">
+        <a:scrgbClr r="0" g="0" b="0"/>
+      </a:lnRef>
+      <a:fillRef idx="3">
+        <a:scrgbClr r="0" g="0" b="0"/>
+      </a:fillRef>
+      <a:effectRef idx="1">
+        <a:scrgbClr r="0" g="0" b="0"/>
+      </a:effectRef>
+      <a:fontRef idx="minor">
+        <a:schemeClr val="lt1"/>
+      </a:fontRef>
+    </dgm:style>
+  </dgm:styleLbl>
+  <dgm:styleLbl name="parChTrans2D3">
+    <dgm:scene3d>
+      <a:camera prst="orthographicFront"/>
+      <a:lightRig rig="flat" dir="t"/>
+    </dgm:scene3d>
+    <dgm:sp3d z="-60000" prstMaterial="plastic">
+      <a:bevelT w="120900" h="88900"/>
+      <a:bevelB w="88900" h="31750" prst="angle"/>
+    </dgm:sp3d>
+    <dgm:txPr/>
+    <dgm:style>
+      <a:lnRef idx="0">
+        <a:scrgbClr r="0" g="0" b="0"/>
+      </a:lnRef>
+      <a:fillRef idx="3">
+        <a:scrgbClr r="0" g="0" b="0"/>
+      </a:fillRef>
+      <a:effectRef idx="1">
+        <a:scrgbClr r="0" g="0" b="0"/>
+      </a:effectRef>
+      <a:fontRef idx="minor">
+        <a:schemeClr val="lt1"/>
+      </a:fontRef>
+    </dgm:style>
+  </dgm:styleLbl>
+  <dgm:styleLbl name="parChTrans2D4">
+    <dgm:scene3d>
+      <a:camera prst="orthographicFront"/>
+      <a:lightRig rig="flat" dir="t"/>
+    </dgm:scene3d>
+    <dgm:sp3d z="-60000" prstMaterial="plastic">
+      <a:bevelT w="120900" h="88900"/>
+      <a:bevelB w="88900" h="31750" prst="angle"/>
+    </dgm:sp3d>
+    <dgm:txPr/>
+    <dgm:style>
+      <a:lnRef idx="0">
+        <a:scrgbClr r="0" g="0" b="0"/>
+      </a:lnRef>
+      <a:fillRef idx="3">
+        <a:scrgbClr r="0" g="0" b="0"/>
+      </a:fillRef>
+      <a:effectRef idx="1">
+        <a:scrgbClr r="0" g="0" b="0"/>
+      </a:effectRef>
+      <a:fontRef idx="minor">
+        <a:schemeClr val="lt1"/>
+      </a:fontRef>
+    </dgm:style>
+  </dgm:styleLbl>
+  <dgm:styleLbl name="parChTrans1D1">
+    <dgm:scene3d>
+      <a:camera prst="orthographicFront"/>
+      <a:lightRig rig="flat" dir="t"/>
+    </dgm:scene3d>
+    <dgm:sp3d prstMaterial="matte"/>
+    <dgm:txPr/>
+    <dgm:style>
+      <a:lnRef idx="2">
+        <a:scrgbClr r="0" g="0" b="0"/>
+      </a:lnRef>
+      <a:fillRef idx="0">
+        <a:scrgbClr r="0" g="0" b="0"/>
+      </a:fillRef>
+      <a:effectRef idx="0">
+        <a:scrgbClr r="0" g="0" b="0"/>
+      </a:effectRef>
+      <a:fontRef idx="minor"/>
+    </dgm:style>
+  </dgm:styleLbl>
+  <dgm:styleLbl name="parChTrans1D2">
+    <dgm:scene3d>
+      <a:camera prst="orthographicFront"/>
+      <a:lightRig rig="flat" dir="t"/>
+    </dgm:scene3d>
+    <dgm:sp3d prstMaterial="matte"/>
+    <dgm:txPr/>
+    <dgm:style>
+      <a:lnRef idx="2">
+        <a:scrgbClr r="0" g="0" b="0"/>
+      </a:lnRef>
+      <a:fillRef idx="0">
+        <a:scrgbClr r="0" g="0" b="0"/>
+      </a:fillRef>
+      <a:effectRef idx="0">
+        <a:scrgbClr r="0" g="0" b="0"/>
+      </a:effectRef>
+      <a:fontRef idx="minor"/>
+    </dgm:style>
+  </dgm:styleLbl>
+  <dgm:styleLbl name="parChTrans1D3">
+    <dgm:scene3d>
+      <a:camera prst="orthographicFront"/>
+      <a:lightRig rig="flat" dir="t"/>
+    </dgm:scene3d>
+    <dgm:sp3d prstMaterial="matte"/>
+    <dgm:txPr/>
+    <dgm:style>
+      <a:lnRef idx="2">
+        <a:scrgbClr r="0" g="0" b="0"/>
+      </a:lnRef>
+      <a:fillRef idx="0">
+        <a:scrgbClr r="0" g="0" b="0"/>
+      </a:fillRef>
+      <a:effectRef idx="0">
+        <a:scrgbClr r="0" g="0" b="0"/>
+      </a:effectRef>
+      <a:fontRef idx="minor"/>
+    </dgm:style>
+  </dgm:styleLbl>
+  <dgm:styleLbl name="parChTrans1D4">
+    <dgm:scene3d>
+      <a:camera prst="orthographicFront"/>
+      <a:lightRig rig="flat" dir="t"/>
+    </dgm:scene3d>
+    <dgm:sp3d prstMaterial="matte"/>
+    <dgm:txPr/>
+    <dgm:style>
+      <a:lnRef idx="2">
+        <a:scrgbClr r="0" g="0" b="0"/>
+      </a:lnRef>
+      <a:fillRef idx="0">
+        <a:scrgbClr r="0" g="0" b="0"/>
+      </a:fillRef>
+      <a:effectRef idx="0">
+        <a:scrgbClr r="0" g="0" b="0"/>
+      </a:effectRef>
+      <a:fontRef idx="minor"/>
+    </dgm:style>
+  </dgm:styleLbl>
+  <dgm:styleLbl name="fgAcc1">
+    <dgm:scene3d>
+      <a:camera prst="orthographicFront"/>
+      <a:lightRig rig="flat" dir="t"/>
+    </dgm:scene3d>
+    <dgm:sp3d z="190500" extrusionH="12700" prstMaterial="plastic">
+      <a:bevelT w="50800" h="50800"/>
+    </dgm:sp3d>
+    <dgm:txPr/>
+    <dgm:style>
+      <a:lnRef idx="1">
+        <a:scrgbClr r="0" g="0" b="0"/>
+      </a:lnRef>
+      <a:fillRef idx="1">
+        <a:scrgbClr r="0" g="0" b="0"/>
+      </a:fillRef>
+      <a:effectRef idx="2">
+        <a:scrgbClr r="0" g="0" b="0"/>
+      </a:effectRef>
+      <a:fontRef idx="minor"/>
+    </dgm:style>
+  </dgm:styleLbl>
+  <dgm:styleLbl name="conFgAcc1">
+    <dgm:scene3d>
+      <a:camera prst="orthographicFront"/>
+      <a:lightRig rig="flat" dir="t"/>
+    </dgm:scene3d>
+    <dgm:sp3d z="190500" extrusionH="12700" prstMaterial="plastic">
+      <a:bevelT w="50800" h="50800"/>
+    </dgm:sp3d>
+    <dgm:txPr/>
+    <dgm:style>
+      <a:lnRef idx="1">
+        <a:scrgbClr r="0" g="0" b="0"/>
+      </a:lnRef>
+      <a:fillRef idx="1">
+        <a:scrgbClr r="0" g="0" b="0"/>
+      </a:fillRef>
+      <a:effectRef idx="2">
+        <a:scrgbClr r="0" g="0" b="0"/>
+      </a:effectRef>
+      <a:fontRef idx="minor"/>
+    </dgm:style>
+  </dgm:styleLbl>
+  <dgm:styleLbl name="alignAcc1">
+    <dgm:scene3d>
+      <a:camera prst="orthographicFront"/>
+      <a:lightRig rig="flat" dir="t"/>
+    </dgm:scene3d>
+    <dgm:sp3d extrusionH="12700" prstMaterial="plastic">
+      <a:bevelT w="50800" h="50800"/>
+    </dgm:sp3d>
+    <dgm:txPr/>
+    <dgm:style>
+      <a:lnRef idx="1">
+        <a:scrgbClr r="0" g="0" b="0"/>
+      </a:lnRef>
+      <a:fillRef idx="1">
+        <a:scrgbClr r="0" g="0" b="0"/>
+      </a:fillRef>
+      <a:effectRef idx="2">
+        <a:scrgbClr r="0" g="0" b="0"/>
+      </a:effectRef>
+      <a:fontRef idx="minor"/>
+    </dgm:style>
+  </dgm:styleLbl>
+  <dgm:styleLbl name="trAlignAcc1">
+    <dgm:scene3d>
+      <a:camera prst="orthographicFront"/>
+      <a:lightRig rig="flat" dir="t"/>
+    </dgm:scene3d>
+    <dgm:sp3d extrusionH="12700" prstMaterial="plastic">
+      <a:bevelT w="50800" h="50800"/>
+    </dgm:sp3d>
+    <dgm:txPr/>
+    <dgm:style>
+      <a:lnRef idx="1">
+        <a:scrgbClr r="0" g="0" b="0"/>
+      </a:lnRef>
+      <a:fillRef idx="1">
+        <a:scrgbClr r="0" g="0" b="0"/>
+      </a:fillRef>
+      <a:effectRef idx="2">
+        <a:scrgbClr r="0" g="0" b="0"/>
+      </a:effectRef>
+      <a:fontRef idx="minor"/>
+    </dgm:style>
+  </dgm:styleLbl>
+  <dgm:styleLbl name="bgAcc1">
+    <dgm:scene3d>
+      <a:camera prst="orthographicFront"/>
+      <a:lightRig rig="flat" dir="t"/>
+    </dgm:scene3d>
+    <dgm:sp3d z="-190500" extrusionH="12700" prstMaterial="plastic">
+      <a:bevelT w="50800" h="50800"/>
+    </dgm:sp3d>
+    <dgm:txPr/>
+    <dgm:style>
+      <a:lnRef idx="1">
+        <a:scrgbClr r="0" g="0" b="0"/>
+      </a:lnRef>
+      <a:fillRef idx="1">
+        <a:scrgbClr r="0" g="0" b="0"/>
+      </a:fillRef>
+      <a:effectRef idx="2">
+        <a:scrgbClr r="0" g="0" b="0"/>
+      </a:effectRef>
+      <a:fontRef idx="minor"/>
+    </dgm:style>
+  </dgm:styleLbl>
+  <dgm:styleLbl name="solidFgAcc1">
+    <dgm:scene3d>
+      <a:camera prst="orthographicFront"/>
+      <a:lightRig rig="flat" dir="t"/>
+    </dgm:scene3d>
+    <dgm:sp3d z="190500" extrusionH="12700" prstMaterial="plastic">
+      <a:bevelT w="50800" h="50800"/>
+    </dgm:sp3d>
+    <dgm:txPr/>
+    <dgm:style>
+      <a:lnRef idx="1">
+        <a:scrgbClr r="0" g="0" b="0"/>
+      </a:lnRef>
+      <a:fillRef idx="1">
+        <a:scrgbClr r="0" g="0" b="0"/>
+      </a:fillRef>
+      <a:effectRef idx="2">
+        <a:scrgbClr r="0" g="0" b="0"/>
+      </a:effectRef>
+      <a:fontRef idx="minor"/>
+    </dgm:style>
+  </dgm:styleLbl>
+  <dgm:styleLbl name="solidAlignAcc1">
+    <dgm:scene3d>
+      <a:camera prst="orthographicFront"/>
+      <a:lightRig rig="flat" dir="t"/>
+    </dgm:scene3d>
+    <dgm:sp3d extrusionH="12700" prstMaterial="plastic">
+      <a:bevelT w="50800" h="50800"/>
+    </dgm:sp3d>
+    <dgm:txPr/>
+    <dgm:style>
+      <a:lnRef idx="1">
+        <a:scrgbClr r="0" g="0" b="0"/>
+      </a:lnRef>
+      <a:fillRef idx="1">
+        <a:scrgbClr r="0" g="0" b="0"/>
+      </a:fillRef>
+      <a:effectRef idx="2">
+        <a:scrgbClr r="0" g="0" b="0"/>
+      </a:effectRef>
+      <a:fontRef idx="minor"/>
+    </dgm:style>
+  </dgm:styleLbl>
+  <dgm:styleLbl name="solidBgAcc1">
+    <dgm:scene3d>
+      <a:camera prst="orthographicFront"/>
+      <a:lightRig rig="flat" dir="t"/>
+    </dgm:scene3d>
+    <dgm:sp3d z="-190500" extrusionH="12700" prstMaterial="plastic">
+      <a:bevelT w="50800" h="50800"/>
+    </dgm:sp3d>
+    <dgm:txPr/>
+    <dgm:style>
+      <a:lnRef idx="1">
+        <a:scrgbClr r="0" g="0" b="0"/>
+      </a:lnRef>
+      <a:fillRef idx="1">
+        <a:scrgbClr r="0" g="0" b="0"/>
+      </a:fillRef>
+      <a:effectRef idx="2">
+        <a:scrgbClr r="0" g="0" b="0"/>
+      </a:effectRef>
+      <a:fontRef idx="minor"/>
+    </dgm:style>
+  </dgm:styleLbl>
+  <dgm:styleLbl name="fgAccFollowNode1">
+    <dgm:scene3d>
+      <a:camera prst="orthographicFront"/>
+      <a:lightRig rig="flat" dir="t"/>
+    </dgm:scene3d>
+    <dgm:sp3d z="190500" extrusionH="12700" prstMaterial="plastic">
+      <a:bevelT w="50800" h="50800"/>
+    </dgm:sp3d>
+    <dgm:txPr/>
+    <dgm:style>
+      <a:lnRef idx="1">
+        <a:scrgbClr r="0" g="0" b="0"/>
+      </a:lnRef>
+      <a:fillRef idx="1">
+        <a:scrgbClr r="0" g="0" b="0"/>
+      </a:fillRef>
+      <a:effectRef idx="2">
+        <a:scrgbClr r="0" g="0" b="0"/>
+      </a:effectRef>
+      <a:fontRef idx="minor"/>
+    </dgm:style>
+  </dgm:styleLbl>
+  <dgm:styleLbl name="alignAccFollowNode1">
+    <dgm:scene3d>
+      <a:camera prst="orthographicFront"/>
+      <a:lightRig rig="flat" dir="t"/>
+    </dgm:scene3d>
+    <dgm:sp3d extrusionH="12700" prstMaterial="plastic">
+      <a:bevelT w="50800" h="50800"/>
+    </dgm:sp3d>
+    <dgm:txPr/>
+    <dgm:style>
+      <a:lnRef idx="1">
+        <a:scrgbClr r="0" g="0" b="0"/>
+      </a:lnRef>
+      <a:fillRef idx="1">
+        <a:scrgbClr r="0" g="0" b="0"/>
+      </a:fillRef>
+      <a:effectRef idx="2">
+        <a:scrgbClr r="0" g="0" b="0"/>
+      </a:effectRef>
+      <a:fontRef idx="minor"/>
+    </dgm:style>
+  </dgm:styleLbl>
+  <dgm:styleLbl name="bgAccFollowNode1">
+    <dgm:scene3d>
+      <a:camera prst="orthographicFront"/>
+      <a:lightRig rig="flat" dir="t"/>
+    </dgm:scene3d>
+    <dgm:sp3d z="-190500" extrusionH="12700" prstMaterial="plastic">
+      <a:bevelT w="50800" h="50800"/>
+    </dgm:sp3d>
+    <dgm:txPr/>
+    <dgm:style>
+      <a:lnRef idx="1">
+        <a:scrgbClr r="0" g="0" b="0"/>
+      </a:lnRef>
+      <a:fillRef idx="1">
+        <a:scrgbClr r="0" g="0" b="0"/>
+      </a:fillRef>
+      <a:effectRef idx="2">
+        <a:scrgbClr r="0" g="0" b="0"/>
+      </a:effectRef>
+      <a:fontRef idx="minor"/>
+    </dgm:style>
+  </dgm:styleLbl>
+  <dgm:styleLbl name="fgAcc0">
+    <dgm:scene3d>
+      <a:camera prst="orthographicFront"/>
+      <a:lightRig rig="flat" dir="t"/>
+    </dgm:scene3d>
+    <dgm:sp3d z="190500" extrusionH="12700" prstMaterial="plastic">
+      <a:bevelT w="50800" h="50800"/>
+    </dgm:sp3d>
+    <dgm:txPr/>
+    <dgm:style>
+      <a:lnRef idx="1">
+        <a:scrgbClr r="0" g="0" b="0"/>
+      </a:lnRef>
+      <a:fillRef idx="1">
+        <a:scrgbClr r="0" g="0" b="0"/>
+      </a:fillRef>
+      <a:effectRef idx="2">
+        <a:scrgbClr r="0" g="0" b="0"/>
+      </a:effectRef>
+      <a:fontRef idx="minor"/>
+    </dgm:style>
+  </dgm:styleLbl>
+  <dgm:styleLbl name="fgAcc2">
+    <dgm:scene3d>
+      <a:camera prst="orthographicFront"/>
+      <a:lightRig rig="flat" dir="t"/>
+    </dgm:scene3d>
+    <dgm:sp3d z="190500" extrusionH="12700" prstMaterial="plastic">
+      <a:bevelT w="50800" h="50800"/>
+    </dgm:sp3d>
+    <dgm:txPr/>
+    <dgm:style>
+      <a:lnRef idx="1">
+        <a:scrgbClr r="0" g="0" b="0"/>
+      </a:lnRef>
+      <a:fillRef idx="1">
+        <a:scrgbClr r="0" g="0" b="0"/>
+      </a:fillRef>
+      <a:effectRef idx="2">
+        <a:scrgbClr r="0" g="0" b="0"/>
+      </a:effectRef>
+      <a:fontRef idx="minor"/>
+    </dgm:style>
+  </dgm:styleLbl>
+  <dgm:styleLbl name="fgAcc3">
+    <dgm:scene3d>
+      <a:camera prst="orthographicFront"/>
+      <a:lightRig rig="flat" dir="t"/>
+    </dgm:scene3d>
+    <dgm:sp3d z="190500" extrusionH="12700" prstMaterial="plastic">
+      <a:bevelT w="50800" h="50800"/>
+    </dgm:sp3d>
+    <dgm:txPr/>
+    <dgm:style>
+      <a:lnRef idx="1">
+        <a:scrgbClr r="0" g="0" b="0"/>
+      </a:lnRef>
+      <a:fillRef idx="1">
+        <a:scrgbClr r="0" g="0" b="0"/>
+      </a:fillRef>
+      <a:effectRef idx="2">
+        <a:scrgbClr r="0" g="0" b="0"/>
+      </a:effectRef>
+      <a:fontRef idx="minor"/>
+    </dgm:style>
+  </dgm:styleLbl>
+  <dgm:styleLbl name="fgAcc4">
+    <dgm:scene3d>
+      <a:camera prst="orthographicFront"/>
+      <a:lightRig rig="flat" dir="t"/>
+    </dgm:scene3d>
+    <dgm:sp3d z="190500" extrusionH="12700" prstMaterial="plastic">
+      <a:bevelT w="50800" h="50800"/>
+    </dgm:sp3d>
+    <dgm:txPr/>
+    <dgm:style>
+      <a:lnRef idx="1">
+        <a:scrgbClr r="0" g="0" b="0"/>
+      </a:lnRef>
+      <a:fillRef idx="1">
+        <a:scrgbClr r="0" g="0" b="0"/>
+      </a:fillRef>
+      <a:effectRef idx="2">
+        <a:scrgbClr r="0" g="0" b="0"/>
+      </a:effectRef>
+      <a:fontRef idx="minor"/>
+    </dgm:style>
+  </dgm:styleLbl>
+  <dgm:styleLbl name="bgShp">
+    <dgm:scene3d>
+      <a:camera prst="orthographicFront"/>
+      <a:lightRig rig="flat" dir="t"/>
+    </dgm:scene3d>
+    <dgm:sp3d z="-190500" extrusionH="12700" prstMaterial="plastic">
+      <a:bevelT w="50800" h="50800"/>
+    </dgm:sp3d>
+    <dgm:txPr/>
+    <dgm:style>
+      <a:lnRef idx="0">
+        <a:scrgbClr r="0" g="0" b="0"/>
+      </a:lnRef>
+      <a:fillRef idx="3">
+        <a:scrgbClr r="0" g="0" b="0"/>
+      </a:fillRef>
+      <a:effectRef idx="0">
+        <a:scrgbClr r="0" g="0" b="0"/>
+      </a:effectRef>
+      <a:fontRef idx="minor"/>
+    </dgm:style>
+  </dgm:styleLbl>
+  <dgm:styleLbl name="dkBgShp">
+    <dgm:scene3d>
+      <a:camera prst="orthographicFront"/>
+      <a:lightRig rig="flat" dir="t"/>
+    </dgm:scene3d>
+    <dgm:sp3d z="-190500" extrusionH="12700" prstMaterial="plastic">
+      <a:bevelT w="50800" h="50800"/>
+    </dgm:sp3d>
+    <dgm:txPr/>
+    <dgm:style>
+      <a:lnRef idx="0">
+        <a:scrgbClr r="0" g="0" b="0"/>
+      </a:lnRef>
+      <a:fillRef idx="2">
+        <a:scrgbClr r="0" g="0" b="0"/>
+      </a:fillRef>
+      <a:effectRef idx="0">
+        <a:scrgbClr r="0" g="0" b="0"/>
+      </a:effectRef>
+      <a:fontRef idx="minor"/>
+    </dgm:style>
+  </dgm:styleLbl>
+  <dgm:styleLbl name="trBgShp">
+    <dgm:scene3d>
+      <a:camera prst="orthographicFront"/>
+      <a:lightRig rig="flat" dir="t"/>
+    </dgm:scene3d>
+    <dgm:sp3d z="-190500" extrusionH="12700" prstMaterial="matte"/>
+    <dgm:txPr/>
+    <dgm:style>
+      <a:lnRef idx="0">
+        <a:scrgbClr r="0" g="0" b="0"/>
+      </a:lnRef>
+      <a:fillRef idx="1">
+        <a:scrgbClr r="0" g="0" b="0"/>
+      </a:fillRef>
+      <a:effectRef idx="0">
+        <a:scrgbClr r="0" g="0" b="0"/>
+      </a:effectRef>
+      <a:fontRef idx="minor"/>
+    </dgm:style>
+  </dgm:styleLbl>
+  <dgm:styleLbl name="fgShp">
+    <dgm:scene3d>
+      <a:camera prst="orthographicFront"/>
+      <a:lightRig rig="flat" dir="t"/>
+    </dgm:scene3d>
+    <dgm:sp3d z="190500" prstMaterial="plastic">
+      <a:bevelT w="120900" h="88900"/>
+      <a:bevelB w="88900" h="31750" prst="angle"/>
+    </dgm:sp3d>
+    <dgm:txPr/>
+    <dgm:style>
+      <a:lnRef idx="0">
+        <a:scrgbClr r="0" g="0" b="0"/>
+      </a:lnRef>
+      <a:fillRef idx="1">
+        <a:scrgbClr r="0" g="0" b="0"/>
+      </a:fillRef>
+      <a:effectRef idx="3">
+        <a:scrgbClr r="0" g="0" b="0"/>
+      </a:effectRef>
+      <a:fontRef idx="minor">
+        <a:schemeClr val="lt1"/>
+      </a:fontRef>
+    </dgm:style>
+  </dgm:styleLbl>
+  <dgm:styleLbl name="revTx">
+    <dgm:scene3d>
+      <a:camera prst="orthographicFront"/>
+      <a:lightRig rig="threePt" dir="t"/>
+    </dgm:scene3d>
+    <dgm:sp3d/>
+    <dgm:txPr/>
+    <dgm:style>
+      <a:lnRef idx="0">
+        <a:scrgbClr r="0" g="0" b="0"/>
+      </a:lnRef>
+      <a:fillRef idx="0">
+        <a:scrgbClr r="0" g="0" b="0"/>
+      </a:fillRef>
+      <a:effectRef idx="0">
+        <a:scrgbClr r="0" g="0" b="0"/>
+      </a:effectRef>
+      <a:fontRef idx="minor"/>
+    </dgm:style>
+  </dgm:styleLbl>
+</dgm:styleDef>
+</file>
+
 <file path=ppt/notesMasters/notesMaster1.xml><?xml version="1.0" encoding="utf-8"?>
 <p:notesMaster xmlns:a="http://schemas.openxmlformats.org/drawingml/2006/main" xmlns:r="http://schemas.openxmlformats.org/officeDocument/2006/relationships" xmlns:p="http://schemas.openxmlformats.org/presentationml/2006/main">
   <p:cSld>
@@ -3545,7 +8032,7 @@
           <a:p>
             <a:fld id="{86033872-B7B5-4114-BD3C-99A7E460DA0F}" type="datetimeFigureOut">
               <a:rPr lang="fr-FR" smtClean="0"/>
-              <a:t>03/01/2015</a:t>
+              <a:t>05/01/2015</a:t>
             </a:fld>
             <a:endParaRPr lang="fr-FR"/>
           </a:p>
@@ -3857,7 +8344,11 @@
           <a:bodyPr/>
           <a:lstStyle/>
           <a:p>
-            <a:endParaRPr lang="fr-FR"/>
+            <a:r>
+              <a:rPr lang="fr-FR" dirty="0" smtClean="0"/>
+              <a:t>Long : décrire rapidement du produit demandé</a:t>
+            </a:r>
+            <a:endParaRPr lang="fr-FR" dirty="0"/>
           </a:p>
         </p:txBody>
       </p:sp>
@@ -3888,6 +8379,750 @@
     <p:extLst>
       <p:ext uri="{BB962C8B-B14F-4D97-AF65-F5344CB8AC3E}">
         <p14:creationId xmlns:p14="http://schemas.microsoft.com/office/powerpoint/2010/main" val="1323432076"/>
+      </p:ext>
+    </p:extLst>
+  </p:cSld>
+  <p:clrMapOvr>
+    <a:masterClrMapping/>
+  </p:clrMapOvr>
+</p:notes>
+</file>
+
+<file path=ppt/notesSlides/notesSlide10.xml><?xml version="1.0" encoding="utf-8"?>
+<p:notes xmlns:a="http://schemas.openxmlformats.org/drawingml/2006/main" xmlns:r="http://schemas.openxmlformats.org/officeDocument/2006/relationships" xmlns:p="http://schemas.openxmlformats.org/presentationml/2006/main">
+  <p:cSld>
+    <p:spTree>
+      <p:nvGrpSpPr>
+        <p:cNvPr id="1" name=""/>
+        <p:cNvGrpSpPr/>
+        <p:nvPr/>
+      </p:nvGrpSpPr>
+      <p:grpSpPr>
+        <a:xfrm>
+          <a:off x="0" y="0"/>
+          <a:ext cx="0" cy="0"/>
+          <a:chOff x="0" y="0"/>
+          <a:chExt cx="0" cy="0"/>
+        </a:xfrm>
+      </p:grpSpPr>
+      <p:sp>
+        <p:nvSpPr>
+          <p:cNvPr id="2" name="Espace réservé de l'image des diapositives 1"/>
+          <p:cNvSpPr>
+            <a:spLocks noGrp="1" noRot="1" noChangeAspect="1"/>
+          </p:cNvSpPr>
+          <p:nvPr>
+            <p:ph type="sldImg"/>
+          </p:nvPr>
+        </p:nvSpPr>
+        <p:spPr/>
+      </p:sp>
+      <p:sp>
+        <p:nvSpPr>
+          <p:cNvPr id="3" name="Espace réservé des commentaires 2"/>
+          <p:cNvSpPr>
+            <a:spLocks noGrp="1"/>
+          </p:cNvSpPr>
+          <p:nvPr>
+            <p:ph type="body" idx="1"/>
+          </p:nvPr>
+        </p:nvSpPr>
+        <p:spPr/>
+        <p:txBody>
+          <a:bodyPr/>
+          <a:lstStyle/>
+          <a:p>
+            <a:r>
+              <a:rPr lang="fr-FR" dirty="0" smtClean="0"/>
+              <a:t>Fabien</a:t>
+            </a:r>
+            <a:endParaRPr lang="fr-FR" dirty="0"/>
+          </a:p>
+        </p:txBody>
+      </p:sp>
+      <p:sp>
+        <p:nvSpPr>
+          <p:cNvPr id="4" name="Espace réservé du numéro de diapositive 3"/>
+          <p:cNvSpPr>
+            <a:spLocks noGrp="1"/>
+          </p:cNvSpPr>
+          <p:nvPr>
+            <p:ph type="sldNum" sz="quarter" idx="10"/>
+          </p:nvPr>
+        </p:nvSpPr>
+        <p:spPr/>
+        <p:txBody>
+          <a:bodyPr/>
+          <a:lstStyle/>
+          <a:p>
+            <a:fld id="{E2994B5E-A13E-4BD3-8D15-B57FA70E9DD6}" type="slidenum">
+              <a:rPr lang="fr-FR" smtClean="0"/>
+              <a:t>10</a:t>
+            </a:fld>
+            <a:endParaRPr lang="fr-FR"/>
+          </a:p>
+        </p:txBody>
+      </p:sp>
+    </p:spTree>
+    <p:extLst>
+      <p:ext uri="{BB962C8B-B14F-4D97-AF65-F5344CB8AC3E}">
+        <p14:creationId xmlns:p14="http://schemas.microsoft.com/office/powerpoint/2010/main" val="3657111939"/>
+      </p:ext>
+    </p:extLst>
+  </p:cSld>
+  <p:clrMapOvr>
+    <a:masterClrMapping/>
+  </p:clrMapOvr>
+</p:notes>
+</file>
+
+<file path=ppt/notesSlides/notesSlide11.xml><?xml version="1.0" encoding="utf-8"?>
+<p:notes xmlns:a="http://schemas.openxmlformats.org/drawingml/2006/main" xmlns:r="http://schemas.openxmlformats.org/officeDocument/2006/relationships" xmlns:p="http://schemas.openxmlformats.org/presentationml/2006/main">
+  <p:cSld>
+    <p:spTree>
+      <p:nvGrpSpPr>
+        <p:cNvPr id="1" name=""/>
+        <p:cNvGrpSpPr/>
+        <p:nvPr/>
+      </p:nvGrpSpPr>
+      <p:grpSpPr>
+        <a:xfrm>
+          <a:off x="0" y="0"/>
+          <a:ext cx="0" cy="0"/>
+          <a:chOff x="0" y="0"/>
+          <a:chExt cx="0" cy="0"/>
+        </a:xfrm>
+      </p:grpSpPr>
+      <p:sp>
+        <p:nvSpPr>
+          <p:cNvPr id="2" name="Espace réservé de l'image des diapositives 1"/>
+          <p:cNvSpPr>
+            <a:spLocks noGrp="1" noRot="1" noChangeAspect="1"/>
+          </p:cNvSpPr>
+          <p:nvPr>
+            <p:ph type="sldImg"/>
+          </p:nvPr>
+        </p:nvSpPr>
+        <p:spPr/>
+      </p:sp>
+      <p:sp>
+        <p:nvSpPr>
+          <p:cNvPr id="3" name="Espace réservé des commentaires 2"/>
+          <p:cNvSpPr>
+            <a:spLocks noGrp="1"/>
+          </p:cNvSpPr>
+          <p:nvPr>
+            <p:ph type="body" idx="1"/>
+          </p:nvPr>
+        </p:nvSpPr>
+        <p:spPr/>
+        <p:txBody>
+          <a:bodyPr/>
+          <a:lstStyle/>
+          <a:p>
+            <a:r>
+              <a:rPr lang="fr-FR" dirty="0" smtClean="0"/>
+              <a:t>Fabien</a:t>
+            </a:r>
+            <a:endParaRPr lang="fr-FR" dirty="0"/>
+          </a:p>
+        </p:txBody>
+      </p:sp>
+      <p:sp>
+        <p:nvSpPr>
+          <p:cNvPr id="4" name="Espace réservé du numéro de diapositive 3"/>
+          <p:cNvSpPr>
+            <a:spLocks noGrp="1"/>
+          </p:cNvSpPr>
+          <p:nvPr>
+            <p:ph type="sldNum" sz="quarter" idx="10"/>
+          </p:nvPr>
+        </p:nvSpPr>
+        <p:spPr/>
+        <p:txBody>
+          <a:bodyPr/>
+          <a:lstStyle/>
+          <a:p>
+            <a:fld id="{E2994B5E-A13E-4BD3-8D15-B57FA70E9DD6}" type="slidenum">
+              <a:rPr lang="fr-FR" smtClean="0"/>
+              <a:t>12</a:t>
+            </a:fld>
+            <a:endParaRPr lang="fr-FR"/>
+          </a:p>
+        </p:txBody>
+      </p:sp>
+    </p:spTree>
+    <p:extLst>
+      <p:ext uri="{BB962C8B-B14F-4D97-AF65-F5344CB8AC3E}">
+        <p14:creationId xmlns:p14="http://schemas.microsoft.com/office/powerpoint/2010/main" val="4267845894"/>
+      </p:ext>
+    </p:extLst>
+  </p:cSld>
+  <p:clrMapOvr>
+    <a:masterClrMapping/>
+  </p:clrMapOvr>
+</p:notes>
+</file>
+
+<file path=ppt/notesSlides/notesSlide12.xml><?xml version="1.0" encoding="utf-8"?>
+<p:notes xmlns:a="http://schemas.openxmlformats.org/drawingml/2006/main" xmlns:r="http://schemas.openxmlformats.org/officeDocument/2006/relationships" xmlns:p="http://schemas.openxmlformats.org/presentationml/2006/main">
+  <p:cSld>
+    <p:spTree>
+      <p:nvGrpSpPr>
+        <p:cNvPr id="1" name=""/>
+        <p:cNvGrpSpPr/>
+        <p:nvPr/>
+      </p:nvGrpSpPr>
+      <p:grpSpPr>
+        <a:xfrm>
+          <a:off x="0" y="0"/>
+          <a:ext cx="0" cy="0"/>
+          <a:chOff x="0" y="0"/>
+          <a:chExt cx="0" cy="0"/>
+        </a:xfrm>
+      </p:grpSpPr>
+      <p:sp>
+        <p:nvSpPr>
+          <p:cNvPr id="2" name="Espace réservé de l'image des diapositives 1"/>
+          <p:cNvSpPr>
+            <a:spLocks noGrp="1" noRot="1" noChangeAspect="1"/>
+          </p:cNvSpPr>
+          <p:nvPr>
+            <p:ph type="sldImg"/>
+          </p:nvPr>
+        </p:nvSpPr>
+        <p:spPr/>
+      </p:sp>
+      <p:sp>
+        <p:nvSpPr>
+          <p:cNvPr id="3" name="Espace réservé des commentaires 2"/>
+          <p:cNvSpPr>
+            <a:spLocks noGrp="1"/>
+          </p:cNvSpPr>
+          <p:nvPr>
+            <p:ph type="body" idx="1"/>
+          </p:nvPr>
+        </p:nvSpPr>
+        <p:spPr/>
+        <p:txBody>
+          <a:bodyPr/>
+          <a:lstStyle/>
+          <a:p>
+            <a:r>
+              <a:rPr lang="fr-FR" dirty="0" smtClean="0"/>
+              <a:t>Kim	</a:t>
+            </a:r>
+            <a:endParaRPr lang="fr-FR" dirty="0"/>
+          </a:p>
+        </p:txBody>
+      </p:sp>
+      <p:sp>
+        <p:nvSpPr>
+          <p:cNvPr id="4" name="Espace réservé du numéro de diapositive 3"/>
+          <p:cNvSpPr>
+            <a:spLocks noGrp="1"/>
+          </p:cNvSpPr>
+          <p:nvPr>
+            <p:ph type="sldNum" sz="quarter" idx="10"/>
+          </p:nvPr>
+        </p:nvSpPr>
+        <p:spPr/>
+        <p:txBody>
+          <a:bodyPr/>
+          <a:lstStyle/>
+          <a:p>
+            <a:fld id="{E2994B5E-A13E-4BD3-8D15-B57FA70E9DD6}" type="slidenum">
+              <a:rPr lang="fr-FR" smtClean="0"/>
+              <a:t>13</a:t>
+            </a:fld>
+            <a:endParaRPr lang="fr-FR"/>
+          </a:p>
+        </p:txBody>
+      </p:sp>
+    </p:spTree>
+    <p:extLst>
+      <p:ext uri="{BB962C8B-B14F-4D97-AF65-F5344CB8AC3E}">
+        <p14:creationId xmlns:p14="http://schemas.microsoft.com/office/powerpoint/2010/main" val="3926661655"/>
+      </p:ext>
+    </p:extLst>
+  </p:cSld>
+  <p:clrMapOvr>
+    <a:masterClrMapping/>
+  </p:clrMapOvr>
+</p:notes>
+</file>
+
+<file path=ppt/notesSlides/notesSlide13.xml><?xml version="1.0" encoding="utf-8"?>
+<p:notes xmlns:a="http://schemas.openxmlformats.org/drawingml/2006/main" xmlns:r="http://schemas.openxmlformats.org/officeDocument/2006/relationships" xmlns:p="http://schemas.openxmlformats.org/presentationml/2006/main">
+  <p:cSld>
+    <p:spTree>
+      <p:nvGrpSpPr>
+        <p:cNvPr id="1" name=""/>
+        <p:cNvGrpSpPr/>
+        <p:nvPr/>
+      </p:nvGrpSpPr>
+      <p:grpSpPr>
+        <a:xfrm>
+          <a:off x="0" y="0"/>
+          <a:ext cx="0" cy="0"/>
+          <a:chOff x="0" y="0"/>
+          <a:chExt cx="0" cy="0"/>
+        </a:xfrm>
+      </p:grpSpPr>
+      <p:sp>
+        <p:nvSpPr>
+          <p:cNvPr id="2" name="Espace réservé de l'image des diapositives 1"/>
+          <p:cNvSpPr>
+            <a:spLocks noGrp="1" noRot="1" noChangeAspect="1"/>
+          </p:cNvSpPr>
+          <p:nvPr>
+            <p:ph type="sldImg"/>
+          </p:nvPr>
+        </p:nvSpPr>
+        <p:spPr/>
+      </p:sp>
+      <p:sp>
+        <p:nvSpPr>
+          <p:cNvPr id="3" name="Espace réservé des commentaires 2"/>
+          <p:cNvSpPr>
+            <a:spLocks noGrp="1"/>
+          </p:cNvSpPr>
+          <p:nvPr>
+            <p:ph type="body" idx="1"/>
+          </p:nvPr>
+        </p:nvSpPr>
+        <p:spPr/>
+        <p:txBody>
+          <a:bodyPr/>
+          <a:lstStyle/>
+          <a:p>
+            <a:r>
+              <a:rPr lang="fr-FR" dirty="0" smtClean="0"/>
+              <a:t>Julien</a:t>
+            </a:r>
+            <a:endParaRPr lang="fr-FR" dirty="0"/>
+          </a:p>
+        </p:txBody>
+      </p:sp>
+      <p:sp>
+        <p:nvSpPr>
+          <p:cNvPr id="4" name="Espace réservé du numéro de diapositive 3"/>
+          <p:cNvSpPr>
+            <a:spLocks noGrp="1"/>
+          </p:cNvSpPr>
+          <p:nvPr>
+            <p:ph type="sldNum" sz="quarter" idx="10"/>
+          </p:nvPr>
+        </p:nvSpPr>
+        <p:spPr/>
+        <p:txBody>
+          <a:bodyPr/>
+          <a:lstStyle/>
+          <a:p>
+            <a:fld id="{E2994B5E-A13E-4BD3-8D15-B57FA70E9DD6}" type="slidenum">
+              <a:rPr lang="fr-FR" smtClean="0"/>
+              <a:t>14</a:t>
+            </a:fld>
+            <a:endParaRPr lang="fr-FR"/>
+          </a:p>
+        </p:txBody>
+      </p:sp>
+    </p:spTree>
+    <p:extLst>
+      <p:ext uri="{BB962C8B-B14F-4D97-AF65-F5344CB8AC3E}">
+        <p14:creationId xmlns:p14="http://schemas.microsoft.com/office/powerpoint/2010/main" val="1593167233"/>
+      </p:ext>
+    </p:extLst>
+  </p:cSld>
+  <p:clrMapOvr>
+    <a:masterClrMapping/>
+  </p:clrMapOvr>
+</p:notes>
+</file>
+
+<file path=ppt/notesSlides/notesSlide14.xml><?xml version="1.0" encoding="utf-8"?>
+<p:notes xmlns:a="http://schemas.openxmlformats.org/drawingml/2006/main" xmlns:r="http://schemas.openxmlformats.org/officeDocument/2006/relationships" xmlns:p="http://schemas.openxmlformats.org/presentationml/2006/main">
+  <p:cSld>
+    <p:spTree>
+      <p:nvGrpSpPr>
+        <p:cNvPr id="1" name=""/>
+        <p:cNvGrpSpPr/>
+        <p:nvPr/>
+      </p:nvGrpSpPr>
+      <p:grpSpPr>
+        <a:xfrm>
+          <a:off x="0" y="0"/>
+          <a:ext cx="0" cy="0"/>
+          <a:chOff x="0" y="0"/>
+          <a:chExt cx="0" cy="0"/>
+        </a:xfrm>
+      </p:grpSpPr>
+      <p:sp>
+        <p:nvSpPr>
+          <p:cNvPr id="2" name="Espace réservé de l'image des diapositives 1"/>
+          <p:cNvSpPr>
+            <a:spLocks noGrp="1" noRot="1" noChangeAspect="1"/>
+          </p:cNvSpPr>
+          <p:nvPr>
+            <p:ph type="sldImg"/>
+          </p:nvPr>
+        </p:nvSpPr>
+        <p:spPr/>
+      </p:sp>
+      <p:sp>
+        <p:nvSpPr>
+          <p:cNvPr id="3" name="Espace réservé des commentaires 2"/>
+          <p:cNvSpPr>
+            <a:spLocks noGrp="1"/>
+          </p:cNvSpPr>
+          <p:nvPr>
+            <p:ph type="body" idx="1"/>
+          </p:nvPr>
+        </p:nvSpPr>
+        <p:spPr/>
+        <p:txBody>
+          <a:bodyPr/>
+          <a:lstStyle/>
+          <a:p>
+            <a:r>
+              <a:rPr lang="fr-FR" dirty="0" smtClean="0"/>
+              <a:t>Justine</a:t>
+            </a:r>
+            <a:endParaRPr lang="fr-FR" dirty="0"/>
+          </a:p>
+        </p:txBody>
+      </p:sp>
+      <p:sp>
+        <p:nvSpPr>
+          <p:cNvPr id="4" name="Espace réservé du numéro de diapositive 3"/>
+          <p:cNvSpPr>
+            <a:spLocks noGrp="1"/>
+          </p:cNvSpPr>
+          <p:nvPr>
+            <p:ph type="sldNum" sz="quarter" idx="10"/>
+          </p:nvPr>
+        </p:nvSpPr>
+        <p:spPr/>
+        <p:txBody>
+          <a:bodyPr/>
+          <a:lstStyle/>
+          <a:p>
+            <a:fld id="{E2994B5E-A13E-4BD3-8D15-B57FA70E9DD6}" type="slidenum">
+              <a:rPr lang="fr-FR" smtClean="0"/>
+              <a:t>16</a:t>
+            </a:fld>
+            <a:endParaRPr lang="fr-FR"/>
+          </a:p>
+        </p:txBody>
+      </p:sp>
+    </p:spTree>
+    <p:extLst>
+      <p:ext uri="{BB962C8B-B14F-4D97-AF65-F5344CB8AC3E}">
+        <p14:creationId xmlns:p14="http://schemas.microsoft.com/office/powerpoint/2010/main" val="861567082"/>
+      </p:ext>
+    </p:extLst>
+  </p:cSld>
+  <p:clrMapOvr>
+    <a:masterClrMapping/>
+  </p:clrMapOvr>
+</p:notes>
+</file>
+
+<file path=ppt/notesSlides/notesSlide15.xml><?xml version="1.0" encoding="utf-8"?>
+<p:notes xmlns:a="http://schemas.openxmlformats.org/drawingml/2006/main" xmlns:r="http://schemas.openxmlformats.org/officeDocument/2006/relationships" xmlns:p="http://schemas.openxmlformats.org/presentationml/2006/main">
+  <p:cSld>
+    <p:spTree>
+      <p:nvGrpSpPr>
+        <p:cNvPr id="1" name=""/>
+        <p:cNvGrpSpPr/>
+        <p:nvPr/>
+      </p:nvGrpSpPr>
+      <p:grpSpPr>
+        <a:xfrm>
+          <a:off x="0" y="0"/>
+          <a:ext cx="0" cy="0"/>
+          <a:chOff x="0" y="0"/>
+          <a:chExt cx="0" cy="0"/>
+        </a:xfrm>
+      </p:grpSpPr>
+      <p:sp>
+        <p:nvSpPr>
+          <p:cNvPr id="2" name="Espace réservé de l'image des diapositives 1"/>
+          <p:cNvSpPr>
+            <a:spLocks noGrp="1" noRot="1" noChangeAspect="1"/>
+          </p:cNvSpPr>
+          <p:nvPr>
+            <p:ph type="sldImg"/>
+          </p:nvPr>
+        </p:nvSpPr>
+        <p:spPr/>
+      </p:sp>
+      <p:sp>
+        <p:nvSpPr>
+          <p:cNvPr id="3" name="Espace réservé des commentaires 2"/>
+          <p:cNvSpPr>
+            <a:spLocks noGrp="1"/>
+          </p:cNvSpPr>
+          <p:nvPr>
+            <p:ph type="body" idx="1"/>
+          </p:nvPr>
+        </p:nvSpPr>
+        <p:spPr/>
+        <p:txBody>
+          <a:bodyPr/>
+          <a:lstStyle/>
+          <a:p>
+            <a:r>
+              <a:rPr lang="fr-FR" dirty="0" smtClean="0"/>
+              <a:t>Long</a:t>
+            </a:r>
+            <a:endParaRPr lang="fr-FR" dirty="0"/>
+          </a:p>
+        </p:txBody>
+      </p:sp>
+      <p:sp>
+        <p:nvSpPr>
+          <p:cNvPr id="4" name="Espace réservé du numéro de diapositive 3"/>
+          <p:cNvSpPr>
+            <a:spLocks noGrp="1"/>
+          </p:cNvSpPr>
+          <p:nvPr>
+            <p:ph type="sldNum" sz="quarter" idx="10"/>
+          </p:nvPr>
+        </p:nvSpPr>
+        <p:spPr/>
+        <p:txBody>
+          <a:bodyPr/>
+          <a:lstStyle/>
+          <a:p>
+            <a:fld id="{E2994B5E-A13E-4BD3-8D15-B57FA70E9DD6}" type="slidenum">
+              <a:rPr lang="fr-FR" smtClean="0"/>
+              <a:t>17</a:t>
+            </a:fld>
+            <a:endParaRPr lang="fr-FR"/>
+          </a:p>
+        </p:txBody>
+      </p:sp>
+    </p:spTree>
+    <p:extLst>
+      <p:ext uri="{BB962C8B-B14F-4D97-AF65-F5344CB8AC3E}">
+        <p14:creationId xmlns:p14="http://schemas.microsoft.com/office/powerpoint/2010/main" val="2728227148"/>
+      </p:ext>
+    </p:extLst>
+  </p:cSld>
+  <p:clrMapOvr>
+    <a:masterClrMapping/>
+  </p:clrMapOvr>
+</p:notes>
+</file>
+
+<file path=ppt/notesSlides/notesSlide16.xml><?xml version="1.0" encoding="utf-8"?>
+<p:notes xmlns:a="http://schemas.openxmlformats.org/drawingml/2006/main" xmlns:r="http://schemas.openxmlformats.org/officeDocument/2006/relationships" xmlns:p="http://schemas.openxmlformats.org/presentationml/2006/main">
+  <p:cSld>
+    <p:spTree>
+      <p:nvGrpSpPr>
+        <p:cNvPr id="1" name=""/>
+        <p:cNvGrpSpPr/>
+        <p:nvPr/>
+      </p:nvGrpSpPr>
+      <p:grpSpPr>
+        <a:xfrm>
+          <a:off x="0" y="0"/>
+          <a:ext cx="0" cy="0"/>
+          <a:chOff x="0" y="0"/>
+          <a:chExt cx="0" cy="0"/>
+        </a:xfrm>
+      </p:grpSpPr>
+      <p:sp>
+        <p:nvSpPr>
+          <p:cNvPr id="2" name="Espace réservé de l'image des diapositives 1"/>
+          <p:cNvSpPr>
+            <a:spLocks noGrp="1" noRot="1" noChangeAspect="1"/>
+          </p:cNvSpPr>
+          <p:nvPr>
+            <p:ph type="sldImg"/>
+          </p:nvPr>
+        </p:nvSpPr>
+        <p:spPr/>
+      </p:sp>
+      <p:sp>
+        <p:nvSpPr>
+          <p:cNvPr id="3" name="Espace réservé des commentaires 2"/>
+          <p:cNvSpPr>
+            <a:spLocks noGrp="1"/>
+          </p:cNvSpPr>
+          <p:nvPr>
+            <p:ph type="body" idx="1"/>
+          </p:nvPr>
+        </p:nvSpPr>
+        <p:spPr/>
+        <p:txBody>
+          <a:bodyPr/>
+          <a:lstStyle/>
+          <a:p>
+            <a:r>
+              <a:rPr lang="fr-FR" dirty="0" smtClean="0"/>
+              <a:t>ANNONCE FABIEN</a:t>
+            </a:r>
+          </a:p>
+          <a:p>
+            <a:endParaRPr lang="fr-FR" dirty="0" smtClean="0"/>
+          </a:p>
+          <a:p>
+            <a:r>
+              <a:rPr lang="fr-FR" dirty="0" smtClean="0"/>
+              <a:t>1.</a:t>
+            </a:r>
+            <a:r>
+              <a:rPr lang="fr-FR" baseline="0" dirty="0" smtClean="0"/>
+              <a:t>  </a:t>
+            </a:r>
+            <a:r>
+              <a:rPr lang="fr-FR" dirty="0" smtClean="0"/>
+              <a:t>Long</a:t>
+            </a:r>
+          </a:p>
+          <a:p>
+            <a:r>
+              <a:rPr lang="fr-FR" dirty="0" smtClean="0"/>
+              <a:t>2.  Justine	</a:t>
+            </a:r>
+          </a:p>
+          <a:p>
+            <a:r>
+              <a:rPr lang="fr-FR" dirty="0" smtClean="0"/>
+              <a:t>3.  Julien</a:t>
+            </a:r>
+          </a:p>
+          <a:p>
+            <a:r>
+              <a:rPr lang="fr-FR" dirty="0" smtClean="0"/>
+              <a:t>4.  Long</a:t>
+            </a:r>
+          </a:p>
+          <a:p>
+            <a:r>
+              <a:rPr lang="fr-FR" dirty="0" smtClean="0"/>
+              <a:t>5. Justine</a:t>
+            </a:r>
+          </a:p>
+        </p:txBody>
+      </p:sp>
+      <p:sp>
+        <p:nvSpPr>
+          <p:cNvPr id="4" name="Espace réservé du numéro de diapositive 3"/>
+          <p:cNvSpPr>
+            <a:spLocks noGrp="1"/>
+          </p:cNvSpPr>
+          <p:nvPr>
+            <p:ph type="sldNum" sz="quarter" idx="10"/>
+          </p:nvPr>
+        </p:nvSpPr>
+        <p:spPr/>
+        <p:txBody>
+          <a:bodyPr/>
+          <a:lstStyle/>
+          <a:p>
+            <a:fld id="{E2994B5E-A13E-4BD3-8D15-B57FA70E9DD6}" type="slidenum">
+              <a:rPr lang="fr-FR" smtClean="0"/>
+              <a:t>19</a:t>
+            </a:fld>
+            <a:endParaRPr lang="fr-FR"/>
+          </a:p>
+        </p:txBody>
+      </p:sp>
+    </p:spTree>
+    <p:extLst>
+      <p:ext uri="{BB962C8B-B14F-4D97-AF65-F5344CB8AC3E}">
+        <p14:creationId xmlns:p14="http://schemas.microsoft.com/office/powerpoint/2010/main" val="2760002475"/>
+      </p:ext>
+    </p:extLst>
+  </p:cSld>
+  <p:clrMapOvr>
+    <a:masterClrMapping/>
+  </p:clrMapOvr>
+</p:notes>
+</file>
+
+<file path=ppt/notesSlides/notesSlide17.xml><?xml version="1.0" encoding="utf-8"?>
+<p:notes xmlns:a="http://schemas.openxmlformats.org/drawingml/2006/main" xmlns:r="http://schemas.openxmlformats.org/officeDocument/2006/relationships" xmlns:p="http://schemas.openxmlformats.org/presentationml/2006/main">
+  <p:cSld>
+    <p:spTree>
+      <p:nvGrpSpPr>
+        <p:cNvPr id="1" name=""/>
+        <p:cNvGrpSpPr/>
+        <p:nvPr/>
+      </p:nvGrpSpPr>
+      <p:grpSpPr>
+        <a:xfrm>
+          <a:off x="0" y="0"/>
+          <a:ext cx="0" cy="0"/>
+          <a:chOff x="0" y="0"/>
+          <a:chExt cx="0" cy="0"/>
+        </a:xfrm>
+      </p:grpSpPr>
+      <p:sp>
+        <p:nvSpPr>
+          <p:cNvPr id="2" name="Espace réservé de l'image des diapositives 1"/>
+          <p:cNvSpPr>
+            <a:spLocks noGrp="1" noRot="1" noChangeAspect="1"/>
+          </p:cNvSpPr>
+          <p:nvPr>
+            <p:ph type="sldImg"/>
+          </p:nvPr>
+        </p:nvSpPr>
+        <p:spPr/>
+      </p:sp>
+      <p:sp>
+        <p:nvSpPr>
+          <p:cNvPr id="3" name="Espace réservé des commentaires 2"/>
+          <p:cNvSpPr>
+            <a:spLocks noGrp="1"/>
+          </p:cNvSpPr>
+          <p:nvPr>
+            <p:ph type="body" idx="1"/>
+          </p:nvPr>
+        </p:nvSpPr>
+        <p:spPr/>
+        <p:txBody>
+          <a:bodyPr/>
+          <a:lstStyle/>
+          <a:p>
+            <a:r>
+              <a:rPr lang="fr-FR" dirty="0" smtClean="0"/>
+              <a:t>Kim</a:t>
+            </a:r>
+            <a:endParaRPr lang="fr-FR" dirty="0"/>
+          </a:p>
+        </p:txBody>
+      </p:sp>
+      <p:sp>
+        <p:nvSpPr>
+          <p:cNvPr id="4" name="Espace réservé du numéro de diapositive 3"/>
+          <p:cNvSpPr>
+            <a:spLocks noGrp="1"/>
+          </p:cNvSpPr>
+          <p:nvPr>
+            <p:ph type="sldNum" sz="quarter" idx="10"/>
+          </p:nvPr>
+        </p:nvSpPr>
+        <p:spPr/>
+        <p:txBody>
+          <a:bodyPr/>
+          <a:lstStyle/>
+          <a:p>
+            <a:fld id="{E2994B5E-A13E-4BD3-8D15-B57FA70E9DD6}" type="slidenum">
+              <a:rPr lang="fr-FR" smtClean="0"/>
+              <a:t>20</a:t>
+            </a:fld>
+            <a:endParaRPr lang="fr-FR"/>
+          </a:p>
+        </p:txBody>
+      </p:sp>
+    </p:spTree>
+    <p:extLst>
+      <p:ext uri="{BB962C8B-B14F-4D97-AF65-F5344CB8AC3E}">
+        <p14:creationId xmlns:p14="http://schemas.microsoft.com/office/powerpoint/2010/main" val="2591304371"/>
       </p:ext>
     </p:extLst>
   </p:cSld>
@@ -3941,6 +9176,10 @@
           <a:bodyPr/>
           <a:lstStyle/>
           <a:p>
+            <a:r>
+              <a:rPr lang="fr-FR" dirty="0" smtClean="0"/>
+              <a:t>Long</a:t>
+            </a:r>
             <a:endParaRPr lang="fr-FR" dirty="0"/>
           </a:p>
         </p:txBody>
@@ -3962,7 +9201,7 @@
           <a:p>
             <a:fld id="{E2994B5E-A13E-4BD3-8D15-B57FA70E9DD6}" type="slidenum">
               <a:rPr lang="fr-FR" smtClean="0"/>
-              <a:t>6</a:t>
+              <a:t>2</a:t>
             </a:fld>
             <a:endParaRPr lang="fr-FR"/>
           </a:p>
@@ -3971,7 +9210,7 @@
     </p:spTree>
     <p:extLst>
       <p:ext uri="{BB962C8B-B14F-4D97-AF65-F5344CB8AC3E}">
-        <p14:creationId xmlns:p14="http://schemas.microsoft.com/office/powerpoint/2010/main" val="3657111939"/>
+        <p14:creationId xmlns:p14="http://schemas.microsoft.com/office/powerpoint/2010/main" val="1827174083"/>
       </p:ext>
     </p:extLst>
   </p:cSld>
@@ -4025,6 +9264,10 @@
           <a:bodyPr/>
           <a:lstStyle/>
           <a:p>
+            <a:r>
+              <a:rPr lang="fr-FR" dirty="0" smtClean="0"/>
+              <a:t>Long</a:t>
+            </a:r>
             <a:endParaRPr lang="fr-FR" dirty="0"/>
           </a:p>
         </p:txBody>
@@ -4046,7 +9289,7 @@
           <a:p>
             <a:fld id="{E2994B5E-A13E-4BD3-8D15-B57FA70E9DD6}" type="slidenum">
               <a:rPr lang="fr-FR" smtClean="0"/>
-              <a:t>7</a:t>
+              <a:t>3</a:t>
             </a:fld>
             <a:endParaRPr lang="fr-FR"/>
           </a:p>
@@ -4055,7 +9298,7 @@
     </p:spTree>
     <p:extLst>
       <p:ext uri="{BB962C8B-B14F-4D97-AF65-F5344CB8AC3E}">
-        <p14:creationId xmlns:p14="http://schemas.microsoft.com/office/powerpoint/2010/main" val="3657111939"/>
+        <p14:creationId xmlns:p14="http://schemas.microsoft.com/office/powerpoint/2010/main" val="1106225893"/>
       </p:ext>
     </p:extLst>
   </p:cSld>
@@ -4109,6 +9352,10 @@
           <a:bodyPr/>
           <a:lstStyle/>
           <a:p>
+            <a:r>
+              <a:rPr lang="fr-FR" dirty="0" smtClean="0"/>
+              <a:t>Long</a:t>
+            </a:r>
             <a:endParaRPr lang="fr-FR" dirty="0"/>
           </a:p>
         </p:txBody>
@@ -4130,7 +9377,7 @@
           <a:p>
             <a:fld id="{E2994B5E-A13E-4BD3-8D15-B57FA70E9DD6}" type="slidenum">
               <a:rPr lang="fr-FR" smtClean="0"/>
-              <a:t>8</a:t>
+              <a:t>4</a:t>
             </a:fld>
             <a:endParaRPr lang="fr-FR"/>
           </a:p>
@@ -4139,7 +9386,7 @@
     </p:spTree>
     <p:extLst>
       <p:ext uri="{BB962C8B-B14F-4D97-AF65-F5344CB8AC3E}">
-        <p14:creationId xmlns:p14="http://schemas.microsoft.com/office/powerpoint/2010/main" val="3657111939"/>
+        <p14:creationId xmlns:p14="http://schemas.microsoft.com/office/powerpoint/2010/main" val="1848007080"/>
       </p:ext>
     </p:extLst>
   </p:cSld>
@@ -4193,6 +9440,10 @@
           <a:bodyPr/>
           <a:lstStyle/>
           <a:p>
+            <a:r>
+              <a:rPr lang="fr-FR" dirty="0" smtClean="0"/>
+              <a:t>Julien</a:t>
+            </a:r>
             <a:endParaRPr lang="fr-FR" dirty="0"/>
           </a:p>
         </p:txBody>
@@ -4214,7 +9465,7 @@
           <a:p>
             <a:fld id="{E2994B5E-A13E-4BD3-8D15-B57FA70E9DD6}" type="slidenum">
               <a:rPr lang="fr-FR" smtClean="0"/>
-              <a:t>9</a:t>
+              <a:t>5</a:t>
             </a:fld>
             <a:endParaRPr lang="fr-FR"/>
           </a:p>
@@ -4223,7 +9474,7 @@
     </p:spTree>
     <p:extLst>
       <p:ext uri="{BB962C8B-B14F-4D97-AF65-F5344CB8AC3E}">
-        <p14:creationId xmlns:p14="http://schemas.microsoft.com/office/powerpoint/2010/main" val="3657111939"/>
+        <p14:creationId xmlns:p14="http://schemas.microsoft.com/office/powerpoint/2010/main" val="2009387417"/>
       </p:ext>
     </p:extLst>
   </p:cSld>
@@ -4277,6 +9528,10 @@
           <a:bodyPr/>
           <a:lstStyle/>
           <a:p>
+            <a:r>
+              <a:rPr lang="fr-FR" dirty="0" smtClean="0"/>
+              <a:t>Julien</a:t>
+            </a:r>
             <a:endParaRPr lang="fr-FR" dirty="0"/>
           </a:p>
         </p:txBody>
@@ -4298,7 +9553,7 @@
           <a:p>
             <a:fld id="{E2994B5E-A13E-4BD3-8D15-B57FA70E9DD6}" type="slidenum">
               <a:rPr lang="fr-FR" smtClean="0"/>
-              <a:t>10</a:t>
+              <a:t>6</a:t>
             </a:fld>
             <a:endParaRPr lang="fr-FR"/>
           </a:p>
@@ -4361,7 +9616,11 @@
           <a:bodyPr/>
           <a:lstStyle/>
           <a:p>
-            <a:endParaRPr lang="fr-FR"/>
+            <a:r>
+              <a:rPr lang="fr-FR" dirty="0" smtClean="0"/>
+              <a:t>Kim</a:t>
+            </a:r>
+            <a:endParaRPr lang="fr-FR" dirty="0"/>
           </a:p>
         </p:txBody>
       </p:sp>
@@ -4382,7 +9641,7 @@
           <a:p>
             <a:fld id="{E2994B5E-A13E-4BD3-8D15-B57FA70E9DD6}" type="slidenum">
               <a:rPr lang="fr-FR" smtClean="0"/>
-              <a:t>16</a:t>
+              <a:t>7</a:t>
             </a:fld>
             <a:endParaRPr lang="fr-FR"/>
           </a:p>
@@ -4391,7 +9650,183 @@
     </p:spTree>
     <p:extLst>
       <p:ext uri="{BB962C8B-B14F-4D97-AF65-F5344CB8AC3E}">
-        <p14:creationId xmlns:p14="http://schemas.microsoft.com/office/powerpoint/2010/main" val="2728227148"/>
+        <p14:creationId xmlns:p14="http://schemas.microsoft.com/office/powerpoint/2010/main" val="3657111939"/>
+      </p:ext>
+    </p:extLst>
+  </p:cSld>
+  <p:clrMapOvr>
+    <a:masterClrMapping/>
+  </p:clrMapOvr>
+</p:notes>
+</file>
+
+<file path=ppt/notesSlides/notesSlide8.xml><?xml version="1.0" encoding="utf-8"?>
+<p:notes xmlns:a="http://schemas.openxmlformats.org/drawingml/2006/main" xmlns:r="http://schemas.openxmlformats.org/officeDocument/2006/relationships" xmlns:p="http://schemas.openxmlformats.org/presentationml/2006/main">
+  <p:cSld>
+    <p:spTree>
+      <p:nvGrpSpPr>
+        <p:cNvPr id="1" name=""/>
+        <p:cNvGrpSpPr/>
+        <p:nvPr/>
+      </p:nvGrpSpPr>
+      <p:grpSpPr>
+        <a:xfrm>
+          <a:off x="0" y="0"/>
+          <a:ext cx="0" cy="0"/>
+          <a:chOff x="0" y="0"/>
+          <a:chExt cx="0" cy="0"/>
+        </a:xfrm>
+      </p:grpSpPr>
+      <p:sp>
+        <p:nvSpPr>
+          <p:cNvPr id="2" name="Espace réservé de l'image des diapositives 1"/>
+          <p:cNvSpPr>
+            <a:spLocks noGrp="1" noRot="1" noChangeAspect="1"/>
+          </p:cNvSpPr>
+          <p:nvPr>
+            <p:ph type="sldImg"/>
+          </p:nvPr>
+        </p:nvSpPr>
+        <p:spPr/>
+      </p:sp>
+      <p:sp>
+        <p:nvSpPr>
+          <p:cNvPr id="3" name="Espace réservé des commentaires 2"/>
+          <p:cNvSpPr>
+            <a:spLocks noGrp="1"/>
+          </p:cNvSpPr>
+          <p:nvPr>
+            <p:ph type="body" idx="1"/>
+          </p:nvPr>
+        </p:nvSpPr>
+        <p:spPr/>
+        <p:txBody>
+          <a:bodyPr/>
+          <a:lstStyle/>
+          <a:p>
+            <a:r>
+              <a:rPr lang="fr-FR" dirty="0" smtClean="0"/>
+              <a:t>Julien</a:t>
+            </a:r>
+            <a:endParaRPr lang="fr-FR" dirty="0"/>
+          </a:p>
+        </p:txBody>
+      </p:sp>
+      <p:sp>
+        <p:nvSpPr>
+          <p:cNvPr id="4" name="Espace réservé du numéro de diapositive 3"/>
+          <p:cNvSpPr>
+            <a:spLocks noGrp="1"/>
+          </p:cNvSpPr>
+          <p:nvPr>
+            <p:ph type="sldNum" sz="quarter" idx="10"/>
+          </p:nvPr>
+        </p:nvSpPr>
+        <p:spPr/>
+        <p:txBody>
+          <a:bodyPr/>
+          <a:lstStyle/>
+          <a:p>
+            <a:fld id="{E2994B5E-A13E-4BD3-8D15-B57FA70E9DD6}" type="slidenum">
+              <a:rPr lang="fr-FR" smtClean="0"/>
+              <a:t>8</a:t>
+            </a:fld>
+            <a:endParaRPr lang="fr-FR"/>
+          </a:p>
+        </p:txBody>
+      </p:sp>
+    </p:spTree>
+    <p:extLst>
+      <p:ext uri="{BB962C8B-B14F-4D97-AF65-F5344CB8AC3E}">
+        <p14:creationId xmlns:p14="http://schemas.microsoft.com/office/powerpoint/2010/main" val="3657111939"/>
+      </p:ext>
+    </p:extLst>
+  </p:cSld>
+  <p:clrMapOvr>
+    <a:masterClrMapping/>
+  </p:clrMapOvr>
+</p:notes>
+</file>
+
+<file path=ppt/notesSlides/notesSlide9.xml><?xml version="1.0" encoding="utf-8"?>
+<p:notes xmlns:a="http://schemas.openxmlformats.org/drawingml/2006/main" xmlns:r="http://schemas.openxmlformats.org/officeDocument/2006/relationships" xmlns:p="http://schemas.openxmlformats.org/presentationml/2006/main">
+  <p:cSld>
+    <p:spTree>
+      <p:nvGrpSpPr>
+        <p:cNvPr id="1" name=""/>
+        <p:cNvGrpSpPr/>
+        <p:nvPr/>
+      </p:nvGrpSpPr>
+      <p:grpSpPr>
+        <a:xfrm>
+          <a:off x="0" y="0"/>
+          <a:ext cx="0" cy="0"/>
+          <a:chOff x="0" y="0"/>
+          <a:chExt cx="0" cy="0"/>
+        </a:xfrm>
+      </p:grpSpPr>
+      <p:sp>
+        <p:nvSpPr>
+          <p:cNvPr id="2" name="Espace réservé de l'image des diapositives 1"/>
+          <p:cNvSpPr>
+            <a:spLocks noGrp="1" noRot="1" noChangeAspect="1"/>
+          </p:cNvSpPr>
+          <p:nvPr>
+            <p:ph type="sldImg"/>
+          </p:nvPr>
+        </p:nvSpPr>
+        <p:spPr/>
+      </p:sp>
+      <p:sp>
+        <p:nvSpPr>
+          <p:cNvPr id="3" name="Espace réservé des commentaires 2"/>
+          <p:cNvSpPr>
+            <a:spLocks noGrp="1"/>
+          </p:cNvSpPr>
+          <p:nvPr>
+            <p:ph type="body" idx="1"/>
+          </p:nvPr>
+        </p:nvSpPr>
+        <p:spPr/>
+        <p:txBody>
+          <a:bodyPr/>
+          <a:lstStyle/>
+          <a:p>
+            <a:r>
+              <a:rPr lang="fr-FR" dirty="0" smtClean="0"/>
+              <a:t>Justine</a:t>
+            </a:r>
+            <a:endParaRPr lang="fr-FR" dirty="0"/>
+          </a:p>
+        </p:txBody>
+      </p:sp>
+      <p:sp>
+        <p:nvSpPr>
+          <p:cNvPr id="4" name="Espace réservé du numéro de diapositive 3"/>
+          <p:cNvSpPr>
+            <a:spLocks noGrp="1"/>
+          </p:cNvSpPr>
+          <p:nvPr>
+            <p:ph type="sldNum" sz="quarter" idx="10"/>
+          </p:nvPr>
+        </p:nvSpPr>
+        <p:spPr/>
+        <p:txBody>
+          <a:bodyPr/>
+          <a:lstStyle/>
+          <a:p>
+            <a:fld id="{E2994B5E-A13E-4BD3-8D15-B57FA70E9DD6}" type="slidenum">
+              <a:rPr lang="fr-FR" smtClean="0"/>
+              <a:t>9</a:t>
+            </a:fld>
+            <a:endParaRPr lang="fr-FR"/>
+          </a:p>
+        </p:txBody>
+      </p:sp>
+    </p:spTree>
+    <p:extLst>
+      <p:ext uri="{BB962C8B-B14F-4D97-AF65-F5344CB8AC3E}">
+        <p14:creationId xmlns:p14="http://schemas.microsoft.com/office/powerpoint/2010/main" val="3657111939"/>
       </p:ext>
     </p:extLst>
   </p:cSld>
@@ -4582,7 +10017,7 @@
           <a:p>
             <a:fld id="{C2D65230-C684-41AF-AA0D-72F719444CFB}" type="datetime1">
               <a:rPr lang="fr-FR" smtClean="0"/>
-              <a:t>03/01/2015</a:t>
+              <a:t>05/01/2015</a:t>
             </a:fld>
             <a:endParaRPr lang="fr-BE"/>
           </a:p>
@@ -4752,7 +10187,7 @@
           <a:p>
             <a:fld id="{66168C52-95ED-42C2-B895-1D2AC16AE535}" type="datetime1">
               <a:rPr lang="fr-FR" smtClean="0"/>
-              <a:t>03/01/2015</a:t>
+              <a:t>05/01/2015</a:t>
             </a:fld>
             <a:endParaRPr lang="fr-BE"/>
           </a:p>
@@ -4932,7 +10367,7 @@
           <a:p>
             <a:fld id="{97F9B326-529C-4F7B-B853-FAC68FB4BD83}" type="datetime1">
               <a:rPr lang="fr-FR" smtClean="0"/>
-              <a:t>03/01/2015</a:t>
+              <a:t>05/01/2015</a:t>
             </a:fld>
             <a:endParaRPr lang="fr-BE"/>
           </a:p>
@@ -5102,7 +10537,7 @@
           <a:p>
             <a:fld id="{BC86967F-49BF-4B16-9EF7-68DCA022A0F5}" type="datetime1">
               <a:rPr lang="fr-FR" smtClean="0"/>
-              <a:t>03/01/2015</a:t>
+              <a:t>05/01/2015</a:t>
             </a:fld>
             <a:endParaRPr lang="fr-BE"/>
           </a:p>
@@ -5348,7 +10783,7 @@
           <a:p>
             <a:fld id="{A3C54BB5-BFEE-4131-BDA5-39E825F8557C}" type="datetime1">
               <a:rPr lang="fr-FR" smtClean="0"/>
-              <a:t>03/01/2015</a:t>
+              <a:t>05/01/2015</a:t>
             </a:fld>
             <a:endParaRPr lang="fr-BE"/>
           </a:p>
@@ -5636,7 +11071,7 @@
           <a:p>
             <a:fld id="{4EEDA896-919B-40D0-B2D3-CBC5EEE1DF94}" type="datetime1">
               <a:rPr lang="fr-FR" smtClean="0"/>
-              <a:t>03/01/2015</a:t>
+              <a:t>05/01/2015</a:t>
             </a:fld>
             <a:endParaRPr lang="fr-BE"/>
           </a:p>
@@ -6058,7 +11493,7 @@
           <a:p>
             <a:fld id="{543CE89A-C400-41BE-938E-3477A7B711D4}" type="datetime1">
               <a:rPr lang="fr-FR" smtClean="0"/>
-              <a:t>03/01/2015</a:t>
+              <a:t>05/01/2015</a:t>
             </a:fld>
             <a:endParaRPr lang="fr-BE"/>
           </a:p>
@@ -6176,7 +11611,7 @@
           <a:p>
             <a:fld id="{6C84417D-1899-42AE-B438-7331E2E84D71}" type="datetime1">
               <a:rPr lang="fr-FR" smtClean="0"/>
-              <a:t>03/01/2015</a:t>
+              <a:t>05/01/2015</a:t>
             </a:fld>
             <a:endParaRPr lang="fr-BE"/>
           </a:p>
@@ -6271,7 +11706,7 @@
           <a:p>
             <a:fld id="{0A21B63A-27A0-4EE2-B3BF-BFDA56FB0AC7}" type="datetime1">
               <a:rPr lang="fr-FR" smtClean="0"/>
-              <a:t>03/01/2015</a:t>
+              <a:t>05/01/2015</a:t>
             </a:fld>
             <a:endParaRPr lang="fr-BE"/>
           </a:p>
@@ -6548,7 +11983,7 @@
           <a:p>
             <a:fld id="{F4A1703F-2DEB-4C9F-8A1E-A123D9DA669A}" type="datetime1">
               <a:rPr lang="fr-FR" smtClean="0"/>
-              <a:t>03/01/2015</a:t>
+              <a:t>05/01/2015</a:t>
             </a:fld>
             <a:endParaRPr lang="fr-BE"/>
           </a:p>
@@ -6801,7 +12236,7 @@
           <a:p>
             <a:fld id="{62027368-7A5E-4223-B763-64DAB6395145}" type="datetime1">
               <a:rPr lang="fr-FR" smtClean="0"/>
-              <a:t>03/01/2015</a:t>
+              <a:t>05/01/2015</a:t>
             </a:fld>
             <a:endParaRPr lang="fr-BE"/>
           </a:p>
@@ -7014,7 +12449,7 @@
           <a:p>
             <a:fld id="{AF8072BF-C55A-4D0D-88F2-9B6536496F70}" type="datetime1">
               <a:rPr lang="fr-FR" smtClean="0"/>
-              <a:t>03/01/2015</a:t>
+              <a:t>05/01/2015</a:t>
             </a:fld>
             <a:endParaRPr lang="fr-BE"/>
           </a:p>
@@ -11249,7 +16684,7 @@
                   <a:schemeClr val="bg1"/>
                 </a:solidFill>
               </a:rPr>
-              <a:t>03/01/2015</a:t>
+              <a:t>05/01/2015</a:t>
             </a:fld>
             <a:endParaRPr lang="fr-BE" sz="2000" dirty="0">
               <a:solidFill>
@@ -11373,7 +16808,7 @@
           <a:p>
             <a:fld id="{A5DF02B5-C084-4573-B9AA-1687D980E5FB}" type="datetime1">
               <a:rPr lang="fr-FR" smtClean="0"/>
-              <a:t>03/01/2015</a:t>
+              <a:t>05/01/2015</a:t>
             </a:fld>
             <a:endParaRPr lang="fr-BE"/>
           </a:p>
@@ -11463,7 +16898,7 @@
                   </a:schemeClr>
                 </a:solidFill>
               </a:rPr>
-              <a:t>Présentation du logiciel</a:t>
+              <a:t>Présentation</a:t>
             </a:r>
             <a:endParaRPr lang="fr-FR" dirty="0">
               <a:solidFill>
@@ -11657,7 +17092,7 @@
           <a:p>
             <a:fld id="{C2D65230-C684-41AF-AA0D-72F719444CFB}" type="datetime1">
               <a:rPr lang="fr-FR" smtClean="0"/>
-              <a:t>03/01/2015</a:t>
+              <a:t>05/01/2015</a:t>
             </a:fld>
             <a:endParaRPr lang="fr-BE"/>
           </a:p>
@@ -11825,7 +17260,7 @@
           <a:p>
             <a:fld id="{A5DF02B5-C084-4573-B9AA-1687D980E5FB}" type="datetime1">
               <a:rPr lang="fr-FR" smtClean="0"/>
-              <a:t>03/01/2015</a:t>
+              <a:t>05/01/2015</a:t>
             </a:fld>
             <a:endParaRPr lang="fr-BE"/>
           </a:p>
@@ -11927,6 +17362,254 @@
           </a:p>
         </p:txBody>
       </p:sp>
+      <p:sp>
+        <p:nvSpPr>
+          <p:cNvPr id="17" name="Espace réservé du contenu 2"/>
+          <p:cNvSpPr>
+            <a:spLocks noGrp="1"/>
+          </p:cNvSpPr>
+          <p:nvPr>
+            <p:ph idx="1"/>
+          </p:nvPr>
+        </p:nvSpPr>
+        <p:spPr>
+          <a:xfrm>
+            <a:off x="457200" y="1340768"/>
+            <a:ext cx="8229600" cy="4785395"/>
+          </a:xfrm>
+        </p:spPr>
+        <p:txBody>
+          <a:bodyPr/>
+          <a:lstStyle/>
+          <a:p>
+            <a:pPr>
+              <a:buClr>
+                <a:srgbClr val="6699CC"/>
+              </a:buClr>
+            </a:pPr>
+            <a:r>
+              <a:rPr lang="fr-FR" dirty="0" smtClean="0"/>
+              <a:t>Client lourd</a:t>
+            </a:r>
+          </a:p>
+          <a:p>
+            <a:pPr>
+              <a:buClr>
+                <a:srgbClr val="6699CC"/>
+              </a:buClr>
+            </a:pPr>
+            <a:r>
+              <a:rPr lang="fr-FR" dirty="0" smtClean="0"/>
+              <a:t>Stockage des informations dans une BDD</a:t>
+            </a:r>
+          </a:p>
+          <a:p>
+            <a:pPr lvl="1">
+              <a:buClr>
+                <a:srgbClr val="6699CC"/>
+              </a:buClr>
+            </a:pPr>
+            <a:r>
+              <a:rPr lang="fr-FR" dirty="0" smtClean="0"/>
+              <a:t>Permet la synchronisation des différentes interfaces</a:t>
+            </a:r>
+            <a:endParaRPr lang="fr-FR" dirty="0" smtClean="0"/>
+          </a:p>
+        </p:txBody>
+      </p:sp>
+    </p:spTree>
+    <p:extLst>
+      <p:ext uri="{BB962C8B-B14F-4D97-AF65-F5344CB8AC3E}">
+        <p14:creationId xmlns:p14="http://schemas.microsoft.com/office/powerpoint/2010/main" val="4128894042"/>
+      </p:ext>
+    </p:extLst>
+  </p:cSld>
+  <p:clrMapOvr>
+    <a:masterClrMapping/>
+  </p:clrMapOvr>
+  <p:timing>
+    <p:tnLst>
+      <p:par>
+        <p:cTn id="1" dur="indefinite" restart="never" nodeType="tmRoot"/>
+      </p:par>
+    </p:tnLst>
+  </p:timing>
+</p:sld>
+</file>
+
+<file path=ppt/slides/slide13.xml><?xml version="1.0" encoding="utf-8"?>
+<p:sld xmlns:a="http://schemas.openxmlformats.org/drawingml/2006/main" xmlns:r="http://schemas.openxmlformats.org/officeDocument/2006/relationships" xmlns:p="http://schemas.openxmlformats.org/presentationml/2006/main">
+  <p:cSld>
+    <p:spTree>
+      <p:nvGrpSpPr>
+        <p:cNvPr id="1" name=""/>
+        <p:cNvGrpSpPr/>
+        <p:nvPr/>
+      </p:nvGrpSpPr>
+      <p:grpSpPr>
+        <a:xfrm>
+          <a:off x="0" y="0"/>
+          <a:ext cx="0" cy="0"/>
+          <a:chOff x="0" y="0"/>
+          <a:chExt cx="0" cy="0"/>
+        </a:xfrm>
+      </p:grpSpPr>
+      <p:sp>
+        <p:nvSpPr>
+          <p:cNvPr id="2" name="Titre 1"/>
+          <p:cNvSpPr>
+            <a:spLocks noGrp="1"/>
+          </p:cNvSpPr>
+          <p:nvPr>
+            <p:ph type="title"/>
+          </p:nvPr>
+        </p:nvSpPr>
+        <p:spPr>
+          <a:xfrm>
+            <a:off x="446856" y="188640"/>
+            <a:ext cx="8373616" cy="796950"/>
+          </a:xfrm>
+        </p:spPr>
+        <p:txBody>
+          <a:bodyPr/>
+          <a:lstStyle/>
+          <a:p>
+            <a:pPr algn="r"/>
+            <a:r>
+              <a:rPr lang="fr-FR" dirty="0" smtClean="0">
+                <a:solidFill>
+                  <a:srgbClr val="336699"/>
+                </a:solidFill>
+              </a:rPr>
+              <a:t>Choix d’architecture</a:t>
+            </a:r>
+            <a:endParaRPr lang="fr-FR" dirty="0">
+              <a:solidFill>
+                <a:srgbClr val="336699"/>
+              </a:solidFill>
+            </a:endParaRPr>
+          </a:p>
+        </p:txBody>
+      </p:sp>
+      <p:sp>
+        <p:nvSpPr>
+          <p:cNvPr id="4" name="Espace réservé de la date 3"/>
+          <p:cNvSpPr>
+            <a:spLocks noGrp="1"/>
+          </p:cNvSpPr>
+          <p:nvPr>
+            <p:ph type="dt" sz="half" idx="10"/>
+          </p:nvPr>
+        </p:nvSpPr>
+        <p:spPr/>
+        <p:txBody>
+          <a:bodyPr/>
+          <a:lstStyle/>
+          <a:p>
+            <a:fld id="{A5DF02B5-C084-4573-B9AA-1687D980E5FB}" type="datetime1">
+              <a:rPr lang="fr-FR" smtClean="0"/>
+              <a:t>05/01/2015</a:t>
+            </a:fld>
+            <a:endParaRPr lang="fr-BE"/>
+          </a:p>
+        </p:txBody>
+      </p:sp>
+      <p:sp>
+        <p:nvSpPr>
+          <p:cNvPr id="5" name="Espace réservé du numéro de diapositive 4"/>
+          <p:cNvSpPr>
+            <a:spLocks noGrp="1"/>
+          </p:cNvSpPr>
+          <p:nvPr>
+            <p:ph type="sldNum" sz="quarter" idx="12"/>
+          </p:nvPr>
+        </p:nvSpPr>
+        <p:spPr/>
+        <p:txBody>
+          <a:bodyPr/>
+          <a:lstStyle/>
+          <a:p>
+            <a:fld id="{CF4668DC-857F-487D-BFFA-8C0CA5037977}" type="slidenum">
+              <a:rPr lang="fr-BE" smtClean="0"/>
+              <a:t>13</a:t>
+            </a:fld>
+            <a:endParaRPr lang="fr-BE"/>
+          </a:p>
+        </p:txBody>
+      </p:sp>
+      <p:cxnSp>
+        <p:nvCxnSpPr>
+          <p:cNvPr id="8" name="Connecteur droit 7"/>
+          <p:cNvCxnSpPr/>
+          <p:nvPr/>
+        </p:nvCxnSpPr>
+        <p:spPr>
+          <a:xfrm>
+            <a:off x="467544" y="908720"/>
+            <a:ext cx="8208912" cy="0"/>
+          </a:xfrm>
+          <a:prstGeom prst="line">
+            <a:avLst/>
+          </a:prstGeom>
+        </p:spPr>
+        <p:style>
+          <a:lnRef idx="1">
+            <a:schemeClr val="accent1"/>
+          </a:lnRef>
+          <a:fillRef idx="0">
+            <a:schemeClr val="accent1"/>
+          </a:fillRef>
+          <a:effectRef idx="0">
+            <a:schemeClr val="accent1"/>
+          </a:effectRef>
+          <a:fontRef idx="minor">
+            <a:schemeClr val="tx1"/>
+          </a:fontRef>
+        </p:style>
+      </p:cxnSp>
+      <p:sp>
+        <p:nvSpPr>
+          <p:cNvPr id="10" name="ZoneTexte 9"/>
+          <p:cNvSpPr txBox="1"/>
+          <p:nvPr/>
+        </p:nvSpPr>
+        <p:spPr>
+          <a:xfrm>
+            <a:off x="1763777" y="6309320"/>
+            <a:ext cx="5616446" cy="369332"/>
+          </a:xfrm>
+          <a:prstGeom prst="rect">
+            <a:avLst/>
+          </a:prstGeom>
+          <a:noFill/>
+        </p:spPr>
+        <p:txBody>
+          <a:bodyPr wrap="square" rtlCol="0">
+            <a:spAutoFit/>
+          </a:bodyPr>
+          <a:lstStyle/>
+          <a:p>
+            <a:pPr algn="ctr"/>
+            <a:r>
+              <a:rPr lang="fr-FR" dirty="0" smtClean="0">
+                <a:solidFill>
+                  <a:schemeClr val="bg1">
+                    <a:lumMod val="50000"/>
+                  </a:schemeClr>
+                </a:solidFill>
+              </a:rPr>
+              <a:t>Choix techniques et d’architecture</a:t>
+            </a:r>
+            <a:endParaRPr lang="fr-FR" dirty="0">
+              <a:solidFill>
+                <a:schemeClr val="bg1">
+                  <a:lumMod val="50000"/>
+                </a:schemeClr>
+              </a:solidFill>
+            </a:endParaRPr>
+          </a:p>
+        </p:txBody>
+      </p:sp>
       <p:pic>
         <p:nvPicPr>
           <p:cNvPr id="1026" name="Picture 2"/>
@@ -11936,7 +17619,7 @@
           <p:nvPr/>
         </p:nvPicPr>
         <p:blipFill>
-          <a:blip r:embed="rId2">
+          <a:blip r:embed="rId3">
             <a:extLst>
               <a:ext uri="{28A0092B-C50C-407E-A947-70E740481C1C}">
                 <a14:useLocalDpi xmlns:a14="http://schemas.microsoft.com/office/drawing/2010/main" val="0"/>
@@ -12008,7 +17691,11 @@
             </a:pPr>
             <a:r>
               <a:rPr lang="fr-FR" dirty="0" smtClean="0"/>
-              <a:t>Cette séparation facilite</a:t>
+              <a:t>Cette séparation </a:t>
+            </a:r>
+            <a:r>
+              <a:rPr lang="fr-FR" dirty="0" smtClean="0"/>
+              <a:t>facilite (~MVC)</a:t>
             </a:r>
             <a:endParaRPr lang="fr-FR" dirty="0" smtClean="0"/>
           </a:p>
@@ -12033,14 +17720,13 @@
               <a:rPr lang="fr-FR" dirty="0" smtClean="0"/>
               <a:t>La modification de l’interface graphique</a:t>
             </a:r>
-            <a:endParaRPr lang="fr-FR" dirty="0" smtClean="0"/>
           </a:p>
         </p:txBody>
       </p:sp>
     </p:spTree>
     <p:extLst>
       <p:ext uri="{BB962C8B-B14F-4D97-AF65-F5344CB8AC3E}">
-        <p14:creationId xmlns:p14="http://schemas.microsoft.com/office/powerpoint/2010/main" val="4128894042"/>
+        <p14:creationId xmlns:p14="http://schemas.microsoft.com/office/powerpoint/2010/main" val="707133176"/>
       </p:ext>
     </p:extLst>
   </p:cSld>
@@ -12057,7 +17743,7 @@
 </p:sld>
 </file>
 
-<file path=ppt/slides/slide13.xml><?xml version="1.0" encoding="utf-8"?>
+<file path=ppt/slides/slide14.xml><?xml version="1.0" encoding="utf-8"?>
 <p:sld xmlns:a="http://schemas.openxmlformats.org/drawingml/2006/main" xmlns:r="http://schemas.openxmlformats.org/officeDocument/2006/relationships" xmlns:p="http://schemas.openxmlformats.org/presentationml/2006/main">
   <p:cSld>
     <p:spTree>
@@ -12133,7 +17819,7 @@
             </a:pPr>
             <a:r>
               <a:rPr lang="fr-FR" dirty="0" smtClean="0"/>
-              <a:t>Deux systèmes mis en place</a:t>
+              <a:t>Utilisation du langage JAVA</a:t>
             </a:r>
           </a:p>
           <a:p>
@@ -12144,7 +17830,18 @@
             </a:pPr>
             <a:r>
               <a:rPr lang="fr-FR" dirty="0" smtClean="0"/>
-              <a:t>Stockage des données BDD dans objets JAVA</a:t>
+              <a:t>Imposé par le client</a:t>
+            </a:r>
+          </a:p>
+          <a:p>
+            <a:pPr>
+              <a:buClr>
+                <a:srgbClr val="6699CC"/>
+              </a:buClr>
+            </a:pPr>
+            <a:r>
+              <a:rPr lang="fr-FR" dirty="0" smtClean="0"/>
+              <a:t>Utilisation de Swing</a:t>
             </a:r>
           </a:p>
           <a:p>
@@ -12155,7 +17852,7 @@
             </a:pPr>
             <a:r>
               <a:rPr lang="fr-FR" dirty="0" smtClean="0"/>
-              <a:t>Accès direct au données de la BDD sans stockage</a:t>
+              <a:t>Création d’interface graphique</a:t>
             </a:r>
           </a:p>
           <a:p>
@@ -12166,13 +17863,19 @@
             </a:pPr>
             <a:r>
               <a:rPr lang="fr-FR" dirty="0" smtClean="0"/>
-              <a:t>Utilisation des objets JAVA </a:t>
+              <a:t>Utilisation du langage SQL</a:t>
             </a:r>
+          </a:p>
+          <a:p>
+            <a:pPr lvl="1">
+              <a:buClr>
+                <a:srgbClr val="6699CC"/>
+              </a:buClr>
+            </a:pPr>
             <a:r>
-              <a:rPr lang="fr-FR" dirty="0" err="1" smtClean="0"/>
-              <a:t>JTable</a:t>
+              <a:rPr lang="fr-FR" dirty="0" smtClean="0"/>
+              <a:t>Communication avec la BDD</a:t>
             </a:r>
-            <a:endParaRPr lang="fr-FR" dirty="0"/>
           </a:p>
         </p:txBody>
       </p:sp>
@@ -12193,7 +17896,7 @@
           <a:p>
             <a:fld id="{A5DF02B5-C084-4573-B9AA-1687D980E5FB}" type="datetime1">
               <a:rPr lang="fr-FR" smtClean="0"/>
-              <a:t>03/01/2015</a:t>
+              <a:t>05/01/2015</a:t>
             </a:fld>
             <a:endParaRPr lang="fr-BE"/>
           </a:p>
@@ -12216,7 +17919,7 @@
           <a:p>
             <a:fld id="{CF4668DC-857F-487D-BFFA-8C0CA5037977}" type="slidenum">
               <a:rPr lang="fr-BE" smtClean="0"/>
-              <a:t>13</a:t>
+              <a:t>14</a:t>
             </a:fld>
             <a:endParaRPr lang="fr-BE"/>
           </a:p>
@@ -12315,7 +18018,7 @@
 </p:sld>
 </file>
 
-<file path=ppt/slides/slide14.xml><?xml version="1.0" encoding="utf-8"?>
+<file path=ppt/slides/slide15.xml><?xml version="1.0" encoding="utf-8"?>
 <p:sld xmlns:a="http://schemas.openxmlformats.org/drawingml/2006/main" xmlns:r="http://schemas.openxmlformats.org/officeDocument/2006/relationships" xmlns:p="http://schemas.openxmlformats.org/presentationml/2006/main">
   <p:cSld>
     <p:spTree>
@@ -12385,7 +18088,7 @@
           <a:p>
             <a:fld id="{C2D65230-C684-41AF-AA0D-72F719444CFB}" type="datetime1">
               <a:rPr lang="fr-FR" smtClean="0"/>
-              <a:t>03/01/2015</a:t>
+              <a:t>05/01/2015</a:t>
             </a:fld>
             <a:endParaRPr lang="fr-BE"/>
           </a:p>
@@ -12408,7 +18111,7 @@
           <a:p>
             <a:fld id="{CF4668DC-857F-487D-BFFA-8C0CA5037977}" type="slidenum">
               <a:rPr lang="fr-BE" smtClean="0"/>
-              <a:t>14</a:t>
+              <a:t>15</a:t>
             </a:fld>
             <a:endParaRPr lang="fr-BE"/>
           </a:p>
@@ -12482,7 +18185,7 @@
 </p:sld>
 </file>
 
-<file path=ppt/slides/slide15.xml><?xml version="1.0" encoding="utf-8"?>
+<file path=ppt/slides/slide16.xml><?xml version="1.0" encoding="utf-8"?>
 <p:sld xmlns:a="http://schemas.openxmlformats.org/drawingml/2006/main" xmlns:r="http://schemas.openxmlformats.org/officeDocument/2006/relationships" xmlns:p="http://schemas.openxmlformats.org/presentationml/2006/main">
   <p:cSld>
     <p:spTree>
@@ -12580,15 +18283,12 @@
             </a:pPr>
             <a:r>
               <a:rPr lang="fr-FR" dirty="0" smtClean="0"/>
-              <a:t>Aucune action utilisateur nécessaire</a:t>
+              <a:t>Aucune action utilisateur </a:t>
             </a:r>
-          </a:p>
-          <a:p>
-            <a:pPr lvl="1">
-              <a:buClr>
-                <a:srgbClr val="6699CC"/>
-              </a:buClr>
-            </a:pPr>
+            <a:r>
+              <a:rPr lang="fr-FR" dirty="0" smtClean="0"/>
+              <a:t>nécessaire</a:t>
+            </a:r>
             <a:endParaRPr lang="fr-FR" dirty="0"/>
           </a:p>
           <a:p>
@@ -12599,7 +18299,7 @@
             </a:pPr>
             <a:r>
               <a:rPr lang="fr-FR" dirty="0" smtClean="0"/>
-              <a:t>Fort contraste des différentes zones des interfaces</a:t>
+              <a:t>Design ergonomique</a:t>
             </a:r>
           </a:p>
           <a:p>
@@ -12610,7 +18310,34 @@
             </a:pPr>
             <a:r>
               <a:rPr lang="fr-FR" dirty="0" smtClean="0"/>
-              <a:t>Meilleure visualisation pour l’utilisateur</a:t>
+              <a:t>Fort contraste des différentes zones</a:t>
+            </a:r>
+            <a:endParaRPr lang="fr-FR" dirty="0" smtClean="0"/>
+          </a:p>
+          <a:p>
+            <a:pPr lvl="1">
+              <a:buClr>
+                <a:srgbClr val="6699CC"/>
+              </a:buClr>
+            </a:pPr>
+            <a:r>
+              <a:rPr lang="fr-FR" dirty="0" smtClean="0"/>
+              <a:t>Meilleure visualisation pour </a:t>
+            </a:r>
+            <a:r>
+              <a:rPr lang="fr-FR" dirty="0" smtClean="0"/>
+              <a:t>l’utilisateur</a:t>
+            </a:r>
+          </a:p>
+          <a:p>
+            <a:pPr>
+              <a:buClr>
+                <a:srgbClr val="6699CC"/>
+              </a:buClr>
+            </a:pPr>
+            <a:r>
+              <a:rPr lang="fr-FR" dirty="0" smtClean="0"/>
+              <a:t>Aucune installation n’est nécessaire</a:t>
             </a:r>
             <a:endParaRPr lang="fr-FR" dirty="0"/>
           </a:p>
@@ -12633,7 +18360,7 @@
           <a:p>
             <a:fld id="{A5DF02B5-C084-4573-B9AA-1687D980E5FB}" type="datetime1">
               <a:rPr lang="fr-FR" smtClean="0"/>
-              <a:t>03/01/2015</a:t>
+              <a:t>05/01/2015</a:t>
             </a:fld>
             <a:endParaRPr lang="fr-BE"/>
           </a:p>
@@ -12656,7 +18383,7 @@
           <a:p>
             <a:fld id="{CF4668DC-857F-487D-BFFA-8C0CA5037977}" type="slidenum">
               <a:rPr lang="fr-BE" smtClean="0"/>
-              <a:t>15</a:t>
+              <a:t>16</a:t>
             </a:fld>
             <a:endParaRPr lang="fr-BE"/>
           </a:p>
@@ -12755,7 +18482,7 @@
 </p:sld>
 </file>
 
-<file path=ppt/slides/slide16.xml><?xml version="1.0" encoding="utf-8"?>
+<file path=ppt/slides/slide17.xml><?xml version="1.0" encoding="utf-8"?>
 <p:sld xmlns:a="http://schemas.openxmlformats.org/drawingml/2006/main" xmlns:r="http://schemas.openxmlformats.org/officeDocument/2006/relationships" xmlns:p="http://schemas.openxmlformats.org/presentationml/2006/main">
   <p:cSld>
     <p:spTree>
@@ -12855,17 +18582,12 @@
             </a:pPr>
             <a:r>
               <a:rPr lang="fr-FR" dirty="0" smtClean="0"/>
-              <a:t> Evite de surcharger les interfaces</a:t>
+              <a:t> Evite de surcharger les </a:t>
             </a:r>
-          </a:p>
-          <a:p>
-            <a:pPr lvl="1">
-              <a:buClr>
-                <a:srgbClr val="6699CC"/>
-              </a:buClr>
-              <a:buFont typeface="Symbol"/>
-              <a:buChar char="Þ"/>
-            </a:pPr>
+            <a:r>
+              <a:rPr lang="fr-FR" dirty="0" smtClean="0"/>
+              <a:t>interfaces</a:t>
+            </a:r>
             <a:endParaRPr lang="fr-FR" dirty="0" smtClean="0"/>
           </a:p>
           <a:p>
@@ -12876,7 +18598,15 @@
             </a:pPr>
             <a:r>
               <a:rPr lang="fr-FR" dirty="0" smtClean="0"/>
-              <a:t>Gestion membres et types de produit</a:t>
+              <a:t>Gestion </a:t>
+            </a:r>
+            <a:r>
+              <a:rPr lang="fr-FR" dirty="0" smtClean="0"/>
+              <a:t>des utilisateurs </a:t>
+            </a:r>
+            <a:r>
+              <a:rPr lang="fr-FR" dirty="0" smtClean="0"/>
+              <a:t>et types de produit</a:t>
             </a:r>
           </a:p>
           <a:p>
@@ -12898,30 +18628,23 @@
             </a:pPr>
             <a:r>
               <a:rPr lang="fr-FR" dirty="0" smtClean="0"/>
-              <a:t>Informations pré-rentrées en base de données</a:t>
+              <a:t>Informations pré-rentrées en base de </a:t>
             </a:r>
-          </a:p>
-          <a:p>
-            <a:pPr lvl="1">
+            <a:r>
+              <a:rPr lang="fr-FR" dirty="0" smtClean="0"/>
+              <a:t>données</a:t>
+            </a:r>
+          </a:p>
+          <a:p>
+            <a:pPr>
               <a:buClr>
                 <a:srgbClr val="6699CC"/>
               </a:buClr>
-              <a:buFont typeface="Symbol"/>
-              <a:buChar char="Þ"/>
             </a:pPr>
             <a:r>
               <a:rPr lang="fr-FR" dirty="0" smtClean="0"/>
-              <a:t> Interface graphique en développant</a:t>
+              <a:t>Machine virtuelle JAVA requise</a:t>
             </a:r>
-          </a:p>
-          <a:p>
-            <a:pPr lvl="1">
-              <a:buClr>
-                <a:srgbClr val="6699CC"/>
-              </a:buClr>
-              <a:buFont typeface="Symbol"/>
-              <a:buChar char="Þ"/>
-            </a:pPr>
             <a:endParaRPr lang="fr-FR" dirty="0"/>
           </a:p>
         </p:txBody>
@@ -12943,7 +18666,7 @@
           <a:p>
             <a:fld id="{A5DF02B5-C084-4573-B9AA-1687D980E5FB}" type="datetime1">
               <a:rPr lang="fr-FR" smtClean="0"/>
-              <a:t>03/01/2015</a:t>
+              <a:t>05/01/2015</a:t>
             </a:fld>
             <a:endParaRPr lang="fr-BE"/>
           </a:p>
@@ -12966,7 +18689,7 @@
           <a:p>
             <a:fld id="{CF4668DC-857F-487D-BFFA-8C0CA5037977}" type="slidenum">
               <a:rPr lang="fr-BE" smtClean="0"/>
-              <a:t>16</a:t>
+              <a:t>17</a:t>
             </a:fld>
             <a:endParaRPr lang="fr-BE"/>
           </a:p>
@@ -13065,7 +18788,7 @@
 </p:sld>
 </file>
 
-<file path=ppt/slides/slide17.xml><?xml version="1.0" encoding="utf-8"?>
+<file path=ppt/slides/slide18.xml><?xml version="1.0" encoding="utf-8"?>
 <p:sld xmlns:a="http://schemas.openxmlformats.org/drawingml/2006/main" xmlns:r="http://schemas.openxmlformats.org/officeDocument/2006/relationships" xmlns:p="http://schemas.openxmlformats.org/presentationml/2006/main">
   <p:cSld>
     <p:spTree>
@@ -13135,7 +18858,7 @@
           <a:p>
             <a:fld id="{C2D65230-C684-41AF-AA0D-72F719444CFB}" type="datetime1">
               <a:rPr lang="fr-FR" smtClean="0"/>
-              <a:t>03/01/2015</a:t>
+              <a:t>05/01/2015</a:t>
             </a:fld>
             <a:endParaRPr lang="fr-BE"/>
           </a:p>
@@ -13158,7 +18881,7 @@
           <a:p>
             <a:fld id="{CF4668DC-857F-487D-BFFA-8C0CA5037977}" type="slidenum">
               <a:rPr lang="fr-BE" smtClean="0"/>
-              <a:t>17</a:t>
+              <a:t>18</a:t>
             </a:fld>
             <a:endParaRPr lang="fr-BE"/>
           </a:p>
@@ -13232,7 +18955,7 @@
 </p:sld>
 </file>
 
-<file path=ppt/slides/slide18.xml><?xml version="1.0" encoding="utf-8"?>
+<file path=ppt/slides/slide19.xml><?xml version="1.0" encoding="utf-8"?>
 <p:sld xmlns:a="http://schemas.openxmlformats.org/drawingml/2006/main" xmlns:r="http://schemas.openxmlformats.org/officeDocument/2006/relationships" xmlns:p="http://schemas.openxmlformats.org/presentationml/2006/main">
   <p:cSld>
     <p:spTree>
@@ -13301,35 +19024,79 @@
           <a:bodyPr/>
           <a:lstStyle/>
           <a:p>
-            <a:pPr>
+            <a:pPr marL="514350" indent="-514350">
               <a:buClr>
                 <a:srgbClr val="6699CC"/>
               </a:buClr>
+              <a:buFont typeface="+mj-lt"/>
+              <a:buAutoNum type="arabicPeriod"/>
             </a:pPr>
             <a:r>
               <a:rPr lang="fr-FR" dirty="0" smtClean="0"/>
-              <a:t>Une connexion qui va échouer</a:t>
+              <a:t>Connexion </a:t>
             </a:r>
-          </a:p>
-          <a:p>
-            <a:pPr>
+            <a:r>
+              <a:rPr lang="fr-FR" dirty="0" smtClean="0"/>
+              <a:t>au trois </a:t>
+            </a:r>
+            <a:r>
+              <a:rPr lang="fr-FR" dirty="0" smtClean="0"/>
+              <a:t>interfaces </a:t>
+            </a:r>
+          </a:p>
+          <a:p>
+            <a:pPr marL="514350" indent="-514350">
               <a:buClr>
                 <a:srgbClr val="6699CC"/>
               </a:buClr>
+              <a:buFont typeface="+mj-lt"/>
+              <a:buAutoNum type="arabicPeriod"/>
             </a:pPr>
             <a:r>
               <a:rPr lang="fr-FR" dirty="0" smtClean="0"/>
-              <a:t>Connexion au trois interfaces</a:t>
+              <a:t>Démonstration de l’interface de vente</a:t>
             </a:r>
-            <a:endParaRPr lang="fr-FR" dirty="0" smtClean="0"/>
-          </a:p>
-          <a:p>
-            <a:pPr>
+          </a:p>
+          <a:p>
+            <a:pPr marL="514350" indent="-514350">
               <a:buClr>
                 <a:srgbClr val="6699CC"/>
               </a:buClr>
+              <a:buFont typeface="+mj-lt"/>
+              <a:buAutoNum type="arabicPeriod"/>
             </a:pPr>
+            <a:r>
+              <a:rPr lang="fr-FR" dirty="0" smtClean="0"/>
+              <a:t>Démonstration de l’interface de cuisson</a:t>
+            </a:r>
+          </a:p>
+          <a:p>
+            <a:pPr marL="514350" indent="-514350">
+              <a:buClr>
+                <a:srgbClr val="6699CC"/>
+              </a:buClr>
+              <a:buFont typeface="+mj-lt"/>
+              <a:buAutoNum type="arabicPeriod"/>
+            </a:pPr>
+            <a:r>
+              <a:rPr lang="fr-FR" dirty="0" smtClean="0"/>
+              <a:t>Démonstration de l’interface du Manager</a:t>
+            </a:r>
             <a:endParaRPr lang="fr-FR" dirty="0"/>
+          </a:p>
+          <a:p>
+            <a:pPr marL="514350" indent="-514350">
+              <a:buClr>
+                <a:srgbClr val="6699CC"/>
+              </a:buClr>
+              <a:buFont typeface="+mj-lt"/>
+              <a:buAutoNum type="arabicPeriod"/>
+            </a:pPr>
+            <a:r>
+              <a:rPr lang="fr-FR" dirty="0" smtClean="0"/>
+              <a:t>Aide / Déconnexion</a:t>
+            </a:r>
+            <a:endParaRPr lang="fr-FR" dirty="0" smtClean="0"/>
           </a:p>
         </p:txBody>
       </p:sp>
@@ -13350,7 +19117,7 @@
           <a:p>
             <a:fld id="{A5DF02B5-C084-4573-B9AA-1687D980E5FB}" type="datetime1">
               <a:rPr lang="fr-FR" smtClean="0"/>
-              <a:t>03/01/2015</a:t>
+              <a:t>05/01/2015</a:t>
             </a:fld>
             <a:endParaRPr lang="fr-BE"/>
           </a:p>
@@ -13373,7 +19140,7 @@
           <a:p>
             <a:fld id="{CF4668DC-857F-487D-BFFA-8C0CA5037977}" type="slidenum">
               <a:rPr lang="fr-BE" smtClean="0"/>
-              <a:t>18</a:t>
+              <a:t>19</a:t>
             </a:fld>
             <a:endParaRPr lang="fr-BE"/>
           </a:p>
@@ -13472,7 +19239,273 @@
 </p:sld>
 </file>
 
-<file path=ppt/slides/slide19.xml><?xml version="1.0" encoding="utf-8"?>
+<file path=ppt/slides/slide2.xml><?xml version="1.0" encoding="utf-8"?>
+<p:sld xmlns:a="http://schemas.openxmlformats.org/drawingml/2006/main" xmlns:r="http://schemas.openxmlformats.org/officeDocument/2006/relationships" xmlns:p="http://schemas.openxmlformats.org/presentationml/2006/main">
+  <p:cSld>
+    <p:spTree>
+      <p:nvGrpSpPr>
+        <p:cNvPr id="1" name=""/>
+        <p:cNvGrpSpPr/>
+        <p:nvPr/>
+      </p:nvGrpSpPr>
+      <p:grpSpPr>
+        <a:xfrm>
+          <a:off x="0" y="0"/>
+          <a:ext cx="0" cy="0"/>
+          <a:chOff x="0" y="0"/>
+          <a:chExt cx="0" cy="0"/>
+        </a:xfrm>
+      </p:grpSpPr>
+      <p:sp>
+        <p:nvSpPr>
+          <p:cNvPr id="2" name="Titre 1"/>
+          <p:cNvSpPr>
+            <a:spLocks noGrp="1"/>
+          </p:cNvSpPr>
+          <p:nvPr>
+            <p:ph type="title"/>
+          </p:nvPr>
+        </p:nvSpPr>
+        <p:spPr>
+          <a:xfrm>
+            <a:off x="446856" y="188640"/>
+            <a:ext cx="8373616" cy="796950"/>
+          </a:xfrm>
+        </p:spPr>
+        <p:txBody>
+          <a:bodyPr/>
+          <a:lstStyle/>
+          <a:p>
+            <a:r>
+              <a:rPr lang="fr-FR" dirty="0" smtClean="0">
+                <a:solidFill>
+                  <a:srgbClr val="336699"/>
+                </a:solidFill>
+              </a:rPr>
+              <a:t>Sommaire</a:t>
+            </a:r>
+            <a:endParaRPr lang="fr-FR" dirty="0">
+              <a:solidFill>
+                <a:srgbClr val="336699"/>
+              </a:solidFill>
+            </a:endParaRPr>
+          </a:p>
+        </p:txBody>
+      </p:sp>
+      <p:sp>
+        <p:nvSpPr>
+          <p:cNvPr id="3" name="Espace réservé du contenu 2"/>
+          <p:cNvSpPr>
+            <a:spLocks noGrp="1"/>
+          </p:cNvSpPr>
+          <p:nvPr>
+            <p:ph idx="1"/>
+          </p:nvPr>
+        </p:nvSpPr>
+        <p:spPr/>
+        <p:txBody>
+          <a:bodyPr/>
+          <a:lstStyle/>
+          <a:p>
+            <a:pPr>
+              <a:lnSpc>
+                <a:spcPct val="150000"/>
+              </a:lnSpc>
+              <a:buClr>
+                <a:srgbClr val="6699CC"/>
+              </a:buClr>
+            </a:pPr>
+            <a:r>
+              <a:rPr lang="fr-FR" dirty="0" smtClean="0"/>
+              <a:t>Présentation</a:t>
+            </a:r>
+            <a:endParaRPr lang="fr-FR" dirty="0" smtClean="0"/>
+          </a:p>
+          <a:p>
+            <a:pPr>
+              <a:lnSpc>
+                <a:spcPct val="150000"/>
+              </a:lnSpc>
+              <a:buClr>
+                <a:srgbClr val="6699CC"/>
+              </a:buClr>
+            </a:pPr>
+            <a:r>
+              <a:rPr lang="fr-FR" dirty="0" smtClean="0"/>
+              <a:t>Choix techniques et d’architecture</a:t>
+            </a:r>
+          </a:p>
+          <a:p>
+            <a:pPr>
+              <a:lnSpc>
+                <a:spcPct val="150000"/>
+              </a:lnSpc>
+              <a:buClr>
+                <a:srgbClr val="6699CC"/>
+              </a:buClr>
+            </a:pPr>
+            <a:r>
+              <a:rPr lang="fr-FR" dirty="0" smtClean="0"/>
+              <a:t>Avantages et limites du produit</a:t>
+            </a:r>
+          </a:p>
+          <a:p>
+            <a:pPr>
+              <a:lnSpc>
+                <a:spcPct val="150000"/>
+              </a:lnSpc>
+              <a:buClr>
+                <a:srgbClr val="6699CC"/>
+              </a:buClr>
+            </a:pPr>
+            <a:r>
+              <a:rPr lang="fr-FR" dirty="0" smtClean="0"/>
+              <a:t>Démonstration du logiciel</a:t>
+            </a:r>
+            <a:endParaRPr lang="fr-FR" dirty="0"/>
+          </a:p>
+        </p:txBody>
+      </p:sp>
+      <p:sp>
+        <p:nvSpPr>
+          <p:cNvPr id="4" name="Espace réservé de la date 3"/>
+          <p:cNvSpPr>
+            <a:spLocks noGrp="1"/>
+          </p:cNvSpPr>
+          <p:nvPr>
+            <p:ph type="dt" sz="half" idx="10"/>
+          </p:nvPr>
+        </p:nvSpPr>
+        <p:spPr/>
+        <p:txBody>
+          <a:bodyPr/>
+          <a:lstStyle/>
+          <a:p>
+            <a:fld id="{A5DF02B5-C084-4573-B9AA-1687D980E5FB}" type="datetime1">
+              <a:rPr lang="fr-FR" smtClean="0"/>
+              <a:t>05/01/2015</a:t>
+            </a:fld>
+            <a:endParaRPr lang="fr-BE"/>
+          </a:p>
+        </p:txBody>
+      </p:sp>
+      <p:sp>
+        <p:nvSpPr>
+          <p:cNvPr id="5" name="Espace réservé du numéro de diapositive 4"/>
+          <p:cNvSpPr>
+            <a:spLocks noGrp="1"/>
+          </p:cNvSpPr>
+          <p:nvPr>
+            <p:ph type="sldNum" sz="quarter" idx="12"/>
+          </p:nvPr>
+        </p:nvSpPr>
+        <p:spPr/>
+        <p:txBody>
+          <a:bodyPr/>
+          <a:lstStyle/>
+          <a:p>
+            <a:fld id="{CF4668DC-857F-487D-BFFA-8C0CA5037977}" type="slidenum">
+              <a:rPr lang="fr-BE" smtClean="0"/>
+              <a:t>2</a:t>
+            </a:fld>
+            <a:endParaRPr lang="fr-BE"/>
+          </a:p>
+        </p:txBody>
+      </p:sp>
+      <p:cxnSp>
+        <p:nvCxnSpPr>
+          <p:cNvPr id="8" name="Connecteur droit 7"/>
+          <p:cNvCxnSpPr/>
+          <p:nvPr/>
+        </p:nvCxnSpPr>
+        <p:spPr>
+          <a:xfrm>
+            <a:off x="467544" y="908720"/>
+            <a:ext cx="8208912" cy="0"/>
+          </a:xfrm>
+          <a:prstGeom prst="line">
+            <a:avLst/>
+          </a:prstGeom>
+        </p:spPr>
+        <p:style>
+          <a:lnRef idx="1">
+            <a:schemeClr val="accent1"/>
+          </a:lnRef>
+          <a:fillRef idx="0">
+            <a:schemeClr val="accent1"/>
+          </a:fillRef>
+          <a:effectRef idx="0">
+            <a:schemeClr val="accent1"/>
+          </a:effectRef>
+          <a:fontRef idx="minor">
+            <a:schemeClr val="tx1"/>
+          </a:fontRef>
+        </p:style>
+      </p:cxnSp>
+      <p:sp>
+        <p:nvSpPr>
+          <p:cNvPr id="10" name="ZoneTexte 9"/>
+          <p:cNvSpPr txBox="1"/>
+          <p:nvPr/>
+        </p:nvSpPr>
+        <p:spPr>
+          <a:xfrm>
+            <a:off x="1763777" y="6309320"/>
+            <a:ext cx="5616446" cy="369332"/>
+          </a:xfrm>
+          <a:prstGeom prst="rect">
+            <a:avLst/>
+          </a:prstGeom>
+          <a:noFill/>
+        </p:spPr>
+        <p:txBody>
+          <a:bodyPr wrap="square" rtlCol="0">
+            <a:spAutoFit/>
+          </a:bodyPr>
+          <a:lstStyle/>
+          <a:p>
+            <a:pPr algn="ctr"/>
+            <a:r>
+              <a:rPr lang="fr-FR" dirty="0" smtClean="0">
+                <a:solidFill>
+                  <a:schemeClr val="bg1">
+                    <a:lumMod val="50000"/>
+                  </a:schemeClr>
+                </a:solidFill>
+              </a:rPr>
+              <a:t>Présentation du logiciel</a:t>
+            </a:r>
+            <a:endParaRPr lang="fr-FR" dirty="0">
+              <a:solidFill>
+                <a:schemeClr val="bg1">
+                  <a:lumMod val="50000"/>
+                </a:schemeClr>
+              </a:solidFill>
+            </a:endParaRPr>
+          </a:p>
+        </p:txBody>
+      </p:sp>
+    </p:spTree>
+    <p:extLst>
+      <p:ext uri="{BB962C8B-B14F-4D97-AF65-F5344CB8AC3E}">
+        <p14:creationId xmlns:p14="http://schemas.microsoft.com/office/powerpoint/2010/main" val="591380265"/>
+      </p:ext>
+    </p:extLst>
+  </p:cSld>
+  <p:clrMapOvr>
+    <a:masterClrMapping/>
+  </p:clrMapOvr>
+  <p:timing>
+    <p:tnLst>
+      <p:par>
+        <p:cTn id="1" dur="indefinite" restart="never" nodeType="tmRoot"/>
+      </p:par>
+    </p:tnLst>
+  </p:timing>
+</p:sld>
+</file>
+
+<file path=ppt/slides/slide20.xml><?xml version="1.0" encoding="utf-8"?>
 <p:sld xmlns:a="http://schemas.openxmlformats.org/drawingml/2006/main" xmlns:r="http://schemas.openxmlformats.org/officeDocument/2006/relationships" xmlns:p="http://schemas.openxmlformats.org/presentationml/2006/main">
   <p:cSld>
     <p:spTree>
@@ -13506,7 +19539,7 @@
           <a:p>
             <a:fld id="{CF4668DC-857F-487D-BFFA-8C0CA5037977}" type="slidenum">
               <a:rPr lang="fr-BE" smtClean="0"/>
-              <a:t>19</a:t>
+              <a:t>20</a:t>
             </a:fld>
             <a:endParaRPr lang="fr-BE"/>
           </a:p>
@@ -17171,7 +23204,7 @@
           <p:nvPr/>
         </p:nvPicPr>
         <p:blipFill>
-          <a:blip r:embed="rId2" cstate="print">
+          <a:blip r:embed="rId3" cstate="print">
             <a:extLst>
               <a:ext uri="{28A0092B-C50C-407E-A947-70E740481C1C}">
                 <a14:useLocalDpi xmlns:a14="http://schemas.microsoft.com/office/drawing/2010/main" val="0"/>
@@ -17223,7 +23256,7 @@
                   <a:schemeClr val="bg1"/>
                 </a:solidFill>
               </a:rPr>
-              <a:t>03/01/2015</a:t>
+              <a:t>05/01/2015</a:t>
             </a:fld>
             <a:endParaRPr lang="fr-BE" sz="2000" dirty="0">
               <a:solidFill>
@@ -17237,271 +23270,6 @@
     <p:extLst>
       <p:ext uri="{BB962C8B-B14F-4D97-AF65-F5344CB8AC3E}">
         <p14:creationId xmlns:p14="http://schemas.microsoft.com/office/powerpoint/2010/main" val="1430234371"/>
-      </p:ext>
-    </p:extLst>
-  </p:cSld>
-  <p:clrMapOvr>
-    <a:masterClrMapping/>
-  </p:clrMapOvr>
-  <p:timing>
-    <p:tnLst>
-      <p:par>
-        <p:cTn id="1" dur="indefinite" restart="never" nodeType="tmRoot"/>
-      </p:par>
-    </p:tnLst>
-  </p:timing>
-</p:sld>
-</file>
-
-<file path=ppt/slides/slide2.xml><?xml version="1.0" encoding="utf-8"?>
-<p:sld xmlns:a="http://schemas.openxmlformats.org/drawingml/2006/main" xmlns:r="http://schemas.openxmlformats.org/officeDocument/2006/relationships" xmlns:p="http://schemas.openxmlformats.org/presentationml/2006/main">
-  <p:cSld>
-    <p:spTree>
-      <p:nvGrpSpPr>
-        <p:cNvPr id="1" name=""/>
-        <p:cNvGrpSpPr/>
-        <p:nvPr/>
-      </p:nvGrpSpPr>
-      <p:grpSpPr>
-        <a:xfrm>
-          <a:off x="0" y="0"/>
-          <a:ext cx="0" cy="0"/>
-          <a:chOff x="0" y="0"/>
-          <a:chExt cx="0" cy="0"/>
-        </a:xfrm>
-      </p:grpSpPr>
-      <p:sp>
-        <p:nvSpPr>
-          <p:cNvPr id="2" name="Titre 1"/>
-          <p:cNvSpPr>
-            <a:spLocks noGrp="1"/>
-          </p:cNvSpPr>
-          <p:nvPr>
-            <p:ph type="title"/>
-          </p:nvPr>
-        </p:nvSpPr>
-        <p:spPr>
-          <a:xfrm>
-            <a:off x="446856" y="188640"/>
-            <a:ext cx="8373616" cy="796950"/>
-          </a:xfrm>
-        </p:spPr>
-        <p:txBody>
-          <a:bodyPr/>
-          <a:lstStyle/>
-          <a:p>
-            <a:r>
-              <a:rPr lang="fr-FR" dirty="0" smtClean="0">
-                <a:solidFill>
-                  <a:srgbClr val="336699"/>
-                </a:solidFill>
-              </a:rPr>
-              <a:t>Sommaire</a:t>
-            </a:r>
-            <a:endParaRPr lang="fr-FR" dirty="0">
-              <a:solidFill>
-                <a:srgbClr val="336699"/>
-              </a:solidFill>
-            </a:endParaRPr>
-          </a:p>
-        </p:txBody>
-      </p:sp>
-      <p:sp>
-        <p:nvSpPr>
-          <p:cNvPr id="3" name="Espace réservé du contenu 2"/>
-          <p:cNvSpPr>
-            <a:spLocks noGrp="1"/>
-          </p:cNvSpPr>
-          <p:nvPr>
-            <p:ph idx="1"/>
-          </p:nvPr>
-        </p:nvSpPr>
-        <p:spPr/>
-        <p:txBody>
-          <a:bodyPr/>
-          <a:lstStyle/>
-          <a:p>
-            <a:pPr>
-              <a:lnSpc>
-                <a:spcPct val="150000"/>
-              </a:lnSpc>
-              <a:buClr>
-                <a:srgbClr val="6699CC"/>
-              </a:buClr>
-            </a:pPr>
-            <a:r>
-              <a:rPr lang="fr-FR" dirty="0" smtClean="0"/>
-              <a:t>Présentation du logiciel</a:t>
-            </a:r>
-          </a:p>
-          <a:p>
-            <a:pPr>
-              <a:lnSpc>
-                <a:spcPct val="150000"/>
-              </a:lnSpc>
-              <a:buClr>
-                <a:srgbClr val="6699CC"/>
-              </a:buClr>
-            </a:pPr>
-            <a:r>
-              <a:rPr lang="fr-FR" dirty="0" smtClean="0"/>
-              <a:t>Choix techniques et d’architecture</a:t>
-            </a:r>
-          </a:p>
-          <a:p>
-            <a:pPr>
-              <a:lnSpc>
-                <a:spcPct val="150000"/>
-              </a:lnSpc>
-              <a:buClr>
-                <a:srgbClr val="6699CC"/>
-              </a:buClr>
-            </a:pPr>
-            <a:r>
-              <a:rPr lang="fr-FR" dirty="0" smtClean="0"/>
-              <a:t>Avantages et limites du produit</a:t>
-            </a:r>
-          </a:p>
-          <a:p>
-            <a:pPr>
-              <a:lnSpc>
-                <a:spcPct val="150000"/>
-              </a:lnSpc>
-              <a:buClr>
-                <a:srgbClr val="6699CC"/>
-              </a:buClr>
-            </a:pPr>
-            <a:r>
-              <a:rPr lang="fr-FR" dirty="0" smtClean="0"/>
-              <a:t>Démonstration du logiciel</a:t>
-            </a:r>
-            <a:endParaRPr lang="fr-FR" dirty="0"/>
-          </a:p>
-        </p:txBody>
-      </p:sp>
-      <p:sp>
-        <p:nvSpPr>
-          <p:cNvPr id="4" name="Espace réservé de la date 3"/>
-          <p:cNvSpPr>
-            <a:spLocks noGrp="1"/>
-          </p:cNvSpPr>
-          <p:nvPr>
-            <p:ph type="dt" sz="half" idx="10"/>
-          </p:nvPr>
-        </p:nvSpPr>
-        <p:spPr/>
-        <p:txBody>
-          <a:bodyPr/>
-          <a:lstStyle/>
-          <a:p>
-            <a:fld id="{A5DF02B5-C084-4573-B9AA-1687D980E5FB}" type="datetime1">
-              <a:rPr lang="fr-FR" smtClean="0"/>
-              <a:t>03/01/2015</a:t>
-            </a:fld>
-            <a:endParaRPr lang="fr-BE"/>
-          </a:p>
-        </p:txBody>
-      </p:sp>
-      <p:sp>
-        <p:nvSpPr>
-          <p:cNvPr id="5" name="Espace réservé du numéro de diapositive 4"/>
-          <p:cNvSpPr>
-            <a:spLocks noGrp="1"/>
-          </p:cNvSpPr>
-          <p:nvPr>
-            <p:ph type="sldNum" sz="quarter" idx="12"/>
-          </p:nvPr>
-        </p:nvSpPr>
-        <p:spPr/>
-        <p:txBody>
-          <a:bodyPr/>
-          <a:lstStyle/>
-          <a:p>
-            <a:fld id="{CF4668DC-857F-487D-BFFA-8C0CA5037977}" type="slidenum">
-              <a:rPr lang="fr-BE" smtClean="0"/>
-              <a:t>2</a:t>
-            </a:fld>
-            <a:endParaRPr lang="fr-BE"/>
-          </a:p>
-        </p:txBody>
-      </p:sp>
-      <p:cxnSp>
-        <p:nvCxnSpPr>
-          <p:cNvPr id="8" name="Connecteur droit 7"/>
-          <p:cNvCxnSpPr/>
-          <p:nvPr/>
-        </p:nvCxnSpPr>
-        <p:spPr>
-          <a:xfrm>
-            <a:off x="467544" y="908720"/>
-            <a:ext cx="8208912" cy="0"/>
-          </a:xfrm>
-          <a:prstGeom prst="line">
-            <a:avLst/>
-          </a:prstGeom>
-        </p:spPr>
-        <p:style>
-          <a:lnRef idx="1">
-            <a:schemeClr val="accent1"/>
-          </a:lnRef>
-          <a:fillRef idx="0">
-            <a:schemeClr val="accent1"/>
-          </a:fillRef>
-          <a:effectRef idx="0">
-            <a:schemeClr val="accent1"/>
-          </a:effectRef>
-          <a:fontRef idx="minor">
-            <a:schemeClr val="tx1"/>
-          </a:fontRef>
-        </p:style>
-      </p:cxnSp>
-      <p:sp>
-        <p:nvSpPr>
-          <p:cNvPr id="10" name="ZoneTexte 9"/>
-          <p:cNvSpPr txBox="1"/>
-          <p:nvPr/>
-        </p:nvSpPr>
-        <p:spPr>
-          <a:xfrm>
-            <a:off x="1763777" y="6309320"/>
-            <a:ext cx="5616446" cy="369332"/>
-          </a:xfrm>
-          <a:prstGeom prst="rect">
-            <a:avLst/>
-          </a:prstGeom>
-          <a:noFill/>
-        </p:spPr>
-        <p:txBody>
-          <a:bodyPr wrap="square" rtlCol="0">
-            <a:spAutoFit/>
-          </a:bodyPr>
-          <a:lstStyle/>
-          <a:p>
-            <a:pPr algn="ctr"/>
-            <a:r>
-              <a:rPr lang="fr-FR" dirty="0" smtClean="0">
-                <a:solidFill>
-                  <a:schemeClr val="bg1">
-                    <a:lumMod val="50000"/>
-                  </a:schemeClr>
-                </a:solidFill>
-              </a:rPr>
-              <a:t>Présentation du logiciel</a:t>
-            </a:r>
-            <a:endParaRPr lang="fr-FR" dirty="0">
-              <a:solidFill>
-                <a:schemeClr val="bg1">
-                  <a:lumMod val="50000"/>
-                </a:schemeClr>
-              </a:solidFill>
-            </a:endParaRPr>
-          </a:p>
-        </p:txBody>
-      </p:sp>
-    </p:spTree>
-    <p:extLst>
-      <p:ext uri="{BB962C8B-B14F-4D97-AF65-F5344CB8AC3E}">
-        <p14:creationId xmlns:p14="http://schemas.microsoft.com/office/powerpoint/2010/main" val="591380265"/>
       </p:ext>
     </p:extLst>
   </p:cSld>
@@ -17561,7 +23329,7 @@
                   <a:srgbClr val="336699"/>
                 </a:solidFill>
               </a:rPr>
-              <a:t>Présentation du logiciel</a:t>
+              <a:t>Présentation</a:t>
             </a:r>
             <a:endParaRPr lang="fr-FR" dirty="0">
               <a:solidFill>
@@ -17588,7 +23356,7 @@
           <a:p>
             <a:fld id="{C2D65230-C684-41AF-AA0D-72F719444CFB}" type="datetime1">
               <a:rPr lang="fr-FR" smtClean="0"/>
-              <a:t>03/01/2015</a:t>
+              <a:t>05/01/2015</a:t>
             </a:fld>
             <a:endParaRPr lang="fr-BE"/>
           </a:p>
@@ -17719,17 +23487,19 @@
           </a:xfrm>
         </p:spPr>
         <p:txBody>
-          <a:bodyPr/>
+          <a:bodyPr>
+            <a:normAutofit/>
+          </a:bodyPr>
           <a:lstStyle/>
           <a:p>
             <a:pPr algn="r"/>
             <a:r>
-              <a:rPr lang="fr-FR" smtClean="0">
+              <a:rPr lang="fr-FR" dirty="0" smtClean="0">
                 <a:solidFill>
                   <a:srgbClr val="336699"/>
                 </a:solidFill>
               </a:rPr>
-              <a:t>Présentation du logiciel</a:t>
+              <a:t>Equipe projet AppInfo</a:t>
             </a:r>
             <a:endParaRPr lang="fr-FR" dirty="0">
               <a:solidFill>
@@ -17756,7 +23526,7 @@
           <a:p>
             <a:fld id="{A5DF02B5-C084-4573-B9AA-1687D980E5FB}" type="datetime1">
               <a:rPr lang="fr-FR" smtClean="0"/>
-              <a:t>03/01/2015</a:t>
+              <a:t>05/01/2015</a:t>
             </a:fld>
             <a:endParaRPr lang="fr-BE"/>
           </a:p>
@@ -17846,7 +23616,7 @@
                   </a:schemeClr>
                 </a:solidFill>
               </a:rPr>
-              <a:t>Présentation du logiciel</a:t>
+              <a:t>Présentation</a:t>
             </a:r>
             <a:endParaRPr lang="fr-FR" dirty="0">
               <a:solidFill>
@@ -17858,50 +23628,31 @@
           </a:p>
         </p:txBody>
       </p:sp>
-      <p:sp>
-        <p:nvSpPr>
-          <p:cNvPr id="19" name="Espace réservé du contenu 10"/>
-          <p:cNvSpPr>
-            <a:spLocks noGrp="1"/>
-          </p:cNvSpPr>
+      <p:graphicFrame>
+        <p:nvGraphicFramePr>
+          <p:cNvPr id="3" name="Espace réservé du contenu 2"/>
+          <p:cNvGraphicFramePr>
+            <a:graphicFrameLocks noGrp="1"/>
+          </p:cNvGraphicFramePr>
           <p:nvPr>
             <p:ph idx="1"/>
+            <p:extLst>
+              <p:ext uri="{D42A27DB-BD31-4B8C-83A1-F6EECF244321}">
+                <p14:modId xmlns:p14="http://schemas.microsoft.com/office/powerpoint/2010/main" val="1270071291"/>
+              </p:ext>
+            </p:extLst>
           </p:nvPr>
-        </p:nvSpPr>
-        <p:spPr>
-          <a:xfrm>
-            <a:off x="457200" y="1600200"/>
-            <a:ext cx="8229600" cy="4525963"/>
-          </a:xfrm>
-        </p:spPr>
-        <p:txBody>
-          <a:bodyPr/>
-          <a:lstStyle/>
-          <a:p>
-            <a:pPr>
-              <a:buClr>
-                <a:srgbClr val="6699CC"/>
-              </a:buClr>
-            </a:pPr>
-            <a:r>
-              <a:rPr lang="fr-FR" dirty="0" smtClean="0"/>
-              <a:t>Répondre au besoin du client</a:t>
-            </a:r>
-          </a:p>
-          <a:p>
-            <a:pPr lvl="1">
-              <a:buClr>
-                <a:srgbClr val="6699CC"/>
-              </a:buClr>
-            </a:pPr>
-            <a:r>
-              <a:rPr lang="fr-FR" dirty="0" smtClean="0"/>
-              <a:t>Gestion selon trois postes</a:t>
-            </a:r>
-            <a:endParaRPr lang="fr-FR" dirty="0"/>
-          </a:p>
-        </p:txBody>
-      </p:sp>
+        </p:nvGraphicFramePr>
+        <p:xfrm>
+          <a:off x="457200" y="1268760"/>
+          <a:ext cx="8229600" cy="4525963"/>
+        </p:xfrm>
+        <a:graphic>
+          <a:graphicData uri="http://schemas.openxmlformats.org/drawingml/2006/diagram">
+            <dgm:relIds xmlns:dgm="http://schemas.openxmlformats.org/drawingml/2006/diagram" xmlns:r="http://schemas.openxmlformats.org/officeDocument/2006/relationships" r:dm="rId3" r:lo="rId4" r:qs="rId5" r:cs="rId6"/>
+          </a:graphicData>
+        </a:graphic>
+      </p:graphicFrame>
     </p:spTree>
     <p:extLst>
       <p:ext uri="{BB962C8B-B14F-4D97-AF65-F5344CB8AC3E}">
@@ -17993,7 +23744,7 @@
           <a:p>
             <a:fld id="{A5DF02B5-C084-4573-B9AA-1687D980E5FB}" type="datetime1">
               <a:rPr lang="fr-FR" smtClean="0"/>
-              <a:t>03/01/2015</a:t>
+              <a:t>05/01/2015</a:t>
             </a:fld>
             <a:endParaRPr lang="fr-BE"/>
           </a:p>
@@ -18083,7 +23834,7 @@
                   </a:schemeClr>
                 </a:solidFill>
               </a:rPr>
-              <a:t>Présentation du logiciel</a:t>
+              <a:t>Présentation</a:t>
             </a:r>
             <a:endParaRPr lang="fr-FR" dirty="0">
               <a:solidFill>
@@ -18095,384 +23846,95 @@
           </a:p>
         </p:txBody>
       </p:sp>
-      <p:pic>
-        <p:nvPicPr>
-          <p:cNvPr id="1026" name="Picture 2"/>
-          <p:cNvPicPr>
-            <a:picLocks noChangeAspect="1" noChangeArrowheads="1"/>
-          </p:cNvPicPr>
-          <p:nvPr/>
-        </p:nvPicPr>
-        <p:blipFill>
-          <a:blip r:embed="rId2">
-            <a:extLst>
-              <a:ext uri="{28A0092B-C50C-407E-A947-70E740481C1C}">
-                <a14:useLocalDpi xmlns:a14="http://schemas.microsoft.com/office/drawing/2010/main" val="0"/>
-              </a:ext>
-            </a:extLst>
-          </a:blip>
-          <a:srcRect/>
-          <a:stretch>
-            <a:fillRect/>
-          </a:stretch>
-        </p:blipFill>
-        <p:spPr bwMode="auto">
+      <p:sp>
+        <p:nvSpPr>
+          <p:cNvPr id="16" name="Espace réservé du contenu 2"/>
+          <p:cNvSpPr>
+            <a:spLocks noGrp="1"/>
+          </p:cNvSpPr>
+          <p:nvPr>
+            <p:ph idx="1"/>
+          </p:nvPr>
+        </p:nvSpPr>
+        <p:spPr>
           <a:xfrm>
-            <a:off x="6703014" y="2515396"/>
-            <a:ext cx="1938439" cy="1457586"/>
+            <a:off x="457200" y="1600200"/>
+            <a:ext cx="8229600" cy="4421087"/>
           </a:xfrm>
-          <a:prstGeom prst="rect">
-            <a:avLst/>
-          </a:prstGeom>
-          <a:noFill/>
-          <a:ln>
-            <a:noFill/>
-          </a:ln>
-          <a:extLst>
-            <a:ext uri="{909E8E84-426E-40DD-AFC4-6F175D3DCCD1}">
-              <a14:hiddenFill xmlns:a14="http://schemas.microsoft.com/office/drawing/2010/main">
-                <a:solidFill>
-                  <a:schemeClr val="accent1"/>
-                </a:solidFill>
-              </a14:hiddenFill>
-            </a:ext>
-            <a:ext uri="{91240B29-F687-4F45-9708-019B960494DF}">
-              <a14:hiddenLine xmlns:a14="http://schemas.microsoft.com/office/drawing/2010/main" w="9525">
-                <a:solidFill>
-                  <a:schemeClr val="tx1"/>
-                </a:solidFill>
-                <a:miter lim="800000"/>
-                <a:headEnd/>
-                <a:tailEnd/>
-              </a14:hiddenLine>
-            </a:ext>
-          </a:extLst>
         </p:spPr>
-      </p:pic>
-      <p:pic>
-        <p:nvPicPr>
-          <p:cNvPr id="1027" name="Picture 3"/>
-          <p:cNvPicPr>
-            <a:picLocks noChangeAspect="1" noChangeArrowheads="1"/>
-          </p:cNvPicPr>
-          <p:nvPr/>
-        </p:nvPicPr>
-        <p:blipFill>
-          <a:blip r:embed="rId3">
-            <a:extLst>
-              <a:ext uri="{28A0092B-C50C-407E-A947-70E740481C1C}">
-                <a14:useLocalDpi xmlns:a14="http://schemas.microsoft.com/office/drawing/2010/main" val="0"/>
-              </a:ext>
-            </a:extLst>
-          </a:blip>
-          <a:srcRect/>
-          <a:stretch>
-            <a:fillRect/>
-          </a:stretch>
-        </p:blipFill>
-        <p:spPr bwMode="auto">
-          <a:xfrm>
-            <a:off x="3973588" y="2812916"/>
-            <a:ext cx="1506015" cy="1249672"/>
-          </a:xfrm>
-          <a:prstGeom prst="rect">
-            <a:avLst/>
-          </a:prstGeom>
-          <a:noFill/>
-          <a:ln>
-            <a:noFill/>
-          </a:ln>
-          <a:extLst>
-            <a:ext uri="{909E8E84-426E-40DD-AFC4-6F175D3DCCD1}">
-              <a14:hiddenFill xmlns:a14="http://schemas.microsoft.com/office/drawing/2010/main">
-                <a:solidFill>
-                  <a:schemeClr val="accent1"/>
-                </a:solidFill>
-              </a14:hiddenFill>
-            </a:ext>
-            <a:ext uri="{91240B29-F687-4F45-9708-019B960494DF}">
-              <a14:hiddenLine xmlns:a14="http://schemas.microsoft.com/office/drawing/2010/main" w="9525">
-                <a:solidFill>
-                  <a:schemeClr val="tx1"/>
-                </a:solidFill>
-                <a:miter lim="800000"/>
-                <a:headEnd/>
-                <a:tailEnd/>
-              </a14:hiddenLine>
-            </a:ext>
-          </a:extLst>
-        </p:spPr>
-      </p:pic>
-      <p:pic>
-        <p:nvPicPr>
-          <p:cNvPr id="1028" name="Picture 4"/>
-          <p:cNvPicPr>
-            <a:picLocks noChangeAspect="1" noChangeArrowheads="1"/>
-          </p:cNvPicPr>
-          <p:nvPr/>
-        </p:nvPicPr>
-        <p:blipFill>
-          <a:blip r:embed="rId4">
-            <a:extLst>
-              <a:ext uri="{28A0092B-C50C-407E-A947-70E740481C1C}">
-                <a14:useLocalDpi xmlns:a14="http://schemas.microsoft.com/office/drawing/2010/main" val="0"/>
-              </a:ext>
-            </a:extLst>
-          </a:blip>
-          <a:srcRect/>
-          <a:stretch>
-            <a:fillRect/>
-          </a:stretch>
-        </p:blipFill>
-        <p:spPr bwMode="auto">
-          <a:xfrm>
-            <a:off x="5220072" y="3099361"/>
-            <a:ext cx="1800225" cy="180975"/>
-          </a:xfrm>
-          <a:prstGeom prst="rect">
-            <a:avLst/>
-          </a:prstGeom>
-          <a:noFill/>
-          <a:ln>
-            <a:noFill/>
-          </a:ln>
-          <a:extLst>
-            <a:ext uri="{909E8E84-426E-40DD-AFC4-6F175D3DCCD1}">
-              <a14:hiddenFill xmlns:a14="http://schemas.microsoft.com/office/drawing/2010/main">
-                <a:solidFill>
-                  <a:schemeClr val="accent1"/>
-                </a:solidFill>
-              </a14:hiddenFill>
-            </a:ext>
-            <a:ext uri="{91240B29-F687-4F45-9708-019B960494DF}">
-              <a14:hiddenLine xmlns:a14="http://schemas.microsoft.com/office/drawing/2010/main" w="9525">
-                <a:solidFill>
-                  <a:schemeClr val="tx1"/>
-                </a:solidFill>
-                <a:miter lim="800000"/>
-                <a:headEnd/>
-                <a:tailEnd/>
-              </a14:hiddenLine>
-            </a:ext>
-          </a:extLst>
-        </p:spPr>
-      </p:pic>
-      <p:pic>
-        <p:nvPicPr>
-          <p:cNvPr id="1029" name="Picture 5"/>
-          <p:cNvPicPr>
-            <a:picLocks noChangeAspect="1" noChangeArrowheads="1"/>
-          </p:cNvPicPr>
-          <p:nvPr/>
-        </p:nvPicPr>
-        <p:blipFill>
-          <a:blip r:embed="rId4">
-            <a:extLst>
-              <a:ext uri="{28A0092B-C50C-407E-A947-70E740481C1C}">
-                <a14:useLocalDpi xmlns:a14="http://schemas.microsoft.com/office/drawing/2010/main" val="0"/>
-              </a:ext>
-            </a:extLst>
-          </a:blip>
-          <a:srcRect/>
-          <a:stretch>
-            <a:fillRect/>
-          </a:stretch>
-        </p:blipFill>
-        <p:spPr bwMode="auto">
-          <a:xfrm rot="10800000">
-            <a:off x="5244226" y="3348147"/>
-            <a:ext cx="1800225" cy="180975"/>
-          </a:xfrm>
-          <a:prstGeom prst="rect">
-            <a:avLst/>
-          </a:prstGeom>
-          <a:noFill/>
-          <a:ln>
-            <a:noFill/>
-          </a:ln>
-          <a:extLst>
-            <a:ext uri="{909E8E84-426E-40DD-AFC4-6F175D3DCCD1}">
-              <a14:hiddenFill xmlns:a14="http://schemas.microsoft.com/office/drawing/2010/main">
-                <a:solidFill>
-                  <a:schemeClr val="accent1"/>
-                </a:solidFill>
-              </a14:hiddenFill>
-            </a:ext>
-            <a:ext uri="{91240B29-F687-4F45-9708-019B960494DF}">
-              <a14:hiddenLine xmlns:a14="http://schemas.microsoft.com/office/drawing/2010/main" w="9525">
-                <a:solidFill>
-                  <a:schemeClr val="tx1"/>
-                </a:solidFill>
-                <a:miter lim="800000"/>
-                <a:headEnd/>
-                <a:tailEnd/>
-              </a14:hiddenLine>
-            </a:ext>
-          </a:extLst>
-        </p:spPr>
-      </p:pic>
-      <p:pic>
-        <p:nvPicPr>
-          <p:cNvPr id="1031" name="Picture 7"/>
-          <p:cNvPicPr>
-            <a:picLocks noChangeAspect="1" noChangeArrowheads="1"/>
-          </p:cNvPicPr>
-          <p:nvPr/>
-        </p:nvPicPr>
-        <p:blipFill>
-          <a:blip r:embed="rId5">
-            <a:extLst>
-              <a:ext uri="{28A0092B-C50C-407E-A947-70E740481C1C}">
-                <a14:useLocalDpi xmlns:a14="http://schemas.microsoft.com/office/drawing/2010/main" val="0"/>
-              </a:ext>
-            </a:extLst>
-          </a:blip>
-          <a:srcRect/>
-          <a:stretch>
-            <a:fillRect/>
-          </a:stretch>
-        </p:blipFill>
-        <p:spPr bwMode="auto">
-          <a:xfrm>
-            <a:off x="490444" y="2727888"/>
-            <a:ext cx="1781175" cy="1685925"/>
-          </a:xfrm>
-          <a:prstGeom prst="rect">
-            <a:avLst/>
-          </a:prstGeom>
-          <a:noFill/>
-          <a:ln>
-            <a:noFill/>
-          </a:ln>
-          <a:extLst>
-            <a:ext uri="{909E8E84-426E-40DD-AFC4-6F175D3DCCD1}">
-              <a14:hiddenFill xmlns:a14="http://schemas.microsoft.com/office/drawing/2010/main">
-                <a:solidFill>
-                  <a:schemeClr val="accent1"/>
-                </a:solidFill>
-              </a14:hiddenFill>
-            </a:ext>
-            <a:ext uri="{91240B29-F687-4F45-9708-019B960494DF}">
-              <a14:hiddenLine xmlns:a14="http://schemas.microsoft.com/office/drawing/2010/main" w="9525">
-                <a:solidFill>
-                  <a:schemeClr val="tx1"/>
-                </a:solidFill>
-                <a:miter lim="800000"/>
-                <a:headEnd/>
-                <a:tailEnd/>
-              </a14:hiddenLine>
-            </a:ext>
-          </a:extLst>
-        </p:spPr>
-      </p:pic>
-      <p:pic>
-        <p:nvPicPr>
-          <p:cNvPr id="14" name="Picture 4"/>
-          <p:cNvPicPr>
-            <a:picLocks noChangeAspect="1" noChangeArrowheads="1"/>
-          </p:cNvPicPr>
-          <p:nvPr/>
-        </p:nvPicPr>
-        <p:blipFill>
-          <a:blip r:embed="rId4">
-            <a:extLst>
-              <a:ext uri="{28A0092B-C50C-407E-A947-70E740481C1C}">
-                <a14:useLocalDpi xmlns:a14="http://schemas.microsoft.com/office/drawing/2010/main" val="0"/>
-              </a:ext>
-            </a:extLst>
-          </a:blip>
-          <a:srcRect/>
-          <a:stretch>
-            <a:fillRect/>
-          </a:stretch>
-        </p:blipFill>
-        <p:spPr bwMode="auto">
-          <a:xfrm>
-            <a:off x="2287643" y="3099361"/>
-            <a:ext cx="1800225" cy="180975"/>
-          </a:xfrm>
-          <a:prstGeom prst="rect">
-            <a:avLst/>
-          </a:prstGeom>
-          <a:noFill/>
-          <a:ln>
-            <a:noFill/>
-          </a:ln>
-          <a:extLst>
-            <a:ext uri="{909E8E84-426E-40DD-AFC4-6F175D3DCCD1}">
-              <a14:hiddenFill xmlns:a14="http://schemas.microsoft.com/office/drawing/2010/main">
-                <a:solidFill>
-                  <a:schemeClr val="accent1"/>
-                </a:solidFill>
-              </a14:hiddenFill>
-            </a:ext>
-            <a:ext uri="{91240B29-F687-4F45-9708-019B960494DF}">
-              <a14:hiddenLine xmlns:a14="http://schemas.microsoft.com/office/drawing/2010/main" w="9525">
-                <a:solidFill>
-                  <a:schemeClr val="tx1"/>
-                </a:solidFill>
-                <a:miter lim="800000"/>
-                <a:headEnd/>
-                <a:tailEnd/>
-              </a14:hiddenLine>
-            </a:ext>
-          </a:extLst>
-        </p:spPr>
-      </p:pic>
-      <p:pic>
-        <p:nvPicPr>
-          <p:cNvPr id="15" name="Picture 5"/>
-          <p:cNvPicPr>
-            <a:picLocks noChangeAspect="1" noChangeArrowheads="1"/>
-          </p:cNvPicPr>
-          <p:nvPr/>
-        </p:nvPicPr>
-        <p:blipFill>
-          <a:blip r:embed="rId4">
-            <a:extLst>
-              <a:ext uri="{28A0092B-C50C-407E-A947-70E740481C1C}">
-                <a14:useLocalDpi xmlns:a14="http://schemas.microsoft.com/office/drawing/2010/main" val="0"/>
-              </a:ext>
-            </a:extLst>
-          </a:blip>
-          <a:srcRect/>
-          <a:stretch>
-            <a:fillRect/>
-          </a:stretch>
-        </p:blipFill>
-        <p:spPr bwMode="auto">
-          <a:xfrm rot="10800000">
-            <a:off x="2263120" y="3348146"/>
-            <a:ext cx="1800225" cy="180975"/>
-          </a:xfrm>
-          <a:prstGeom prst="rect">
-            <a:avLst/>
-          </a:prstGeom>
-          <a:noFill/>
-          <a:ln>
-            <a:noFill/>
-          </a:ln>
-          <a:extLst>
-            <a:ext uri="{909E8E84-426E-40DD-AFC4-6F175D3DCCD1}">
-              <a14:hiddenFill xmlns:a14="http://schemas.microsoft.com/office/drawing/2010/main">
-                <a:solidFill>
-                  <a:schemeClr val="accent1"/>
-                </a:solidFill>
-              </a14:hiddenFill>
-            </a:ext>
-            <a:ext uri="{91240B29-F687-4F45-9708-019B960494DF}">
-              <a14:hiddenLine xmlns:a14="http://schemas.microsoft.com/office/drawing/2010/main" w="9525">
-                <a:solidFill>
-                  <a:schemeClr val="tx1"/>
-                </a:solidFill>
-                <a:miter lim="800000"/>
-                <a:headEnd/>
-                <a:tailEnd/>
-              </a14:hiddenLine>
-            </a:ext>
-          </a:extLst>
-        </p:spPr>
-      </p:pic>
+        <p:txBody>
+          <a:bodyPr/>
+          <a:lstStyle/>
+          <a:p>
+            <a:pPr>
+              <a:buClr>
+                <a:srgbClr val="6699CC"/>
+              </a:buClr>
+            </a:pPr>
+            <a:r>
+              <a:rPr lang="fr-FR" dirty="0" smtClean="0"/>
+              <a:t>Client : CPE Lyon</a:t>
+            </a:r>
+          </a:p>
+          <a:p>
+            <a:pPr>
+              <a:buClr>
+                <a:srgbClr val="6699CC"/>
+              </a:buClr>
+            </a:pPr>
+            <a:r>
+              <a:rPr lang="fr-FR" dirty="0" smtClean="0"/>
+              <a:t>Logiciel : Gestionnaire d’une boulangerie</a:t>
+            </a:r>
+          </a:p>
+          <a:p>
+            <a:pPr>
+              <a:buClr>
+                <a:srgbClr val="6699CC"/>
+              </a:buClr>
+            </a:pPr>
+            <a:r>
+              <a:rPr lang="fr-FR" dirty="0" smtClean="0"/>
+              <a:t>Spécificité : </a:t>
+            </a:r>
+          </a:p>
+          <a:p>
+            <a:pPr lvl="1">
+              <a:buClr>
+                <a:srgbClr val="6699CC"/>
+              </a:buClr>
+            </a:pPr>
+            <a:r>
+              <a:rPr lang="fr-FR" dirty="0" smtClean="0"/>
+              <a:t>Chaque employé à un compte utilisateur</a:t>
+            </a:r>
+            <a:endParaRPr lang="fr-FR" dirty="0" smtClean="0"/>
+          </a:p>
+          <a:p>
+            <a:pPr lvl="1">
+              <a:buClr>
+                <a:srgbClr val="6699CC"/>
+              </a:buClr>
+            </a:pPr>
+            <a:r>
+              <a:rPr lang="fr-FR" dirty="0" smtClean="0"/>
+              <a:t>Interface par poste</a:t>
+            </a:r>
+          </a:p>
+          <a:p>
+            <a:pPr lvl="2">
+              <a:buClr>
+                <a:srgbClr val="6699CC"/>
+              </a:buClr>
+            </a:pPr>
+            <a:r>
+              <a:rPr lang="fr-FR" dirty="0" smtClean="0"/>
+              <a:t>Manager, employé de cuisson, vendeur</a:t>
+            </a:r>
+            <a:endParaRPr lang="fr-FR" dirty="0"/>
+          </a:p>
+        </p:txBody>
+      </p:sp>
     </p:spTree>
     <p:extLst>
       <p:ext uri="{BB962C8B-B14F-4D97-AF65-F5344CB8AC3E}">
@@ -18589,7 +24051,7 @@
           <a:p>
             <a:fld id="{A5DF02B5-C084-4573-B9AA-1687D980E5FB}" type="datetime1">
               <a:rPr lang="fr-FR" smtClean="0"/>
-              <a:t>03/01/2015</a:t>
+              <a:t>05/01/2015</a:t>
             </a:fld>
             <a:endParaRPr lang="fr-BE"/>
           </a:p>
@@ -18679,7 +24141,7 @@
                   </a:schemeClr>
                 </a:solidFill>
               </a:rPr>
-              <a:t>Présentation du logiciel</a:t>
+              <a:t>Présentation</a:t>
             </a:r>
             <a:endParaRPr lang="fr-FR" dirty="0">
               <a:solidFill>
@@ -18900,7 +24362,7 @@
           <a:p>
             <a:fld id="{A5DF02B5-C084-4573-B9AA-1687D980E5FB}" type="datetime1">
               <a:rPr lang="fr-FR" smtClean="0"/>
-              <a:t>03/01/2015</a:t>
+              <a:t>05/01/2015</a:t>
             </a:fld>
             <a:endParaRPr lang="fr-BE"/>
           </a:p>
@@ -18990,7 +24452,7 @@
                   </a:schemeClr>
                 </a:solidFill>
               </a:rPr>
-              <a:t>Présentation du logiciel</a:t>
+              <a:t>Présentation</a:t>
             </a:r>
             <a:endParaRPr lang="fr-FR" dirty="0">
               <a:solidFill>
@@ -19022,44 +24484,68 @@
           <a:bodyPr/>
           <a:lstStyle/>
           <a:p>
-            <a:pPr lvl="0"/>
+            <a:pPr lvl="0">
+              <a:buClr>
+                <a:srgbClr val="6699CC"/>
+              </a:buClr>
+            </a:pPr>
             <a:r>
               <a:rPr lang="fr-FR" dirty="0"/>
               <a:t>Organisée en 3 onglets : gestion des stocks, configuration et statistique.</a:t>
             </a:r>
           </a:p>
           <a:p>
-            <a:pPr lvl="0"/>
+            <a:pPr lvl="0">
+              <a:buClr>
+                <a:srgbClr val="6699CC"/>
+              </a:buClr>
+            </a:pPr>
             <a:r>
               <a:rPr lang="fr-FR" dirty="0"/>
               <a:t>Visualisation des stocks du magasin</a:t>
             </a:r>
           </a:p>
           <a:p>
-            <a:pPr lvl="0"/>
+            <a:pPr lvl="0">
+              <a:buClr>
+                <a:srgbClr val="6699CC"/>
+              </a:buClr>
+            </a:pPr>
             <a:r>
               <a:rPr lang="fr-FR" dirty="0"/>
               <a:t>Passage de commande</a:t>
             </a:r>
           </a:p>
           <a:p>
-            <a:pPr lvl="0"/>
+            <a:pPr lvl="0">
+              <a:buClr>
+                <a:srgbClr val="6699CC"/>
+              </a:buClr>
+            </a:pPr>
             <a:r>
               <a:rPr lang="fr-FR" dirty="0"/>
               <a:t>Configuration de tous les seuils du logiciel</a:t>
             </a:r>
           </a:p>
           <a:p>
-            <a:pPr lvl="0"/>
+            <a:pPr lvl="0">
+              <a:buClr>
+                <a:srgbClr val="6699CC"/>
+              </a:buClr>
+            </a:pPr>
             <a:r>
               <a:rPr lang="fr-FR" dirty="0"/>
               <a:t>Ajout / Suppression d’heure de pointe</a:t>
             </a:r>
           </a:p>
           <a:p>
-            <a:pPr lvl="0"/>
+            <a:pPr lvl="0">
+              <a:buClr>
+                <a:srgbClr val="6699CC"/>
+              </a:buClr>
+            </a:pPr>
             <a:r>
-              <a:rPr lang="fr-FR"/>
+              <a:rPr lang="fr-FR" dirty="0"/>
               <a:t>Visualisation des statistiques du magasin</a:t>
             </a:r>
           </a:p>
@@ -19164,7 +24650,7 @@
           <a:p>
             <a:fld id="{A5DF02B5-C084-4573-B9AA-1687D980E5FB}" type="datetime1">
               <a:rPr lang="fr-FR" smtClean="0"/>
-              <a:t>03/01/2015</a:t>
+              <a:t>05/01/2015</a:t>
             </a:fld>
             <a:endParaRPr lang="fr-BE"/>
           </a:p>
@@ -19254,7 +24740,7 @@
                   </a:schemeClr>
                 </a:solidFill>
               </a:rPr>
-              <a:t>Présentation du logiciel</a:t>
+              <a:t>Présentation</a:t>
             </a:r>
             <a:endParaRPr lang="fr-FR" dirty="0">
               <a:solidFill>
@@ -19434,7 +24920,7 @@
           <a:p>
             <a:fld id="{A5DF02B5-C084-4573-B9AA-1687D980E5FB}" type="datetime1">
               <a:rPr lang="fr-FR" smtClean="0"/>
-              <a:t>03/01/2015</a:t>
+              <a:t>05/01/2015</a:t>
             </a:fld>
             <a:endParaRPr lang="fr-BE"/>
           </a:p>
@@ -19524,7 +25010,7 @@
                   </a:schemeClr>
                 </a:solidFill>
               </a:rPr>
-              <a:t>Présentation du logiciel</a:t>
+              <a:t>Présentation</a:t>
             </a:r>
             <a:endParaRPr lang="fr-FR" dirty="0">
               <a:solidFill>
@@ -19561,6 +25047,65 @@
                 <a:srgbClr val="6699CC"/>
               </a:buClr>
             </a:pPr>
+            <a:r>
+              <a:rPr lang="fr-FR" dirty="0" smtClean="0"/>
+              <a:t>Visualiser les produits en vitrine</a:t>
+            </a:r>
+          </a:p>
+          <a:p>
+            <a:pPr>
+              <a:buClr>
+                <a:srgbClr val="6699CC"/>
+              </a:buClr>
+            </a:pPr>
+            <a:r>
+              <a:rPr lang="fr-FR" dirty="0" smtClean="0"/>
+              <a:t>Gestion d’une vente</a:t>
+            </a:r>
+          </a:p>
+          <a:p>
+            <a:pPr lvl="1">
+              <a:buClr>
+                <a:srgbClr val="6699CC"/>
+              </a:buClr>
+            </a:pPr>
+            <a:r>
+              <a:rPr lang="fr-FR" dirty="0" smtClean="0"/>
+              <a:t>Ajout de produits</a:t>
+            </a:r>
+          </a:p>
+          <a:p>
+            <a:pPr lvl="1">
+              <a:buClr>
+                <a:srgbClr val="6699CC"/>
+              </a:buClr>
+            </a:pPr>
+            <a:r>
+              <a:rPr lang="fr-FR" dirty="0" smtClean="0"/>
+              <a:t>Suppression de produits</a:t>
+            </a:r>
+          </a:p>
+          <a:p>
+            <a:pPr>
+              <a:buClr>
+                <a:srgbClr val="6699CC"/>
+              </a:buClr>
+            </a:pPr>
+            <a:r>
+              <a:rPr lang="fr-FR" dirty="0" smtClean="0"/>
+              <a:t>Annuler une vente</a:t>
+            </a:r>
+          </a:p>
+          <a:p>
+            <a:pPr>
+              <a:buClr>
+                <a:srgbClr val="6699CC"/>
+              </a:buClr>
+            </a:pPr>
+            <a:r>
+              <a:rPr lang="fr-FR" dirty="0" smtClean="0"/>
+              <a:t>Encaisser une vente</a:t>
+            </a:r>
             <a:endParaRPr lang="fr-FR" dirty="0"/>
           </a:p>
         </p:txBody>
